--- a/8_最終課題/最終課題個人製作.pptx
+++ b/8_最終課題/最終課題個人製作.pptx
@@ -5,32 +5,38 @@
     <p:sldMasterId id="2147483942" r:id="rId1"/>
   </p:sldMasterIdLst>
   <p:notesMasterIdLst>
-    <p:notesMasterId r:id="rId22"/>
+    <p:notesMasterId r:id="rId25"/>
   </p:notesMasterIdLst>
+  <p:handoutMasterIdLst>
+    <p:handoutMasterId r:id="rId26"/>
+  </p:handoutMasterIdLst>
   <p:sldIdLst>
     <p:sldId id="256" r:id="rId2"/>
     <p:sldId id="257" r:id="rId3"/>
     <p:sldId id="258" r:id="rId4"/>
     <p:sldId id="259" r:id="rId5"/>
-    <p:sldId id="260" r:id="rId6"/>
-    <p:sldId id="261" r:id="rId7"/>
-    <p:sldId id="262" r:id="rId8"/>
-    <p:sldId id="263" r:id="rId9"/>
-    <p:sldId id="264" r:id="rId10"/>
-    <p:sldId id="265" r:id="rId11"/>
-    <p:sldId id="266" r:id="rId12"/>
-    <p:sldId id="267" r:id="rId13"/>
-    <p:sldId id="268" r:id="rId14"/>
-    <p:sldId id="269" r:id="rId15"/>
-    <p:sldId id="270" r:id="rId16"/>
-    <p:sldId id="271" r:id="rId17"/>
-    <p:sldId id="272" r:id="rId18"/>
-    <p:sldId id="273" r:id="rId19"/>
-    <p:sldId id="274" r:id="rId20"/>
-    <p:sldId id="275" r:id="rId21"/>
+    <p:sldId id="276" r:id="rId6"/>
+    <p:sldId id="260" r:id="rId7"/>
+    <p:sldId id="261" r:id="rId8"/>
+    <p:sldId id="262" r:id="rId9"/>
+    <p:sldId id="263" r:id="rId10"/>
+    <p:sldId id="277" r:id="rId11"/>
+    <p:sldId id="264" r:id="rId12"/>
+    <p:sldId id="265" r:id="rId13"/>
+    <p:sldId id="266" r:id="rId14"/>
+    <p:sldId id="267" r:id="rId15"/>
+    <p:sldId id="268" r:id="rId16"/>
+    <p:sldId id="278" r:id="rId17"/>
+    <p:sldId id="269" r:id="rId18"/>
+    <p:sldId id="270" r:id="rId19"/>
+    <p:sldId id="271" r:id="rId20"/>
+    <p:sldId id="272" r:id="rId21"/>
+    <p:sldId id="273" r:id="rId22"/>
+    <p:sldId id="274" r:id="rId23"/>
+    <p:sldId id="275" r:id="rId24"/>
   </p:sldIdLst>
   <p:sldSz cx="12192000" cy="6858000"/>
-  <p:notesSz cx="6858000" cy="9144000"/>
+  <p:notesSz cx="7099300" cy="10234613"/>
   <p:defaultTextStyle>
     <a:defPPr>
       <a:defRPr lang="ja-JP"/>
@@ -130,8 +136,201 @@
     <p:ext uri="{EFAFB233-063F-42B5-8137-9DF3F51BA10A}">
       <p15:sldGuideLst xmlns:p15="http://schemas.microsoft.com/office/powerpoint/2012/main"/>
     </p:ext>
+    <p:ext uri="{2D200454-40CA-4A62-9FC3-DE9A4176ACB9}">
+      <p15:notesGuideLst xmlns:p15="http://schemas.microsoft.com/office/powerpoint/2012/main"/>
+    </p:ext>
   </p:extLst>
 </p:presentation>
+</file>
+
+<file path=ppt/handoutMasters/handoutMaster1.xml><?xml version="1.0" encoding="utf-8"?>
+<p:handoutMaster xmlns:a="http://schemas.openxmlformats.org/drawingml/2006/main" xmlns:r="http://schemas.openxmlformats.org/officeDocument/2006/relationships" xmlns:p="http://schemas.openxmlformats.org/presentationml/2006/main">
+  <p:cSld>
+    <p:bg>
+      <p:bgRef idx="1001">
+        <a:schemeClr val="bg1"/>
+      </p:bgRef>
+    </p:bg>
+    <p:spTree>
+      <p:nvGrpSpPr>
+        <p:cNvPr id="1" name=""/>
+        <p:cNvGrpSpPr/>
+        <p:nvPr/>
+      </p:nvGrpSpPr>
+      <p:grpSpPr>
+        <a:xfrm>
+          <a:off x="0" y="0"/>
+          <a:ext cx="0" cy="0"/>
+          <a:chOff x="0" y="0"/>
+          <a:chExt cx="0" cy="0"/>
+        </a:xfrm>
+      </p:grpSpPr>
+      <p:sp>
+        <p:nvSpPr>
+          <p:cNvPr id="2" name="ヘッダー プレースホルダー 1">
+            <a:extLst>
+              <a:ext uri="{FF2B5EF4-FFF2-40B4-BE49-F238E27FC236}">
+                <a16:creationId xmlns:a16="http://schemas.microsoft.com/office/drawing/2014/main" id="{EF70F716-2F5F-4AE0-8020-958C90A363DF}"/>
+              </a:ext>
+            </a:extLst>
+          </p:cNvPr>
+          <p:cNvSpPr>
+            <a:spLocks noGrp="1"/>
+          </p:cNvSpPr>
+          <p:nvPr>
+            <p:ph type="hdr" sz="quarter"/>
+          </p:nvPr>
+        </p:nvSpPr>
+        <p:spPr>
+          <a:xfrm>
+            <a:off x="0" y="0"/>
+            <a:ext cx="3076363" cy="513508"/>
+          </a:xfrm>
+          <a:prstGeom prst="rect">
+            <a:avLst/>
+          </a:prstGeom>
+        </p:spPr>
+        <p:txBody>
+          <a:bodyPr vert="horz" lIns="99048" tIns="49524" rIns="99048" bIns="49524" rtlCol="0"/>
+          <a:lstStyle>
+            <a:lvl1pPr algn="l">
+              <a:defRPr sz="1300"/>
+            </a:lvl1pPr>
+          </a:lstStyle>
+          <a:p>
+            <a:endParaRPr kumimoji="1" lang="ja-JP" altLang="en-US"/>
+          </a:p>
+        </p:txBody>
+      </p:sp>
+      <p:sp>
+        <p:nvSpPr>
+          <p:cNvPr id="3" name="日付プレースホルダー 2">
+            <a:extLst>
+              <a:ext uri="{FF2B5EF4-FFF2-40B4-BE49-F238E27FC236}">
+                <a16:creationId xmlns:a16="http://schemas.microsoft.com/office/drawing/2014/main" id="{8780A89C-BE2E-45C4-A29B-6AEC31384E0E}"/>
+              </a:ext>
+            </a:extLst>
+          </p:cNvPr>
+          <p:cNvSpPr>
+            <a:spLocks noGrp="1"/>
+          </p:cNvSpPr>
+          <p:nvPr>
+            <p:ph type="dt" sz="quarter" idx="1"/>
+          </p:nvPr>
+        </p:nvSpPr>
+        <p:spPr>
+          <a:xfrm>
+            <a:off x="4021294" y="0"/>
+            <a:ext cx="3076363" cy="513508"/>
+          </a:xfrm>
+          <a:prstGeom prst="rect">
+            <a:avLst/>
+          </a:prstGeom>
+        </p:spPr>
+        <p:txBody>
+          <a:bodyPr vert="horz" lIns="99048" tIns="49524" rIns="99048" bIns="49524" rtlCol="0"/>
+          <a:lstStyle>
+            <a:lvl1pPr algn="r">
+              <a:defRPr sz="1300"/>
+            </a:lvl1pPr>
+          </a:lstStyle>
+          <a:p>
+            <a:r>
+              <a:rPr kumimoji="1" lang="en-US" altLang="ja-JP"/>
+              <a:t>2024/2/19</a:t>
+            </a:r>
+            <a:endParaRPr kumimoji="1" lang="ja-JP" altLang="en-US"/>
+          </a:p>
+        </p:txBody>
+      </p:sp>
+      <p:sp>
+        <p:nvSpPr>
+          <p:cNvPr id="4" name="フッター プレースホルダー 3">
+            <a:extLst>
+              <a:ext uri="{FF2B5EF4-FFF2-40B4-BE49-F238E27FC236}">
+                <a16:creationId xmlns:a16="http://schemas.microsoft.com/office/drawing/2014/main" id="{ECBB8ADD-0D35-4DA6-9E2A-4F0D80D7770A}"/>
+              </a:ext>
+            </a:extLst>
+          </p:cNvPr>
+          <p:cNvSpPr>
+            <a:spLocks noGrp="1"/>
+          </p:cNvSpPr>
+          <p:nvPr>
+            <p:ph type="ftr" sz="quarter" idx="2"/>
+          </p:nvPr>
+        </p:nvSpPr>
+        <p:spPr>
+          <a:xfrm>
+            <a:off x="0" y="9721107"/>
+            <a:ext cx="3076363" cy="513507"/>
+          </a:xfrm>
+          <a:prstGeom prst="rect">
+            <a:avLst/>
+          </a:prstGeom>
+        </p:spPr>
+        <p:txBody>
+          <a:bodyPr vert="horz" lIns="99048" tIns="49524" rIns="99048" bIns="49524" rtlCol="0" anchor="b"/>
+          <a:lstStyle>
+            <a:lvl1pPr algn="l">
+              <a:defRPr sz="1300"/>
+            </a:lvl1pPr>
+          </a:lstStyle>
+          <a:p>
+            <a:endParaRPr kumimoji="1" lang="ja-JP" altLang="en-US"/>
+          </a:p>
+        </p:txBody>
+      </p:sp>
+      <p:sp>
+        <p:nvSpPr>
+          <p:cNvPr id="5" name="スライド番号プレースホルダー 4">
+            <a:extLst>
+              <a:ext uri="{FF2B5EF4-FFF2-40B4-BE49-F238E27FC236}">
+                <a16:creationId xmlns:a16="http://schemas.microsoft.com/office/drawing/2014/main" id="{18F98B3E-3BF5-4B0E-B073-85F14CF2506C}"/>
+              </a:ext>
+            </a:extLst>
+          </p:cNvPr>
+          <p:cNvSpPr>
+            <a:spLocks noGrp="1"/>
+          </p:cNvSpPr>
+          <p:nvPr>
+            <p:ph type="sldNum" sz="quarter" idx="3"/>
+          </p:nvPr>
+        </p:nvSpPr>
+        <p:spPr>
+          <a:xfrm>
+            <a:off x="4021294" y="9721107"/>
+            <a:ext cx="3076363" cy="513507"/>
+          </a:xfrm>
+          <a:prstGeom prst="rect">
+            <a:avLst/>
+          </a:prstGeom>
+        </p:spPr>
+        <p:txBody>
+          <a:bodyPr vert="horz" lIns="99048" tIns="49524" rIns="99048" bIns="49524" rtlCol="0" anchor="b"/>
+          <a:lstStyle>
+            <a:lvl1pPr algn="r">
+              <a:defRPr sz="1300"/>
+            </a:lvl1pPr>
+          </a:lstStyle>
+          <a:p>
+            <a:fld id="{48F84F7B-494C-4E40-AB02-12D577BD9EA0}" type="slidenum">
+              <a:rPr kumimoji="1" lang="ja-JP" altLang="en-US" smtClean="0"/>
+              <a:t>‹#›</a:t>
+            </a:fld>
+            <a:endParaRPr kumimoji="1" lang="ja-JP" altLang="en-US"/>
+          </a:p>
+        </p:txBody>
+      </p:sp>
+    </p:spTree>
+    <p:extLst>
+      <p:ext uri="{BB962C8B-B14F-4D97-AF65-F5344CB8AC3E}">
+        <p14:creationId xmlns:p14="http://schemas.microsoft.com/office/powerpoint/2010/main" val="1305836081"/>
+      </p:ext>
+    </p:extLst>
+  </p:cSld>
+  <p:clrMap bg1="lt1" tx1="dk1" bg2="lt2" tx2="dk2" accent1="accent1" accent2="accent2" accent3="accent3" accent4="accent4" accent5="accent5" accent6="accent6" hlink="hlink" folHlink="folHlink"/>
+  <p:hf hdr="0" ftr="0"/>
+</p:handoutMaster>
 </file>
 
 <file path=ppt/notesMasters/notesMaster1.xml><?xml version="1.0" encoding="utf-8"?>
@@ -169,17 +368,17 @@
         <p:spPr>
           <a:xfrm>
             <a:off x="0" y="0"/>
-            <a:ext cx="2971800" cy="458788"/>
+            <a:ext cx="3076363" cy="513508"/>
           </a:xfrm>
           <a:prstGeom prst="rect">
             <a:avLst/>
           </a:prstGeom>
         </p:spPr>
         <p:txBody>
-          <a:bodyPr vert="horz" lIns="91440" tIns="45720" rIns="91440" bIns="45720" rtlCol="0"/>
+          <a:bodyPr vert="horz" lIns="99048" tIns="49524" rIns="99048" bIns="49524" rtlCol="0"/>
           <a:lstStyle>
             <a:lvl1pPr algn="l">
-              <a:defRPr sz="1200"/>
+              <a:defRPr sz="1300"/>
             </a:lvl1pPr>
           </a:lstStyle>
           <a:p>
@@ -199,25 +398,25 @@
         </p:nvSpPr>
         <p:spPr>
           <a:xfrm>
-            <a:off x="3884613" y="0"/>
-            <a:ext cx="2971800" cy="458788"/>
+            <a:off x="4021294" y="0"/>
+            <a:ext cx="3076363" cy="513508"/>
           </a:xfrm>
           <a:prstGeom prst="rect">
             <a:avLst/>
           </a:prstGeom>
         </p:spPr>
         <p:txBody>
-          <a:bodyPr vert="horz" lIns="91440" tIns="45720" rIns="91440" bIns="45720" rtlCol="0"/>
+          <a:bodyPr vert="horz" lIns="99048" tIns="49524" rIns="99048" bIns="49524" rtlCol="0"/>
           <a:lstStyle>
             <a:lvl1pPr algn="r">
-              <a:defRPr sz="1200"/>
+              <a:defRPr sz="1300"/>
             </a:lvl1pPr>
           </a:lstStyle>
           <a:p>
-            <a:fld id="{B4B8F985-EBE0-4044-A69D-E558E3C21C49}" type="datetimeFigureOut">
-              <a:rPr kumimoji="1" lang="ja-JP" altLang="en-US" smtClean="0"/>
-              <a:t>2024/2/14</a:t>
-            </a:fld>
+            <a:r>
+              <a:rPr kumimoji="1" lang="en-US" altLang="ja-JP"/>
+              <a:t>2024/2/19</a:t>
+            </a:r>
             <a:endParaRPr kumimoji="1" lang="ja-JP" altLang="en-US"/>
           </a:p>
         </p:txBody>
@@ -234,8 +433,8 @@
         </p:nvSpPr>
         <p:spPr>
           <a:xfrm>
-            <a:off x="685800" y="1143000"/>
-            <a:ext cx="5486400" cy="3086100"/>
+            <a:off x="479425" y="1279525"/>
+            <a:ext cx="6140450" cy="3454400"/>
           </a:xfrm>
           <a:prstGeom prst="rect">
             <a:avLst/>
@@ -248,7 +447,7 @@
           </a:ln>
         </p:spPr>
         <p:txBody>
-          <a:bodyPr vert="horz" lIns="91440" tIns="45720" rIns="91440" bIns="45720" rtlCol="0" anchor="ctr"/>
+          <a:bodyPr vert="horz" lIns="99048" tIns="49524" rIns="99048" bIns="49524" rtlCol="0" anchor="ctr"/>
           <a:lstStyle/>
           <a:p>
             <a:endParaRPr lang="ja-JP" altLang="en-US"/>
@@ -267,15 +466,15 @@
         </p:nvSpPr>
         <p:spPr>
           <a:xfrm>
-            <a:off x="685800" y="4400550"/>
-            <a:ext cx="5486400" cy="3600450"/>
+            <a:off x="709930" y="4925407"/>
+            <a:ext cx="5679440" cy="4029879"/>
           </a:xfrm>
           <a:prstGeom prst="rect">
             <a:avLst/>
           </a:prstGeom>
         </p:spPr>
         <p:txBody>
-          <a:bodyPr vert="horz" lIns="91440" tIns="45720" rIns="91440" bIns="45720" rtlCol="0"/>
+          <a:bodyPr vert="horz" lIns="99048" tIns="49524" rIns="99048" bIns="49524" rtlCol="0"/>
           <a:lstStyle/>
           <a:p>
             <a:pPr lvl="0"/>
@@ -358,18 +557,18 @@
         </p:nvSpPr>
         <p:spPr>
           <a:xfrm>
-            <a:off x="0" y="8685213"/>
-            <a:ext cx="2971800" cy="458787"/>
+            <a:off x="0" y="9721107"/>
+            <a:ext cx="3076363" cy="513507"/>
           </a:xfrm>
           <a:prstGeom prst="rect">
             <a:avLst/>
           </a:prstGeom>
         </p:spPr>
         <p:txBody>
-          <a:bodyPr vert="horz" lIns="91440" tIns="45720" rIns="91440" bIns="45720" rtlCol="0" anchor="b"/>
+          <a:bodyPr vert="horz" lIns="99048" tIns="49524" rIns="99048" bIns="49524" rtlCol="0" anchor="b"/>
           <a:lstStyle>
             <a:lvl1pPr algn="l">
-              <a:defRPr sz="1200"/>
+              <a:defRPr sz="1300"/>
             </a:lvl1pPr>
           </a:lstStyle>
           <a:p>
@@ -389,18 +588,18 @@
         </p:nvSpPr>
         <p:spPr>
           <a:xfrm>
-            <a:off x="3884613" y="8685213"/>
-            <a:ext cx="2971800" cy="458787"/>
+            <a:off x="4021294" y="9721107"/>
+            <a:ext cx="3076363" cy="513507"/>
           </a:xfrm>
           <a:prstGeom prst="rect">
             <a:avLst/>
           </a:prstGeom>
         </p:spPr>
         <p:txBody>
-          <a:bodyPr vert="horz" lIns="91440" tIns="45720" rIns="91440" bIns="45720" rtlCol="0" anchor="b"/>
+          <a:bodyPr vert="horz" lIns="99048" tIns="49524" rIns="99048" bIns="49524" rtlCol="0" anchor="b"/>
           <a:lstStyle>
             <a:lvl1pPr algn="r">
-              <a:defRPr sz="1200"/>
+              <a:defRPr sz="1300"/>
             </a:lvl1pPr>
           </a:lstStyle>
           <a:p>
@@ -420,6 +619,7 @@
     </p:extLst>
   </p:cSld>
   <p:clrMap bg1="lt1" tx1="dk1" bg2="lt2" tx2="dk2" accent1="accent1" accent2="accent2" accent3="accent3" accent4="accent4" accent5="accent5" accent6="accent6" hlink="hlink" folHlink="folHlink"/>
+  <p:hf hdr="0" ftr="0"/>
   <p:notesStyle>
     <a:lvl1pPr marL="0" algn="l" defTabSz="914400" rtl="0" eaLnBrk="1" latinLnBrk="0" hangingPunct="1">
       <a:defRPr kumimoji="1" sz="1200" kern="1200">
@@ -586,10 +786,1671 @@
           </a:p>
         </p:txBody>
       </p:sp>
+      <p:sp>
+        <p:nvSpPr>
+          <p:cNvPr id="5" name="日付プレースホルダー 4">
+            <a:extLst>
+              <a:ext uri="{FF2B5EF4-FFF2-40B4-BE49-F238E27FC236}">
+                <a16:creationId xmlns:a16="http://schemas.microsoft.com/office/drawing/2014/main" id="{0E39B1DD-D8CC-48DC-A99A-3D43FE52D2D3}"/>
+              </a:ext>
+            </a:extLst>
+          </p:cNvPr>
+          <p:cNvSpPr>
+            <a:spLocks noGrp="1"/>
+          </p:cNvSpPr>
+          <p:nvPr>
+            <p:ph type="dt" idx="1"/>
+          </p:nvPr>
+        </p:nvSpPr>
+        <p:spPr/>
+        <p:txBody>
+          <a:bodyPr/>
+          <a:lstStyle/>
+          <a:p>
+            <a:r>
+              <a:rPr kumimoji="1" lang="en-US" altLang="ja-JP"/>
+              <a:t>2024/2/19</a:t>
+            </a:r>
+            <a:endParaRPr kumimoji="1" lang="ja-JP" altLang="en-US"/>
+          </a:p>
+        </p:txBody>
+      </p:sp>
     </p:spTree>
     <p:extLst>
       <p:ext uri="{BB962C8B-B14F-4D97-AF65-F5344CB8AC3E}">
         <p14:creationId xmlns:p14="http://schemas.microsoft.com/office/powerpoint/2010/main" val="1104199445"/>
+      </p:ext>
+    </p:extLst>
+  </p:cSld>
+  <p:clrMapOvr>
+    <a:masterClrMapping/>
+  </p:clrMapOvr>
+</p:notes>
+</file>
+
+<file path=ppt/notesSlides/notesSlide10.xml><?xml version="1.0" encoding="utf-8"?>
+<p:notes xmlns:a="http://schemas.openxmlformats.org/drawingml/2006/main" xmlns:r="http://schemas.openxmlformats.org/officeDocument/2006/relationships" xmlns:p="http://schemas.openxmlformats.org/presentationml/2006/main">
+  <p:cSld>
+    <p:spTree>
+      <p:nvGrpSpPr>
+        <p:cNvPr id="1" name=""/>
+        <p:cNvGrpSpPr/>
+        <p:nvPr/>
+      </p:nvGrpSpPr>
+      <p:grpSpPr>
+        <a:xfrm>
+          <a:off x="0" y="0"/>
+          <a:ext cx="0" cy="0"/>
+          <a:chOff x="0" y="0"/>
+          <a:chExt cx="0" cy="0"/>
+        </a:xfrm>
+      </p:grpSpPr>
+      <p:sp>
+        <p:nvSpPr>
+          <p:cNvPr id="2" name="スライド イメージ プレースホルダー 1"/>
+          <p:cNvSpPr>
+            <a:spLocks noGrp="1" noRot="1" noChangeAspect="1"/>
+          </p:cNvSpPr>
+          <p:nvPr>
+            <p:ph type="sldImg"/>
+          </p:nvPr>
+        </p:nvSpPr>
+        <p:spPr/>
+      </p:sp>
+      <p:sp>
+        <p:nvSpPr>
+          <p:cNvPr id="3" name="ノート プレースホルダー 2"/>
+          <p:cNvSpPr>
+            <a:spLocks noGrp="1"/>
+          </p:cNvSpPr>
+          <p:nvPr>
+            <p:ph type="body" idx="1"/>
+          </p:nvPr>
+        </p:nvSpPr>
+        <p:spPr/>
+        <p:txBody>
+          <a:bodyPr/>
+          <a:lstStyle/>
+          <a:p>
+            <a:r>
+              <a:rPr kumimoji="1" lang="ja-JP" altLang="en-US" dirty="0"/>
+              <a:t>データベースで使用しているデータは</a:t>
+            </a:r>
+            <a:r>
+              <a:rPr kumimoji="1" lang="en-US" altLang="ja-JP" dirty="0" err="1"/>
+              <a:t>todos</a:t>
+            </a:r>
+            <a:r>
+              <a:rPr kumimoji="1" lang="ja-JP" altLang="en-US" dirty="0"/>
+              <a:t>テーブルのみとなっています。</a:t>
+            </a:r>
+            <a:endParaRPr kumimoji="1" lang="en-US" altLang="ja-JP" dirty="0"/>
+          </a:p>
+          <a:p>
+            <a:r>
+              <a:rPr kumimoji="1" lang="ja-JP" altLang="en-US" dirty="0"/>
+              <a:t>テーブルの属性は、</a:t>
+            </a:r>
+            <a:r>
+              <a:rPr kumimoji="1" lang="en-US" altLang="ja-JP" dirty="0"/>
+              <a:t>ID</a:t>
+            </a:r>
+            <a:r>
+              <a:rPr kumimoji="1" lang="ja-JP" altLang="en-US" dirty="0"/>
+              <a:t>、タスク名、日付、開始時間、終了時間の</a:t>
+            </a:r>
+            <a:r>
+              <a:rPr kumimoji="1" lang="en-US" altLang="ja-JP" dirty="0"/>
+              <a:t>5</a:t>
+            </a:r>
+            <a:r>
+              <a:rPr kumimoji="1" lang="ja-JP" altLang="en-US" dirty="0"/>
+              <a:t>つです。</a:t>
+            </a:r>
+            <a:endParaRPr kumimoji="1" lang="en-US" altLang="ja-JP" dirty="0"/>
+          </a:p>
+          <a:p>
+            <a:r>
+              <a:rPr kumimoji="1" lang="ja-JP" altLang="en-US" dirty="0"/>
+              <a:t>主キーは</a:t>
+            </a:r>
+            <a:r>
+              <a:rPr kumimoji="1" lang="en-US" altLang="ja-JP" dirty="0"/>
+              <a:t>ID</a:t>
+            </a:r>
+            <a:r>
+              <a:rPr kumimoji="1" lang="ja-JP" altLang="en-US" dirty="0"/>
+              <a:t>で</a:t>
+            </a:r>
+            <a:r>
+              <a:rPr kumimoji="1" lang="en-US" altLang="ja-JP" dirty="0"/>
+              <a:t>serial</a:t>
+            </a:r>
+            <a:r>
+              <a:rPr kumimoji="1" lang="ja-JP" altLang="en-US" dirty="0"/>
+              <a:t>型で設定しています。他の</a:t>
+            </a:r>
+            <a:r>
+              <a:rPr kumimoji="1" lang="en-US" altLang="ja-JP" dirty="0"/>
+              <a:t>4</a:t>
+            </a:r>
+            <a:r>
+              <a:rPr kumimoji="1" lang="ja-JP" altLang="en-US" dirty="0"/>
+              <a:t>つは</a:t>
+            </a:r>
+            <a:r>
+              <a:rPr kumimoji="1" lang="en-US" altLang="ja-JP" dirty="0"/>
+              <a:t>text</a:t>
+            </a:r>
+            <a:r>
+              <a:rPr kumimoji="1" lang="ja-JP" altLang="en-US" dirty="0"/>
+              <a:t>型で設定しています。</a:t>
+            </a:r>
+            <a:endParaRPr kumimoji="1" lang="en-US" altLang="ja-JP" dirty="0"/>
+          </a:p>
+          <a:p>
+            <a:endParaRPr kumimoji="1" lang="ja-JP" altLang="en-US" dirty="0"/>
+          </a:p>
+        </p:txBody>
+      </p:sp>
+      <p:sp>
+        <p:nvSpPr>
+          <p:cNvPr id="4" name="スライド番号プレースホルダー 3"/>
+          <p:cNvSpPr>
+            <a:spLocks noGrp="1"/>
+          </p:cNvSpPr>
+          <p:nvPr>
+            <p:ph type="sldNum" sz="quarter" idx="5"/>
+          </p:nvPr>
+        </p:nvSpPr>
+        <p:spPr/>
+        <p:txBody>
+          <a:bodyPr/>
+          <a:lstStyle/>
+          <a:p>
+            <a:fld id="{5EEB9B4B-C93E-44A9-9066-566F2C17D67A}" type="slidenum">
+              <a:rPr kumimoji="1" lang="ja-JP" altLang="en-US" smtClean="0"/>
+              <a:t>10</a:t>
+            </a:fld>
+            <a:endParaRPr kumimoji="1" lang="ja-JP" altLang="en-US"/>
+          </a:p>
+        </p:txBody>
+      </p:sp>
+      <p:sp>
+        <p:nvSpPr>
+          <p:cNvPr id="5" name="日付プレースホルダー 4">
+            <a:extLst>
+              <a:ext uri="{FF2B5EF4-FFF2-40B4-BE49-F238E27FC236}">
+                <a16:creationId xmlns:a16="http://schemas.microsoft.com/office/drawing/2014/main" id="{FBB566C3-0E71-454E-91DC-BE26DA8D859F}"/>
+              </a:ext>
+            </a:extLst>
+          </p:cNvPr>
+          <p:cNvSpPr>
+            <a:spLocks noGrp="1"/>
+          </p:cNvSpPr>
+          <p:nvPr>
+            <p:ph type="dt" idx="1"/>
+          </p:nvPr>
+        </p:nvSpPr>
+        <p:spPr/>
+        <p:txBody>
+          <a:bodyPr/>
+          <a:lstStyle/>
+          <a:p>
+            <a:r>
+              <a:rPr kumimoji="1" lang="en-US" altLang="ja-JP"/>
+              <a:t>2024/2/19</a:t>
+            </a:r>
+            <a:endParaRPr kumimoji="1" lang="ja-JP" altLang="en-US"/>
+          </a:p>
+        </p:txBody>
+      </p:sp>
+    </p:spTree>
+    <p:extLst>
+      <p:ext uri="{BB962C8B-B14F-4D97-AF65-F5344CB8AC3E}">
+        <p14:creationId xmlns:p14="http://schemas.microsoft.com/office/powerpoint/2010/main" val="2338929305"/>
+      </p:ext>
+    </p:extLst>
+  </p:cSld>
+  <p:clrMapOvr>
+    <a:masterClrMapping/>
+  </p:clrMapOvr>
+</p:notes>
+</file>
+
+<file path=ppt/notesSlides/notesSlide11.xml><?xml version="1.0" encoding="utf-8"?>
+<p:notes xmlns:a="http://schemas.openxmlformats.org/drawingml/2006/main" xmlns:r="http://schemas.openxmlformats.org/officeDocument/2006/relationships" xmlns:p="http://schemas.openxmlformats.org/presentationml/2006/main">
+  <p:cSld>
+    <p:spTree>
+      <p:nvGrpSpPr>
+        <p:cNvPr id="1" name=""/>
+        <p:cNvGrpSpPr/>
+        <p:nvPr/>
+      </p:nvGrpSpPr>
+      <p:grpSpPr>
+        <a:xfrm>
+          <a:off x="0" y="0"/>
+          <a:ext cx="0" cy="0"/>
+          <a:chOff x="0" y="0"/>
+          <a:chExt cx="0" cy="0"/>
+        </a:xfrm>
+      </p:grpSpPr>
+      <p:sp>
+        <p:nvSpPr>
+          <p:cNvPr id="2" name="スライド イメージ プレースホルダー 1"/>
+          <p:cNvSpPr>
+            <a:spLocks noGrp="1" noRot="1" noChangeAspect="1"/>
+          </p:cNvSpPr>
+          <p:nvPr>
+            <p:ph type="sldImg"/>
+          </p:nvPr>
+        </p:nvSpPr>
+        <p:spPr/>
+      </p:sp>
+      <p:sp>
+        <p:nvSpPr>
+          <p:cNvPr id="3" name="ノート プレースホルダー 2"/>
+          <p:cNvSpPr>
+            <a:spLocks noGrp="1"/>
+          </p:cNvSpPr>
+          <p:nvPr>
+            <p:ph type="body" idx="1"/>
+          </p:nvPr>
+        </p:nvSpPr>
+        <p:spPr/>
+        <p:txBody>
+          <a:bodyPr/>
+          <a:lstStyle/>
+          <a:p>
+            <a:r>
+              <a:rPr kumimoji="1" lang="ja-JP" altLang="en-US" dirty="0"/>
+              <a:t>こちらが新規追加部分となります。</a:t>
+            </a:r>
+            <a:endParaRPr kumimoji="1" lang="en-US" altLang="ja-JP" dirty="0"/>
+          </a:p>
+          <a:p>
+            <a:r>
+              <a:rPr kumimoji="1" lang="ja-JP" altLang="en-US" dirty="0"/>
+              <a:t>開始時間と終了時間は省略可となっており、</a:t>
+            </a:r>
+            <a:endParaRPr kumimoji="1" lang="en-US" altLang="ja-JP" dirty="0"/>
+          </a:p>
+          <a:p>
+            <a:r>
+              <a:rPr kumimoji="1" lang="ja-JP" altLang="en-US" dirty="0"/>
+              <a:t>省略した場合、未設定としてデータベースに保存されます。</a:t>
+            </a:r>
+            <a:endParaRPr kumimoji="1" lang="en-US" altLang="ja-JP" dirty="0"/>
+          </a:p>
+          <a:p>
+            <a:endParaRPr kumimoji="1" lang="ja-JP" altLang="en-US" dirty="0"/>
+          </a:p>
+        </p:txBody>
+      </p:sp>
+      <p:sp>
+        <p:nvSpPr>
+          <p:cNvPr id="4" name="スライド番号プレースホルダー 3"/>
+          <p:cNvSpPr>
+            <a:spLocks noGrp="1"/>
+          </p:cNvSpPr>
+          <p:nvPr>
+            <p:ph type="sldNum" sz="quarter" idx="5"/>
+          </p:nvPr>
+        </p:nvSpPr>
+        <p:spPr/>
+        <p:txBody>
+          <a:bodyPr/>
+          <a:lstStyle/>
+          <a:p>
+            <a:fld id="{5EEB9B4B-C93E-44A9-9066-566F2C17D67A}" type="slidenum">
+              <a:rPr kumimoji="1" lang="ja-JP" altLang="en-US" smtClean="0"/>
+              <a:t>11</a:t>
+            </a:fld>
+            <a:endParaRPr kumimoji="1" lang="ja-JP" altLang="en-US"/>
+          </a:p>
+        </p:txBody>
+      </p:sp>
+      <p:sp>
+        <p:nvSpPr>
+          <p:cNvPr id="5" name="日付プレースホルダー 4">
+            <a:extLst>
+              <a:ext uri="{FF2B5EF4-FFF2-40B4-BE49-F238E27FC236}">
+                <a16:creationId xmlns:a16="http://schemas.microsoft.com/office/drawing/2014/main" id="{3F15163C-2258-40A4-AF4A-C41841FC579B}"/>
+              </a:ext>
+            </a:extLst>
+          </p:cNvPr>
+          <p:cNvSpPr>
+            <a:spLocks noGrp="1"/>
+          </p:cNvSpPr>
+          <p:nvPr>
+            <p:ph type="dt" idx="1"/>
+          </p:nvPr>
+        </p:nvSpPr>
+        <p:spPr/>
+        <p:txBody>
+          <a:bodyPr/>
+          <a:lstStyle/>
+          <a:p>
+            <a:r>
+              <a:rPr kumimoji="1" lang="en-US" altLang="ja-JP"/>
+              <a:t>2024/2/19</a:t>
+            </a:r>
+            <a:endParaRPr kumimoji="1" lang="ja-JP" altLang="en-US"/>
+          </a:p>
+        </p:txBody>
+      </p:sp>
+    </p:spTree>
+    <p:extLst>
+      <p:ext uri="{BB962C8B-B14F-4D97-AF65-F5344CB8AC3E}">
+        <p14:creationId xmlns:p14="http://schemas.microsoft.com/office/powerpoint/2010/main" val="2844338710"/>
+      </p:ext>
+    </p:extLst>
+  </p:cSld>
+  <p:clrMapOvr>
+    <a:masterClrMapping/>
+  </p:clrMapOvr>
+</p:notes>
+</file>
+
+<file path=ppt/notesSlides/notesSlide12.xml><?xml version="1.0" encoding="utf-8"?>
+<p:notes xmlns:a="http://schemas.openxmlformats.org/drawingml/2006/main" xmlns:r="http://schemas.openxmlformats.org/officeDocument/2006/relationships" xmlns:p="http://schemas.openxmlformats.org/presentationml/2006/main">
+  <p:cSld>
+    <p:spTree>
+      <p:nvGrpSpPr>
+        <p:cNvPr id="1" name=""/>
+        <p:cNvGrpSpPr/>
+        <p:nvPr/>
+      </p:nvGrpSpPr>
+      <p:grpSpPr>
+        <a:xfrm>
+          <a:off x="0" y="0"/>
+          <a:ext cx="0" cy="0"/>
+          <a:chOff x="0" y="0"/>
+          <a:chExt cx="0" cy="0"/>
+        </a:xfrm>
+      </p:grpSpPr>
+      <p:sp>
+        <p:nvSpPr>
+          <p:cNvPr id="2" name="スライド イメージ プレースホルダー 1"/>
+          <p:cNvSpPr>
+            <a:spLocks noGrp="1" noRot="1" noChangeAspect="1"/>
+          </p:cNvSpPr>
+          <p:nvPr>
+            <p:ph type="sldImg"/>
+          </p:nvPr>
+        </p:nvSpPr>
+        <p:spPr/>
+      </p:sp>
+      <p:sp>
+        <p:nvSpPr>
+          <p:cNvPr id="3" name="ノート プレースホルダー 2"/>
+          <p:cNvSpPr>
+            <a:spLocks noGrp="1"/>
+          </p:cNvSpPr>
+          <p:nvPr>
+            <p:ph type="body" idx="1"/>
+          </p:nvPr>
+        </p:nvSpPr>
+        <p:spPr/>
+        <p:txBody>
+          <a:bodyPr/>
+          <a:lstStyle/>
+          <a:p>
+            <a:r>
+              <a:rPr kumimoji="1" lang="ja-JP" altLang="en-US" dirty="0"/>
+              <a:t>こちらがデータベースから取得したデータを表示する部分になります。</a:t>
+            </a:r>
+            <a:endParaRPr kumimoji="1" lang="en-US" altLang="ja-JP" dirty="0"/>
+          </a:p>
+        </p:txBody>
+      </p:sp>
+      <p:sp>
+        <p:nvSpPr>
+          <p:cNvPr id="4" name="スライド番号プレースホルダー 3"/>
+          <p:cNvSpPr>
+            <a:spLocks noGrp="1"/>
+          </p:cNvSpPr>
+          <p:nvPr>
+            <p:ph type="sldNum" sz="quarter" idx="5"/>
+          </p:nvPr>
+        </p:nvSpPr>
+        <p:spPr/>
+        <p:txBody>
+          <a:bodyPr/>
+          <a:lstStyle/>
+          <a:p>
+            <a:fld id="{5EEB9B4B-C93E-44A9-9066-566F2C17D67A}" type="slidenum">
+              <a:rPr kumimoji="1" lang="ja-JP" altLang="en-US" smtClean="0"/>
+              <a:t>12</a:t>
+            </a:fld>
+            <a:endParaRPr kumimoji="1" lang="ja-JP" altLang="en-US"/>
+          </a:p>
+        </p:txBody>
+      </p:sp>
+      <p:sp>
+        <p:nvSpPr>
+          <p:cNvPr id="5" name="日付プレースホルダー 4">
+            <a:extLst>
+              <a:ext uri="{FF2B5EF4-FFF2-40B4-BE49-F238E27FC236}">
+                <a16:creationId xmlns:a16="http://schemas.microsoft.com/office/drawing/2014/main" id="{A2097DA0-0682-4B7E-989B-13C012077210}"/>
+              </a:ext>
+            </a:extLst>
+          </p:cNvPr>
+          <p:cNvSpPr>
+            <a:spLocks noGrp="1"/>
+          </p:cNvSpPr>
+          <p:nvPr>
+            <p:ph type="dt" idx="1"/>
+          </p:nvPr>
+        </p:nvSpPr>
+        <p:spPr/>
+        <p:txBody>
+          <a:bodyPr/>
+          <a:lstStyle/>
+          <a:p>
+            <a:r>
+              <a:rPr kumimoji="1" lang="en-US" altLang="ja-JP"/>
+              <a:t>2024/2/19</a:t>
+            </a:r>
+            <a:endParaRPr kumimoji="1" lang="ja-JP" altLang="en-US"/>
+          </a:p>
+        </p:txBody>
+      </p:sp>
+    </p:spTree>
+    <p:extLst>
+      <p:ext uri="{BB962C8B-B14F-4D97-AF65-F5344CB8AC3E}">
+        <p14:creationId xmlns:p14="http://schemas.microsoft.com/office/powerpoint/2010/main" val="468421244"/>
+      </p:ext>
+    </p:extLst>
+  </p:cSld>
+  <p:clrMapOvr>
+    <a:masterClrMapping/>
+  </p:clrMapOvr>
+</p:notes>
+</file>
+
+<file path=ppt/notesSlides/notesSlide13.xml><?xml version="1.0" encoding="utf-8"?>
+<p:notes xmlns:a="http://schemas.openxmlformats.org/drawingml/2006/main" xmlns:r="http://schemas.openxmlformats.org/officeDocument/2006/relationships" xmlns:p="http://schemas.openxmlformats.org/presentationml/2006/main">
+  <p:cSld>
+    <p:spTree>
+      <p:nvGrpSpPr>
+        <p:cNvPr id="1" name=""/>
+        <p:cNvGrpSpPr/>
+        <p:nvPr/>
+      </p:nvGrpSpPr>
+      <p:grpSpPr>
+        <a:xfrm>
+          <a:off x="0" y="0"/>
+          <a:ext cx="0" cy="0"/>
+          <a:chOff x="0" y="0"/>
+          <a:chExt cx="0" cy="0"/>
+        </a:xfrm>
+      </p:grpSpPr>
+      <p:sp>
+        <p:nvSpPr>
+          <p:cNvPr id="2" name="スライド イメージ プレースホルダー 1"/>
+          <p:cNvSpPr>
+            <a:spLocks noGrp="1" noRot="1" noChangeAspect="1"/>
+          </p:cNvSpPr>
+          <p:nvPr>
+            <p:ph type="sldImg"/>
+          </p:nvPr>
+        </p:nvSpPr>
+        <p:spPr/>
+      </p:sp>
+      <p:sp>
+        <p:nvSpPr>
+          <p:cNvPr id="3" name="ノート プレースホルダー 2"/>
+          <p:cNvSpPr>
+            <a:spLocks noGrp="1"/>
+          </p:cNvSpPr>
+          <p:nvPr>
+            <p:ph type="body" idx="1"/>
+          </p:nvPr>
+        </p:nvSpPr>
+        <p:spPr/>
+        <p:txBody>
+          <a:bodyPr/>
+          <a:lstStyle/>
+          <a:p>
+            <a:r>
+              <a:rPr kumimoji="1" lang="ja-JP" altLang="en-US" dirty="0"/>
+              <a:t>変更する際は、入力部分に変更後の値を入力していただき、</a:t>
+            </a:r>
+            <a:endParaRPr kumimoji="1" lang="en-US" altLang="ja-JP" dirty="0"/>
+          </a:p>
+          <a:p>
+            <a:r>
+              <a:rPr kumimoji="1" lang="ja-JP" altLang="en-US" dirty="0"/>
+              <a:t>変更したい項目を出力部分で選択し、</a:t>
+            </a:r>
+            <a:endParaRPr kumimoji="1" lang="en-US" altLang="ja-JP" dirty="0"/>
+          </a:p>
+          <a:p>
+            <a:r>
+              <a:rPr kumimoji="1" lang="ja-JP" altLang="en-US" dirty="0"/>
+              <a:t>変更ボタンをクリックする。</a:t>
+            </a:r>
+            <a:endParaRPr kumimoji="1" lang="en-US" altLang="ja-JP" dirty="0"/>
+          </a:p>
+          <a:p>
+            <a:r>
+              <a:rPr kumimoji="1" lang="ja-JP" altLang="en-US" dirty="0"/>
+              <a:t>削除は、出力部分の削除したい項目を選択し、</a:t>
+            </a:r>
+            <a:endParaRPr kumimoji="1" lang="en-US" altLang="ja-JP" dirty="0"/>
+          </a:p>
+          <a:p>
+            <a:r>
+              <a:rPr kumimoji="1" lang="ja-JP" altLang="en-US" dirty="0"/>
+              <a:t>削除ボタンをクリックする。</a:t>
+            </a:r>
+          </a:p>
+        </p:txBody>
+      </p:sp>
+      <p:sp>
+        <p:nvSpPr>
+          <p:cNvPr id="4" name="スライド番号プレースホルダー 3"/>
+          <p:cNvSpPr>
+            <a:spLocks noGrp="1"/>
+          </p:cNvSpPr>
+          <p:nvPr>
+            <p:ph type="sldNum" sz="quarter" idx="5"/>
+          </p:nvPr>
+        </p:nvSpPr>
+        <p:spPr/>
+        <p:txBody>
+          <a:bodyPr/>
+          <a:lstStyle/>
+          <a:p>
+            <a:fld id="{5EEB9B4B-C93E-44A9-9066-566F2C17D67A}" type="slidenum">
+              <a:rPr kumimoji="1" lang="ja-JP" altLang="en-US" smtClean="0"/>
+              <a:t>13</a:t>
+            </a:fld>
+            <a:endParaRPr kumimoji="1" lang="ja-JP" altLang="en-US"/>
+          </a:p>
+        </p:txBody>
+      </p:sp>
+      <p:sp>
+        <p:nvSpPr>
+          <p:cNvPr id="5" name="日付プレースホルダー 4">
+            <a:extLst>
+              <a:ext uri="{FF2B5EF4-FFF2-40B4-BE49-F238E27FC236}">
+                <a16:creationId xmlns:a16="http://schemas.microsoft.com/office/drawing/2014/main" id="{2D98A4A7-6A91-477F-9FA6-AF8F70B09E39}"/>
+              </a:ext>
+            </a:extLst>
+          </p:cNvPr>
+          <p:cNvSpPr>
+            <a:spLocks noGrp="1"/>
+          </p:cNvSpPr>
+          <p:nvPr>
+            <p:ph type="dt" idx="1"/>
+          </p:nvPr>
+        </p:nvSpPr>
+        <p:spPr/>
+        <p:txBody>
+          <a:bodyPr/>
+          <a:lstStyle/>
+          <a:p>
+            <a:r>
+              <a:rPr kumimoji="1" lang="en-US" altLang="ja-JP"/>
+              <a:t>2024/2/19</a:t>
+            </a:r>
+            <a:endParaRPr kumimoji="1" lang="ja-JP" altLang="en-US"/>
+          </a:p>
+        </p:txBody>
+      </p:sp>
+    </p:spTree>
+    <p:extLst>
+      <p:ext uri="{BB962C8B-B14F-4D97-AF65-F5344CB8AC3E}">
+        <p14:creationId xmlns:p14="http://schemas.microsoft.com/office/powerpoint/2010/main" val="4017418553"/>
+      </p:ext>
+    </p:extLst>
+  </p:cSld>
+  <p:clrMapOvr>
+    <a:masterClrMapping/>
+  </p:clrMapOvr>
+</p:notes>
+</file>
+
+<file path=ppt/notesSlides/notesSlide14.xml><?xml version="1.0" encoding="utf-8"?>
+<p:notes xmlns:a="http://schemas.openxmlformats.org/drawingml/2006/main" xmlns:r="http://schemas.openxmlformats.org/officeDocument/2006/relationships" xmlns:p="http://schemas.openxmlformats.org/presentationml/2006/main">
+  <p:cSld>
+    <p:spTree>
+      <p:nvGrpSpPr>
+        <p:cNvPr id="1" name=""/>
+        <p:cNvGrpSpPr/>
+        <p:nvPr/>
+      </p:nvGrpSpPr>
+      <p:grpSpPr>
+        <a:xfrm>
+          <a:off x="0" y="0"/>
+          <a:ext cx="0" cy="0"/>
+          <a:chOff x="0" y="0"/>
+          <a:chExt cx="0" cy="0"/>
+        </a:xfrm>
+      </p:grpSpPr>
+      <p:sp>
+        <p:nvSpPr>
+          <p:cNvPr id="2" name="スライド イメージ プレースホルダー 1"/>
+          <p:cNvSpPr>
+            <a:spLocks noGrp="1" noRot="1" noChangeAspect="1"/>
+          </p:cNvSpPr>
+          <p:nvPr>
+            <p:ph type="sldImg"/>
+          </p:nvPr>
+        </p:nvSpPr>
+        <p:spPr/>
+      </p:sp>
+      <p:sp>
+        <p:nvSpPr>
+          <p:cNvPr id="3" name="ノート プレースホルダー 2"/>
+          <p:cNvSpPr>
+            <a:spLocks noGrp="1"/>
+          </p:cNvSpPr>
+          <p:nvPr>
+            <p:ph type="body" idx="1"/>
+          </p:nvPr>
+        </p:nvSpPr>
+        <p:spPr/>
+        <p:txBody>
+          <a:bodyPr/>
+          <a:lstStyle/>
+          <a:p>
+            <a:r>
+              <a:rPr kumimoji="1" lang="en-US" altLang="ja-JP" dirty="0"/>
+              <a:t>3</a:t>
+            </a:r>
+            <a:r>
+              <a:rPr kumimoji="1" lang="ja-JP" altLang="en-US" dirty="0"/>
+              <a:t>つ目は、貸借管理アプリ </a:t>
+            </a:r>
+            <a:r>
+              <a:rPr kumimoji="1" lang="en-US" altLang="ja-JP" dirty="0"/>
+              <a:t>(</a:t>
+            </a:r>
+            <a:r>
+              <a:rPr kumimoji="1" lang="ja-JP" altLang="en-US" dirty="0"/>
+              <a:t>別名</a:t>
+            </a:r>
+            <a:r>
+              <a:rPr kumimoji="1" lang="en-US" altLang="ja-JP" dirty="0"/>
+              <a:t>:</a:t>
+            </a:r>
+            <a:r>
+              <a:rPr kumimoji="1" lang="ja-JP" altLang="en-US" dirty="0"/>
+              <a:t>天上不知唯我独損</a:t>
+            </a:r>
+            <a:r>
+              <a:rPr kumimoji="1" lang="en-US" altLang="ja-JP" dirty="0"/>
+              <a:t>(</a:t>
+            </a:r>
+            <a:r>
+              <a:rPr kumimoji="1" lang="ja-JP" altLang="en-US" dirty="0"/>
+              <a:t>ハコワレ</a:t>
+            </a:r>
+            <a:r>
+              <a:rPr kumimoji="1" lang="en-US" altLang="ja-JP" dirty="0"/>
+              <a:t>)</a:t>
+            </a:r>
+            <a:r>
+              <a:rPr kumimoji="1" lang="ja-JP" altLang="en-US" dirty="0"/>
+              <a:t>、命名</a:t>
+            </a:r>
+            <a:r>
+              <a:rPr kumimoji="1" lang="en-US" altLang="ja-JP" dirty="0"/>
+              <a:t>:</a:t>
+            </a:r>
+            <a:r>
+              <a:rPr kumimoji="1" lang="ja-JP" altLang="en-US" dirty="0"/>
+              <a:t>喜久山</a:t>
+            </a:r>
+            <a:r>
+              <a:rPr kumimoji="1" lang="en-US" altLang="ja-JP" dirty="0"/>
+              <a:t>)</a:t>
+            </a:r>
+            <a:r>
+              <a:rPr kumimoji="1" lang="ja-JP" altLang="en-US" dirty="0"/>
+              <a:t>です。</a:t>
+            </a:r>
+            <a:endParaRPr kumimoji="1" lang="en-US" altLang="ja-JP" dirty="0"/>
+          </a:p>
+          <a:p>
+            <a:r>
+              <a:rPr kumimoji="1" lang="ja-JP" altLang="en-US" dirty="0"/>
+              <a:t>このアプリに使用している言語は </a:t>
+            </a:r>
+            <a:r>
+              <a:rPr kumimoji="1" lang="en-US" altLang="ja-JP" dirty="0"/>
+              <a:t>VBA</a:t>
+            </a:r>
+            <a:r>
+              <a:rPr kumimoji="1" lang="ja-JP" altLang="en-US" dirty="0"/>
+              <a:t>、</a:t>
+            </a:r>
+            <a:r>
+              <a:rPr kumimoji="1" lang="en-US" altLang="ja-JP" dirty="0"/>
+              <a:t>SQLite</a:t>
+            </a:r>
+            <a:r>
+              <a:rPr kumimoji="1" lang="ja-JP" altLang="en-US" dirty="0"/>
+              <a:t> です。</a:t>
+            </a:r>
+            <a:endParaRPr kumimoji="1" lang="en-US" altLang="ja-JP" dirty="0"/>
+          </a:p>
+          <a:p>
+            <a:r>
+              <a:rPr kumimoji="1" lang="ja-JP" altLang="en-US" dirty="0"/>
+              <a:t>このアプリは自分で使用することを目的で作成しており、利息の計算をするのが面倒なので</a:t>
+            </a:r>
+            <a:endParaRPr kumimoji="1" lang="en-US" altLang="ja-JP" dirty="0"/>
+          </a:p>
+          <a:p>
+            <a:r>
+              <a:rPr kumimoji="1" lang="ja-JP" altLang="en-US" dirty="0"/>
+              <a:t>前々から欲しいと思っていながら、ずっと作らずにいたアプリを制作しました。</a:t>
+            </a:r>
+            <a:endParaRPr kumimoji="1" lang="en-US" altLang="ja-JP" dirty="0"/>
+          </a:p>
+          <a:p>
+            <a:endParaRPr kumimoji="1" lang="ja-JP" altLang="en-US" dirty="0"/>
+          </a:p>
+        </p:txBody>
+      </p:sp>
+      <p:sp>
+        <p:nvSpPr>
+          <p:cNvPr id="4" name="スライド番号プレースホルダー 3"/>
+          <p:cNvSpPr>
+            <a:spLocks noGrp="1"/>
+          </p:cNvSpPr>
+          <p:nvPr>
+            <p:ph type="sldNum" sz="quarter" idx="5"/>
+          </p:nvPr>
+        </p:nvSpPr>
+        <p:spPr/>
+        <p:txBody>
+          <a:bodyPr/>
+          <a:lstStyle/>
+          <a:p>
+            <a:fld id="{5EEB9B4B-C93E-44A9-9066-566F2C17D67A}" type="slidenum">
+              <a:rPr kumimoji="1" lang="ja-JP" altLang="en-US" smtClean="0"/>
+              <a:t>14</a:t>
+            </a:fld>
+            <a:endParaRPr kumimoji="1" lang="ja-JP" altLang="en-US"/>
+          </a:p>
+        </p:txBody>
+      </p:sp>
+      <p:sp>
+        <p:nvSpPr>
+          <p:cNvPr id="5" name="日付プレースホルダー 4">
+            <a:extLst>
+              <a:ext uri="{FF2B5EF4-FFF2-40B4-BE49-F238E27FC236}">
+                <a16:creationId xmlns:a16="http://schemas.microsoft.com/office/drawing/2014/main" id="{BFCD0D4C-CF77-4B31-8B97-B76CD0DFC171}"/>
+              </a:ext>
+            </a:extLst>
+          </p:cNvPr>
+          <p:cNvSpPr>
+            <a:spLocks noGrp="1"/>
+          </p:cNvSpPr>
+          <p:nvPr>
+            <p:ph type="dt" idx="1"/>
+          </p:nvPr>
+        </p:nvSpPr>
+        <p:spPr/>
+        <p:txBody>
+          <a:bodyPr/>
+          <a:lstStyle/>
+          <a:p>
+            <a:r>
+              <a:rPr kumimoji="1" lang="en-US" altLang="ja-JP"/>
+              <a:t>2024/2/19</a:t>
+            </a:r>
+            <a:endParaRPr kumimoji="1" lang="ja-JP" altLang="en-US"/>
+          </a:p>
+        </p:txBody>
+      </p:sp>
+    </p:spTree>
+    <p:extLst>
+      <p:ext uri="{BB962C8B-B14F-4D97-AF65-F5344CB8AC3E}">
+        <p14:creationId xmlns:p14="http://schemas.microsoft.com/office/powerpoint/2010/main" val="2801884251"/>
+      </p:ext>
+    </p:extLst>
+  </p:cSld>
+  <p:clrMapOvr>
+    <a:masterClrMapping/>
+  </p:clrMapOvr>
+</p:notes>
+</file>
+
+<file path=ppt/notesSlides/notesSlide15.xml><?xml version="1.0" encoding="utf-8"?>
+<p:notes xmlns:a="http://schemas.openxmlformats.org/drawingml/2006/main" xmlns:r="http://schemas.openxmlformats.org/officeDocument/2006/relationships" xmlns:p="http://schemas.openxmlformats.org/presentationml/2006/main">
+  <p:cSld>
+    <p:spTree>
+      <p:nvGrpSpPr>
+        <p:cNvPr id="1" name=""/>
+        <p:cNvGrpSpPr/>
+        <p:nvPr/>
+      </p:nvGrpSpPr>
+      <p:grpSpPr>
+        <a:xfrm>
+          <a:off x="0" y="0"/>
+          <a:ext cx="0" cy="0"/>
+          <a:chOff x="0" y="0"/>
+          <a:chExt cx="0" cy="0"/>
+        </a:xfrm>
+      </p:grpSpPr>
+      <p:sp>
+        <p:nvSpPr>
+          <p:cNvPr id="2" name="スライド イメージ プレースホルダー 1"/>
+          <p:cNvSpPr>
+            <a:spLocks noGrp="1" noRot="1" noChangeAspect="1"/>
+          </p:cNvSpPr>
+          <p:nvPr>
+            <p:ph type="sldImg"/>
+          </p:nvPr>
+        </p:nvSpPr>
+        <p:spPr/>
+      </p:sp>
+      <p:sp>
+        <p:nvSpPr>
+          <p:cNvPr id="3" name="ノート プレースホルダー 2"/>
+          <p:cNvSpPr>
+            <a:spLocks noGrp="1"/>
+          </p:cNvSpPr>
+          <p:nvPr>
+            <p:ph type="body" idx="1"/>
+          </p:nvPr>
+        </p:nvSpPr>
+        <p:spPr/>
+        <p:txBody>
+          <a:bodyPr/>
+          <a:lstStyle/>
+          <a:p>
+            <a:r>
+              <a:rPr kumimoji="1" lang="ja-JP" altLang="en-US" dirty="0"/>
+              <a:t>機能としては、ログイン、データの取得、データの追加、データの更新があります。</a:t>
+            </a:r>
+          </a:p>
+        </p:txBody>
+      </p:sp>
+      <p:sp>
+        <p:nvSpPr>
+          <p:cNvPr id="4" name="スライド番号プレースホルダー 3"/>
+          <p:cNvSpPr>
+            <a:spLocks noGrp="1"/>
+          </p:cNvSpPr>
+          <p:nvPr>
+            <p:ph type="sldNum" sz="quarter" idx="5"/>
+          </p:nvPr>
+        </p:nvSpPr>
+        <p:spPr/>
+        <p:txBody>
+          <a:bodyPr/>
+          <a:lstStyle/>
+          <a:p>
+            <a:fld id="{5EEB9B4B-C93E-44A9-9066-566F2C17D67A}" type="slidenum">
+              <a:rPr kumimoji="1" lang="ja-JP" altLang="en-US" smtClean="0"/>
+              <a:t>15</a:t>
+            </a:fld>
+            <a:endParaRPr kumimoji="1" lang="ja-JP" altLang="en-US"/>
+          </a:p>
+        </p:txBody>
+      </p:sp>
+      <p:sp>
+        <p:nvSpPr>
+          <p:cNvPr id="5" name="日付プレースホルダー 4">
+            <a:extLst>
+              <a:ext uri="{FF2B5EF4-FFF2-40B4-BE49-F238E27FC236}">
+                <a16:creationId xmlns:a16="http://schemas.microsoft.com/office/drawing/2014/main" id="{1832E59C-6A25-4C44-A8DF-D95BA6390CD4}"/>
+              </a:ext>
+            </a:extLst>
+          </p:cNvPr>
+          <p:cNvSpPr>
+            <a:spLocks noGrp="1"/>
+          </p:cNvSpPr>
+          <p:nvPr>
+            <p:ph type="dt" idx="1"/>
+          </p:nvPr>
+        </p:nvSpPr>
+        <p:spPr/>
+        <p:txBody>
+          <a:bodyPr/>
+          <a:lstStyle/>
+          <a:p>
+            <a:r>
+              <a:rPr kumimoji="1" lang="en-US" altLang="ja-JP"/>
+              <a:t>2024/2/19</a:t>
+            </a:r>
+            <a:endParaRPr kumimoji="1" lang="ja-JP" altLang="en-US"/>
+          </a:p>
+        </p:txBody>
+      </p:sp>
+    </p:spTree>
+    <p:extLst>
+      <p:ext uri="{BB962C8B-B14F-4D97-AF65-F5344CB8AC3E}">
+        <p14:creationId xmlns:p14="http://schemas.microsoft.com/office/powerpoint/2010/main" val="996002678"/>
+      </p:ext>
+    </p:extLst>
+  </p:cSld>
+  <p:clrMapOvr>
+    <a:masterClrMapping/>
+  </p:clrMapOvr>
+</p:notes>
+</file>
+
+<file path=ppt/notesSlides/notesSlide16.xml><?xml version="1.0" encoding="utf-8"?>
+<p:notes xmlns:a="http://schemas.openxmlformats.org/drawingml/2006/main" xmlns:r="http://schemas.openxmlformats.org/officeDocument/2006/relationships" xmlns:p="http://schemas.openxmlformats.org/presentationml/2006/main">
+  <p:cSld>
+    <p:spTree>
+      <p:nvGrpSpPr>
+        <p:cNvPr id="1" name=""/>
+        <p:cNvGrpSpPr/>
+        <p:nvPr/>
+      </p:nvGrpSpPr>
+      <p:grpSpPr>
+        <a:xfrm>
+          <a:off x="0" y="0"/>
+          <a:ext cx="0" cy="0"/>
+          <a:chOff x="0" y="0"/>
+          <a:chExt cx="0" cy="0"/>
+        </a:xfrm>
+      </p:grpSpPr>
+      <p:sp>
+        <p:nvSpPr>
+          <p:cNvPr id="2" name="スライド イメージ プレースホルダー 1"/>
+          <p:cNvSpPr>
+            <a:spLocks noGrp="1" noRot="1" noChangeAspect="1"/>
+          </p:cNvSpPr>
+          <p:nvPr>
+            <p:ph type="sldImg"/>
+          </p:nvPr>
+        </p:nvSpPr>
+        <p:spPr/>
+      </p:sp>
+      <p:sp>
+        <p:nvSpPr>
+          <p:cNvPr id="3" name="ノート プレースホルダー 2"/>
+          <p:cNvSpPr>
+            <a:spLocks noGrp="1"/>
+          </p:cNvSpPr>
+          <p:nvPr>
+            <p:ph type="body" idx="1"/>
+          </p:nvPr>
+        </p:nvSpPr>
+        <p:spPr/>
+        <p:txBody>
+          <a:bodyPr/>
+          <a:lstStyle/>
+          <a:p>
+            <a:r>
+              <a:rPr kumimoji="1" lang="ja-JP" altLang="en-US" dirty="0"/>
+              <a:t>データベースに使用しているテーブルには</a:t>
+            </a:r>
+            <a:r>
+              <a:rPr kumimoji="1" lang="en-US" altLang="ja-JP" dirty="0" err="1"/>
+              <a:t>loan_borrow</a:t>
+            </a:r>
+            <a:r>
+              <a:rPr kumimoji="1" lang="ja-JP" altLang="en-US" dirty="0"/>
+              <a:t>テーブルと</a:t>
+            </a:r>
+            <a:r>
+              <a:rPr kumimoji="1" lang="en-US" altLang="ja-JP" dirty="0" err="1"/>
+              <a:t>client_info</a:t>
+            </a:r>
+            <a:r>
+              <a:rPr kumimoji="1" lang="ja-JP" altLang="en-US" dirty="0"/>
+              <a:t>テーブルがあります。</a:t>
+            </a:r>
+            <a:endParaRPr kumimoji="1" lang="en-US" altLang="ja-JP" dirty="0"/>
+          </a:p>
+          <a:p>
+            <a:r>
+              <a:rPr kumimoji="1" lang="en-US" altLang="ja-JP" dirty="0" err="1"/>
+              <a:t>loan_borrow</a:t>
+            </a:r>
+            <a:r>
+              <a:rPr kumimoji="1" lang="ja-JP" altLang="en-US" dirty="0"/>
+              <a:t>テーブルには属性として、</a:t>
+            </a:r>
+            <a:r>
+              <a:rPr kumimoji="1" lang="en-US" altLang="ja-JP" dirty="0"/>
+              <a:t>ID</a:t>
+            </a:r>
+            <a:r>
+              <a:rPr kumimoji="1" lang="ja-JP" altLang="en-US" dirty="0"/>
+              <a:t>、</a:t>
+            </a:r>
+            <a:r>
+              <a:rPr kumimoji="1" lang="en-US" altLang="ja-JP" dirty="0" err="1"/>
+              <a:t>client_info</a:t>
+            </a:r>
+            <a:r>
+              <a:rPr kumimoji="1" lang="ja-JP" altLang="en-US" dirty="0"/>
+              <a:t>テーブルの</a:t>
+            </a:r>
+            <a:r>
+              <a:rPr kumimoji="1" lang="en-US" altLang="ja-JP" dirty="0"/>
+              <a:t>ID</a:t>
+            </a:r>
+            <a:r>
+              <a:rPr kumimoji="1" lang="ja-JP" altLang="en-US" dirty="0"/>
+              <a:t>、日付、金額があります。</a:t>
+            </a:r>
+            <a:endParaRPr kumimoji="1" lang="en-US" altLang="ja-JP" dirty="0"/>
+          </a:p>
+          <a:p>
+            <a:r>
+              <a:rPr kumimoji="1" lang="ja-JP" altLang="en-US" dirty="0"/>
+              <a:t>主キーは</a:t>
+            </a:r>
+            <a:r>
+              <a:rPr kumimoji="1" lang="en-US" altLang="ja-JP" dirty="0"/>
+              <a:t>id</a:t>
+            </a:r>
+            <a:r>
+              <a:rPr kumimoji="1" lang="ja-JP" altLang="en-US" dirty="0"/>
+              <a:t>を</a:t>
+            </a:r>
+            <a:r>
+              <a:rPr kumimoji="1" lang="en-US" altLang="ja-JP" dirty="0"/>
+              <a:t>serial</a:t>
+            </a:r>
+            <a:r>
+              <a:rPr kumimoji="1" lang="ja-JP" altLang="en-US" dirty="0"/>
+              <a:t>型で設定しています。</a:t>
+            </a:r>
+            <a:r>
+              <a:rPr kumimoji="1" lang="en-US" altLang="ja-JP" dirty="0" err="1"/>
+              <a:t>a_id</a:t>
+            </a:r>
+            <a:r>
+              <a:rPr kumimoji="1" lang="ja-JP" altLang="en-US" dirty="0"/>
+              <a:t>には</a:t>
+            </a:r>
+            <a:r>
+              <a:rPr kumimoji="1" lang="en-US" altLang="ja-JP" dirty="0" err="1"/>
+              <a:t>client_info</a:t>
+            </a:r>
+            <a:r>
+              <a:rPr kumimoji="1" lang="ja-JP" altLang="en-US" dirty="0"/>
+              <a:t>テーブルの</a:t>
+            </a:r>
+            <a:r>
+              <a:rPr kumimoji="1" lang="en-US" altLang="ja-JP" dirty="0"/>
+              <a:t>id</a:t>
+            </a:r>
+            <a:r>
+              <a:rPr kumimoji="1" lang="ja-JP" altLang="en-US" dirty="0"/>
+              <a:t>を外部キーとして設定しています。</a:t>
+            </a:r>
+            <a:endParaRPr kumimoji="1" lang="en-US" altLang="ja-JP" dirty="0"/>
+          </a:p>
+          <a:p>
+            <a:r>
+              <a:rPr kumimoji="1" lang="en-US" altLang="ja-JP" dirty="0" err="1"/>
+              <a:t>a_id</a:t>
+            </a:r>
+            <a:r>
+              <a:rPr kumimoji="1" lang="ja-JP" altLang="en-US" dirty="0"/>
+              <a:t>と</a:t>
+            </a:r>
+            <a:r>
+              <a:rPr kumimoji="1" lang="en-US" altLang="ja-JP" dirty="0"/>
+              <a:t>amount</a:t>
+            </a:r>
+            <a:r>
+              <a:rPr kumimoji="1" lang="ja-JP" altLang="en-US" dirty="0"/>
+              <a:t>は数値として、</a:t>
+            </a:r>
+            <a:r>
+              <a:rPr kumimoji="1" lang="en-US" altLang="ja-JP" dirty="0"/>
+              <a:t>date</a:t>
+            </a:r>
+            <a:r>
+              <a:rPr kumimoji="1" lang="ja-JP" altLang="en-US" dirty="0"/>
+              <a:t>には文字列型を設定してます。</a:t>
+            </a:r>
+            <a:endParaRPr kumimoji="1" lang="en-US" altLang="ja-JP" dirty="0"/>
+          </a:p>
+          <a:p>
+            <a:r>
+              <a:rPr kumimoji="1" lang="en-US" altLang="ja-JP" dirty="0" err="1"/>
+              <a:t>client_info</a:t>
+            </a:r>
+            <a:r>
+              <a:rPr kumimoji="1" lang="ja-JP" altLang="en-US" dirty="0"/>
+              <a:t>テーブルには属性として、</a:t>
+            </a:r>
+            <a:r>
+              <a:rPr kumimoji="1" lang="en-US" altLang="ja-JP" dirty="0"/>
+              <a:t>ID</a:t>
+            </a:r>
+            <a:r>
+              <a:rPr kumimoji="1" lang="ja-JP" altLang="en-US" dirty="0"/>
+              <a:t>、氏名、利息、元本、総金額があります。</a:t>
+            </a:r>
+            <a:endParaRPr kumimoji="1" lang="en-US" altLang="ja-JP" dirty="0"/>
+          </a:p>
+          <a:p>
+            <a:r>
+              <a:rPr kumimoji="1" lang="ja-JP" altLang="en-US" dirty="0"/>
+              <a:t>主キーには</a:t>
+            </a:r>
+            <a:r>
+              <a:rPr kumimoji="1" lang="en-US" altLang="ja-JP" dirty="0"/>
+              <a:t>id</a:t>
+            </a:r>
+            <a:r>
+              <a:rPr kumimoji="1" lang="ja-JP" altLang="en-US" dirty="0"/>
+              <a:t>を</a:t>
+            </a:r>
+            <a:r>
+              <a:rPr kumimoji="1" lang="en-US" altLang="ja-JP" dirty="0"/>
+              <a:t>serial</a:t>
+            </a:r>
+            <a:r>
+              <a:rPr kumimoji="1" lang="ja-JP" altLang="en-US" dirty="0"/>
+              <a:t>型で設定しています。</a:t>
+            </a:r>
+            <a:r>
+              <a:rPr kumimoji="1" lang="en-US" altLang="ja-JP" dirty="0"/>
+              <a:t>name</a:t>
+            </a:r>
+            <a:r>
+              <a:rPr kumimoji="1" lang="ja-JP" altLang="en-US" dirty="0"/>
+              <a:t>には文字列型、</a:t>
+            </a:r>
+            <a:r>
+              <a:rPr kumimoji="1" lang="en-US" altLang="ja-JP" dirty="0"/>
+              <a:t>interest</a:t>
+            </a:r>
+            <a:r>
+              <a:rPr kumimoji="1" lang="ja-JP" altLang="en-US" dirty="0"/>
+              <a:t>・</a:t>
+            </a:r>
+            <a:r>
+              <a:rPr kumimoji="1" lang="en-US" altLang="ja-JP" dirty="0"/>
+              <a:t>principal</a:t>
+            </a:r>
+            <a:r>
+              <a:rPr kumimoji="1" lang="ja-JP" altLang="en-US" dirty="0"/>
+              <a:t>・</a:t>
+            </a:r>
+            <a:r>
+              <a:rPr kumimoji="1" lang="en-US" altLang="ja-JP" dirty="0" err="1"/>
+              <a:t>total_amount</a:t>
+            </a:r>
+            <a:r>
+              <a:rPr kumimoji="1" lang="ja-JP" altLang="en-US" dirty="0"/>
+              <a:t>には数値型で設定しています。</a:t>
+            </a:r>
+            <a:endParaRPr kumimoji="1" lang="en-US" altLang="ja-JP" dirty="0"/>
+          </a:p>
+        </p:txBody>
+      </p:sp>
+      <p:sp>
+        <p:nvSpPr>
+          <p:cNvPr id="4" name="スライド番号プレースホルダー 3"/>
+          <p:cNvSpPr>
+            <a:spLocks noGrp="1"/>
+          </p:cNvSpPr>
+          <p:nvPr>
+            <p:ph type="sldNum" sz="quarter" idx="5"/>
+          </p:nvPr>
+        </p:nvSpPr>
+        <p:spPr/>
+        <p:txBody>
+          <a:bodyPr/>
+          <a:lstStyle/>
+          <a:p>
+            <a:fld id="{5EEB9B4B-C93E-44A9-9066-566F2C17D67A}" type="slidenum">
+              <a:rPr kumimoji="1" lang="ja-JP" altLang="en-US" smtClean="0"/>
+              <a:t>16</a:t>
+            </a:fld>
+            <a:endParaRPr kumimoji="1" lang="ja-JP" altLang="en-US"/>
+          </a:p>
+        </p:txBody>
+      </p:sp>
+      <p:sp>
+        <p:nvSpPr>
+          <p:cNvPr id="5" name="日付プレースホルダー 4">
+            <a:extLst>
+              <a:ext uri="{FF2B5EF4-FFF2-40B4-BE49-F238E27FC236}">
+                <a16:creationId xmlns:a16="http://schemas.microsoft.com/office/drawing/2014/main" id="{15C304D3-6671-410B-A2E2-1F90B6B42F32}"/>
+              </a:ext>
+            </a:extLst>
+          </p:cNvPr>
+          <p:cNvSpPr>
+            <a:spLocks noGrp="1"/>
+          </p:cNvSpPr>
+          <p:nvPr>
+            <p:ph type="dt" idx="1"/>
+          </p:nvPr>
+        </p:nvSpPr>
+        <p:spPr/>
+        <p:txBody>
+          <a:bodyPr/>
+          <a:lstStyle/>
+          <a:p>
+            <a:r>
+              <a:rPr kumimoji="1" lang="en-US" altLang="ja-JP"/>
+              <a:t>2024/2/19</a:t>
+            </a:r>
+            <a:endParaRPr kumimoji="1" lang="ja-JP" altLang="en-US"/>
+          </a:p>
+        </p:txBody>
+      </p:sp>
+    </p:spTree>
+    <p:extLst>
+      <p:ext uri="{BB962C8B-B14F-4D97-AF65-F5344CB8AC3E}">
+        <p14:creationId xmlns:p14="http://schemas.microsoft.com/office/powerpoint/2010/main" val="3451089843"/>
+      </p:ext>
+    </p:extLst>
+  </p:cSld>
+  <p:clrMapOvr>
+    <a:masterClrMapping/>
+  </p:clrMapOvr>
+</p:notes>
+</file>
+
+<file path=ppt/notesSlides/notesSlide17.xml><?xml version="1.0" encoding="utf-8"?>
+<p:notes xmlns:a="http://schemas.openxmlformats.org/drawingml/2006/main" xmlns:r="http://schemas.openxmlformats.org/officeDocument/2006/relationships" xmlns:p="http://schemas.openxmlformats.org/presentationml/2006/main">
+  <p:cSld>
+    <p:spTree>
+      <p:nvGrpSpPr>
+        <p:cNvPr id="1" name=""/>
+        <p:cNvGrpSpPr/>
+        <p:nvPr/>
+      </p:nvGrpSpPr>
+      <p:grpSpPr>
+        <a:xfrm>
+          <a:off x="0" y="0"/>
+          <a:ext cx="0" cy="0"/>
+          <a:chOff x="0" y="0"/>
+          <a:chExt cx="0" cy="0"/>
+        </a:xfrm>
+      </p:grpSpPr>
+      <p:sp>
+        <p:nvSpPr>
+          <p:cNvPr id="2" name="スライド イメージ プレースホルダー 1"/>
+          <p:cNvSpPr>
+            <a:spLocks noGrp="1" noRot="1" noChangeAspect="1"/>
+          </p:cNvSpPr>
+          <p:nvPr>
+            <p:ph type="sldImg"/>
+          </p:nvPr>
+        </p:nvSpPr>
+        <p:spPr/>
+      </p:sp>
+      <p:sp>
+        <p:nvSpPr>
+          <p:cNvPr id="3" name="ノート プレースホルダー 2"/>
+          <p:cNvSpPr>
+            <a:spLocks noGrp="1"/>
+          </p:cNvSpPr>
+          <p:nvPr>
+            <p:ph type="body" idx="1"/>
+          </p:nvPr>
+        </p:nvSpPr>
+        <p:spPr/>
+        <p:txBody>
+          <a:bodyPr/>
+          <a:lstStyle/>
+          <a:p>
+            <a:r>
+              <a:rPr kumimoji="1" lang="ja-JP" altLang="en-US" dirty="0"/>
+              <a:t>ファイルを起動すると最初に</a:t>
+            </a:r>
+            <a:r>
+              <a:rPr kumimoji="1" lang="en-US" altLang="ja-JP" dirty="0"/>
+              <a:t>password</a:t>
+            </a:r>
+            <a:r>
+              <a:rPr kumimoji="1" lang="ja-JP" altLang="en-US" dirty="0"/>
+              <a:t>を求められるので入力します。</a:t>
+            </a:r>
+            <a:endParaRPr kumimoji="1" lang="en-US" altLang="ja-JP" dirty="0"/>
+          </a:p>
+          <a:p>
+            <a:r>
+              <a:rPr kumimoji="1" lang="en-US" altLang="ja-JP" dirty="0"/>
+              <a:t>password</a:t>
+            </a:r>
+            <a:r>
+              <a:rPr kumimoji="1" lang="ja-JP" altLang="en-US" dirty="0"/>
+              <a:t>が一致した場合データベースからデータを取得して画面に表示します。</a:t>
+            </a:r>
+            <a:endParaRPr kumimoji="1" lang="en-US" altLang="ja-JP" dirty="0"/>
+          </a:p>
+        </p:txBody>
+      </p:sp>
+      <p:sp>
+        <p:nvSpPr>
+          <p:cNvPr id="4" name="スライド番号プレースホルダー 3"/>
+          <p:cNvSpPr>
+            <a:spLocks noGrp="1"/>
+          </p:cNvSpPr>
+          <p:nvPr>
+            <p:ph type="sldNum" sz="quarter" idx="5"/>
+          </p:nvPr>
+        </p:nvSpPr>
+        <p:spPr/>
+        <p:txBody>
+          <a:bodyPr/>
+          <a:lstStyle/>
+          <a:p>
+            <a:fld id="{5EEB9B4B-C93E-44A9-9066-566F2C17D67A}" type="slidenum">
+              <a:rPr kumimoji="1" lang="ja-JP" altLang="en-US" smtClean="0"/>
+              <a:t>17</a:t>
+            </a:fld>
+            <a:endParaRPr kumimoji="1" lang="ja-JP" altLang="en-US"/>
+          </a:p>
+        </p:txBody>
+      </p:sp>
+      <p:sp>
+        <p:nvSpPr>
+          <p:cNvPr id="5" name="日付プレースホルダー 4">
+            <a:extLst>
+              <a:ext uri="{FF2B5EF4-FFF2-40B4-BE49-F238E27FC236}">
+                <a16:creationId xmlns:a16="http://schemas.microsoft.com/office/drawing/2014/main" id="{0A712C45-75FF-43CD-92A2-1C2B47A26EFC}"/>
+              </a:ext>
+            </a:extLst>
+          </p:cNvPr>
+          <p:cNvSpPr>
+            <a:spLocks noGrp="1"/>
+          </p:cNvSpPr>
+          <p:nvPr>
+            <p:ph type="dt" idx="1"/>
+          </p:nvPr>
+        </p:nvSpPr>
+        <p:spPr/>
+        <p:txBody>
+          <a:bodyPr/>
+          <a:lstStyle/>
+          <a:p>
+            <a:r>
+              <a:rPr kumimoji="1" lang="en-US" altLang="ja-JP"/>
+              <a:t>2024/2/19</a:t>
+            </a:r>
+            <a:endParaRPr kumimoji="1" lang="ja-JP" altLang="en-US"/>
+          </a:p>
+        </p:txBody>
+      </p:sp>
+    </p:spTree>
+    <p:extLst>
+      <p:ext uri="{BB962C8B-B14F-4D97-AF65-F5344CB8AC3E}">
+        <p14:creationId xmlns:p14="http://schemas.microsoft.com/office/powerpoint/2010/main" val="4289752723"/>
+      </p:ext>
+    </p:extLst>
+  </p:cSld>
+  <p:clrMapOvr>
+    <a:masterClrMapping/>
+  </p:clrMapOvr>
+</p:notes>
+</file>
+
+<file path=ppt/notesSlides/notesSlide18.xml><?xml version="1.0" encoding="utf-8"?>
+<p:notes xmlns:a="http://schemas.openxmlformats.org/drawingml/2006/main" xmlns:r="http://schemas.openxmlformats.org/officeDocument/2006/relationships" xmlns:p="http://schemas.openxmlformats.org/presentationml/2006/main">
+  <p:cSld>
+    <p:spTree>
+      <p:nvGrpSpPr>
+        <p:cNvPr id="1" name=""/>
+        <p:cNvGrpSpPr/>
+        <p:nvPr/>
+      </p:nvGrpSpPr>
+      <p:grpSpPr>
+        <a:xfrm>
+          <a:off x="0" y="0"/>
+          <a:ext cx="0" cy="0"/>
+          <a:chOff x="0" y="0"/>
+          <a:chExt cx="0" cy="0"/>
+        </a:xfrm>
+      </p:grpSpPr>
+      <p:sp>
+        <p:nvSpPr>
+          <p:cNvPr id="2" name="スライド イメージ プレースホルダー 1"/>
+          <p:cNvSpPr>
+            <a:spLocks noGrp="1" noRot="1" noChangeAspect="1"/>
+          </p:cNvSpPr>
+          <p:nvPr>
+            <p:ph type="sldImg"/>
+          </p:nvPr>
+        </p:nvSpPr>
+        <p:spPr/>
+      </p:sp>
+      <p:sp>
+        <p:nvSpPr>
+          <p:cNvPr id="3" name="ノート プレースホルダー 2"/>
+          <p:cNvSpPr>
+            <a:spLocks noGrp="1"/>
+          </p:cNvSpPr>
+          <p:nvPr>
+            <p:ph type="body" idx="1"/>
+          </p:nvPr>
+        </p:nvSpPr>
+        <p:spPr/>
+        <p:txBody>
+          <a:bodyPr/>
+          <a:lstStyle/>
+          <a:p>
+            <a:r>
+              <a:rPr kumimoji="1" lang="ja-JP" altLang="en-US" dirty="0"/>
+              <a:t>表示内容は、氏名、</a:t>
+            </a:r>
+            <a:r>
+              <a:rPr kumimoji="1" lang="en-US" altLang="ja-JP" dirty="0"/>
+              <a:t>id</a:t>
+            </a:r>
+            <a:r>
+              <a:rPr kumimoji="1" lang="ja-JP" altLang="en-US" dirty="0"/>
+              <a:t>、元本、利息、総金額です。</a:t>
+            </a:r>
+          </a:p>
+        </p:txBody>
+      </p:sp>
+      <p:sp>
+        <p:nvSpPr>
+          <p:cNvPr id="4" name="スライド番号プレースホルダー 3"/>
+          <p:cNvSpPr>
+            <a:spLocks noGrp="1"/>
+          </p:cNvSpPr>
+          <p:nvPr>
+            <p:ph type="sldNum" sz="quarter" idx="5"/>
+          </p:nvPr>
+        </p:nvSpPr>
+        <p:spPr/>
+        <p:txBody>
+          <a:bodyPr/>
+          <a:lstStyle/>
+          <a:p>
+            <a:fld id="{5EEB9B4B-C93E-44A9-9066-566F2C17D67A}" type="slidenum">
+              <a:rPr kumimoji="1" lang="ja-JP" altLang="en-US" smtClean="0"/>
+              <a:t>18</a:t>
+            </a:fld>
+            <a:endParaRPr kumimoji="1" lang="ja-JP" altLang="en-US"/>
+          </a:p>
+        </p:txBody>
+      </p:sp>
+      <p:sp>
+        <p:nvSpPr>
+          <p:cNvPr id="5" name="日付プレースホルダー 4">
+            <a:extLst>
+              <a:ext uri="{FF2B5EF4-FFF2-40B4-BE49-F238E27FC236}">
+                <a16:creationId xmlns:a16="http://schemas.microsoft.com/office/drawing/2014/main" id="{7D463F0C-D440-40C1-AC1E-65CA46922A1B}"/>
+              </a:ext>
+            </a:extLst>
+          </p:cNvPr>
+          <p:cNvSpPr>
+            <a:spLocks noGrp="1"/>
+          </p:cNvSpPr>
+          <p:nvPr>
+            <p:ph type="dt" idx="1"/>
+          </p:nvPr>
+        </p:nvSpPr>
+        <p:spPr/>
+        <p:txBody>
+          <a:bodyPr/>
+          <a:lstStyle/>
+          <a:p>
+            <a:r>
+              <a:rPr kumimoji="1" lang="en-US" altLang="ja-JP"/>
+              <a:t>2024/2/19</a:t>
+            </a:r>
+            <a:endParaRPr kumimoji="1" lang="ja-JP" altLang="en-US"/>
+          </a:p>
+        </p:txBody>
+      </p:sp>
+    </p:spTree>
+    <p:extLst>
+      <p:ext uri="{BB962C8B-B14F-4D97-AF65-F5344CB8AC3E}">
+        <p14:creationId xmlns:p14="http://schemas.microsoft.com/office/powerpoint/2010/main" val="2718387301"/>
+      </p:ext>
+    </p:extLst>
+  </p:cSld>
+  <p:clrMapOvr>
+    <a:masterClrMapping/>
+  </p:clrMapOvr>
+</p:notes>
+</file>
+
+<file path=ppt/notesSlides/notesSlide19.xml><?xml version="1.0" encoding="utf-8"?>
+<p:notes xmlns:a="http://schemas.openxmlformats.org/drawingml/2006/main" xmlns:r="http://schemas.openxmlformats.org/officeDocument/2006/relationships" xmlns:p="http://schemas.openxmlformats.org/presentationml/2006/main">
+  <p:cSld>
+    <p:spTree>
+      <p:nvGrpSpPr>
+        <p:cNvPr id="1" name=""/>
+        <p:cNvGrpSpPr/>
+        <p:nvPr/>
+      </p:nvGrpSpPr>
+      <p:grpSpPr>
+        <a:xfrm>
+          <a:off x="0" y="0"/>
+          <a:ext cx="0" cy="0"/>
+          <a:chOff x="0" y="0"/>
+          <a:chExt cx="0" cy="0"/>
+        </a:xfrm>
+      </p:grpSpPr>
+      <p:sp>
+        <p:nvSpPr>
+          <p:cNvPr id="2" name="スライド イメージ プレースホルダー 1"/>
+          <p:cNvSpPr>
+            <a:spLocks noGrp="1" noRot="1" noChangeAspect="1"/>
+          </p:cNvSpPr>
+          <p:nvPr>
+            <p:ph type="sldImg"/>
+          </p:nvPr>
+        </p:nvSpPr>
+        <p:spPr/>
+      </p:sp>
+      <p:sp>
+        <p:nvSpPr>
+          <p:cNvPr id="3" name="ノート プレースホルダー 2"/>
+          <p:cNvSpPr>
+            <a:spLocks noGrp="1"/>
+          </p:cNvSpPr>
+          <p:nvPr>
+            <p:ph type="body" idx="1"/>
+          </p:nvPr>
+        </p:nvSpPr>
+        <p:spPr/>
+        <p:txBody>
+          <a:bodyPr/>
+          <a:lstStyle/>
+          <a:p>
+            <a:r>
+              <a:rPr kumimoji="1" lang="ja-JP" altLang="en-US" dirty="0"/>
+              <a:t>新規追加ボタンをクリックすると、</a:t>
+            </a:r>
+            <a:endParaRPr kumimoji="1" lang="en-US" altLang="ja-JP" dirty="0"/>
+          </a:p>
+          <a:p>
+            <a:r>
+              <a:rPr kumimoji="1" lang="ja-JP" altLang="en-US" dirty="0"/>
+              <a:t>氏名を入力する画面が出るので入力。</a:t>
+            </a:r>
+            <a:endParaRPr kumimoji="1" lang="en-US" altLang="ja-JP" dirty="0"/>
+          </a:p>
+          <a:p>
+            <a:r>
+              <a:rPr kumimoji="1" lang="ja-JP" altLang="en-US" dirty="0"/>
+              <a:t>追加ボタンをクリックすると、データベースに氏名を追加</a:t>
+            </a:r>
+            <a:endParaRPr kumimoji="1" lang="en-US" altLang="ja-JP" dirty="0"/>
+          </a:p>
+          <a:p>
+            <a:r>
+              <a:rPr kumimoji="1" lang="ja-JP" altLang="en-US" dirty="0"/>
+              <a:t>その際に、元本、利息、総金額に</a:t>
+            </a:r>
+            <a:r>
+              <a:rPr kumimoji="1" lang="en-US" altLang="ja-JP" dirty="0"/>
+              <a:t>0</a:t>
+            </a:r>
+            <a:r>
+              <a:rPr kumimoji="1" lang="ja-JP" altLang="en-US" dirty="0"/>
+              <a:t>を入力</a:t>
+            </a:r>
+            <a:endParaRPr kumimoji="1" lang="en-US" altLang="ja-JP" dirty="0"/>
+          </a:p>
+        </p:txBody>
+      </p:sp>
+      <p:sp>
+        <p:nvSpPr>
+          <p:cNvPr id="4" name="スライド番号プレースホルダー 3"/>
+          <p:cNvSpPr>
+            <a:spLocks noGrp="1"/>
+          </p:cNvSpPr>
+          <p:nvPr>
+            <p:ph type="sldNum" sz="quarter" idx="5"/>
+          </p:nvPr>
+        </p:nvSpPr>
+        <p:spPr/>
+        <p:txBody>
+          <a:bodyPr/>
+          <a:lstStyle/>
+          <a:p>
+            <a:fld id="{5EEB9B4B-C93E-44A9-9066-566F2C17D67A}" type="slidenum">
+              <a:rPr kumimoji="1" lang="ja-JP" altLang="en-US" smtClean="0"/>
+              <a:t>19</a:t>
+            </a:fld>
+            <a:endParaRPr kumimoji="1" lang="ja-JP" altLang="en-US"/>
+          </a:p>
+        </p:txBody>
+      </p:sp>
+      <p:sp>
+        <p:nvSpPr>
+          <p:cNvPr id="5" name="日付プレースホルダー 4">
+            <a:extLst>
+              <a:ext uri="{FF2B5EF4-FFF2-40B4-BE49-F238E27FC236}">
+                <a16:creationId xmlns:a16="http://schemas.microsoft.com/office/drawing/2014/main" id="{BE6B6ED5-8CE3-430C-9CAF-29B84111E847}"/>
+              </a:ext>
+            </a:extLst>
+          </p:cNvPr>
+          <p:cNvSpPr>
+            <a:spLocks noGrp="1"/>
+          </p:cNvSpPr>
+          <p:nvPr>
+            <p:ph type="dt" idx="1"/>
+          </p:nvPr>
+        </p:nvSpPr>
+        <p:spPr/>
+        <p:txBody>
+          <a:bodyPr/>
+          <a:lstStyle/>
+          <a:p>
+            <a:r>
+              <a:rPr kumimoji="1" lang="en-US" altLang="ja-JP"/>
+              <a:t>2024/2/19</a:t>
+            </a:r>
+            <a:endParaRPr kumimoji="1" lang="ja-JP" altLang="en-US"/>
+          </a:p>
+        </p:txBody>
+      </p:sp>
+    </p:spTree>
+    <p:extLst>
+      <p:ext uri="{BB962C8B-B14F-4D97-AF65-F5344CB8AC3E}">
+        <p14:creationId xmlns:p14="http://schemas.microsoft.com/office/powerpoint/2010/main" val="2917353518"/>
       </p:ext>
     </p:extLst>
   </p:cSld>
@@ -643,7 +2504,26 @@
           <a:bodyPr/>
           <a:lstStyle/>
           <a:p>
-            <a:endParaRPr kumimoji="1" lang="ja-JP" altLang="en-US" dirty="0"/>
+            <a:r>
+              <a:rPr kumimoji="1" lang="ja-JP" altLang="en-US" dirty="0"/>
+              <a:t>今回作成したアプリはタスク管理アプリ、</a:t>
+            </a:r>
+            <a:r>
+              <a:rPr kumimoji="1" lang="en-US" altLang="ja-JP" dirty="0" err="1"/>
+              <a:t>ToDo</a:t>
+            </a:r>
+            <a:r>
+              <a:rPr kumimoji="1" lang="ja-JP" altLang="en-US" dirty="0"/>
+              <a:t>リストアプリ、貸借管理アプリの</a:t>
+            </a:r>
+            <a:r>
+              <a:rPr kumimoji="1" lang="en-US" altLang="ja-JP" dirty="0"/>
+              <a:t>3</a:t>
+            </a:r>
+            <a:r>
+              <a:rPr kumimoji="1" lang="ja-JP" altLang="en-US" dirty="0"/>
+              <a:t>つです。</a:t>
+            </a:r>
           </a:p>
         </p:txBody>
       </p:sp>
@@ -670,10 +2550,667 @@
           </a:p>
         </p:txBody>
       </p:sp>
+      <p:sp>
+        <p:nvSpPr>
+          <p:cNvPr id="5" name="日付プレースホルダー 4">
+            <a:extLst>
+              <a:ext uri="{FF2B5EF4-FFF2-40B4-BE49-F238E27FC236}">
+                <a16:creationId xmlns:a16="http://schemas.microsoft.com/office/drawing/2014/main" id="{973A5C46-C818-445E-A929-24C3DA1440EC}"/>
+              </a:ext>
+            </a:extLst>
+          </p:cNvPr>
+          <p:cNvSpPr>
+            <a:spLocks noGrp="1"/>
+          </p:cNvSpPr>
+          <p:nvPr>
+            <p:ph type="dt" idx="1"/>
+          </p:nvPr>
+        </p:nvSpPr>
+        <p:spPr/>
+        <p:txBody>
+          <a:bodyPr/>
+          <a:lstStyle/>
+          <a:p>
+            <a:r>
+              <a:rPr kumimoji="1" lang="en-US" altLang="ja-JP"/>
+              <a:t>2024/2/19</a:t>
+            </a:r>
+            <a:endParaRPr kumimoji="1" lang="ja-JP" altLang="en-US"/>
+          </a:p>
+        </p:txBody>
+      </p:sp>
     </p:spTree>
     <p:extLst>
       <p:ext uri="{BB962C8B-B14F-4D97-AF65-F5344CB8AC3E}">
         <p14:creationId xmlns:p14="http://schemas.microsoft.com/office/powerpoint/2010/main" val="1438231652"/>
+      </p:ext>
+    </p:extLst>
+  </p:cSld>
+  <p:clrMapOvr>
+    <a:masterClrMapping/>
+  </p:clrMapOvr>
+</p:notes>
+</file>
+
+<file path=ppt/notesSlides/notesSlide20.xml><?xml version="1.0" encoding="utf-8"?>
+<p:notes xmlns:a="http://schemas.openxmlformats.org/drawingml/2006/main" xmlns:r="http://schemas.openxmlformats.org/officeDocument/2006/relationships" xmlns:p="http://schemas.openxmlformats.org/presentationml/2006/main">
+  <p:cSld>
+    <p:spTree>
+      <p:nvGrpSpPr>
+        <p:cNvPr id="1" name=""/>
+        <p:cNvGrpSpPr/>
+        <p:nvPr/>
+      </p:nvGrpSpPr>
+      <p:grpSpPr>
+        <a:xfrm>
+          <a:off x="0" y="0"/>
+          <a:ext cx="0" cy="0"/>
+          <a:chOff x="0" y="0"/>
+          <a:chExt cx="0" cy="0"/>
+        </a:xfrm>
+      </p:grpSpPr>
+      <p:sp>
+        <p:nvSpPr>
+          <p:cNvPr id="2" name="スライド イメージ プレースホルダー 1"/>
+          <p:cNvSpPr>
+            <a:spLocks noGrp="1" noRot="1" noChangeAspect="1"/>
+          </p:cNvSpPr>
+          <p:nvPr>
+            <p:ph type="sldImg"/>
+          </p:nvPr>
+        </p:nvSpPr>
+        <p:spPr/>
+      </p:sp>
+      <p:sp>
+        <p:nvSpPr>
+          <p:cNvPr id="3" name="ノート プレースホルダー 2"/>
+          <p:cNvSpPr>
+            <a:spLocks noGrp="1"/>
+          </p:cNvSpPr>
+          <p:nvPr>
+            <p:ph type="body" idx="1"/>
+          </p:nvPr>
+        </p:nvSpPr>
+        <p:spPr/>
+        <p:txBody>
+          <a:bodyPr/>
+          <a:lstStyle/>
+          <a:p>
+            <a:r>
+              <a:rPr kumimoji="1" lang="en-US" altLang="ja-JP" dirty="0"/>
+              <a:t>AR</a:t>
+            </a:r>
+            <a:r>
+              <a:rPr kumimoji="1" lang="ja-JP" altLang="en-US" dirty="0"/>
+              <a:t>ボタン</a:t>
+            </a:r>
+            <a:r>
+              <a:rPr kumimoji="1" lang="en-US" altLang="ja-JP" dirty="0"/>
+              <a:t>(accounts receivable)</a:t>
+            </a:r>
+            <a:r>
+              <a:rPr kumimoji="1" lang="ja-JP" altLang="en-US" dirty="0"/>
+              <a:t>をクリックするとユーザーフォームが表示されます。</a:t>
+            </a:r>
+            <a:endParaRPr kumimoji="1" lang="en-US" altLang="ja-JP" dirty="0"/>
+          </a:p>
+          <a:p>
+            <a:r>
+              <a:rPr kumimoji="1" lang="ja-JP" altLang="en-US" dirty="0"/>
+              <a:t>氏名をリストから選択すると</a:t>
+            </a:r>
+            <a:r>
+              <a:rPr kumimoji="1" lang="en-US" altLang="ja-JP" dirty="0"/>
+              <a:t>ID</a:t>
+            </a:r>
+            <a:r>
+              <a:rPr kumimoji="1" lang="ja-JP" altLang="en-US" dirty="0"/>
+              <a:t>が自動で入力されます。</a:t>
+            </a:r>
+            <a:endParaRPr kumimoji="1" lang="en-US" altLang="ja-JP" dirty="0"/>
+          </a:p>
+          <a:p>
+            <a:r>
+              <a:rPr kumimoji="1" lang="ja-JP" altLang="en-US" dirty="0"/>
+              <a:t>年月日に</a:t>
+            </a:r>
+            <a:r>
+              <a:rPr kumimoji="1" lang="en-US" altLang="ja-JP" dirty="0" err="1"/>
+              <a:t>yyyy</a:t>
+            </a:r>
+            <a:r>
+              <a:rPr kumimoji="1" lang="en-US" altLang="ja-JP" dirty="0"/>
+              <a:t>-MM-dd</a:t>
+            </a:r>
+            <a:r>
+              <a:rPr kumimoji="1" lang="ja-JP" altLang="en-US" dirty="0"/>
+              <a:t>の形式で入力</a:t>
+            </a:r>
+            <a:endParaRPr kumimoji="1" lang="en-US" altLang="ja-JP" dirty="0"/>
+          </a:p>
+          <a:p>
+            <a:r>
+              <a:rPr kumimoji="1" lang="ja-JP" altLang="en-US" dirty="0"/>
+              <a:t>金額に数値を入力して</a:t>
+            </a:r>
+            <a:r>
+              <a:rPr kumimoji="1" lang="en-US" altLang="ja-JP" dirty="0"/>
+              <a:t>OK</a:t>
+            </a:r>
+            <a:r>
+              <a:rPr kumimoji="1" lang="ja-JP" altLang="en-US" dirty="0"/>
+              <a:t>ボタンをクリックする。</a:t>
+            </a:r>
+            <a:endParaRPr kumimoji="1" lang="en-US" altLang="ja-JP" dirty="0"/>
+          </a:p>
+          <a:p>
+            <a:r>
+              <a:rPr kumimoji="1" lang="ja-JP" altLang="en-US" dirty="0"/>
+              <a:t>利息</a:t>
+            </a:r>
+            <a:r>
+              <a:rPr kumimoji="1" lang="en-US" altLang="ja-JP" dirty="0"/>
+              <a:t>(</a:t>
+            </a:r>
+            <a:r>
+              <a:rPr kumimoji="1" lang="ja-JP" altLang="en-US" dirty="0"/>
+              <a:t>年利</a:t>
+            </a:r>
+            <a:r>
+              <a:rPr kumimoji="1" lang="en-US" altLang="ja-JP" dirty="0"/>
+              <a:t>5%)</a:t>
+            </a:r>
+            <a:r>
+              <a:rPr kumimoji="1" lang="ja-JP" altLang="en-US" dirty="0"/>
+              <a:t>の計算をしたうえでデータベースに反映する。</a:t>
+            </a:r>
+          </a:p>
+        </p:txBody>
+      </p:sp>
+      <p:sp>
+        <p:nvSpPr>
+          <p:cNvPr id="4" name="スライド番号プレースホルダー 3"/>
+          <p:cNvSpPr>
+            <a:spLocks noGrp="1"/>
+          </p:cNvSpPr>
+          <p:nvPr>
+            <p:ph type="sldNum" sz="quarter" idx="5"/>
+          </p:nvPr>
+        </p:nvSpPr>
+        <p:spPr/>
+        <p:txBody>
+          <a:bodyPr/>
+          <a:lstStyle/>
+          <a:p>
+            <a:fld id="{5EEB9B4B-C93E-44A9-9066-566F2C17D67A}" type="slidenum">
+              <a:rPr kumimoji="1" lang="ja-JP" altLang="en-US" smtClean="0"/>
+              <a:t>20</a:t>
+            </a:fld>
+            <a:endParaRPr kumimoji="1" lang="ja-JP" altLang="en-US"/>
+          </a:p>
+        </p:txBody>
+      </p:sp>
+      <p:sp>
+        <p:nvSpPr>
+          <p:cNvPr id="5" name="日付プレースホルダー 4">
+            <a:extLst>
+              <a:ext uri="{FF2B5EF4-FFF2-40B4-BE49-F238E27FC236}">
+                <a16:creationId xmlns:a16="http://schemas.microsoft.com/office/drawing/2014/main" id="{4C48F913-2E38-4F98-B58A-169801F26F9B}"/>
+              </a:ext>
+            </a:extLst>
+          </p:cNvPr>
+          <p:cNvSpPr>
+            <a:spLocks noGrp="1"/>
+          </p:cNvSpPr>
+          <p:nvPr>
+            <p:ph type="dt" idx="1"/>
+          </p:nvPr>
+        </p:nvSpPr>
+        <p:spPr/>
+        <p:txBody>
+          <a:bodyPr/>
+          <a:lstStyle/>
+          <a:p>
+            <a:r>
+              <a:rPr kumimoji="1" lang="en-US" altLang="ja-JP"/>
+              <a:t>2024/2/19</a:t>
+            </a:r>
+            <a:endParaRPr kumimoji="1" lang="ja-JP" altLang="en-US"/>
+          </a:p>
+        </p:txBody>
+      </p:sp>
+    </p:spTree>
+    <p:extLst>
+      <p:ext uri="{BB962C8B-B14F-4D97-AF65-F5344CB8AC3E}">
+        <p14:creationId xmlns:p14="http://schemas.microsoft.com/office/powerpoint/2010/main" val="3853109024"/>
+      </p:ext>
+    </p:extLst>
+  </p:cSld>
+  <p:clrMapOvr>
+    <a:masterClrMapping/>
+  </p:clrMapOvr>
+</p:notes>
+</file>
+
+<file path=ppt/notesSlides/notesSlide21.xml><?xml version="1.0" encoding="utf-8"?>
+<p:notes xmlns:a="http://schemas.openxmlformats.org/drawingml/2006/main" xmlns:r="http://schemas.openxmlformats.org/officeDocument/2006/relationships" xmlns:p="http://schemas.openxmlformats.org/presentationml/2006/main">
+  <p:cSld>
+    <p:spTree>
+      <p:nvGrpSpPr>
+        <p:cNvPr id="1" name=""/>
+        <p:cNvGrpSpPr/>
+        <p:nvPr/>
+      </p:nvGrpSpPr>
+      <p:grpSpPr>
+        <a:xfrm>
+          <a:off x="0" y="0"/>
+          <a:ext cx="0" cy="0"/>
+          <a:chOff x="0" y="0"/>
+          <a:chExt cx="0" cy="0"/>
+        </a:xfrm>
+      </p:grpSpPr>
+      <p:sp>
+        <p:nvSpPr>
+          <p:cNvPr id="2" name="スライド イメージ プレースホルダー 1"/>
+          <p:cNvSpPr>
+            <a:spLocks noGrp="1" noRot="1" noChangeAspect="1"/>
+          </p:cNvSpPr>
+          <p:nvPr>
+            <p:ph type="sldImg"/>
+          </p:nvPr>
+        </p:nvSpPr>
+        <p:spPr/>
+      </p:sp>
+      <p:sp>
+        <p:nvSpPr>
+          <p:cNvPr id="3" name="ノート プレースホルダー 2"/>
+          <p:cNvSpPr>
+            <a:spLocks noGrp="1"/>
+          </p:cNvSpPr>
+          <p:nvPr>
+            <p:ph type="body" idx="1"/>
+          </p:nvPr>
+        </p:nvSpPr>
+        <p:spPr/>
+        <p:txBody>
+          <a:bodyPr/>
+          <a:lstStyle/>
+          <a:p>
+            <a:r>
+              <a:rPr kumimoji="1" lang="en-US" altLang="ja-JP" dirty="0"/>
+              <a:t>AP</a:t>
+            </a:r>
+            <a:r>
+              <a:rPr kumimoji="1" lang="ja-JP" altLang="en-US" dirty="0"/>
+              <a:t>ボタン</a:t>
+            </a:r>
+            <a:r>
+              <a:rPr kumimoji="1" lang="en-US" altLang="ja-JP" dirty="0"/>
+              <a:t>(Accounts payable)</a:t>
+            </a:r>
+            <a:r>
+              <a:rPr kumimoji="1" lang="ja-JP" altLang="en-US" dirty="0"/>
+              <a:t>をクリックすると、ユーザーフォームが表示されるので</a:t>
+            </a:r>
+            <a:endParaRPr kumimoji="1" lang="en-US" altLang="ja-JP" dirty="0"/>
+          </a:p>
+          <a:p>
+            <a:r>
+              <a:rPr kumimoji="1" lang="ja-JP" altLang="en-US" dirty="0"/>
+              <a:t>氏名をリストから選択すると自動的に</a:t>
+            </a:r>
+            <a:r>
+              <a:rPr kumimoji="1" lang="en-US" altLang="ja-JP" dirty="0"/>
+              <a:t>ID</a:t>
+            </a:r>
+            <a:r>
+              <a:rPr kumimoji="1" lang="ja-JP" altLang="en-US" dirty="0"/>
+              <a:t>に数値が入力され、利息と元本の値が表示されます。</a:t>
+            </a:r>
+            <a:endParaRPr kumimoji="1" lang="en-US" altLang="ja-JP" dirty="0"/>
+          </a:p>
+          <a:p>
+            <a:r>
+              <a:rPr kumimoji="1" lang="ja-JP" altLang="en-US" dirty="0"/>
+              <a:t>年月日を</a:t>
+            </a:r>
+            <a:r>
+              <a:rPr kumimoji="1" lang="en-US" altLang="ja-JP" dirty="0" err="1"/>
+              <a:t>yyyy</a:t>
+            </a:r>
+            <a:r>
+              <a:rPr kumimoji="1" lang="en-US" altLang="ja-JP" dirty="0"/>
+              <a:t>-MM-dd</a:t>
+            </a:r>
+            <a:r>
+              <a:rPr kumimoji="1" lang="ja-JP" altLang="en-US" dirty="0"/>
+              <a:t>の形式で入力</a:t>
+            </a:r>
+            <a:endParaRPr kumimoji="1" lang="en-US" altLang="ja-JP" dirty="0"/>
+          </a:p>
+          <a:p>
+            <a:r>
+              <a:rPr kumimoji="1" lang="ja-JP" altLang="en-US" dirty="0"/>
+              <a:t>利息と元本に</a:t>
+            </a:r>
+            <a:r>
+              <a:rPr kumimoji="1" lang="en-US" altLang="ja-JP" dirty="0"/>
+              <a:t>0</a:t>
+            </a:r>
+            <a:r>
+              <a:rPr kumimoji="1" lang="ja-JP" altLang="en-US" dirty="0"/>
+              <a:t>～表示されている値までの数値を入力する。</a:t>
+            </a:r>
+            <a:endParaRPr kumimoji="1" lang="en-US" altLang="ja-JP" dirty="0"/>
+          </a:p>
+          <a:p>
+            <a:r>
+              <a:rPr kumimoji="1" lang="en-US" altLang="ja-JP" dirty="0"/>
+              <a:t>OK</a:t>
+            </a:r>
+            <a:r>
+              <a:rPr kumimoji="1" lang="ja-JP" altLang="en-US" dirty="0"/>
+              <a:t>ボタンをクリックするとデータベースに反映する。</a:t>
+            </a:r>
+          </a:p>
+        </p:txBody>
+      </p:sp>
+      <p:sp>
+        <p:nvSpPr>
+          <p:cNvPr id="4" name="スライド番号プレースホルダー 3"/>
+          <p:cNvSpPr>
+            <a:spLocks noGrp="1"/>
+          </p:cNvSpPr>
+          <p:nvPr>
+            <p:ph type="sldNum" sz="quarter" idx="5"/>
+          </p:nvPr>
+        </p:nvSpPr>
+        <p:spPr/>
+        <p:txBody>
+          <a:bodyPr/>
+          <a:lstStyle/>
+          <a:p>
+            <a:fld id="{5EEB9B4B-C93E-44A9-9066-566F2C17D67A}" type="slidenum">
+              <a:rPr kumimoji="1" lang="ja-JP" altLang="en-US" smtClean="0"/>
+              <a:t>21</a:t>
+            </a:fld>
+            <a:endParaRPr kumimoji="1" lang="ja-JP" altLang="en-US"/>
+          </a:p>
+        </p:txBody>
+      </p:sp>
+      <p:sp>
+        <p:nvSpPr>
+          <p:cNvPr id="5" name="日付プレースホルダー 4">
+            <a:extLst>
+              <a:ext uri="{FF2B5EF4-FFF2-40B4-BE49-F238E27FC236}">
+                <a16:creationId xmlns:a16="http://schemas.microsoft.com/office/drawing/2014/main" id="{48A0FCF6-7D08-4DD1-9645-8B8138636979}"/>
+              </a:ext>
+            </a:extLst>
+          </p:cNvPr>
+          <p:cNvSpPr>
+            <a:spLocks noGrp="1"/>
+          </p:cNvSpPr>
+          <p:nvPr>
+            <p:ph type="dt" idx="1"/>
+          </p:nvPr>
+        </p:nvSpPr>
+        <p:spPr/>
+        <p:txBody>
+          <a:bodyPr/>
+          <a:lstStyle/>
+          <a:p>
+            <a:r>
+              <a:rPr kumimoji="1" lang="en-US" altLang="ja-JP"/>
+              <a:t>2024/2/19</a:t>
+            </a:r>
+            <a:endParaRPr kumimoji="1" lang="ja-JP" altLang="en-US"/>
+          </a:p>
+        </p:txBody>
+      </p:sp>
+    </p:spTree>
+    <p:extLst>
+      <p:ext uri="{BB962C8B-B14F-4D97-AF65-F5344CB8AC3E}">
+        <p14:creationId xmlns:p14="http://schemas.microsoft.com/office/powerpoint/2010/main" val="2418189314"/>
+      </p:ext>
+    </p:extLst>
+  </p:cSld>
+  <p:clrMapOvr>
+    <a:masterClrMapping/>
+  </p:clrMapOvr>
+</p:notes>
+</file>
+
+<file path=ppt/notesSlides/notesSlide22.xml><?xml version="1.0" encoding="utf-8"?>
+<p:notes xmlns:a="http://schemas.openxmlformats.org/drawingml/2006/main" xmlns:r="http://schemas.openxmlformats.org/officeDocument/2006/relationships" xmlns:p="http://schemas.openxmlformats.org/presentationml/2006/main">
+  <p:cSld>
+    <p:spTree>
+      <p:nvGrpSpPr>
+        <p:cNvPr id="1" name=""/>
+        <p:cNvGrpSpPr/>
+        <p:nvPr/>
+      </p:nvGrpSpPr>
+      <p:grpSpPr>
+        <a:xfrm>
+          <a:off x="0" y="0"/>
+          <a:ext cx="0" cy="0"/>
+          <a:chOff x="0" y="0"/>
+          <a:chExt cx="0" cy="0"/>
+        </a:xfrm>
+      </p:grpSpPr>
+      <p:sp>
+        <p:nvSpPr>
+          <p:cNvPr id="2" name="スライド イメージ プレースホルダー 1"/>
+          <p:cNvSpPr>
+            <a:spLocks noGrp="1" noRot="1" noChangeAspect="1"/>
+          </p:cNvSpPr>
+          <p:nvPr>
+            <p:ph type="sldImg"/>
+          </p:nvPr>
+        </p:nvSpPr>
+        <p:spPr/>
+      </p:sp>
+      <p:sp>
+        <p:nvSpPr>
+          <p:cNvPr id="3" name="ノート プレースホルダー 2"/>
+          <p:cNvSpPr>
+            <a:spLocks noGrp="1"/>
+          </p:cNvSpPr>
+          <p:nvPr>
+            <p:ph type="body" idx="1"/>
+          </p:nvPr>
+        </p:nvSpPr>
+        <p:spPr/>
+        <p:txBody>
+          <a:bodyPr/>
+          <a:lstStyle/>
+          <a:p>
+            <a:r>
+              <a:rPr kumimoji="1" lang="en-US" altLang="ja-JP" dirty="0"/>
+              <a:t>J2</a:t>
+            </a:r>
+            <a:r>
+              <a:rPr kumimoji="1" lang="ja-JP" altLang="en-US" dirty="0"/>
+              <a:t>のセルで氏名のリストを選択し、詳細ボタンをクリックすると</a:t>
+            </a:r>
+            <a:endParaRPr kumimoji="1" lang="en-US" altLang="ja-JP" dirty="0"/>
+          </a:p>
+          <a:p>
+            <a:r>
+              <a:rPr kumimoji="1" lang="ja-JP" altLang="en-US" dirty="0"/>
+              <a:t>データベースからリストを取得し、、表示する。</a:t>
+            </a:r>
+          </a:p>
+        </p:txBody>
+      </p:sp>
+      <p:sp>
+        <p:nvSpPr>
+          <p:cNvPr id="4" name="スライド番号プレースホルダー 3"/>
+          <p:cNvSpPr>
+            <a:spLocks noGrp="1"/>
+          </p:cNvSpPr>
+          <p:nvPr>
+            <p:ph type="sldNum" sz="quarter" idx="5"/>
+          </p:nvPr>
+        </p:nvSpPr>
+        <p:spPr/>
+        <p:txBody>
+          <a:bodyPr/>
+          <a:lstStyle/>
+          <a:p>
+            <a:fld id="{5EEB9B4B-C93E-44A9-9066-566F2C17D67A}" type="slidenum">
+              <a:rPr kumimoji="1" lang="ja-JP" altLang="en-US" smtClean="0"/>
+              <a:t>22</a:t>
+            </a:fld>
+            <a:endParaRPr kumimoji="1" lang="ja-JP" altLang="en-US"/>
+          </a:p>
+        </p:txBody>
+      </p:sp>
+      <p:sp>
+        <p:nvSpPr>
+          <p:cNvPr id="5" name="日付プレースホルダー 4">
+            <a:extLst>
+              <a:ext uri="{FF2B5EF4-FFF2-40B4-BE49-F238E27FC236}">
+                <a16:creationId xmlns:a16="http://schemas.microsoft.com/office/drawing/2014/main" id="{28DF3AE3-97F9-46B0-BB93-F06691748CF4}"/>
+              </a:ext>
+            </a:extLst>
+          </p:cNvPr>
+          <p:cNvSpPr>
+            <a:spLocks noGrp="1"/>
+          </p:cNvSpPr>
+          <p:nvPr>
+            <p:ph type="dt" idx="1"/>
+          </p:nvPr>
+        </p:nvSpPr>
+        <p:spPr/>
+        <p:txBody>
+          <a:bodyPr/>
+          <a:lstStyle/>
+          <a:p>
+            <a:r>
+              <a:rPr kumimoji="1" lang="en-US" altLang="ja-JP"/>
+              <a:t>2024/2/19</a:t>
+            </a:r>
+            <a:endParaRPr kumimoji="1" lang="ja-JP" altLang="en-US"/>
+          </a:p>
+        </p:txBody>
+      </p:sp>
+    </p:spTree>
+    <p:extLst>
+      <p:ext uri="{BB962C8B-B14F-4D97-AF65-F5344CB8AC3E}">
+        <p14:creationId xmlns:p14="http://schemas.microsoft.com/office/powerpoint/2010/main" val="4274275046"/>
+      </p:ext>
+    </p:extLst>
+  </p:cSld>
+  <p:clrMapOvr>
+    <a:masterClrMapping/>
+  </p:clrMapOvr>
+</p:notes>
+</file>
+
+<file path=ppt/notesSlides/notesSlide23.xml><?xml version="1.0" encoding="utf-8"?>
+<p:notes xmlns:a="http://schemas.openxmlformats.org/drawingml/2006/main" xmlns:r="http://schemas.openxmlformats.org/officeDocument/2006/relationships" xmlns:p="http://schemas.openxmlformats.org/presentationml/2006/main">
+  <p:cSld>
+    <p:spTree>
+      <p:nvGrpSpPr>
+        <p:cNvPr id="1" name=""/>
+        <p:cNvGrpSpPr/>
+        <p:nvPr/>
+      </p:nvGrpSpPr>
+      <p:grpSpPr>
+        <a:xfrm>
+          <a:off x="0" y="0"/>
+          <a:ext cx="0" cy="0"/>
+          <a:chOff x="0" y="0"/>
+          <a:chExt cx="0" cy="0"/>
+        </a:xfrm>
+      </p:grpSpPr>
+      <p:sp>
+        <p:nvSpPr>
+          <p:cNvPr id="2" name="スライド イメージ プレースホルダー 1"/>
+          <p:cNvSpPr>
+            <a:spLocks noGrp="1" noRot="1" noChangeAspect="1"/>
+          </p:cNvSpPr>
+          <p:nvPr>
+            <p:ph type="sldImg"/>
+          </p:nvPr>
+        </p:nvSpPr>
+        <p:spPr/>
+      </p:sp>
+      <p:sp>
+        <p:nvSpPr>
+          <p:cNvPr id="3" name="ノート プレースホルダー 2"/>
+          <p:cNvSpPr>
+            <a:spLocks noGrp="1"/>
+          </p:cNvSpPr>
+          <p:nvPr>
+            <p:ph type="body" idx="1"/>
+          </p:nvPr>
+        </p:nvSpPr>
+        <p:spPr/>
+        <p:txBody>
+          <a:bodyPr/>
+          <a:lstStyle/>
+          <a:p>
+            <a:endParaRPr kumimoji="1" lang="ja-JP" altLang="en-US" dirty="0"/>
+          </a:p>
+        </p:txBody>
+      </p:sp>
+      <p:sp>
+        <p:nvSpPr>
+          <p:cNvPr id="4" name="スライド番号プレースホルダー 3"/>
+          <p:cNvSpPr>
+            <a:spLocks noGrp="1"/>
+          </p:cNvSpPr>
+          <p:nvPr>
+            <p:ph type="sldNum" sz="quarter" idx="5"/>
+          </p:nvPr>
+        </p:nvSpPr>
+        <p:spPr/>
+        <p:txBody>
+          <a:bodyPr/>
+          <a:lstStyle/>
+          <a:p>
+            <a:fld id="{5EEB9B4B-C93E-44A9-9066-566F2C17D67A}" type="slidenum">
+              <a:rPr kumimoji="1" lang="ja-JP" altLang="en-US" smtClean="0"/>
+              <a:t>23</a:t>
+            </a:fld>
+            <a:endParaRPr kumimoji="1" lang="ja-JP" altLang="en-US"/>
+          </a:p>
+        </p:txBody>
+      </p:sp>
+      <p:sp>
+        <p:nvSpPr>
+          <p:cNvPr id="5" name="日付プレースホルダー 4">
+            <a:extLst>
+              <a:ext uri="{FF2B5EF4-FFF2-40B4-BE49-F238E27FC236}">
+                <a16:creationId xmlns:a16="http://schemas.microsoft.com/office/drawing/2014/main" id="{70D8F4CD-A78E-4D53-83F7-9422ACA49C1C}"/>
+              </a:ext>
+            </a:extLst>
+          </p:cNvPr>
+          <p:cNvSpPr>
+            <a:spLocks noGrp="1"/>
+          </p:cNvSpPr>
+          <p:nvPr>
+            <p:ph type="dt" idx="1"/>
+          </p:nvPr>
+        </p:nvSpPr>
+        <p:spPr/>
+        <p:txBody>
+          <a:bodyPr/>
+          <a:lstStyle/>
+          <a:p>
+            <a:r>
+              <a:rPr kumimoji="1" lang="en-US" altLang="ja-JP"/>
+              <a:t>2024/2/19</a:t>
+            </a:r>
+            <a:endParaRPr kumimoji="1" lang="ja-JP" altLang="en-US"/>
+          </a:p>
+        </p:txBody>
+      </p:sp>
+    </p:spTree>
+    <p:extLst>
+      <p:ext uri="{BB962C8B-B14F-4D97-AF65-F5344CB8AC3E}">
+        <p14:creationId xmlns:p14="http://schemas.microsoft.com/office/powerpoint/2010/main" val="4227943317"/>
       </p:ext>
     </p:extLst>
   </p:cSld>
@@ -727,7 +3264,838 @@
           <a:bodyPr/>
           <a:lstStyle/>
           <a:p>
+            <a:r>
+              <a:rPr kumimoji="1" lang="ja-JP" altLang="en-US" dirty="0"/>
+              <a:t>タスク管理アプリに使用している言語は、</a:t>
+            </a:r>
+            <a:r>
+              <a:rPr kumimoji="1" lang="en-US" altLang="ja-JP" dirty="0"/>
+              <a:t>Java</a:t>
+            </a:r>
+            <a:r>
+              <a:rPr kumimoji="1" lang="ja-JP" altLang="en-US" dirty="0"/>
+              <a:t>、</a:t>
+            </a:r>
+            <a:r>
+              <a:rPr kumimoji="1" lang="en-US" altLang="ja-JP" dirty="0"/>
+              <a:t>PostgreSQL</a:t>
+            </a:r>
+            <a:r>
+              <a:rPr kumimoji="1" lang="ja-JP" altLang="en-US" dirty="0"/>
+              <a:t>、</a:t>
+            </a:r>
+            <a:r>
+              <a:rPr kumimoji="1" lang="en-US" altLang="ja-JP" dirty="0"/>
+              <a:t>HTML</a:t>
+            </a:r>
+            <a:r>
+              <a:rPr kumimoji="1" lang="ja-JP" altLang="en-US" dirty="0"/>
+              <a:t>、</a:t>
+            </a:r>
+            <a:r>
+              <a:rPr kumimoji="1" lang="en-US" altLang="ja-JP" dirty="0"/>
+              <a:t>CSS</a:t>
+            </a:r>
+            <a:r>
+              <a:rPr kumimoji="1" lang="ja-JP" altLang="en-US" dirty="0"/>
+              <a:t>、</a:t>
+            </a:r>
+            <a:r>
+              <a:rPr kumimoji="1" lang="en-US" altLang="ja-JP" dirty="0"/>
+              <a:t>JavaScript</a:t>
+            </a:r>
+            <a:r>
+              <a:rPr kumimoji="1" lang="ja-JP" altLang="en-US" dirty="0"/>
+              <a:t>です。</a:t>
+            </a:r>
+            <a:endParaRPr kumimoji="1" lang="en-US" altLang="ja-JP" dirty="0"/>
+          </a:p>
+          <a:p>
+            <a:r>
+              <a:rPr kumimoji="1" lang="ja-JP" altLang="en-US" dirty="0"/>
+              <a:t>今回、タスク管理アプリを作成しようと思った拝啓には就職活動をする際に、重要な情報が記載してあるメールがどんどん流れていき探すのが大変だったということと、大量にしなければならないことが一気に増え、何から手を付ければいいのかわからなくなった。という背景があります。今回このアプリを作成することでやらなければならないことを洗い出し、整理し、進行度をチェックすることでしっかり管理できればと思い作成しました。</a:t>
+            </a:r>
+            <a:endParaRPr kumimoji="1" lang="en-US" altLang="ja-JP" dirty="0"/>
+          </a:p>
+        </p:txBody>
+      </p:sp>
+      <p:sp>
+        <p:nvSpPr>
+          <p:cNvPr id="4" name="スライド番号プレースホルダー 3"/>
+          <p:cNvSpPr>
+            <a:spLocks noGrp="1"/>
+          </p:cNvSpPr>
+          <p:nvPr>
+            <p:ph type="sldNum" sz="quarter" idx="5"/>
+          </p:nvPr>
+        </p:nvSpPr>
+        <p:spPr/>
+        <p:txBody>
+          <a:bodyPr/>
+          <a:lstStyle/>
+          <a:p>
+            <a:fld id="{5EEB9B4B-C93E-44A9-9066-566F2C17D67A}" type="slidenum">
+              <a:rPr kumimoji="1" lang="ja-JP" altLang="en-US" smtClean="0"/>
+              <a:t>3</a:t>
+            </a:fld>
+            <a:endParaRPr kumimoji="1" lang="ja-JP" altLang="en-US"/>
+          </a:p>
+        </p:txBody>
+      </p:sp>
+      <p:sp>
+        <p:nvSpPr>
+          <p:cNvPr id="5" name="日付プレースホルダー 4">
+            <a:extLst>
+              <a:ext uri="{FF2B5EF4-FFF2-40B4-BE49-F238E27FC236}">
+                <a16:creationId xmlns:a16="http://schemas.microsoft.com/office/drawing/2014/main" id="{9E5603C6-A293-41A7-802E-3E88AC958D75}"/>
+              </a:ext>
+            </a:extLst>
+          </p:cNvPr>
+          <p:cNvSpPr>
+            <a:spLocks noGrp="1"/>
+          </p:cNvSpPr>
+          <p:nvPr>
+            <p:ph type="dt" idx="1"/>
+          </p:nvPr>
+        </p:nvSpPr>
+        <p:spPr/>
+        <p:txBody>
+          <a:bodyPr/>
+          <a:lstStyle/>
+          <a:p>
+            <a:r>
+              <a:rPr kumimoji="1" lang="en-US" altLang="ja-JP"/>
+              <a:t>2024/2/19</a:t>
+            </a:r>
+            <a:endParaRPr kumimoji="1" lang="ja-JP" altLang="en-US"/>
+          </a:p>
+        </p:txBody>
+      </p:sp>
+    </p:spTree>
+    <p:extLst>
+      <p:ext uri="{BB962C8B-B14F-4D97-AF65-F5344CB8AC3E}">
+        <p14:creationId xmlns:p14="http://schemas.microsoft.com/office/powerpoint/2010/main" val="3301139705"/>
+      </p:ext>
+    </p:extLst>
+  </p:cSld>
+  <p:clrMapOvr>
+    <a:masterClrMapping/>
+  </p:clrMapOvr>
+</p:notes>
+</file>
+
+<file path=ppt/notesSlides/notesSlide4.xml><?xml version="1.0" encoding="utf-8"?>
+<p:notes xmlns:a="http://schemas.openxmlformats.org/drawingml/2006/main" xmlns:r="http://schemas.openxmlformats.org/officeDocument/2006/relationships" xmlns:p="http://schemas.openxmlformats.org/presentationml/2006/main">
+  <p:cSld>
+    <p:spTree>
+      <p:nvGrpSpPr>
+        <p:cNvPr id="1" name=""/>
+        <p:cNvGrpSpPr/>
+        <p:nvPr/>
+      </p:nvGrpSpPr>
+      <p:grpSpPr>
+        <a:xfrm>
+          <a:off x="0" y="0"/>
+          <a:ext cx="0" cy="0"/>
+          <a:chOff x="0" y="0"/>
+          <a:chExt cx="0" cy="0"/>
+        </a:xfrm>
+      </p:grpSpPr>
+      <p:sp>
+        <p:nvSpPr>
+          <p:cNvPr id="2" name="スライド イメージ プレースホルダー 1"/>
+          <p:cNvSpPr>
+            <a:spLocks noGrp="1" noRot="1" noChangeAspect="1"/>
+          </p:cNvSpPr>
+          <p:nvPr>
+            <p:ph type="sldImg"/>
+          </p:nvPr>
+        </p:nvSpPr>
+        <p:spPr/>
+      </p:sp>
+      <p:sp>
+        <p:nvSpPr>
+          <p:cNvPr id="3" name="ノート プレースホルダー 2"/>
+          <p:cNvSpPr>
+            <a:spLocks noGrp="1"/>
+          </p:cNvSpPr>
+          <p:nvPr>
+            <p:ph type="body" idx="1"/>
+          </p:nvPr>
+        </p:nvSpPr>
+        <p:spPr/>
+        <p:txBody>
+          <a:bodyPr/>
+          <a:lstStyle/>
+          <a:p>
+            <a:r>
+              <a:rPr kumimoji="1" lang="ja-JP" altLang="en-US" dirty="0"/>
+              <a:t>機能としては、データベースから取得したタスクリストを表示、新しいタスクの追加、既にあるタスクの更新・削除があります。</a:t>
+            </a:r>
+          </a:p>
+        </p:txBody>
+      </p:sp>
+      <p:sp>
+        <p:nvSpPr>
+          <p:cNvPr id="4" name="スライド番号プレースホルダー 3"/>
+          <p:cNvSpPr>
+            <a:spLocks noGrp="1"/>
+          </p:cNvSpPr>
+          <p:nvPr>
+            <p:ph type="sldNum" sz="quarter" idx="5"/>
+          </p:nvPr>
+        </p:nvSpPr>
+        <p:spPr/>
+        <p:txBody>
+          <a:bodyPr/>
+          <a:lstStyle/>
+          <a:p>
+            <a:fld id="{5EEB9B4B-C93E-44A9-9066-566F2C17D67A}" type="slidenum">
+              <a:rPr kumimoji="1" lang="ja-JP" altLang="en-US" smtClean="0"/>
+              <a:t>4</a:t>
+            </a:fld>
+            <a:endParaRPr kumimoji="1" lang="ja-JP" altLang="en-US"/>
+          </a:p>
+        </p:txBody>
+      </p:sp>
+      <p:sp>
+        <p:nvSpPr>
+          <p:cNvPr id="5" name="日付プレースホルダー 4">
+            <a:extLst>
+              <a:ext uri="{FF2B5EF4-FFF2-40B4-BE49-F238E27FC236}">
+                <a16:creationId xmlns:a16="http://schemas.microsoft.com/office/drawing/2014/main" id="{FA91C6D6-7CD9-4B6A-953A-6D92058A0591}"/>
+              </a:ext>
+            </a:extLst>
+          </p:cNvPr>
+          <p:cNvSpPr>
+            <a:spLocks noGrp="1"/>
+          </p:cNvSpPr>
+          <p:nvPr>
+            <p:ph type="dt" idx="1"/>
+          </p:nvPr>
+        </p:nvSpPr>
+        <p:spPr/>
+        <p:txBody>
+          <a:bodyPr/>
+          <a:lstStyle/>
+          <a:p>
+            <a:r>
+              <a:rPr kumimoji="1" lang="en-US" altLang="ja-JP"/>
+              <a:t>2024/2/19</a:t>
+            </a:r>
+            <a:endParaRPr kumimoji="1" lang="ja-JP" altLang="en-US"/>
+          </a:p>
+        </p:txBody>
+      </p:sp>
+    </p:spTree>
+    <p:extLst>
+      <p:ext uri="{BB962C8B-B14F-4D97-AF65-F5344CB8AC3E}">
+        <p14:creationId xmlns:p14="http://schemas.microsoft.com/office/powerpoint/2010/main" val="1649210090"/>
+      </p:ext>
+    </p:extLst>
+  </p:cSld>
+  <p:clrMapOvr>
+    <a:masterClrMapping/>
+  </p:clrMapOvr>
+</p:notes>
+</file>
+
+<file path=ppt/notesSlides/notesSlide5.xml><?xml version="1.0" encoding="utf-8"?>
+<p:notes xmlns:a="http://schemas.openxmlformats.org/drawingml/2006/main" xmlns:r="http://schemas.openxmlformats.org/officeDocument/2006/relationships" xmlns:p="http://schemas.openxmlformats.org/presentationml/2006/main">
+  <p:cSld>
+    <p:spTree>
+      <p:nvGrpSpPr>
+        <p:cNvPr id="1" name=""/>
+        <p:cNvGrpSpPr/>
+        <p:nvPr/>
+      </p:nvGrpSpPr>
+      <p:grpSpPr>
+        <a:xfrm>
+          <a:off x="0" y="0"/>
+          <a:ext cx="0" cy="0"/>
+          <a:chOff x="0" y="0"/>
+          <a:chExt cx="0" cy="0"/>
+        </a:xfrm>
+      </p:grpSpPr>
+      <p:sp>
+        <p:nvSpPr>
+          <p:cNvPr id="2" name="スライド イメージ プレースホルダー 1"/>
+          <p:cNvSpPr>
+            <a:spLocks noGrp="1" noRot="1" noChangeAspect="1"/>
+          </p:cNvSpPr>
+          <p:nvPr>
+            <p:ph type="sldImg"/>
+          </p:nvPr>
+        </p:nvSpPr>
+        <p:spPr/>
+      </p:sp>
+      <p:sp>
+        <p:nvSpPr>
+          <p:cNvPr id="3" name="ノート プレースホルダー 2"/>
+          <p:cNvSpPr>
+            <a:spLocks noGrp="1"/>
+          </p:cNvSpPr>
+          <p:nvPr>
+            <p:ph type="body" idx="1"/>
+          </p:nvPr>
+        </p:nvSpPr>
+        <p:spPr/>
+        <p:txBody>
+          <a:bodyPr/>
+          <a:lstStyle/>
+          <a:p>
+            <a:r>
+              <a:rPr kumimoji="1" lang="ja-JP" altLang="en-US" dirty="0"/>
+              <a:t>データベースで使用しているテーブルの詳細は、</a:t>
+            </a:r>
+            <a:r>
+              <a:rPr kumimoji="1" lang="en-US" altLang="ja-JP" dirty="0"/>
+              <a:t>tasks</a:t>
+            </a:r>
+            <a:r>
+              <a:rPr kumimoji="1" lang="ja-JP" altLang="en-US" dirty="0"/>
+              <a:t>テーブルが</a:t>
+            </a:r>
+            <a:r>
+              <a:rPr kumimoji="1" lang="en-US" altLang="ja-JP" dirty="0"/>
+              <a:t>1</a:t>
+            </a:r>
+            <a:r>
+              <a:rPr kumimoji="1" lang="ja-JP" altLang="en-US" dirty="0"/>
+              <a:t>つあります。</a:t>
+            </a:r>
+            <a:endParaRPr kumimoji="1" lang="en-US" altLang="ja-JP" dirty="0"/>
+          </a:p>
+          <a:p>
+            <a:r>
+              <a:rPr kumimoji="1" lang="en-US" altLang="ja-JP" dirty="0"/>
+              <a:t>tasks</a:t>
+            </a:r>
+            <a:r>
+              <a:rPr kumimoji="1" lang="ja-JP" altLang="en-US" dirty="0"/>
+              <a:t>テーブルの内容は、属性として </a:t>
+            </a:r>
+            <a:r>
+              <a:rPr kumimoji="1" lang="en-US" altLang="ja-JP" dirty="0"/>
+              <a:t>ID</a:t>
+            </a:r>
+            <a:r>
+              <a:rPr kumimoji="1" lang="ja-JP" altLang="en-US" dirty="0"/>
+              <a:t>、タスク名、期日、重要度、ステータスがあります。</a:t>
+            </a:r>
+            <a:endParaRPr kumimoji="1" lang="en-US" altLang="ja-JP" dirty="0"/>
+          </a:p>
+          <a:p>
+            <a:r>
+              <a:rPr kumimoji="1" lang="en-US" altLang="ja-JP" dirty="0"/>
+              <a:t>ID</a:t>
+            </a:r>
+            <a:r>
+              <a:rPr kumimoji="1" lang="ja-JP" altLang="en-US" dirty="0"/>
+              <a:t>は</a:t>
+            </a:r>
+            <a:r>
+              <a:rPr kumimoji="1" lang="en-US" altLang="ja-JP" dirty="0"/>
+              <a:t>serial</a:t>
+            </a:r>
+            <a:r>
+              <a:rPr kumimoji="1" lang="ja-JP" altLang="en-US" dirty="0"/>
+              <a:t>型と主キーを設定しています。タスク名・重要度・ステータスは</a:t>
+            </a:r>
+            <a:r>
+              <a:rPr kumimoji="1" lang="en-US" altLang="ja-JP" dirty="0"/>
+              <a:t>text</a:t>
+            </a:r>
+            <a:r>
+              <a:rPr kumimoji="1" lang="ja-JP" altLang="en-US" dirty="0"/>
+              <a:t>型、期日は</a:t>
+            </a:r>
+            <a:r>
+              <a:rPr kumimoji="1" lang="en-US" altLang="ja-JP" dirty="0"/>
+              <a:t>date</a:t>
+            </a:r>
+            <a:r>
+              <a:rPr kumimoji="1" lang="ja-JP" altLang="en-US" dirty="0"/>
+              <a:t>型で設定しています。</a:t>
+            </a:r>
+            <a:endParaRPr kumimoji="1" lang="en-US" altLang="ja-JP" dirty="0"/>
+          </a:p>
+        </p:txBody>
+      </p:sp>
+      <p:sp>
+        <p:nvSpPr>
+          <p:cNvPr id="4" name="スライド番号プレースホルダー 3"/>
+          <p:cNvSpPr>
+            <a:spLocks noGrp="1"/>
+          </p:cNvSpPr>
+          <p:nvPr>
+            <p:ph type="sldNum" sz="quarter" idx="5"/>
+          </p:nvPr>
+        </p:nvSpPr>
+        <p:spPr/>
+        <p:txBody>
+          <a:bodyPr/>
+          <a:lstStyle/>
+          <a:p>
+            <a:fld id="{5EEB9B4B-C93E-44A9-9066-566F2C17D67A}" type="slidenum">
+              <a:rPr kumimoji="1" lang="ja-JP" altLang="en-US" smtClean="0"/>
+              <a:t>5</a:t>
+            </a:fld>
+            <a:endParaRPr kumimoji="1" lang="ja-JP" altLang="en-US"/>
+          </a:p>
+        </p:txBody>
+      </p:sp>
+      <p:sp>
+        <p:nvSpPr>
+          <p:cNvPr id="5" name="日付プレースホルダー 4">
+            <a:extLst>
+              <a:ext uri="{FF2B5EF4-FFF2-40B4-BE49-F238E27FC236}">
+                <a16:creationId xmlns:a16="http://schemas.microsoft.com/office/drawing/2014/main" id="{030B729C-75C0-41E1-B63D-57816D280F32}"/>
+              </a:ext>
+            </a:extLst>
+          </p:cNvPr>
+          <p:cNvSpPr>
+            <a:spLocks noGrp="1"/>
+          </p:cNvSpPr>
+          <p:nvPr>
+            <p:ph type="dt" idx="1"/>
+          </p:nvPr>
+        </p:nvSpPr>
+        <p:spPr/>
+        <p:txBody>
+          <a:bodyPr/>
+          <a:lstStyle/>
+          <a:p>
+            <a:r>
+              <a:rPr kumimoji="1" lang="en-US" altLang="ja-JP"/>
+              <a:t>2024/2/19</a:t>
+            </a:r>
+            <a:endParaRPr kumimoji="1" lang="ja-JP" altLang="en-US"/>
+          </a:p>
+        </p:txBody>
+      </p:sp>
+    </p:spTree>
+    <p:extLst>
+      <p:ext uri="{BB962C8B-B14F-4D97-AF65-F5344CB8AC3E}">
+        <p14:creationId xmlns:p14="http://schemas.microsoft.com/office/powerpoint/2010/main" val="2292135316"/>
+      </p:ext>
+    </p:extLst>
+  </p:cSld>
+  <p:clrMapOvr>
+    <a:masterClrMapping/>
+  </p:clrMapOvr>
+</p:notes>
+</file>
+
+<file path=ppt/notesSlides/notesSlide6.xml><?xml version="1.0" encoding="utf-8"?>
+<p:notes xmlns:a="http://schemas.openxmlformats.org/drawingml/2006/main" xmlns:r="http://schemas.openxmlformats.org/officeDocument/2006/relationships" xmlns:p="http://schemas.openxmlformats.org/presentationml/2006/main">
+  <p:cSld>
+    <p:spTree>
+      <p:nvGrpSpPr>
+        <p:cNvPr id="1" name=""/>
+        <p:cNvGrpSpPr/>
+        <p:nvPr/>
+      </p:nvGrpSpPr>
+      <p:grpSpPr>
+        <a:xfrm>
+          <a:off x="0" y="0"/>
+          <a:ext cx="0" cy="0"/>
+          <a:chOff x="0" y="0"/>
+          <a:chExt cx="0" cy="0"/>
+        </a:xfrm>
+      </p:grpSpPr>
+      <p:sp>
+        <p:nvSpPr>
+          <p:cNvPr id="2" name="スライド イメージ プレースホルダー 1"/>
+          <p:cNvSpPr>
+            <a:spLocks noGrp="1" noRot="1" noChangeAspect="1"/>
+          </p:cNvSpPr>
+          <p:nvPr>
+            <p:ph type="sldImg"/>
+          </p:nvPr>
+        </p:nvSpPr>
+        <p:spPr/>
+      </p:sp>
+      <p:sp>
+        <p:nvSpPr>
+          <p:cNvPr id="3" name="ノート プレースホルダー 2"/>
+          <p:cNvSpPr>
+            <a:spLocks noGrp="1"/>
+          </p:cNvSpPr>
+          <p:nvPr>
+            <p:ph type="body" idx="1"/>
+          </p:nvPr>
+        </p:nvSpPr>
+        <p:spPr/>
+        <p:txBody>
+          <a:bodyPr/>
+          <a:lstStyle/>
+          <a:p>
+            <a:r>
+              <a:rPr kumimoji="1" lang="ja-JP" altLang="en-US" dirty="0"/>
+              <a:t>こちらがメイン画面になります。</a:t>
+            </a:r>
+            <a:r>
+              <a:rPr kumimoji="1" lang="en-US" altLang="ja-JP" dirty="0"/>
+              <a:t>Tasks</a:t>
+            </a:r>
+            <a:r>
+              <a:rPr kumimoji="1" lang="ja-JP" altLang="en-US" dirty="0"/>
+              <a:t>の表にデータベースから取得したリストを表示しています。</a:t>
+            </a:r>
+            <a:endParaRPr kumimoji="1" lang="en-US" altLang="ja-JP" dirty="0"/>
+          </a:p>
+          <a:p>
+            <a:r>
+              <a:rPr kumimoji="1" lang="ja-JP" altLang="en-US" dirty="0"/>
+              <a:t>表の下の変更ボタンをクリックすると、変更画面に移動します。</a:t>
+            </a:r>
+            <a:endParaRPr kumimoji="1" lang="en-US" altLang="ja-JP" dirty="0"/>
+          </a:p>
+          <a:p>
+            <a:r>
+              <a:rPr kumimoji="1" lang="en-US" altLang="ja-JP" dirty="0"/>
+              <a:t>Add New Task</a:t>
+            </a:r>
+            <a:r>
+              <a:rPr kumimoji="1" lang="ja-JP" altLang="en-US" dirty="0"/>
+              <a:t>の部分で新規追加を行います。</a:t>
+            </a:r>
+            <a:endParaRPr kumimoji="1" lang="en-US" altLang="ja-JP" dirty="0"/>
+          </a:p>
+          <a:p>
+            <a:r>
+              <a:rPr kumimoji="1" lang="ja-JP" altLang="en-US" dirty="0"/>
+              <a:t>タスク名と期日に値が入っていないとエラーを返します。</a:t>
+            </a:r>
+            <a:endParaRPr kumimoji="1" lang="en-US" altLang="ja-JP" dirty="0"/>
+          </a:p>
+          <a:p>
+            <a:r>
+              <a:rPr kumimoji="1" lang="ja-JP" altLang="en-US" dirty="0"/>
+              <a:t>タスク追加ボタンをクリックすると、ステータスの値を未着手とした状態でデータベースに保存されます。</a:t>
+            </a:r>
+          </a:p>
+        </p:txBody>
+      </p:sp>
+      <p:sp>
+        <p:nvSpPr>
+          <p:cNvPr id="4" name="スライド番号プレースホルダー 3"/>
+          <p:cNvSpPr>
+            <a:spLocks noGrp="1"/>
+          </p:cNvSpPr>
+          <p:nvPr>
+            <p:ph type="sldNum" sz="quarter" idx="5"/>
+          </p:nvPr>
+        </p:nvSpPr>
+        <p:spPr/>
+        <p:txBody>
+          <a:bodyPr/>
+          <a:lstStyle/>
+          <a:p>
+            <a:fld id="{5EEB9B4B-C93E-44A9-9066-566F2C17D67A}" type="slidenum">
+              <a:rPr kumimoji="1" lang="ja-JP" altLang="en-US" smtClean="0"/>
+              <a:t>6</a:t>
+            </a:fld>
+            <a:endParaRPr kumimoji="1" lang="ja-JP" altLang="en-US"/>
+          </a:p>
+        </p:txBody>
+      </p:sp>
+      <p:sp>
+        <p:nvSpPr>
+          <p:cNvPr id="5" name="日付プレースホルダー 4">
+            <a:extLst>
+              <a:ext uri="{FF2B5EF4-FFF2-40B4-BE49-F238E27FC236}">
+                <a16:creationId xmlns:a16="http://schemas.microsoft.com/office/drawing/2014/main" id="{08E0959E-907B-4CE5-ABA8-116FAD3E5861}"/>
+              </a:ext>
+            </a:extLst>
+          </p:cNvPr>
+          <p:cNvSpPr>
+            <a:spLocks noGrp="1"/>
+          </p:cNvSpPr>
+          <p:nvPr>
+            <p:ph type="dt" idx="1"/>
+          </p:nvPr>
+        </p:nvSpPr>
+        <p:spPr/>
+        <p:txBody>
+          <a:bodyPr/>
+          <a:lstStyle/>
+          <a:p>
+            <a:r>
+              <a:rPr kumimoji="1" lang="en-US" altLang="ja-JP"/>
+              <a:t>2024/2/19</a:t>
+            </a:r>
+            <a:endParaRPr kumimoji="1" lang="ja-JP" altLang="en-US"/>
+          </a:p>
+        </p:txBody>
+      </p:sp>
+    </p:spTree>
+    <p:extLst>
+      <p:ext uri="{BB962C8B-B14F-4D97-AF65-F5344CB8AC3E}">
+        <p14:creationId xmlns:p14="http://schemas.microsoft.com/office/powerpoint/2010/main" val="1826949575"/>
+      </p:ext>
+    </p:extLst>
+  </p:cSld>
+  <p:clrMapOvr>
+    <a:masterClrMapping/>
+  </p:clrMapOvr>
+</p:notes>
+</file>
+
+<file path=ppt/notesSlides/notesSlide7.xml><?xml version="1.0" encoding="utf-8"?>
+<p:notes xmlns:a="http://schemas.openxmlformats.org/drawingml/2006/main" xmlns:r="http://schemas.openxmlformats.org/officeDocument/2006/relationships" xmlns:p="http://schemas.openxmlformats.org/presentationml/2006/main">
+  <p:cSld>
+    <p:spTree>
+      <p:nvGrpSpPr>
+        <p:cNvPr id="1" name=""/>
+        <p:cNvGrpSpPr/>
+        <p:nvPr/>
+      </p:nvGrpSpPr>
+      <p:grpSpPr>
+        <a:xfrm>
+          <a:off x="0" y="0"/>
+          <a:ext cx="0" cy="0"/>
+          <a:chOff x="0" y="0"/>
+          <a:chExt cx="0" cy="0"/>
+        </a:xfrm>
+      </p:grpSpPr>
+      <p:sp>
+        <p:nvSpPr>
+          <p:cNvPr id="2" name="スライド イメージ プレースホルダー 1"/>
+          <p:cNvSpPr>
+            <a:spLocks noGrp="1" noRot="1" noChangeAspect="1"/>
+          </p:cNvSpPr>
+          <p:nvPr>
+            <p:ph type="sldImg"/>
+          </p:nvPr>
+        </p:nvSpPr>
+        <p:spPr/>
+      </p:sp>
+      <p:sp>
+        <p:nvSpPr>
+          <p:cNvPr id="3" name="ノート プレースホルダー 2"/>
+          <p:cNvSpPr>
+            <a:spLocks noGrp="1"/>
+          </p:cNvSpPr>
+          <p:nvPr>
+            <p:ph type="body" idx="1"/>
+          </p:nvPr>
+        </p:nvSpPr>
+        <p:spPr/>
+        <p:txBody>
+          <a:bodyPr/>
+          <a:lstStyle/>
+          <a:p>
+            <a:r>
+              <a:rPr kumimoji="1" lang="ja-JP" altLang="en-US" dirty="0"/>
+              <a:t>こちらが変更画面となります。</a:t>
+            </a:r>
+            <a:endParaRPr kumimoji="1" lang="en-US" altLang="ja-JP" dirty="0"/>
+          </a:p>
+          <a:p>
+            <a:r>
+              <a:rPr kumimoji="1" lang="ja-JP" altLang="en-US" dirty="0"/>
+              <a:t>全項目の変更を可能にしています。</a:t>
+            </a:r>
+            <a:endParaRPr kumimoji="1" lang="en-US" altLang="ja-JP" dirty="0"/>
+          </a:p>
+          <a:p>
+            <a:r>
+              <a:rPr kumimoji="1" lang="ja-JP" altLang="en-US" dirty="0"/>
+              <a:t>タスクの変更・削除は</a:t>
+            </a:r>
+            <a:r>
+              <a:rPr kumimoji="1" lang="en-US" altLang="ja-JP" dirty="0"/>
+              <a:t>1</a:t>
+            </a:r>
+            <a:r>
+              <a:rPr kumimoji="1" lang="ja-JP" altLang="en-US" dirty="0"/>
+              <a:t>行ずつ実行します。</a:t>
+            </a:r>
+            <a:endParaRPr kumimoji="1" lang="en-US" altLang="ja-JP" dirty="0"/>
+          </a:p>
+          <a:p>
+            <a:r>
+              <a:rPr kumimoji="1" lang="ja-JP" altLang="en-US" dirty="0"/>
+              <a:t>注意：削除する時に確認画面が表示されません。</a:t>
+            </a:r>
+            <a:endParaRPr kumimoji="1" lang="en-US" altLang="ja-JP" dirty="0"/>
+          </a:p>
+          <a:p>
+            <a:r>
+              <a:rPr kumimoji="1" lang="ja-JP" altLang="en-US" dirty="0"/>
+              <a:t>戻るボタンをクリックするとメイン画面に移動します。</a:t>
+            </a:r>
+            <a:endParaRPr kumimoji="1" lang="en-US" altLang="ja-JP" dirty="0"/>
+          </a:p>
+          <a:p>
             <a:endParaRPr kumimoji="1" lang="ja-JP" altLang="en-US" dirty="0"/>
+          </a:p>
+        </p:txBody>
+      </p:sp>
+      <p:sp>
+        <p:nvSpPr>
+          <p:cNvPr id="4" name="スライド番号プレースホルダー 3"/>
+          <p:cNvSpPr>
+            <a:spLocks noGrp="1"/>
+          </p:cNvSpPr>
+          <p:nvPr>
+            <p:ph type="sldNum" sz="quarter" idx="5"/>
+          </p:nvPr>
+        </p:nvSpPr>
+        <p:spPr/>
+        <p:txBody>
+          <a:bodyPr/>
+          <a:lstStyle/>
+          <a:p>
+            <a:fld id="{5EEB9B4B-C93E-44A9-9066-566F2C17D67A}" type="slidenum">
+              <a:rPr kumimoji="1" lang="ja-JP" altLang="en-US" smtClean="0"/>
+              <a:t>7</a:t>
+            </a:fld>
+            <a:endParaRPr kumimoji="1" lang="ja-JP" altLang="en-US"/>
+          </a:p>
+        </p:txBody>
+      </p:sp>
+      <p:sp>
+        <p:nvSpPr>
+          <p:cNvPr id="5" name="日付プレースホルダー 4">
+            <a:extLst>
+              <a:ext uri="{FF2B5EF4-FFF2-40B4-BE49-F238E27FC236}">
+                <a16:creationId xmlns:a16="http://schemas.microsoft.com/office/drawing/2014/main" id="{0A6CFB0E-EC9F-4B43-B3C4-37AEAE834B62}"/>
+              </a:ext>
+            </a:extLst>
+          </p:cNvPr>
+          <p:cNvSpPr>
+            <a:spLocks noGrp="1"/>
+          </p:cNvSpPr>
+          <p:nvPr>
+            <p:ph type="dt" idx="1"/>
+          </p:nvPr>
+        </p:nvSpPr>
+        <p:spPr/>
+        <p:txBody>
+          <a:bodyPr/>
+          <a:lstStyle/>
+          <a:p>
+            <a:r>
+              <a:rPr kumimoji="1" lang="en-US" altLang="ja-JP"/>
+              <a:t>2024/2/19</a:t>
+            </a:r>
+            <a:endParaRPr kumimoji="1" lang="ja-JP" altLang="en-US"/>
+          </a:p>
+        </p:txBody>
+      </p:sp>
+    </p:spTree>
+    <p:extLst>
+      <p:ext uri="{BB962C8B-B14F-4D97-AF65-F5344CB8AC3E}">
+        <p14:creationId xmlns:p14="http://schemas.microsoft.com/office/powerpoint/2010/main" val="2681291763"/>
+      </p:ext>
+    </p:extLst>
+  </p:cSld>
+  <p:clrMapOvr>
+    <a:masterClrMapping/>
+  </p:clrMapOvr>
+</p:notes>
+</file>
+
+<file path=ppt/notesSlides/notesSlide8.xml><?xml version="1.0" encoding="utf-8"?>
+<p:notes xmlns:a="http://schemas.openxmlformats.org/drawingml/2006/main" xmlns:r="http://schemas.openxmlformats.org/officeDocument/2006/relationships" xmlns:p="http://schemas.openxmlformats.org/presentationml/2006/main">
+  <p:cSld>
+    <p:spTree>
+      <p:nvGrpSpPr>
+        <p:cNvPr id="1" name=""/>
+        <p:cNvGrpSpPr/>
+        <p:nvPr/>
+      </p:nvGrpSpPr>
+      <p:grpSpPr>
+        <a:xfrm>
+          <a:off x="0" y="0"/>
+          <a:ext cx="0" cy="0"/>
+          <a:chOff x="0" y="0"/>
+          <a:chExt cx="0" cy="0"/>
+        </a:xfrm>
+      </p:grpSpPr>
+      <p:sp>
+        <p:nvSpPr>
+          <p:cNvPr id="2" name="スライド イメージ プレースホルダー 1"/>
+          <p:cNvSpPr>
+            <a:spLocks noGrp="1" noRot="1" noChangeAspect="1"/>
+          </p:cNvSpPr>
+          <p:nvPr>
+            <p:ph type="sldImg"/>
+          </p:nvPr>
+        </p:nvSpPr>
+        <p:spPr/>
+      </p:sp>
+      <p:sp>
+        <p:nvSpPr>
+          <p:cNvPr id="3" name="ノート プレースホルダー 2"/>
+          <p:cNvSpPr>
+            <a:spLocks noGrp="1"/>
+          </p:cNvSpPr>
+          <p:nvPr>
+            <p:ph type="body" idx="1"/>
+          </p:nvPr>
+        </p:nvSpPr>
+        <p:spPr/>
+        <p:txBody>
+          <a:bodyPr/>
+          <a:lstStyle/>
+          <a:p>
+            <a:r>
+              <a:rPr kumimoji="1" lang="en-US" altLang="ja-JP" dirty="0"/>
+              <a:t>2</a:t>
+            </a:r>
+            <a:r>
+              <a:rPr kumimoji="1" lang="ja-JP" altLang="en-US" dirty="0"/>
+              <a:t>つめは</a:t>
+            </a:r>
+            <a:r>
+              <a:rPr kumimoji="1" lang="en-US" altLang="ja-JP" dirty="0" err="1"/>
+              <a:t>ToDo</a:t>
+            </a:r>
+            <a:r>
+              <a:rPr kumimoji="1" lang="ja-JP" altLang="en-US" dirty="0"/>
+              <a:t>リストアプリです。使用している言語は、</a:t>
+            </a:r>
+            <a:r>
+              <a:rPr kumimoji="1" lang="en-US" altLang="ja-JP" dirty="0"/>
+              <a:t>Python</a:t>
+            </a:r>
+            <a:r>
+              <a:rPr kumimoji="1" lang="ja-JP" altLang="en-US" dirty="0"/>
+              <a:t>、</a:t>
+            </a:r>
+            <a:r>
+              <a:rPr kumimoji="1" lang="en-US" altLang="ja-JP" dirty="0"/>
+              <a:t>SQLite </a:t>
+            </a:r>
+            <a:r>
+              <a:rPr kumimoji="1" lang="ja-JP" altLang="en-US" dirty="0"/>
+              <a:t>です。</a:t>
+            </a:r>
+            <a:endParaRPr kumimoji="1" lang="en-US" altLang="ja-JP" dirty="0"/>
+          </a:p>
+          <a:p>
+            <a:r>
+              <a:rPr kumimoji="1" lang="ja-JP" altLang="en-US" dirty="0"/>
+              <a:t>このアプリを制作しようと思った背景には、買い物に行こうと思っていたけど忘れてしまうなど、</a:t>
+            </a:r>
+            <a:endParaRPr kumimoji="1" lang="en-US" altLang="ja-JP" dirty="0"/>
+          </a:p>
+          <a:p>
+            <a:r>
+              <a:rPr kumimoji="1" lang="ja-JP" altLang="en-US" dirty="0"/>
+              <a:t>普段やらなければならないことを忘れて、結局しないままで終わるということが挙げられます。</a:t>
+            </a:r>
+            <a:endParaRPr kumimoji="1" lang="en-US" altLang="ja-JP" dirty="0"/>
+          </a:p>
+          <a:p>
+            <a:r>
+              <a:rPr kumimoji="1" lang="ja-JP" altLang="en-US" dirty="0"/>
+              <a:t>それを予防するためにやることリストを作成し確認するために作成しました。</a:t>
+            </a:r>
           </a:p>
         </p:txBody>
       </p:sp>
@@ -750,6 +4118,151 @@
               <a:rPr kumimoji="1" lang="ja-JP" altLang="en-US" smtClean="0"/>
               <a:t>8</a:t>
             </a:fld>
+            <a:endParaRPr kumimoji="1" lang="ja-JP" altLang="en-US"/>
+          </a:p>
+        </p:txBody>
+      </p:sp>
+      <p:sp>
+        <p:nvSpPr>
+          <p:cNvPr id="5" name="日付プレースホルダー 4">
+            <a:extLst>
+              <a:ext uri="{FF2B5EF4-FFF2-40B4-BE49-F238E27FC236}">
+                <a16:creationId xmlns:a16="http://schemas.microsoft.com/office/drawing/2014/main" id="{64926C60-F18B-4839-BD11-9623B61B449E}"/>
+              </a:ext>
+            </a:extLst>
+          </p:cNvPr>
+          <p:cNvSpPr>
+            <a:spLocks noGrp="1"/>
+          </p:cNvSpPr>
+          <p:nvPr>
+            <p:ph type="dt" idx="1"/>
+          </p:nvPr>
+        </p:nvSpPr>
+        <p:spPr/>
+        <p:txBody>
+          <a:bodyPr/>
+          <a:lstStyle/>
+          <a:p>
+            <a:r>
+              <a:rPr kumimoji="1" lang="en-US" altLang="ja-JP"/>
+              <a:t>2024/2/19</a:t>
+            </a:r>
+            <a:endParaRPr kumimoji="1" lang="ja-JP" altLang="en-US"/>
+          </a:p>
+        </p:txBody>
+      </p:sp>
+    </p:spTree>
+    <p:extLst>
+      <p:ext uri="{BB962C8B-B14F-4D97-AF65-F5344CB8AC3E}">
+        <p14:creationId xmlns:p14="http://schemas.microsoft.com/office/powerpoint/2010/main" val="4098728677"/>
+      </p:ext>
+    </p:extLst>
+  </p:cSld>
+  <p:clrMapOvr>
+    <a:masterClrMapping/>
+  </p:clrMapOvr>
+</p:notes>
+</file>
+
+<file path=ppt/notesSlides/notesSlide9.xml><?xml version="1.0" encoding="utf-8"?>
+<p:notes xmlns:a="http://schemas.openxmlformats.org/drawingml/2006/main" xmlns:r="http://schemas.openxmlformats.org/officeDocument/2006/relationships" xmlns:p="http://schemas.openxmlformats.org/presentationml/2006/main">
+  <p:cSld>
+    <p:spTree>
+      <p:nvGrpSpPr>
+        <p:cNvPr id="1" name=""/>
+        <p:cNvGrpSpPr/>
+        <p:nvPr/>
+      </p:nvGrpSpPr>
+      <p:grpSpPr>
+        <a:xfrm>
+          <a:off x="0" y="0"/>
+          <a:ext cx="0" cy="0"/>
+          <a:chOff x="0" y="0"/>
+          <a:chExt cx="0" cy="0"/>
+        </a:xfrm>
+      </p:grpSpPr>
+      <p:sp>
+        <p:nvSpPr>
+          <p:cNvPr id="2" name="スライド イメージ プレースホルダー 1"/>
+          <p:cNvSpPr>
+            <a:spLocks noGrp="1" noRot="1" noChangeAspect="1"/>
+          </p:cNvSpPr>
+          <p:nvPr>
+            <p:ph type="sldImg"/>
+          </p:nvPr>
+        </p:nvSpPr>
+        <p:spPr/>
+      </p:sp>
+      <p:sp>
+        <p:nvSpPr>
+          <p:cNvPr id="3" name="ノート プレースホルダー 2"/>
+          <p:cNvSpPr>
+            <a:spLocks noGrp="1"/>
+          </p:cNvSpPr>
+          <p:nvPr>
+            <p:ph type="body" idx="1"/>
+          </p:nvPr>
+        </p:nvSpPr>
+        <p:spPr/>
+        <p:txBody>
+          <a:bodyPr/>
+          <a:lstStyle/>
+          <a:p>
+            <a:r>
+              <a:rPr kumimoji="1" lang="ja-JP" altLang="en-US" dirty="0"/>
+              <a:t>機能としては、新規タスクの追加、データベースから取得したリストの表示、既存タスクの更新と削除が可能です。</a:t>
+            </a:r>
+          </a:p>
+        </p:txBody>
+      </p:sp>
+      <p:sp>
+        <p:nvSpPr>
+          <p:cNvPr id="4" name="スライド番号プレースホルダー 3"/>
+          <p:cNvSpPr>
+            <a:spLocks noGrp="1"/>
+          </p:cNvSpPr>
+          <p:nvPr>
+            <p:ph type="sldNum" sz="quarter" idx="5"/>
+          </p:nvPr>
+        </p:nvSpPr>
+        <p:spPr/>
+        <p:txBody>
+          <a:bodyPr/>
+          <a:lstStyle/>
+          <a:p>
+            <a:fld id="{5EEB9B4B-C93E-44A9-9066-566F2C17D67A}" type="slidenum">
+              <a:rPr kumimoji="1" lang="ja-JP" altLang="en-US" smtClean="0"/>
+              <a:t>9</a:t>
+            </a:fld>
+            <a:endParaRPr kumimoji="1" lang="ja-JP" altLang="en-US"/>
+          </a:p>
+        </p:txBody>
+      </p:sp>
+      <p:sp>
+        <p:nvSpPr>
+          <p:cNvPr id="5" name="日付プレースホルダー 4">
+            <a:extLst>
+              <a:ext uri="{FF2B5EF4-FFF2-40B4-BE49-F238E27FC236}">
+                <a16:creationId xmlns:a16="http://schemas.microsoft.com/office/drawing/2014/main" id="{72B2C7AE-81D2-4BF0-B939-48CAEFAEFC03}"/>
+              </a:ext>
+            </a:extLst>
+          </p:cNvPr>
+          <p:cNvSpPr>
+            <a:spLocks noGrp="1"/>
+          </p:cNvSpPr>
+          <p:nvPr>
+            <p:ph type="dt" idx="1"/>
+          </p:nvPr>
+        </p:nvSpPr>
+        <p:spPr/>
+        <p:txBody>
+          <a:bodyPr/>
+          <a:lstStyle/>
+          <a:p>
+            <a:r>
+              <a:rPr kumimoji="1" lang="en-US" altLang="ja-JP"/>
+              <a:t>2024/2/19</a:t>
+            </a:r>
             <a:endParaRPr kumimoji="1" lang="ja-JP" altLang="en-US"/>
           </a:p>
         </p:txBody>
@@ -914,7 +4427,7 @@
           <a:p>
             <a:fld id="{3F46F053-698C-4E38-857B-64E191719F00}" type="datetimeFigureOut">
               <a:rPr kumimoji="1" lang="ja-JP" altLang="en-US" smtClean="0"/>
-              <a:t>2024/2/14</a:t>
+              <a:t>2024/2/16</a:t>
             </a:fld>
             <a:endParaRPr kumimoji="1" lang="ja-JP" altLang="en-US"/>
           </a:p>
@@ -1144,7 +4657,7 @@
           <a:p>
             <a:fld id="{3F46F053-698C-4E38-857B-64E191719F00}" type="datetimeFigureOut">
               <a:rPr kumimoji="1" lang="ja-JP" altLang="en-US" smtClean="0"/>
-              <a:t>2024/2/14</a:t>
+              <a:t>2024/2/16</a:t>
             </a:fld>
             <a:endParaRPr kumimoji="1" lang="ja-JP" altLang="en-US"/>
           </a:p>
@@ -1384,7 +4897,7 @@
           <a:p>
             <a:fld id="{3F46F053-698C-4E38-857B-64E191719F00}" type="datetimeFigureOut">
               <a:rPr kumimoji="1" lang="ja-JP" altLang="en-US" smtClean="0"/>
-              <a:t>2024/2/14</a:t>
+              <a:t>2024/2/16</a:t>
             </a:fld>
             <a:endParaRPr kumimoji="1" lang="ja-JP" altLang="en-US"/>
           </a:p>
@@ -1614,7 +5127,7 @@
           <a:p>
             <a:fld id="{3F46F053-698C-4E38-857B-64E191719F00}" type="datetimeFigureOut">
               <a:rPr kumimoji="1" lang="ja-JP" altLang="en-US" smtClean="0"/>
-              <a:t>2024/2/14</a:t>
+              <a:t>2024/2/16</a:t>
             </a:fld>
             <a:endParaRPr kumimoji="1" lang="ja-JP" altLang="en-US"/>
           </a:p>
@@ -1889,7 +5402,7 @@
           <a:p>
             <a:fld id="{3F46F053-698C-4E38-857B-64E191719F00}" type="datetimeFigureOut">
               <a:rPr kumimoji="1" lang="ja-JP" altLang="en-US" smtClean="0"/>
-              <a:t>2024/2/14</a:t>
+              <a:t>2024/2/16</a:t>
             </a:fld>
             <a:endParaRPr kumimoji="1" lang="ja-JP" altLang="en-US"/>
           </a:p>
@@ -2218,7 +5731,7 @@
           <a:p>
             <a:fld id="{3F46F053-698C-4E38-857B-64E191719F00}" type="datetimeFigureOut">
               <a:rPr kumimoji="1" lang="ja-JP" altLang="en-US" smtClean="0"/>
-              <a:t>2024/2/14</a:t>
+              <a:t>2024/2/16</a:t>
             </a:fld>
             <a:endParaRPr kumimoji="1" lang="ja-JP" altLang="en-US"/>
           </a:p>
@@ -2694,7 +6207,7 @@
           <a:p>
             <a:fld id="{3F46F053-698C-4E38-857B-64E191719F00}" type="datetimeFigureOut">
               <a:rPr kumimoji="1" lang="ja-JP" altLang="en-US" smtClean="0"/>
-              <a:t>2024/2/14</a:t>
+              <a:t>2024/2/16</a:t>
             </a:fld>
             <a:endParaRPr kumimoji="1" lang="ja-JP" altLang="en-US"/>
           </a:p>
@@ -2835,7 +6348,7 @@
           <a:p>
             <a:fld id="{3F46F053-698C-4E38-857B-64E191719F00}" type="datetimeFigureOut">
               <a:rPr kumimoji="1" lang="ja-JP" altLang="en-US" smtClean="0"/>
-              <a:t>2024/2/14</a:t>
+              <a:t>2024/2/16</a:t>
             </a:fld>
             <a:endParaRPr kumimoji="1" lang="ja-JP" altLang="en-US"/>
           </a:p>
@@ -2948,7 +6461,7 @@
           <a:p>
             <a:fld id="{3F46F053-698C-4E38-857B-64E191719F00}" type="datetimeFigureOut">
               <a:rPr kumimoji="1" lang="ja-JP" altLang="en-US" smtClean="0"/>
-              <a:t>2024/2/14</a:t>
+              <a:t>2024/2/16</a:t>
             </a:fld>
             <a:endParaRPr kumimoji="1" lang="ja-JP" altLang="en-US"/>
           </a:p>
@@ -3291,7 +6804,7 @@
           <a:p>
             <a:fld id="{3F46F053-698C-4E38-857B-64E191719F00}" type="datetimeFigureOut">
               <a:rPr kumimoji="1" lang="ja-JP" altLang="en-US" smtClean="0"/>
-              <a:t>2024/2/14</a:t>
+              <a:t>2024/2/16</a:t>
             </a:fld>
             <a:endParaRPr kumimoji="1" lang="ja-JP" altLang="en-US"/>
           </a:p>
@@ -3579,7 +7092,7 @@
           <a:p>
             <a:fld id="{3F46F053-698C-4E38-857B-64E191719F00}" type="datetimeFigureOut">
               <a:rPr kumimoji="1" lang="ja-JP" altLang="en-US" smtClean="0"/>
-              <a:t>2024/2/14</a:t>
+              <a:t>2024/2/16</a:t>
             </a:fld>
             <a:endParaRPr kumimoji="1" lang="ja-JP" altLang="en-US"/>
           </a:p>
@@ -3852,7 +7365,7 @@
           <a:p>
             <a:fld id="{3F46F053-698C-4E38-857B-64E191719F00}" type="datetimeFigureOut">
               <a:rPr kumimoji="1" lang="ja-JP" altLang="en-US" smtClean="0"/>
-              <a:t>2024/2/14</a:t>
+              <a:t>2024/2/16</a:t>
             </a:fld>
             <a:endParaRPr kumimoji="1" lang="ja-JP" altLang="en-US"/>
           </a:p>
@@ -4393,6 +7906,600 @@
           <p:cNvPr id="2" name="タイトル 1">
             <a:extLst>
               <a:ext uri="{FF2B5EF4-FFF2-40B4-BE49-F238E27FC236}">
+                <a16:creationId xmlns:a16="http://schemas.microsoft.com/office/drawing/2014/main" id="{E13D5B6F-0AD7-49A8-802F-F474397B35E9}"/>
+              </a:ext>
+            </a:extLst>
+          </p:cNvPr>
+          <p:cNvSpPr>
+            <a:spLocks noGrp="1"/>
+          </p:cNvSpPr>
+          <p:nvPr>
+            <p:ph type="title"/>
+          </p:nvPr>
+        </p:nvSpPr>
+        <p:spPr/>
+        <p:txBody>
+          <a:bodyPr/>
+          <a:lstStyle/>
+          <a:p>
+            <a:r>
+              <a:rPr lang="en-US" altLang="ja-JP" dirty="0">
+                <a:latin typeface="メイリオ" panose="020B0604030504040204" pitchFamily="50" charset="-128"/>
+                <a:ea typeface="メイリオ" panose="020B0604030504040204" pitchFamily="50" charset="-128"/>
+              </a:rPr>
+              <a:t>2. </a:t>
+            </a:r>
+            <a:r>
+              <a:rPr lang="en-US" altLang="ja-JP" dirty="0" err="1">
+                <a:latin typeface="メイリオ" panose="020B0604030504040204" pitchFamily="50" charset="-128"/>
+                <a:ea typeface="メイリオ" panose="020B0604030504040204" pitchFamily="50" charset="-128"/>
+              </a:rPr>
+              <a:t>ToDo</a:t>
+            </a:r>
+            <a:r>
+              <a:rPr lang="ja-JP" altLang="en-US" dirty="0">
+                <a:latin typeface="メイリオ" panose="020B0604030504040204" pitchFamily="50" charset="-128"/>
+                <a:ea typeface="メイリオ" panose="020B0604030504040204" pitchFamily="50" charset="-128"/>
+              </a:rPr>
+              <a:t>リストアプリ</a:t>
+            </a:r>
+            <a:endParaRPr kumimoji="1" lang="ja-JP" altLang="en-US" dirty="0"/>
+          </a:p>
+        </p:txBody>
+      </p:sp>
+      <p:sp>
+        <p:nvSpPr>
+          <p:cNvPr id="3" name="コンテンツ プレースホルダー 2">
+            <a:extLst>
+              <a:ext uri="{FF2B5EF4-FFF2-40B4-BE49-F238E27FC236}">
+                <a16:creationId xmlns:a16="http://schemas.microsoft.com/office/drawing/2014/main" id="{F3478664-64C4-48FD-810F-283D1F2FF5D3}"/>
+              </a:ext>
+            </a:extLst>
+          </p:cNvPr>
+          <p:cNvSpPr>
+            <a:spLocks noGrp="1"/>
+          </p:cNvSpPr>
+          <p:nvPr>
+            <p:ph idx="1"/>
+          </p:nvPr>
+        </p:nvSpPr>
+        <p:spPr>
+          <a:xfrm>
+            <a:off x="838200" y="1825625"/>
+            <a:ext cx="3748088" cy="4351338"/>
+          </a:xfrm>
+        </p:spPr>
+        <p:txBody>
+          <a:bodyPr/>
+          <a:lstStyle/>
+          <a:p>
+            <a:pPr marL="0" indent="0">
+              <a:buFont typeface="Arial" panose="020B0604020202020204" pitchFamily="34" charset="0"/>
+              <a:buNone/>
+            </a:pPr>
+            <a:r>
+              <a:rPr lang="ja-JP" altLang="en-US" dirty="0">
+                <a:latin typeface="メイリオ" panose="020B0604030504040204" pitchFamily="50" charset="-128"/>
+                <a:ea typeface="メイリオ" panose="020B0604030504040204" pitchFamily="50" charset="-128"/>
+              </a:rPr>
+              <a:t>・詳細　</a:t>
+            </a:r>
+            <a:r>
+              <a:rPr lang="en-US" altLang="ja-JP" dirty="0">
+                <a:latin typeface="メイリオ" panose="020B0604030504040204" pitchFamily="50" charset="-128"/>
+                <a:ea typeface="メイリオ" panose="020B0604030504040204" pitchFamily="50" charset="-128"/>
+              </a:rPr>
+              <a:t>(ER</a:t>
+            </a:r>
+            <a:r>
+              <a:rPr lang="ja-JP" altLang="en-US" dirty="0">
+                <a:latin typeface="メイリオ" panose="020B0604030504040204" pitchFamily="50" charset="-128"/>
+                <a:ea typeface="メイリオ" panose="020B0604030504040204" pitchFamily="50" charset="-128"/>
+              </a:rPr>
+              <a:t>図</a:t>
+            </a:r>
+            <a:r>
+              <a:rPr lang="en-US" altLang="ja-JP" dirty="0">
+                <a:latin typeface="メイリオ" panose="020B0604030504040204" pitchFamily="50" charset="-128"/>
+                <a:ea typeface="メイリオ" panose="020B0604030504040204" pitchFamily="50" charset="-128"/>
+              </a:rPr>
+              <a:t>)</a:t>
+            </a:r>
+          </a:p>
+        </p:txBody>
+      </p:sp>
+      <p:sp>
+        <p:nvSpPr>
+          <p:cNvPr id="6" name="テキスト ボックス 5">
+            <a:extLst>
+              <a:ext uri="{FF2B5EF4-FFF2-40B4-BE49-F238E27FC236}">
+                <a16:creationId xmlns:a16="http://schemas.microsoft.com/office/drawing/2014/main" id="{7A9DC34F-19E1-4EBB-B84E-2933D3289D9F}"/>
+              </a:ext>
+            </a:extLst>
+          </p:cNvPr>
+          <p:cNvSpPr txBox="1"/>
+          <p:nvPr/>
+        </p:nvSpPr>
+        <p:spPr>
+          <a:xfrm>
+            <a:off x="5103494" y="2851282"/>
+            <a:ext cx="5663566" cy="3108543"/>
+          </a:xfrm>
+          <a:prstGeom prst="rect">
+            <a:avLst/>
+          </a:prstGeom>
+          <a:noFill/>
+        </p:spPr>
+        <p:txBody>
+          <a:bodyPr wrap="square" rtlCol="0">
+            <a:spAutoFit/>
+          </a:bodyPr>
+          <a:lstStyle/>
+          <a:p>
+            <a:r>
+              <a:rPr lang="en-US" altLang="ja-JP" sz="2800" dirty="0" err="1">
+                <a:latin typeface="メイリオ" panose="020B0604030504040204" pitchFamily="50" charset="-128"/>
+                <a:ea typeface="メイリオ" panose="020B0604030504040204" pitchFamily="50" charset="-128"/>
+              </a:rPr>
+              <a:t>todos</a:t>
+            </a:r>
+            <a:r>
+              <a:rPr kumimoji="1" lang="ja-JP" altLang="en-US" sz="2800" dirty="0">
+                <a:latin typeface="メイリオ" panose="020B0604030504040204" pitchFamily="50" charset="-128"/>
+                <a:ea typeface="メイリオ" panose="020B0604030504040204" pitchFamily="50" charset="-128"/>
+              </a:rPr>
+              <a:t>テーブル</a:t>
+            </a:r>
+            <a:endParaRPr kumimoji="1" lang="en-US" altLang="ja-JP" sz="2800" dirty="0">
+              <a:latin typeface="メイリオ" panose="020B0604030504040204" pitchFamily="50" charset="-128"/>
+              <a:ea typeface="メイリオ" panose="020B0604030504040204" pitchFamily="50" charset="-128"/>
+            </a:endParaRPr>
+          </a:p>
+          <a:p>
+            <a:endParaRPr kumimoji="1" lang="en-US" altLang="ja-JP" sz="2800" dirty="0">
+              <a:latin typeface="メイリオ" panose="020B0604030504040204" pitchFamily="50" charset="-128"/>
+              <a:ea typeface="メイリオ" panose="020B0604030504040204" pitchFamily="50" charset="-128"/>
+            </a:endParaRPr>
+          </a:p>
+          <a:p>
+            <a:r>
+              <a:rPr lang="en-US" altLang="ja-JP" sz="2800" dirty="0">
+                <a:latin typeface="メイリオ" panose="020B0604030504040204" pitchFamily="50" charset="-128"/>
+                <a:ea typeface="メイリオ" panose="020B0604030504040204" pitchFamily="50" charset="-128"/>
+              </a:rPr>
+              <a:t>id:			ID</a:t>
+            </a:r>
+          </a:p>
+          <a:p>
+            <a:r>
+              <a:rPr lang="en-US" altLang="ja-JP" sz="2800" dirty="0">
+                <a:latin typeface="メイリオ" panose="020B0604030504040204" pitchFamily="50" charset="-128"/>
+                <a:ea typeface="メイリオ" panose="020B0604030504040204" pitchFamily="50" charset="-128"/>
+              </a:rPr>
+              <a:t>task</a:t>
+            </a:r>
+            <a:r>
+              <a:rPr kumimoji="1" lang="en-US" altLang="ja-JP" sz="2800" dirty="0">
+                <a:latin typeface="メイリオ" panose="020B0604030504040204" pitchFamily="50" charset="-128"/>
+                <a:ea typeface="メイリオ" panose="020B0604030504040204" pitchFamily="50" charset="-128"/>
+              </a:rPr>
+              <a:t>:			</a:t>
+            </a:r>
+            <a:r>
+              <a:rPr kumimoji="1" lang="ja-JP" altLang="en-US" sz="2800" dirty="0">
+                <a:latin typeface="メイリオ" panose="020B0604030504040204" pitchFamily="50" charset="-128"/>
+                <a:ea typeface="メイリオ" panose="020B0604030504040204" pitchFamily="50" charset="-128"/>
+              </a:rPr>
+              <a:t>タスク名</a:t>
+            </a:r>
+            <a:r>
+              <a:rPr lang="en-US" altLang="ja-JP" sz="2800" dirty="0" err="1">
+                <a:latin typeface="メイリオ" panose="020B0604030504040204" pitchFamily="50" charset="-128"/>
+                <a:ea typeface="メイリオ" panose="020B0604030504040204" pitchFamily="50" charset="-128"/>
+              </a:rPr>
+              <a:t>d</a:t>
+            </a:r>
+            <a:r>
+              <a:rPr kumimoji="1" lang="en-US" altLang="ja-JP" sz="2800" dirty="0" err="1">
+                <a:latin typeface="メイリオ" panose="020B0604030504040204" pitchFamily="50" charset="-128"/>
+                <a:ea typeface="メイリオ" panose="020B0604030504040204" pitchFamily="50" charset="-128"/>
+              </a:rPr>
+              <a:t>ue_date</a:t>
+            </a:r>
+            <a:r>
+              <a:rPr kumimoji="1" lang="en-US" altLang="ja-JP" sz="2800" dirty="0">
+                <a:latin typeface="メイリオ" panose="020B0604030504040204" pitchFamily="50" charset="-128"/>
+                <a:ea typeface="メイリオ" panose="020B0604030504040204" pitchFamily="50" charset="-128"/>
+              </a:rPr>
+              <a:t>:	</a:t>
+            </a:r>
+            <a:r>
+              <a:rPr lang="en-US" altLang="ja-JP" sz="2800" dirty="0">
+                <a:latin typeface="メイリオ" panose="020B0604030504040204" pitchFamily="50" charset="-128"/>
+                <a:ea typeface="メイリオ" panose="020B0604030504040204" pitchFamily="50" charset="-128"/>
+              </a:rPr>
+              <a:t>	</a:t>
+            </a:r>
+            <a:r>
+              <a:rPr lang="ja-JP" altLang="en-US" sz="2800" dirty="0">
+                <a:latin typeface="メイリオ" panose="020B0604030504040204" pitchFamily="50" charset="-128"/>
+                <a:ea typeface="メイリオ" panose="020B0604030504040204" pitchFamily="50" charset="-128"/>
+              </a:rPr>
+              <a:t>日付</a:t>
+            </a:r>
+            <a:endParaRPr kumimoji="1" lang="en-US" altLang="ja-JP" sz="2800" dirty="0">
+              <a:latin typeface="メイリオ" panose="020B0604030504040204" pitchFamily="50" charset="-128"/>
+              <a:ea typeface="メイリオ" panose="020B0604030504040204" pitchFamily="50" charset="-128"/>
+            </a:endParaRPr>
+          </a:p>
+          <a:p>
+            <a:r>
+              <a:rPr lang="en-US" altLang="ja-JP" sz="2800" dirty="0" err="1">
+                <a:latin typeface="メイリオ" panose="020B0604030504040204" pitchFamily="50" charset="-128"/>
+                <a:ea typeface="メイリオ" panose="020B0604030504040204" pitchFamily="50" charset="-128"/>
+              </a:rPr>
+              <a:t>due_time</a:t>
+            </a:r>
+            <a:r>
+              <a:rPr lang="en-US" altLang="ja-JP" sz="2800" dirty="0">
+                <a:latin typeface="メイリオ" panose="020B0604030504040204" pitchFamily="50" charset="-128"/>
+                <a:ea typeface="メイリオ" panose="020B0604030504040204" pitchFamily="50" charset="-128"/>
+              </a:rPr>
+              <a:t>:		</a:t>
+            </a:r>
+            <a:r>
+              <a:rPr lang="ja-JP" altLang="en-US" sz="2800" dirty="0">
+                <a:latin typeface="メイリオ" panose="020B0604030504040204" pitchFamily="50" charset="-128"/>
+                <a:ea typeface="メイリオ" panose="020B0604030504040204" pitchFamily="50" charset="-128"/>
+              </a:rPr>
+              <a:t>開始時間</a:t>
+            </a:r>
+            <a:endParaRPr lang="en-US" altLang="ja-JP" sz="2800" dirty="0">
+              <a:latin typeface="メイリオ" panose="020B0604030504040204" pitchFamily="50" charset="-128"/>
+              <a:ea typeface="メイリオ" panose="020B0604030504040204" pitchFamily="50" charset="-128"/>
+            </a:endParaRPr>
+          </a:p>
+          <a:p>
+            <a:r>
+              <a:rPr lang="en-US" altLang="ja-JP" sz="2800" dirty="0" err="1">
+                <a:latin typeface="メイリオ" panose="020B0604030504040204" pitchFamily="50" charset="-128"/>
+                <a:ea typeface="メイリオ" panose="020B0604030504040204" pitchFamily="50" charset="-128"/>
+              </a:rPr>
+              <a:t>e</a:t>
+            </a:r>
+            <a:r>
+              <a:rPr kumimoji="1" lang="en-US" altLang="ja-JP" sz="2800" dirty="0" err="1">
+                <a:latin typeface="メイリオ" panose="020B0604030504040204" pitchFamily="50" charset="-128"/>
+                <a:ea typeface="メイリオ" panose="020B0604030504040204" pitchFamily="50" charset="-128"/>
+              </a:rPr>
+              <a:t>nd_time</a:t>
+            </a:r>
+            <a:r>
+              <a:rPr kumimoji="1" lang="en-US" altLang="ja-JP" sz="2800" dirty="0">
+                <a:latin typeface="メイリオ" panose="020B0604030504040204" pitchFamily="50" charset="-128"/>
+                <a:ea typeface="メイリオ" panose="020B0604030504040204" pitchFamily="50" charset="-128"/>
+              </a:rPr>
+              <a:t>:		</a:t>
+            </a:r>
+            <a:r>
+              <a:rPr kumimoji="1" lang="ja-JP" altLang="en-US" sz="2800" dirty="0">
+                <a:latin typeface="メイリオ" panose="020B0604030504040204" pitchFamily="50" charset="-128"/>
+                <a:ea typeface="メイリオ" panose="020B0604030504040204" pitchFamily="50" charset="-128"/>
+              </a:rPr>
+              <a:t>終了時間</a:t>
+            </a:r>
+          </a:p>
+        </p:txBody>
+      </p:sp>
+      <p:pic>
+        <p:nvPicPr>
+          <p:cNvPr id="7" name="図 6">
+            <a:extLst>
+              <a:ext uri="{FF2B5EF4-FFF2-40B4-BE49-F238E27FC236}">
+                <a16:creationId xmlns:a16="http://schemas.microsoft.com/office/drawing/2014/main" id="{229897E6-3EF6-4400-99CB-1C4D2C272641}"/>
+              </a:ext>
+            </a:extLst>
+          </p:cNvPr>
+          <p:cNvPicPr>
+            <a:picLocks noChangeAspect="1"/>
+          </p:cNvPicPr>
+          <p:nvPr/>
+        </p:nvPicPr>
+        <p:blipFill>
+          <a:blip r:embed="rId3">
+            <a:extLst>
+              <a:ext uri="{28A0092B-C50C-407E-A947-70E740481C1C}">
+                <a14:useLocalDpi xmlns:a14="http://schemas.microsoft.com/office/drawing/2010/main" val="0"/>
+              </a:ext>
+            </a:extLst>
+          </a:blip>
+          <a:stretch>
+            <a:fillRect/>
+          </a:stretch>
+        </p:blipFill>
+        <p:spPr>
+          <a:xfrm>
+            <a:off x="1187766" y="2481261"/>
+            <a:ext cx="2698434" cy="3848586"/>
+          </a:xfrm>
+          <a:prstGeom prst="rect">
+            <a:avLst/>
+          </a:prstGeom>
+        </p:spPr>
+      </p:pic>
+    </p:spTree>
+    <p:extLst>
+      <p:ext uri="{BB962C8B-B14F-4D97-AF65-F5344CB8AC3E}">
+        <p14:creationId xmlns:p14="http://schemas.microsoft.com/office/powerpoint/2010/main" val="856277820"/>
+      </p:ext>
+    </p:extLst>
+  </p:cSld>
+  <p:clrMapOvr>
+    <a:masterClrMapping/>
+  </p:clrMapOvr>
+</p:sld>
+</file>
+
+<file path=ppt/slides/slide11.xml><?xml version="1.0" encoding="utf-8"?>
+<p:sld xmlns:a="http://schemas.openxmlformats.org/drawingml/2006/main" xmlns:r="http://schemas.openxmlformats.org/officeDocument/2006/relationships" xmlns:p="http://schemas.openxmlformats.org/presentationml/2006/main">
+  <p:cSld>
+    <p:spTree>
+      <p:nvGrpSpPr>
+        <p:cNvPr id="1" name=""/>
+        <p:cNvGrpSpPr/>
+        <p:nvPr/>
+      </p:nvGrpSpPr>
+      <p:grpSpPr>
+        <a:xfrm>
+          <a:off x="0" y="0"/>
+          <a:ext cx="0" cy="0"/>
+          <a:chOff x="0" y="0"/>
+          <a:chExt cx="0" cy="0"/>
+        </a:xfrm>
+      </p:grpSpPr>
+      <p:sp>
+        <p:nvSpPr>
+          <p:cNvPr id="2" name="タイトル 1">
+            <a:extLst>
+              <a:ext uri="{FF2B5EF4-FFF2-40B4-BE49-F238E27FC236}">
+                <a16:creationId xmlns:a16="http://schemas.microsoft.com/office/drawing/2014/main" id="{1191C142-1368-4B5A-907A-C83F30230C2C}"/>
+              </a:ext>
+            </a:extLst>
+          </p:cNvPr>
+          <p:cNvSpPr>
+            <a:spLocks noGrp="1"/>
+          </p:cNvSpPr>
+          <p:nvPr>
+            <p:ph type="title"/>
+          </p:nvPr>
+        </p:nvSpPr>
+        <p:spPr/>
+        <p:txBody>
+          <a:bodyPr/>
+          <a:lstStyle/>
+          <a:p>
+            <a:r>
+              <a:rPr lang="en-US" altLang="ja-JP" dirty="0">
+                <a:latin typeface="メイリオ" panose="020B0604030504040204" pitchFamily="50" charset="-128"/>
+                <a:ea typeface="メイリオ" panose="020B0604030504040204" pitchFamily="50" charset="-128"/>
+              </a:rPr>
+              <a:t>2. </a:t>
+            </a:r>
+            <a:r>
+              <a:rPr lang="en-US" altLang="ja-JP" dirty="0" err="1">
+                <a:latin typeface="メイリオ" panose="020B0604030504040204" pitchFamily="50" charset="-128"/>
+                <a:ea typeface="メイリオ" panose="020B0604030504040204" pitchFamily="50" charset="-128"/>
+              </a:rPr>
+              <a:t>ToDo</a:t>
+            </a:r>
+            <a:r>
+              <a:rPr lang="ja-JP" altLang="en-US" dirty="0">
+                <a:latin typeface="メイリオ" panose="020B0604030504040204" pitchFamily="50" charset="-128"/>
+                <a:ea typeface="メイリオ" panose="020B0604030504040204" pitchFamily="50" charset="-128"/>
+              </a:rPr>
+              <a:t>リストアプリ</a:t>
+            </a:r>
+            <a:endParaRPr kumimoji="1" lang="ja-JP" altLang="en-US" dirty="0"/>
+          </a:p>
+        </p:txBody>
+      </p:sp>
+      <p:sp>
+        <p:nvSpPr>
+          <p:cNvPr id="3" name="コンテンツ プレースホルダー 2">
+            <a:extLst>
+              <a:ext uri="{FF2B5EF4-FFF2-40B4-BE49-F238E27FC236}">
+                <a16:creationId xmlns:a16="http://schemas.microsoft.com/office/drawing/2014/main" id="{C36DBE64-62E3-4CD2-ACFB-FAF81B15B14E}"/>
+              </a:ext>
+            </a:extLst>
+          </p:cNvPr>
+          <p:cNvSpPr>
+            <a:spLocks noGrp="1"/>
+          </p:cNvSpPr>
+          <p:nvPr>
+            <p:ph idx="1"/>
+          </p:nvPr>
+        </p:nvSpPr>
+        <p:spPr>
+          <a:xfrm>
+            <a:off x="838200" y="1825625"/>
+            <a:ext cx="4488180" cy="4351338"/>
+          </a:xfrm>
+        </p:spPr>
+        <p:txBody>
+          <a:bodyPr/>
+          <a:lstStyle/>
+          <a:p>
+            <a:r>
+              <a:rPr kumimoji="1" lang="ja-JP" altLang="en-US" dirty="0"/>
+              <a:t>詳細　</a:t>
+            </a:r>
+            <a:r>
+              <a:rPr kumimoji="1" lang="en-US" altLang="ja-JP" dirty="0"/>
+              <a:t>(</a:t>
+            </a:r>
+            <a:r>
+              <a:rPr kumimoji="1" lang="ja-JP" altLang="en-US" dirty="0"/>
+              <a:t>入力部分</a:t>
+            </a:r>
+            <a:r>
+              <a:rPr kumimoji="1" lang="en-US" altLang="ja-JP" dirty="0"/>
+              <a:t>)</a:t>
+            </a:r>
+            <a:endParaRPr kumimoji="1" lang="ja-JP" altLang="en-US" dirty="0"/>
+          </a:p>
+        </p:txBody>
+      </p:sp>
+      <p:pic>
+        <p:nvPicPr>
+          <p:cNvPr id="5" name="図 4">
+            <a:extLst>
+              <a:ext uri="{FF2B5EF4-FFF2-40B4-BE49-F238E27FC236}">
+                <a16:creationId xmlns:a16="http://schemas.microsoft.com/office/drawing/2014/main" id="{C5496F74-761D-4461-8F59-B13E3C4CE9A8}"/>
+              </a:ext>
+            </a:extLst>
+          </p:cNvPr>
+          <p:cNvPicPr>
+            <a:picLocks noChangeAspect="1"/>
+          </p:cNvPicPr>
+          <p:nvPr/>
+        </p:nvPicPr>
+        <p:blipFill>
+          <a:blip r:embed="rId3">
+            <a:extLst>
+              <a:ext uri="{28A0092B-C50C-407E-A947-70E740481C1C}">
+                <a14:useLocalDpi xmlns:a14="http://schemas.microsoft.com/office/drawing/2010/main" val="0"/>
+              </a:ext>
+            </a:extLst>
+          </a:blip>
+          <a:stretch>
+            <a:fillRect/>
+          </a:stretch>
+        </p:blipFill>
+        <p:spPr>
+          <a:xfrm>
+            <a:off x="838200" y="2526850"/>
+            <a:ext cx="4144104" cy="3325310"/>
+          </a:xfrm>
+          <a:prstGeom prst="rect">
+            <a:avLst/>
+          </a:prstGeom>
+        </p:spPr>
+      </p:pic>
+      <p:sp>
+        <p:nvSpPr>
+          <p:cNvPr id="6" name="テキスト ボックス 5">
+            <a:extLst>
+              <a:ext uri="{FF2B5EF4-FFF2-40B4-BE49-F238E27FC236}">
+                <a16:creationId xmlns:a16="http://schemas.microsoft.com/office/drawing/2014/main" id="{856304B7-67A3-4F9C-BF22-CD71BCE7FFD9}"/>
+              </a:ext>
+            </a:extLst>
+          </p:cNvPr>
+          <p:cNvSpPr txBox="1"/>
+          <p:nvPr/>
+        </p:nvSpPr>
+        <p:spPr>
+          <a:xfrm>
+            <a:off x="5486400" y="2526850"/>
+            <a:ext cx="5867400" cy="2246769"/>
+          </a:xfrm>
+          <a:prstGeom prst="rect">
+            <a:avLst/>
+          </a:prstGeom>
+          <a:noFill/>
+        </p:spPr>
+        <p:txBody>
+          <a:bodyPr wrap="square" rtlCol="0">
+            <a:spAutoFit/>
+          </a:bodyPr>
+          <a:lstStyle/>
+          <a:p>
+            <a:r>
+              <a:rPr kumimoji="1" lang="ja-JP" altLang="en-US" sz="2800" dirty="0"/>
+              <a:t>入力内容</a:t>
+            </a:r>
+            <a:endParaRPr kumimoji="1" lang="en-US" altLang="ja-JP" sz="2800" dirty="0"/>
+          </a:p>
+          <a:p>
+            <a:r>
+              <a:rPr lang="ja-JP" altLang="en-US" sz="2800" dirty="0"/>
+              <a:t>・タスク名</a:t>
+            </a:r>
+            <a:endParaRPr lang="en-US" altLang="ja-JP" sz="2800" dirty="0"/>
+          </a:p>
+          <a:p>
+            <a:r>
+              <a:rPr kumimoji="1" lang="ja-JP" altLang="en-US" sz="2800" dirty="0"/>
+              <a:t>・年月日</a:t>
+            </a:r>
+            <a:endParaRPr kumimoji="1" lang="en-US" altLang="ja-JP" sz="2800" dirty="0"/>
+          </a:p>
+          <a:p>
+            <a:r>
+              <a:rPr lang="ja-JP" altLang="en-US" sz="2800" dirty="0"/>
+              <a:t>・開始時間 </a:t>
+            </a:r>
+            <a:r>
+              <a:rPr lang="ja-JP" altLang="en-US" sz="2800" dirty="0">
+                <a:solidFill>
+                  <a:srgbClr val="FF0000"/>
+                </a:solidFill>
+              </a:rPr>
+              <a:t>省略可</a:t>
+            </a:r>
+            <a:endParaRPr lang="en-US" altLang="ja-JP" sz="2800" dirty="0"/>
+          </a:p>
+          <a:p>
+            <a:r>
+              <a:rPr kumimoji="1" lang="ja-JP" altLang="en-US" sz="2800" dirty="0"/>
+              <a:t>・終了時間 </a:t>
+            </a:r>
+            <a:r>
+              <a:rPr lang="ja-JP" altLang="en-US" sz="2800" dirty="0">
+                <a:solidFill>
+                  <a:srgbClr val="FF0000"/>
+                </a:solidFill>
+              </a:rPr>
+              <a:t>省略可</a:t>
+            </a:r>
+            <a:endParaRPr kumimoji="1" lang="ja-JP" altLang="en-US" sz="2800" dirty="0"/>
+          </a:p>
+        </p:txBody>
+      </p:sp>
+    </p:spTree>
+    <p:extLst>
+      <p:ext uri="{BB962C8B-B14F-4D97-AF65-F5344CB8AC3E}">
+        <p14:creationId xmlns:p14="http://schemas.microsoft.com/office/powerpoint/2010/main" val="649408556"/>
+      </p:ext>
+    </p:extLst>
+  </p:cSld>
+  <p:clrMapOvr>
+    <a:masterClrMapping/>
+  </p:clrMapOvr>
+</p:sld>
+</file>
+
+<file path=ppt/slides/slide12.xml><?xml version="1.0" encoding="utf-8"?>
+<p:sld xmlns:a="http://schemas.openxmlformats.org/drawingml/2006/main" xmlns:r="http://schemas.openxmlformats.org/officeDocument/2006/relationships" xmlns:p="http://schemas.openxmlformats.org/presentationml/2006/main">
+  <p:cSld>
+    <p:spTree>
+      <p:nvGrpSpPr>
+        <p:cNvPr id="1" name=""/>
+        <p:cNvGrpSpPr/>
+        <p:nvPr/>
+      </p:nvGrpSpPr>
+      <p:grpSpPr>
+        <a:xfrm>
+          <a:off x="0" y="0"/>
+          <a:ext cx="0" cy="0"/>
+          <a:chOff x="0" y="0"/>
+          <a:chExt cx="0" cy="0"/>
+        </a:xfrm>
+      </p:grpSpPr>
+      <p:sp>
+        <p:nvSpPr>
+          <p:cNvPr id="2" name="タイトル 1">
+            <a:extLst>
+              <a:ext uri="{FF2B5EF4-FFF2-40B4-BE49-F238E27FC236}">
                 <a16:creationId xmlns:a16="http://schemas.microsoft.com/office/drawing/2014/main" id="{1191C142-1368-4B5A-907A-C83F30230C2C}"/>
               </a:ext>
             </a:extLst>
@@ -4566,7 +8673,7 @@
           <p:nvPr/>
         </p:nvPicPr>
         <p:blipFill rotWithShape="1">
-          <a:blip r:embed="rId2">
+          <a:blip r:embed="rId3">
             <a:extLst>
               <a:ext uri="{28A0092B-C50C-407E-A947-70E740481C1C}">
                 <a14:useLocalDpi xmlns:a14="http://schemas.microsoft.com/office/drawing/2010/main" val="0"/>
@@ -4599,444 +8706,6 @@
 </p:sld>
 </file>
 
-<file path=ppt/slides/slide11.xml><?xml version="1.0" encoding="utf-8"?>
-<p:sld xmlns:a="http://schemas.openxmlformats.org/drawingml/2006/main" xmlns:r="http://schemas.openxmlformats.org/officeDocument/2006/relationships" xmlns:p="http://schemas.openxmlformats.org/presentationml/2006/main">
-  <p:cSld>
-    <p:spTree>
-      <p:nvGrpSpPr>
-        <p:cNvPr id="1" name=""/>
-        <p:cNvGrpSpPr/>
-        <p:nvPr/>
-      </p:nvGrpSpPr>
-      <p:grpSpPr>
-        <a:xfrm>
-          <a:off x="0" y="0"/>
-          <a:ext cx="0" cy="0"/>
-          <a:chOff x="0" y="0"/>
-          <a:chExt cx="0" cy="0"/>
-        </a:xfrm>
-      </p:grpSpPr>
-      <p:sp>
-        <p:nvSpPr>
-          <p:cNvPr id="2" name="タイトル 1">
-            <a:extLst>
-              <a:ext uri="{FF2B5EF4-FFF2-40B4-BE49-F238E27FC236}">
-                <a16:creationId xmlns:a16="http://schemas.microsoft.com/office/drawing/2014/main" id="{1191C142-1368-4B5A-907A-C83F30230C2C}"/>
-              </a:ext>
-            </a:extLst>
-          </p:cNvPr>
-          <p:cNvSpPr>
-            <a:spLocks noGrp="1"/>
-          </p:cNvSpPr>
-          <p:nvPr>
-            <p:ph type="title"/>
-          </p:nvPr>
-        </p:nvSpPr>
-        <p:spPr/>
-        <p:txBody>
-          <a:bodyPr/>
-          <a:lstStyle/>
-          <a:p>
-            <a:r>
-              <a:rPr lang="en-US" altLang="ja-JP" dirty="0">
-                <a:latin typeface="メイリオ" panose="020B0604030504040204" pitchFamily="50" charset="-128"/>
-                <a:ea typeface="メイリオ" panose="020B0604030504040204" pitchFamily="50" charset="-128"/>
-              </a:rPr>
-              <a:t>2. </a:t>
-            </a:r>
-            <a:r>
-              <a:rPr lang="en-US" altLang="ja-JP" dirty="0" err="1">
-                <a:latin typeface="メイリオ" panose="020B0604030504040204" pitchFamily="50" charset="-128"/>
-                <a:ea typeface="メイリオ" panose="020B0604030504040204" pitchFamily="50" charset="-128"/>
-              </a:rPr>
-              <a:t>ToDo</a:t>
-            </a:r>
-            <a:r>
-              <a:rPr lang="ja-JP" altLang="en-US" dirty="0">
-                <a:latin typeface="メイリオ" panose="020B0604030504040204" pitchFamily="50" charset="-128"/>
-                <a:ea typeface="メイリオ" panose="020B0604030504040204" pitchFamily="50" charset="-128"/>
-              </a:rPr>
-              <a:t>リストアプリ</a:t>
-            </a:r>
-            <a:endParaRPr kumimoji="1" lang="ja-JP" altLang="en-US" dirty="0"/>
-          </a:p>
-        </p:txBody>
-      </p:sp>
-      <p:sp>
-        <p:nvSpPr>
-          <p:cNvPr id="3" name="コンテンツ プレースホルダー 2">
-            <a:extLst>
-              <a:ext uri="{FF2B5EF4-FFF2-40B4-BE49-F238E27FC236}">
-                <a16:creationId xmlns:a16="http://schemas.microsoft.com/office/drawing/2014/main" id="{C36DBE64-62E3-4CD2-ACFB-FAF81B15B14E}"/>
-              </a:ext>
-            </a:extLst>
-          </p:cNvPr>
-          <p:cNvSpPr>
-            <a:spLocks noGrp="1"/>
-          </p:cNvSpPr>
-          <p:nvPr>
-            <p:ph idx="1"/>
-          </p:nvPr>
-        </p:nvSpPr>
-        <p:spPr>
-          <a:xfrm>
-            <a:off x="838200" y="1825625"/>
-            <a:ext cx="10515600" cy="4351338"/>
-          </a:xfrm>
-        </p:spPr>
-        <p:txBody>
-          <a:bodyPr/>
-          <a:lstStyle/>
-          <a:p>
-            <a:r>
-              <a:rPr kumimoji="1" lang="ja-JP" altLang="en-US" dirty="0"/>
-              <a:t>詳細</a:t>
-            </a:r>
-            <a:endParaRPr kumimoji="1" lang="en-US" altLang="ja-JP" dirty="0"/>
-          </a:p>
-          <a:p>
-            <a:pPr marL="0" indent="0">
-              <a:buNone/>
-            </a:pPr>
-            <a:r>
-              <a:rPr lang="ja-JP" altLang="en-US" dirty="0"/>
-              <a:t>　・変更</a:t>
-            </a:r>
-            <a:endParaRPr lang="en-US" altLang="ja-JP" dirty="0"/>
-          </a:p>
-          <a:p>
-            <a:pPr marL="0" indent="0">
-              <a:buNone/>
-            </a:pPr>
-            <a:r>
-              <a:rPr kumimoji="1" lang="en-US" altLang="ja-JP" dirty="0"/>
-              <a:t>	</a:t>
-            </a:r>
-            <a:r>
-              <a:rPr kumimoji="1" lang="ja-JP" altLang="en-US" dirty="0"/>
-              <a:t>入力部分に変更後の値を入力</a:t>
-            </a:r>
-            <a:endParaRPr kumimoji="1" lang="en-US" altLang="ja-JP" dirty="0"/>
-          </a:p>
-          <a:p>
-            <a:pPr marL="0" indent="0">
-              <a:buNone/>
-            </a:pPr>
-            <a:r>
-              <a:rPr lang="en-US" altLang="ja-JP" dirty="0"/>
-              <a:t>	</a:t>
-            </a:r>
-            <a:r>
-              <a:rPr lang="ja-JP" altLang="en-US" dirty="0"/>
-              <a:t>出力部分の変更したい項目を選択</a:t>
-            </a:r>
-            <a:endParaRPr lang="en-US" altLang="ja-JP" dirty="0"/>
-          </a:p>
-          <a:p>
-            <a:pPr marL="0" indent="0">
-              <a:buNone/>
-            </a:pPr>
-            <a:r>
-              <a:rPr lang="en-US" altLang="ja-JP" dirty="0"/>
-              <a:t>	</a:t>
-            </a:r>
-            <a:r>
-              <a:rPr lang="ja-JP" altLang="en-US" dirty="0"/>
-              <a:t>変更ボタンをクリック</a:t>
-            </a:r>
-            <a:endParaRPr lang="en-US" altLang="ja-JP" dirty="0"/>
-          </a:p>
-          <a:p>
-            <a:pPr marL="0" indent="0">
-              <a:buNone/>
-            </a:pPr>
-            <a:r>
-              <a:rPr lang="ja-JP" altLang="en-US" dirty="0"/>
-              <a:t>　・削除</a:t>
-            </a:r>
-            <a:endParaRPr lang="en-US" altLang="ja-JP" dirty="0"/>
-          </a:p>
-          <a:p>
-            <a:pPr marL="0" indent="0">
-              <a:buNone/>
-            </a:pPr>
-            <a:r>
-              <a:rPr kumimoji="1" lang="en-US" altLang="ja-JP" dirty="0"/>
-              <a:t>	</a:t>
-            </a:r>
-            <a:r>
-              <a:rPr lang="ja-JP" altLang="en-US" dirty="0"/>
-              <a:t>出力部分の削除したい項目を選択</a:t>
-            </a:r>
-            <a:endParaRPr lang="en-US" altLang="ja-JP" dirty="0"/>
-          </a:p>
-          <a:p>
-            <a:pPr marL="0" indent="0">
-              <a:buNone/>
-            </a:pPr>
-            <a:r>
-              <a:rPr kumimoji="1" lang="en-US" altLang="ja-JP" dirty="0"/>
-              <a:t>	</a:t>
-            </a:r>
-            <a:r>
-              <a:rPr kumimoji="1" lang="ja-JP" altLang="en-US" dirty="0"/>
-              <a:t>削除ボタンをクリック</a:t>
-            </a:r>
-          </a:p>
-        </p:txBody>
-      </p:sp>
-    </p:spTree>
-    <p:extLst>
-      <p:ext uri="{BB962C8B-B14F-4D97-AF65-F5344CB8AC3E}">
-        <p14:creationId xmlns:p14="http://schemas.microsoft.com/office/powerpoint/2010/main" val="2893893784"/>
-      </p:ext>
-    </p:extLst>
-  </p:cSld>
-  <p:clrMapOvr>
-    <a:masterClrMapping/>
-  </p:clrMapOvr>
-</p:sld>
-</file>
-
-<file path=ppt/slides/slide12.xml><?xml version="1.0" encoding="utf-8"?>
-<p:sld xmlns:a="http://schemas.openxmlformats.org/drawingml/2006/main" xmlns:r="http://schemas.openxmlformats.org/officeDocument/2006/relationships" xmlns:p="http://schemas.openxmlformats.org/presentationml/2006/main">
-  <p:cSld>
-    <p:spTree>
-      <p:nvGrpSpPr>
-        <p:cNvPr id="1" name=""/>
-        <p:cNvGrpSpPr/>
-        <p:nvPr/>
-      </p:nvGrpSpPr>
-      <p:grpSpPr>
-        <a:xfrm>
-          <a:off x="0" y="0"/>
-          <a:ext cx="0" cy="0"/>
-          <a:chOff x="0" y="0"/>
-          <a:chExt cx="0" cy="0"/>
-        </a:xfrm>
-      </p:grpSpPr>
-      <p:sp>
-        <p:nvSpPr>
-          <p:cNvPr id="2" name="タイトル 1">
-            <a:extLst>
-              <a:ext uri="{FF2B5EF4-FFF2-40B4-BE49-F238E27FC236}">
-                <a16:creationId xmlns:a16="http://schemas.microsoft.com/office/drawing/2014/main" id="{BC8DDA26-6E81-40D6-B57E-F3BD24EE86D6}"/>
-              </a:ext>
-            </a:extLst>
-          </p:cNvPr>
-          <p:cNvSpPr>
-            <a:spLocks noGrp="1"/>
-          </p:cNvSpPr>
-          <p:nvPr>
-            <p:ph type="title"/>
-          </p:nvPr>
-        </p:nvSpPr>
-        <p:spPr/>
-        <p:txBody>
-          <a:bodyPr/>
-          <a:lstStyle/>
-          <a:p>
-            <a:r>
-              <a:rPr lang="en-US" altLang="ja-JP" dirty="0">
-                <a:latin typeface="メイリオ" panose="020B0604030504040204" pitchFamily="50" charset="-128"/>
-                <a:ea typeface="メイリオ" panose="020B0604030504040204" pitchFamily="50" charset="-128"/>
-              </a:rPr>
-              <a:t>3. </a:t>
-            </a:r>
-            <a:r>
-              <a:rPr lang="ja-JP" altLang="en-US" dirty="0">
-                <a:latin typeface="メイリオ" panose="020B0604030504040204" pitchFamily="50" charset="-128"/>
-                <a:ea typeface="メイリオ" panose="020B0604030504040204" pitchFamily="50" charset="-128"/>
-              </a:rPr>
-              <a:t>貸借管理アプリ</a:t>
-            </a:r>
-            <a:endParaRPr kumimoji="1" lang="ja-JP" altLang="en-US" dirty="0"/>
-          </a:p>
-        </p:txBody>
-      </p:sp>
-      <p:sp>
-        <p:nvSpPr>
-          <p:cNvPr id="4" name="コンテンツ プレースホルダー 3">
-            <a:extLst>
-              <a:ext uri="{FF2B5EF4-FFF2-40B4-BE49-F238E27FC236}">
-                <a16:creationId xmlns:a16="http://schemas.microsoft.com/office/drawing/2014/main" id="{46986F70-4713-4567-8A3C-1D693368CAF1}"/>
-              </a:ext>
-            </a:extLst>
-          </p:cNvPr>
-          <p:cNvSpPr>
-            <a:spLocks noGrp="1"/>
-          </p:cNvSpPr>
-          <p:nvPr>
-            <p:ph idx="1"/>
-          </p:nvPr>
-        </p:nvSpPr>
-        <p:spPr>
-          <a:xfrm>
-            <a:off x="838200" y="1825625"/>
-            <a:ext cx="10515600" cy="4351338"/>
-          </a:xfrm>
-        </p:spPr>
-        <p:txBody>
-          <a:bodyPr/>
-          <a:lstStyle/>
-          <a:p>
-            <a:pPr marL="0" indent="0">
-              <a:buNone/>
-            </a:pPr>
-            <a:r>
-              <a:rPr lang="ja-JP" altLang="en-US" dirty="0">
-                <a:latin typeface="メイリオ" panose="020B0604030504040204" pitchFamily="50" charset="-128"/>
-                <a:ea typeface="メイリオ" panose="020B0604030504040204" pitchFamily="50" charset="-128"/>
-              </a:rPr>
-              <a:t>・使用言語</a:t>
-            </a:r>
-            <a:endParaRPr lang="en-US" altLang="ja-JP" dirty="0">
-              <a:latin typeface="メイリオ" panose="020B0604030504040204" pitchFamily="50" charset="-128"/>
-              <a:ea typeface="メイリオ" panose="020B0604030504040204" pitchFamily="50" charset="-128"/>
-            </a:endParaRPr>
-          </a:p>
-          <a:p>
-            <a:pPr marL="0" indent="0">
-              <a:buNone/>
-            </a:pPr>
-            <a:r>
-              <a:rPr lang="ja-JP" altLang="en-US" dirty="0">
-                <a:latin typeface="メイリオ" panose="020B0604030504040204" pitchFamily="50" charset="-128"/>
-                <a:ea typeface="メイリオ" panose="020B0604030504040204" pitchFamily="50" charset="-128"/>
-              </a:rPr>
-              <a:t>　・</a:t>
-            </a:r>
-            <a:r>
-              <a:rPr lang="en-US" altLang="ja-JP" dirty="0">
-                <a:latin typeface="メイリオ" panose="020B0604030504040204" pitchFamily="50" charset="-128"/>
-                <a:ea typeface="メイリオ" panose="020B0604030504040204" pitchFamily="50" charset="-128"/>
-              </a:rPr>
-              <a:t>VBA</a:t>
-            </a:r>
-            <a:r>
-              <a:rPr lang="ja-JP" altLang="en-US" dirty="0">
-                <a:latin typeface="メイリオ" panose="020B0604030504040204" pitchFamily="50" charset="-128"/>
-                <a:ea typeface="メイリオ" panose="020B0604030504040204" pitchFamily="50" charset="-128"/>
-              </a:rPr>
-              <a:t>、</a:t>
-            </a:r>
-            <a:r>
-              <a:rPr lang="en-US" altLang="ja-JP" dirty="0">
-                <a:latin typeface="メイリオ" panose="020B0604030504040204" pitchFamily="50" charset="-128"/>
-                <a:ea typeface="メイリオ" panose="020B0604030504040204" pitchFamily="50" charset="-128"/>
-              </a:rPr>
-              <a:t>SQLite</a:t>
-            </a:r>
-          </a:p>
-          <a:p>
-            <a:pPr marL="0" indent="0">
-              <a:buNone/>
-            </a:pPr>
-            <a:r>
-              <a:rPr lang="ja-JP" altLang="en-US" dirty="0">
-                <a:latin typeface="メイリオ" panose="020B0604030504040204" pitchFamily="50" charset="-128"/>
-                <a:ea typeface="メイリオ" panose="020B0604030504040204" pitchFamily="50" charset="-128"/>
-              </a:rPr>
-              <a:t>・制作の目的</a:t>
-            </a:r>
-            <a:endParaRPr lang="en-US" altLang="ja-JP" dirty="0">
-              <a:latin typeface="メイリオ" panose="020B0604030504040204" pitchFamily="50" charset="-128"/>
-              <a:ea typeface="メイリオ" panose="020B0604030504040204" pitchFamily="50" charset="-128"/>
-            </a:endParaRPr>
-          </a:p>
-          <a:p>
-            <a:pPr marL="0" indent="0">
-              <a:buNone/>
-            </a:pPr>
-            <a:r>
-              <a:rPr lang="ja-JP" altLang="en-US" dirty="0">
-                <a:latin typeface="メイリオ" panose="020B0604030504040204" pitchFamily="50" charset="-128"/>
-                <a:ea typeface="メイリオ" panose="020B0604030504040204" pitchFamily="50" charset="-128"/>
-              </a:rPr>
-              <a:t>　・背景</a:t>
-            </a:r>
-            <a:endParaRPr lang="en-US" altLang="ja-JP" dirty="0">
-              <a:latin typeface="メイリオ" panose="020B0604030504040204" pitchFamily="50" charset="-128"/>
-              <a:ea typeface="メイリオ" panose="020B0604030504040204" pitchFamily="50" charset="-128"/>
-            </a:endParaRPr>
-          </a:p>
-          <a:p>
-            <a:pPr marL="0" indent="0">
-              <a:buNone/>
-            </a:pPr>
-            <a:r>
-              <a:rPr lang="en-US" altLang="ja-JP" dirty="0">
-                <a:latin typeface="メイリオ" panose="020B0604030504040204" pitchFamily="50" charset="-128"/>
-                <a:ea typeface="メイリオ" panose="020B0604030504040204" pitchFamily="50" charset="-128"/>
-              </a:rPr>
-              <a:t>	</a:t>
-            </a:r>
-            <a:r>
-              <a:rPr lang="ja-JP" altLang="en-US" dirty="0">
-                <a:latin typeface="メイリオ" panose="020B0604030504040204" pitchFamily="50" charset="-128"/>
-                <a:ea typeface="メイリオ" panose="020B0604030504040204" pitchFamily="50" charset="-128"/>
-              </a:rPr>
-              <a:t>・利息の計算が面倒くさい</a:t>
-            </a:r>
-            <a:endParaRPr lang="en-US" altLang="ja-JP" dirty="0">
-              <a:latin typeface="メイリオ" panose="020B0604030504040204" pitchFamily="50" charset="-128"/>
-              <a:ea typeface="メイリオ" panose="020B0604030504040204" pitchFamily="50" charset="-128"/>
-            </a:endParaRPr>
-          </a:p>
-          <a:p>
-            <a:pPr marL="0" indent="0">
-              <a:buNone/>
-            </a:pPr>
-            <a:r>
-              <a:rPr lang="ja-JP" altLang="en-US" dirty="0">
-                <a:latin typeface="メイリオ" panose="020B0604030504040204" pitchFamily="50" charset="-128"/>
-                <a:ea typeface="メイリオ" panose="020B0604030504040204" pitchFamily="50" charset="-128"/>
-              </a:rPr>
-              <a:t>　・目的</a:t>
-            </a:r>
-            <a:endParaRPr lang="en-US" altLang="ja-JP" dirty="0">
-              <a:latin typeface="メイリオ" panose="020B0604030504040204" pitchFamily="50" charset="-128"/>
-              <a:ea typeface="メイリオ" panose="020B0604030504040204" pitchFamily="50" charset="-128"/>
-            </a:endParaRPr>
-          </a:p>
-          <a:p>
-            <a:pPr marL="0" indent="0">
-              <a:buNone/>
-            </a:pPr>
-            <a:r>
-              <a:rPr lang="en-US" altLang="ja-JP" dirty="0">
-                <a:latin typeface="メイリオ" panose="020B0604030504040204" pitchFamily="50" charset="-128"/>
-                <a:ea typeface="メイリオ" panose="020B0604030504040204" pitchFamily="50" charset="-128"/>
-              </a:rPr>
-              <a:t>	</a:t>
-            </a:r>
-            <a:r>
-              <a:rPr lang="ja-JP" altLang="en-US" dirty="0">
-                <a:latin typeface="メイリオ" panose="020B0604030504040204" pitchFamily="50" charset="-128"/>
-                <a:ea typeface="メイリオ" panose="020B0604030504040204" pitchFamily="50" charset="-128"/>
-              </a:rPr>
-              <a:t>・管理を楽にする</a:t>
-            </a:r>
-            <a:endParaRPr lang="en-US" altLang="ja-JP" dirty="0">
-              <a:latin typeface="メイリオ" panose="020B0604030504040204" pitchFamily="50" charset="-128"/>
-              <a:ea typeface="メイリオ" panose="020B0604030504040204" pitchFamily="50" charset="-128"/>
-            </a:endParaRPr>
-          </a:p>
-        </p:txBody>
-      </p:sp>
-    </p:spTree>
-    <p:extLst>
-      <p:ext uri="{BB962C8B-B14F-4D97-AF65-F5344CB8AC3E}">
-        <p14:creationId xmlns:p14="http://schemas.microsoft.com/office/powerpoint/2010/main" val="3307898826"/>
-      </p:ext>
-    </p:extLst>
-  </p:cSld>
-  <p:clrMapOvr>
-    <a:masterClrMapping/>
-  </p:clrMapOvr>
-</p:sld>
-</file>
-
 <file path=ppt/slides/slide13.xml><?xml version="1.0" encoding="utf-8"?>
 <p:sld xmlns:a="http://schemas.openxmlformats.org/drawingml/2006/main" xmlns:r="http://schemas.openxmlformats.org/officeDocument/2006/relationships" xmlns:p="http://schemas.openxmlformats.org/presentationml/2006/main">
   <p:cSld>
@@ -5059,7 +8728,7 @@
           <p:cNvPr id="2" name="タイトル 1">
             <a:extLst>
               <a:ext uri="{FF2B5EF4-FFF2-40B4-BE49-F238E27FC236}">
-                <a16:creationId xmlns:a16="http://schemas.microsoft.com/office/drawing/2014/main" id="{BC8DDA26-6E81-40D6-B57E-F3BD24EE86D6}"/>
+                <a16:creationId xmlns:a16="http://schemas.microsoft.com/office/drawing/2014/main" id="{1191C142-1368-4B5A-907A-C83F30230C2C}"/>
               </a:ext>
             </a:extLst>
           </p:cNvPr>
@@ -5080,14 +8749,21 @@
                 <a:latin typeface="メイリオ" panose="020B0604030504040204" pitchFamily="50" charset="-128"/>
                 <a:ea typeface="メイリオ" panose="020B0604030504040204" pitchFamily="50" charset="-128"/>
               </a:rPr>
-              <a:t>3. </a:t>
+              <a:t>2. </a:t>
+            </a:r>
+            <a:r>
+              <a:rPr lang="en-US" altLang="ja-JP" dirty="0" err="1">
+                <a:latin typeface="メイリオ" panose="020B0604030504040204" pitchFamily="50" charset="-128"/>
+                <a:ea typeface="メイリオ" panose="020B0604030504040204" pitchFamily="50" charset="-128"/>
+              </a:rPr>
+              <a:t>ToDo</a:t>
             </a:r>
             <a:r>
               <a:rPr lang="ja-JP" altLang="en-US" dirty="0">
                 <a:latin typeface="メイリオ" panose="020B0604030504040204" pitchFamily="50" charset="-128"/>
                 <a:ea typeface="メイリオ" panose="020B0604030504040204" pitchFamily="50" charset="-128"/>
               </a:rPr>
-              <a:t>貸借管理アプリ</a:t>
+              <a:t>リストアプリ</a:t>
             </a:r>
             <a:endParaRPr kumimoji="1" lang="ja-JP" altLang="en-US" dirty="0"/>
           </a:p>
@@ -5095,10 +8771,10 @@
       </p:sp>
       <p:sp>
         <p:nvSpPr>
-          <p:cNvPr id="4" name="コンテンツ プレースホルダー 3">
-            <a:extLst>
-              <a:ext uri="{FF2B5EF4-FFF2-40B4-BE49-F238E27FC236}">
-                <a16:creationId xmlns:a16="http://schemas.microsoft.com/office/drawing/2014/main" id="{46986F70-4713-4567-8A3C-1D693368CAF1}"/>
+          <p:cNvPr id="3" name="コンテンツ プレースホルダー 2">
+            <a:extLst>
+              <a:ext uri="{FF2B5EF4-FFF2-40B4-BE49-F238E27FC236}">
+                <a16:creationId xmlns:a16="http://schemas.microsoft.com/office/drawing/2014/main" id="{C36DBE64-62E3-4CD2-ACFB-FAF81B15B14E}"/>
               </a:ext>
             </a:extLst>
           </p:cNvPr>
@@ -5119,79 +8795,110 @@
           <a:bodyPr/>
           <a:lstStyle/>
           <a:p>
+            <a:r>
+              <a:rPr kumimoji="1" lang="ja-JP" altLang="en-US" dirty="0"/>
+              <a:t>詳細　</a:t>
+            </a:r>
+            <a:r>
+              <a:rPr kumimoji="1" lang="en-US" altLang="ja-JP" dirty="0"/>
+              <a:t>(</a:t>
+            </a:r>
+            <a:r>
+              <a:rPr kumimoji="1" lang="ja-JP" altLang="en-US" dirty="0"/>
+              <a:t>変更・削除</a:t>
+            </a:r>
+            <a:r>
+              <a:rPr kumimoji="1" lang="en-US" altLang="ja-JP" dirty="0"/>
+              <a:t>)</a:t>
+            </a:r>
+          </a:p>
+          <a:p>
             <a:pPr marL="0" indent="0">
               <a:buNone/>
             </a:pPr>
             <a:r>
-              <a:rPr lang="ja-JP" altLang="en-US" dirty="0">
-                <a:latin typeface="メイリオ" panose="020B0604030504040204" pitchFamily="50" charset="-128"/>
-                <a:ea typeface="メイリオ" panose="020B0604030504040204" pitchFamily="50" charset="-128"/>
-              </a:rPr>
-              <a:t>・機能</a:t>
-            </a:r>
-            <a:endParaRPr lang="en-US" altLang="ja-JP" dirty="0">
-              <a:latin typeface="メイリオ" panose="020B0604030504040204" pitchFamily="50" charset="-128"/>
-              <a:ea typeface="メイリオ" panose="020B0604030504040204" pitchFamily="50" charset="-128"/>
-            </a:endParaRPr>
+              <a:rPr lang="ja-JP" altLang="en-US" dirty="0"/>
+              <a:t>　・変更</a:t>
+            </a:r>
+            <a:endParaRPr lang="en-US" altLang="ja-JP" dirty="0"/>
           </a:p>
           <a:p>
             <a:pPr marL="0" indent="0">
               <a:buNone/>
             </a:pPr>
             <a:r>
-              <a:rPr lang="ja-JP" altLang="en-US" dirty="0">
-                <a:latin typeface="メイリオ" panose="020B0604030504040204" pitchFamily="50" charset="-128"/>
-                <a:ea typeface="メイリオ" panose="020B0604030504040204" pitchFamily="50" charset="-128"/>
-              </a:rPr>
-              <a:t>　・ログイン</a:t>
-            </a:r>
-            <a:endParaRPr lang="en-US" altLang="ja-JP" dirty="0">
-              <a:latin typeface="メイリオ" panose="020B0604030504040204" pitchFamily="50" charset="-128"/>
-              <a:ea typeface="メイリオ" panose="020B0604030504040204" pitchFamily="50" charset="-128"/>
-            </a:endParaRPr>
+              <a:rPr kumimoji="1" lang="en-US" altLang="ja-JP" dirty="0"/>
+              <a:t>	</a:t>
+            </a:r>
+            <a:r>
+              <a:rPr kumimoji="1" lang="ja-JP" altLang="en-US" dirty="0"/>
+              <a:t>入力部分に変更後の値を入力</a:t>
+            </a:r>
+            <a:endParaRPr kumimoji="1" lang="en-US" altLang="ja-JP" dirty="0"/>
           </a:p>
           <a:p>
             <a:pPr marL="0" indent="0">
               <a:buNone/>
             </a:pPr>
             <a:r>
-              <a:rPr lang="ja-JP" altLang="en-US" dirty="0">
-                <a:latin typeface="メイリオ" panose="020B0604030504040204" pitchFamily="50" charset="-128"/>
-                <a:ea typeface="メイリオ" panose="020B0604030504040204" pitchFamily="50" charset="-128"/>
-              </a:rPr>
-              <a:t>　・取得</a:t>
-            </a:r>
-            <a:endParaRPr lang="en-US" altLang="ja-JP" dirty="0">
-              <a:latin typeface="メイリオ" panose="020B0604030504040204" pitchFamily="50" charset="-128"/>
-              <a:ea typeface="メイリオ" panose="020B0604030504040204" pitchFamily="50" charset="-128"/>
-            </a:endParaRPr>
+              <a:rPr lang="en-US" altLang="ja-JP" dirty="0"/>
+              <a:t>	</a:t>
+            </a:r>
+            <a:r>
+              <a:rPr lang="ja-JP" altLang="en-US" dirty="0"/>
+              <a:t>出力部分の変更したい項目を選択</a:t>
+            </a:r>
+            <a:endParaRPr lang="en-US" altLang="ja-JP" dirty="0"/>
           </a:p>
           <a:p>
             <a:pPr marL="0" indent="0">
               <a:buNone/>
             </a:pPr>
             <a:r>
-              <a:rPr lang="ja-JP" altLang="en-US" dirty="0">
-                <a:latin typeface="メイリオ" panose="020B0604030504040204" pitchFamily="50" charset="-128"/>
-                <a:ea typeface="メイリオ" panose="020B0604030504040204" pitchFamily="50" charset="-128"/>
-              </a:rPr>
-              <a:t>　・追加</a:t>
-            </a:r>
-            <a:endParaRPr lang="en-US" altLang="ja-JP" dirty="0">
-              <a:latin typeface="メイリオ" panose="020B0604030504040204" pitchFamily="50" charset="-128"/>
-              <a:ea typeface="メイリオ" panose="020B0604030504040204" pitchFamily="50" charset="-128"/>
-            </a:endParaRPr>
+              <a:rPr lang="en-US" altLang="ja-JP" dirty="0"/>
+              <a:t>	</a:t>
+            </a:r>
+            <a:r>
+              <a:rPr lang="ja-JP" altLang="en-US" dirty="0"/>
+              <a:t>変更ボタンをクリック</a:t>
+            </a:r>
+            <a:endParaRPr lang="en-US" altLang="ja-JP" dirty="0"/>
           </a:p>
           <a:p>
             <a:pPr marL="0" indent="0">
               <a:buNone/>
             </a:pPr>
             <a:r>
-              <a:rPr lang="ja-JP" altLang="en-US" dirty="0">
-                <a:latin typeface="メイリオ" panose="020B0604030504040204" pitchFamily="50" charset="-128"/>
-                <a:ea typeface="メイリオ" panose="020B0604030504040204" pitchFamily="50" charset="-128"/>
-              </a:rPr>
-              <a:t>　・更新</a:t>
+              <a:rPr lang="ja-JP" altLang="en-US" dirty="0"/>
+              <a:t>　・削除</a:t>
+            </a:r>
+            <a:endParaRPr lang="en-US" altLang="ja-JP" dirty="0"/>
+          </a:p>
+          <a:p>
+            <a:pPr marL="0" indent="0">
+              <a:buNone/>
+            </a:pPr>
+            <a:r>
+              <a:rPr kumimoji="1" lang="en-US" altLang="ja-JP" dirty="0"/>
+              <a:t>	</a:t>
+            </a:r>
+            <a:r>
+              <a:rPr lang="ja-JP" altLang="en-US" dirty="0"/>
+              <a:t>出力部分の削除したい項目を選択</a:t>
+            </a:r>
+            <a:endParaRPr lang="en-US" altLang="ja-JP" dirty="0"/>
+          </a:p>
+          <a:p>
+            <a:pPr marL="0" indent="0">
+              <a:buNone/>
+            </a:pPr>
+            <a:r>
+              <a:rPr kumimoji="1" lang="en-US" altLang="ja-JP" dirty="0"/>
+              <a:t>	</a:t>
+            </a:r>
+            <a:r>
+              <a:rPr kumimoji="1" lang="ja-JP" altLang="en-US" dirty="0"/>
+              <a:t>削除ボタンをクリック</a:t>
             </a:r>
           </a:p>
         </p:txBody>
@@ -5199,7 +8906,7 @@
     </p:spTree>
     <p:extLst>
       <p:ext uri="{BB962C8B-B14F-4D97-AF65-F5344CB8AC3E}">
-        <p14:creationId xmlns:p14="http://schemas.microsoft.com/office/powerpoint/2010/main" val="2118976271"/>
+        <p14:creationId xmlns:p14="http://schemas.microsoft.com/office/powerpoint/2010/main" val="2893893784"/>
       </p:ext>
     </p:extLst>
   </p:cSld>
@@ -5284,7 +8991,7 @@
         <p:spPr>
           <a:xfrm>
             <a:off x="838200" y="1825625"/>
-            <a:ext cx="5257800" cy="4351338"/>
+            <a:ext cx="10515600" cy="4351338"/>
           </a:xfrm>
         </p:spPr>
         <p:txBody>
@@ -5299,132 +9006,146 @@
                 <a:latin typeface="メイリオ" panose="020B0604030504040204" pitchFamily="50" charset="-128"/>
                 <a:ea typeface="メイリオ" panose="020B0604030504040204" pitchFamily="50" charset="-128"/>
               </a:rPr>
-              <a:t>・詳細　</a:t>
-            </a:r>
-            <a:r>
-              <a:rPr lang="en-US" altLang="ja-JP" dirty="0">
-                <a:latin typeface="メイリオ" panose="020B0604030504040204" pitchFamily="50" charset="-128"/>
-                <a:ea typeface="メイリオ" panose="020B0604030504040204" pitchFamily="50" charset="-128"/>
-              </a:rPr>
-              <a:t>(</a:t>
-            </a:r>
-            <a:r>
-              <a:rPr lang="ja-JP" altLang="en-US" dirty="0">
-                <a:latin typeface="メイリオ" panose="020B0604030504040204" pitchFamily="50" charset="-128"/>
-                <a:ea typeface="メイリオ" panose="020B0604030504040204" pitchFamily="50" charset="-128"/>
-              </a:rPr>
-              <a:t>ログイン</a:t>
-            </a:r>
-            <a:r>
-              <a:rPr lang="en-US" altLang="ja-JP" dirty="0">
-                <a:latin typeface="メイリオ" panose="020B0604030504040204" pitchFamily="50" charset="-128"/>
-                <a:ea typeface="メイリオ" panose="020B0604030504040204" pitchFamily="50" charset="-128"/>
-              </a:rPr>
-              <a:t>)</a:t>
-            </a:r>
-            <a:endParaRPr lang="ja-JP" altLang="en-US" dirty="0">
+              <a:t>・使用言語</a:t>
+            </a:r>
+            <a:endParaRPr lang="en-US" altLang="ja-JP" dirty="0">
               <a:latin typeface="メイリオ" panose="020B0604030504040204" pitchFamily="50" charset="-128"/>
               <a:ea typeface="メイリオ" panose="020B0604030504040204" pitchFamily="50" charset="-128"/>
             </a:endParaRPr>
           </a:p>
-        </p:txBody>
-      </p:sp>
-      <p:pic>
-        <p:nvPicPr>
-          <p:cNvPr id="5" name="図 4">
-            <a:extLst>
-              <a:ext uri="{FF2B5EF4-FFF2-40B4-BE49-F238E27FC236}">
-                <a16:creationId xmlns:a16="http://schemas.microsoft.com/office/drawing/2014/main" id="{4306FDE4-362B-4B82-8366-0DF6919509EE}"/>
-              </a:ext>
-            </a:extLst>
-          </p:cNvPr>
-          <p:cNvPicPr>
-            <a:picLocks noChangeAspect="1"/>
-          </p:cNvPicPr>
-          <p:nvPr/>
-        </p:nvPicPr>
-        <p:blipFill>
-          <a:blip r:embed="rId2">
-            <a:extLst>
-              <a:ext uri="{28A0092B-C50C-407E-A947-70E740481C1C}">
-                <a14:useLocalDpi xmlns:a14="http://schemas.microsoft.com/office/drawing/2010/main" val="0"/>
-              </a:ext>
-            </a:extLst>
-          </a:blip>
-          <a:stretch>
-            <a:fillRect/>
-          </a:stretch>
-        </p:blipFill>
-        <p:spPr>
-          <a:xfrm>
-            <a:off x="838200" y="2789748"/>
-            <a:ext cx="3870960" cy="2262094"/>
-          </a:xfrm>
-          <a:prstGeom prst="rect">
-            <a:avLst/>
-          </a:prstGeom>
-        </p:spPr>
-      </p:pic>
-      <p:sp>
-        <p:nvSpPr>
-          <p:cNvPr id="6" name="テキスト ボックス 5">
-            <a:extLst>
-              <a:ext uri="{FF2B5EF4-FFF2-40B4-BE49-F238E27FC236}">
-                <a16:creationId xmlns:a16="http://schemas.microsoft.com/office/drawing/2014/main" id="{3CBD4462-27A2-4021-A4C0-714A83E599B1}"/>
-              </a:ext>
-            </a:extLst>
-          </p:cNvPr>
-          <p:cNvSpPr txBox="1"/>
-          <p:nvPr/>
-        </p:nvSpPr>
-        <p:spPr>
-          <a:xfrm>
-            <a:off x="6096000" y="2789748"/>
-            <a:ext cx="3962400" cy="2246769"/>
-          </a:xfrm>
-          <a:prstGeom prst="rect">
-            <a:avLst/>
-          </a:prstGeom>
-          <a:noFill/>
-        </p:spPr>
-        <p:txBody>
-          <a:bodyPr wrap="square" rtlCol="0">
-            <a:spAutoFit/>
-          </a:bodyPr>
-          <a:lstStyle/>
-          <a:p>
-            <a:r>
-              <a:rPr kumimoji="1" lang="ja-JP" altLang="en-US" sz="2800" dirty="0"/>
-              <a:t>他人に見られないようにログイン機能を搭載</a:t>
-            </a:r>
-            <a:endParaRPr kumimoji="1" lang="en-US" altLang="ja-JP" sz="2800" dirty="0"/>
-          </a:p>
-          <a:p>
-            <a:endParaRPr kumimoji="1" lang="en-US" altLang="ja-JP" sz="2800" dirty="0"/>
-          </a:p>
-          <a:p>
-            <a:r>
-              <a:rPr lang="en-US" altLang="ja-JP" sz="2800" dirty="0"/>
-              <a:t>OK</a:t>
-            </a:r>
-            <a:r>
-              <a:rPr lang="ja-JP" altLang="en-US" sz="2800" dirty="0"/>
-              <a:t>ボタンクリックで</a:t>
-            </a:r>
-            <a:endParaRPr lang="en-US" altLang="ja-JP" sz="2800" dirty="0"/>
-          </a:p>
-          <a:p>
-            <a:r>
-              <a:rPr kumimoji="1" lang="ja-JP" altLang="en-US" sz="2800" dirty="0"/>
-              <a:t>データ取得</a:t>
-            </a:r>
+          <a:p>
+            <a:pPr marL="0" indent="0">
+              <a:buNone/>
+            </a:pPr>
+            <a:r>
+              <a:rPr lang="ja-JP" altLang="en-US" dirty="0">
+                <a:latin typeface="メイリオ" panose="020B0604030504040204" pitchFamily="50" charset="-128"/>
+                <a:ea typeface="メイリオ" panose="020B0604030504040204" pitchFamily="50" charset="-128"/>
+              </a:rPr>
+              <a:t>　・</a:t>
+            </a:r>
+            <a:r>
+              <a:rPr lang="en-US" altLang="ja-JP" dirty="0">
+                <a:latin typeface="メイリオ" panose="020B0604030504040204" pitchFamily="50" charset="-128"/>
+                <a:ea typeface="メイリオ" panose="020B0604030504040204" pitchFamily="50" charset="-128"/>
+              </a:rPr>
+              <a:t>VBA</a:t>
+            </a:r>
+            <a:r>
+              <a:rPr lang="ja-JP" altLang="en-US" dirty="0">
+                <a:latin typeface="メイリオ" panose="020B0604030504040204" pitchFamily="50" charset="-128"/>
+                <a:ea typeface="メイリオ" panose="020B0604030504040204" pitchFamily="50" charset="-128"/>
+              </a:rPr>
+              <a:t>、</a:t>
+            </a:r>
+            <a:r>
+              <a:rPr lang="en-US" altLang="ja-JP" dirty="0">
+                <a:latin typeface="メイリオ" panose="020B0604030504040204" pitchFamily="50" charset="-128"/>
+                <a:ea typeface="メイリオ" panose="020B0604030504040204" pitchFamily="50" charset="-128"/>
+              </a:rPr>
+              <a:t>SQLite: ver. 3.41.2</a:t>
+            </a:r>
+          </a:p>
+          <a:p>
+            <a:pPr marL="0" indent="0">
+              <a:buNone/>
+            </a:pPr>
+            <a:r>
+              <a:rPr lang="ja-JP" altLang="en-US" dirty="0">
+                <a:latin typeface="メイリオ" panose="020B0604030504040204" pitchFamily="50" charset="-128"/>
+                <a:ea typeface="メイリオ" panose="020B0604030504040204" pitchFamily="50" charset="-128"/>
+              </a:rPr>
+              <a:t>・制作の目的</a:t>
+            </a:r>
+            <a:endParaRPr lang="en-US" altLang="ja-JP" dirty="0">
+              <a:latin typeface="メイリオ" panose="020B0604030504040204" pitchFamily="50" charset="-128"/>
+              <a:ea typeface="メイリオ" panose="020B0604030504040204" pitchFamily="50" charset="-128"/>
+            </a:endParaRPr>
+          </a:p>
+          <a:p>
+            <a:pPr marL="0" indent="0">
+              <a:buNone/>
+            </a:pPr>
+            <a:r>
+              <a:rPr lang="ja-JP" altLang="en-US" dirty="0">
+                <a:latin typeface="メイリオ" panose="020B0604030504040204" pitchFamily="50" charset="-128"/>
+                <a:ea typeface="メイリオ" panose="020B0604030504040204" pitchFamily="50" charset="-128"/>
+              </a:rPr>
+              <a:t>　・背景</a:t>
+            </a:r>
+            <a:endParaRPr lang="en-US" altLang="ja-JP" dirty="0">
+              <a:latin typeface="メイリオ" panose="020B0604030504040204" pitchFamily="50" charset="-128"/>
+              <a:ea typeface="メイリオ" panose="020B0604030504040204" pitchFamily="50" charset="-128"/>
+            </a:endParaRPr>
+          </a:p>
+          <a:p>
+            <a:pPr marL="0" indent="0">
+              <a:buNone/>
+            </a:pPr>
+            <a:r>
+              <a:rPr lang="en-US" altLang="ja-JP" dirty="0">
+                <a:latin typeface="メイリオ" panose="020B0604030504040204" pitchFamily="50" charset="-128"/>
+                <a:ea typeface="メイリオ" panose="020B0604030504040204" pitchFamily="50" charset="-128"/>
+              </a:rPr>
+              <a:t>	</a:t>
+            </a:r>
+            <a:r>
+              <a:rPr lang="ja-JP" altLang="en-US" dirty="0">
+                <a:latin typeface="メイリオ" panose="020B0604030504040204" pitchFamily="50" charset="-128"/>
+                <a:ea typeface="メイリオ" panose="020B0604030504040204" pitchFamily="50" charset="-128"/>
+              </a:rPr>
+              <a:t>・利息の計算が面倒くさい</a:t>
+            </a:r>
+            <a:endParaRPr lang="en-US" altLang="ja-JP" dirty="0">
+              <a:latin typeface="メイリオ" panose="020B0604030504040204" pitchFamily="50" charset="-128"/>
+              <a:ea typeface="メイリオ" panose="020B0604030504040204" pitchFamily="50" charset="-128"/>
+            </a:endParaRPr>
+          </a:p>
+          <a:p>
+            <a:pPr marL="0" indent="0">
+              <a:buNone/>
+            </a:pPr>
+            <a:r>
+              <a:rPr lang="ja-JP" altLang="en-US" dirty="0">
+                <a:latin typeface="メイリオ" panose="020B0604030504040204" pitchFamily="50" charset="-128"/>
+                <a:ea typeface="メイリオ" panose="020B0604030504040204" pitchFamily="50" charset="-128"/>
+              </a:rPr>
+              <a:t>　・目的</a:t>
+            </a:r>
+            <a:endParaRPr lang="en-US" altLang="ja-JP" dirty="0">
+              <a:latin typeface="メイリオ" panose="020B0604030504040204" pitchFamily="50" charset="-128"/>
+              <a:ea typeface="メイリオ" panose="020B0604030504040204" pitchFamily="50" charset="-128"/>
+            </a:endParaRPr>
+          </a:p>
+          <a:p>
+            <a:pPr marL="0" indent="0">
+              <a:buNone/>
+            </a:pPr>
+            <a:r>
+              <a:rPr lang="en-US" altLang="ja-JP" dirty="0">
+                <a:latin typeface="メイリオ" panose="020B0604030504040204" pitchFamily="50" charset="-128"/>
+                <a:ea typeface="メイリオ" panose="020B0604030504040204" pitchFamily="50" charset="-128"/>
+              </a:rPr>
+              <a:t>	</a:t>
+            </a:r>
+            <a:r>
+              <a:rPr lang="ja-JP" altLang="en-US" dirty="0">
+                <a:latin typeface="メイリオ" panose="020B0604030504040204" pitchFamily="50" charset="-128"/>
+                <a:ea typeface="メイリオ" panose="020B0604030504040204" pitchFamily="50" charset="-128"/>
+              </a:rPr>
+              <a:t>・管理を楽にする</a:t>
+            </a:r>
+            <a:endParaRPr lang="en-US" altLang="ja-JP" dirty="0">
+              <a:latin typeface="メイリオ" panose="020B0604030504040204" pitchFamily="50" charset="-128"/>
+              <a:ea typeface="メイリオ" panose="020B0604030504040204" pitchFamily="50" charset="-128"/>
+            </a:endParaRPr>
           </a:p>
         </p:txBody>
       </p:sp>
     </p:spTree>
     <p:extLst>
       <p:ext uri="{BB962C8B-B14F-4D97-AF65-F5344CB8AC3E}">
-        <p14:creationId xmlns:p14="http://schemas.microsoft.com/office/powerpoint/2010/main" val="460714599"/>
+        <p14:creationId xmlns:p14="http://schemas.microsoft.com/office/powerpoint/2010/main" val="3307898826"/>
       </p:ext>
     </p:extLst>
   </p:cSld>
@@ -5509,6 +9230,830 @@
         <p:spPr>
           <a:xfrm>
             <a:off x="838200" y="1825625"/>
+            <a:ext cx="10515600" cy="4351338"/>
+          </a:xfrm>
+        </p:spPr>
+        <p:txBody>
+          <a:bodyPr/>
+          <a:lstStyle/>
+          <a:p>
+            <a:pPr marL="0" indent="0">
+              <a:buNone/>
+            </a:pPr>
+            <a:r>
+              <a:rPr lang="ja-JP" altLang="en-US" dirty="0">
+                <a:latin typeface="メイリオ" panose="020B0604030504040204" pitchFamily="50" charset="-128"/>
+                <a:ea typeface="メイリオ" panose="020B0604030504040204" pitchFamily="50" charset="-128"/>
+              </a:rPr>
+              <a:t>・機能</a:t>
+            </a:r>
+            <a:endParaRPr lang="en-US" altLang="ja-JP" dirty="0">
+              <a:latin typeface="メイリオ" panose="020B0604030504040204" pitchFamily="50" charset="-128"/>
+              <a:ea typeface="メイリオ" panose="020B0604030504040204" pitchFamily="50" charset="-128"/>
+            </a:endParaRPr>
+          </a:p>
+          <a:p>
+            <a:pPr marL="0" indent="0">
+              <a:buNone/>
+            </a:pPr>
+            <a:r>
+              <a:rPr lang="ja-JP" altLang="en-US" dirty="0">
+                <a:latin typeface="メイリオ" panose="020B0604030504040204" pitchFamily="50" charset="-128"/>
+                <a:ea typeface="メイリオ" panose="020B0604030504040204" pitchFamily="50" charset="-128"/>
+              </a:rPr>
+              <a:t>　・ログイン</a:t>
+            </a:r>
+            <a:endParaRPr lang="en-US" altLang="ja-JP" dirty="0">
+              <a:latin typeface="メイリオ" panose="020B0604030504040204" pitchFamily="50" charset="-128"/>
+              <a:ea typeface="メイリオ" panose="020B0604030504040204" pitchFamily="50" charset="-128"/>
+            </a:endParaRPr>
+          </a:p>
+          <a:p>
+            <a:pPr marL="0" indent="0">
+              <a:buNone/>
+            </a:pPr>
+            <a:r>
+              <a:rPr lang="ja-JP" altLang="en-US" dirty="0">
+                <a:latin typeface="メイリオ" panose="020B0604030504040204" pitchFamily="50" charset="-128"/>
+                <a:ea typeface="メイリオ" panose="020B0604030504040204" pitchFamily="50" charset="-128"/>
+              </a:rPr>
+              <a:t>　・取得</a:t>
+            </a:r>
+            <a:endParaRPr lang="en-US" altLang="ja-JP" dirty="0">
+              <a:latin typeface="メイリオ" panose="020B0604030504040204" pitchFamily="50" charset="-128"/>
+              <a:ea typeface="メイリオ" panose="020B0604030504040204" pitchFamily="50" charset="-128"/>
+            </a:endParaRPr>
+          </a:p>
+          <a:p>
+            <a:pPr marL="0" indent="0">
+              <a:buNone/>
+            </a:pPr>
+            <a:r>
+              <a:rPr lang="ja-JP" altLang="en-US" dirty="0">
+                <a:latin typeface="メイリオ" panose="020B0604030504040204" pitchFamily="50" charset="-128"/>
+                <a:ea typeface="メイリオ" panose="020B0604030504040204" pitchFamily="50" charset="-128"/>
+              </a:rPr>
+              <a:t>　・追加</a:t>
+            </a:r>
+            <a:endParaRPr lang="en-US" altLang="ja-JP" dirty="0">
+              <a:latin typeface="メイリオ" panose="020B0604030504040204" pitchFamily="50" charset="-128"/>
+              <a:ea typeface="メイリオ" panose="020B0604030504040204" pitchFamily="50" charset="-128"/>
+            </a:endParaRPr>
+          </a:p>
+          <a:p>
+            <a:pPr marL="0" indent="0">
+              <a:buNone/>
+            </a:pPr>
+            <a:r>
+              <a:rPr lang="ja-JP" altLang="en-US" dirty="0">
+                <a:latin typeface="メイリオ" panose="020B0604030504040204" pitchFamily="50" charset="-128"/>
+                <a:ea typeface="メイリオ" panose="020B0604030504040204" pitchFamily="50" charset="-128"/>
+              </a:rPr>
+              <a:t>　・更新</a:t>
+            </a:r>
+          </a:p>
+        </p:txBody>
+      </p:sp>
+    </p:spTree>
+    <p:extLst>
+      <p:ext uri="{BB962C8B-B14F-4D97-AF65-F5344CB8AC3E}">
+        <p14:creationId xmlns:p14="http://schemas.microsoft.com/office/powerpoint/2010/main" val="2118976271"/>
+      </p:ext>
+    </p:extLst>
+  </p:cSld>
+  <p:clrMapOvr>
+    <a:masterClrMapping/>
+  </p:clrMapOvr>
+</p:sld>
+</file>
+
+<file path=ppt/slides/slide16.xml><?xml version="1.0" encoding="utf-8"?>
+<p:sld xmlns:a="http://schemas.openxmlformats.org/drawingml/2006/main" xmlns:r="http://schemas.openxmlformats.org/officeDocument/2006/relationships" xmlns:p="http://schemas.openxmlformats.org/presentationml/2006/main">
+  <p:cSld>
+    <p:spTree>
+      <p:nvGrpSpPr>
+        <p:cNvPr id="1" name=""/>
+        <p:cNvGrpSpPr/>
+        <p:nvPr/>
+      </p:nvGrpSpPr>
+      <p:grpSpPr>
+        <a:xfrm>
+          <a:off x="0" y="0"/>
+          <a:ext cx="0" cy="0"/>
+          <a:chOff x="0" y="0"/>
+          <a:chExt cx="0" cy="0"/>
+        </a:xfrm>
+      </p:grpSpPr>
+      <p:sp>
+        <p:nvSpPr>
+          <p:cNvPr id="2" name="タイトル 1">
+            <a:extLst>
+              <a:ext uri="{FF2B5EF4-FFF2-40B4-BE49-F238E27FC236}">
+                <a16:creationId xmlns:a16="http://schemas.microsoft.com/office/drawing/2014/main" id="{E13D5B6F-0AD7-49A8-802F-F474397B35E9}"/>
+              </a:ext>
+            </a:extLst>
+          </p:cNvPr>
+          <p:cNvSpPr>
+            <a:spLocks noGrp="1"/>
+          </p:cNvSpPr>
+          <p:nvPr>
+            <p:ph type="title"/>
+          </p:nvPr>
+        </p:nvSpPr>
+        <p:spPr/>
+        <p:txBody>
+          <a:bodyPr/>
+          <a:lstStyle/>
+          <a:p>
+            <a:r>
+              <a:rPr lang="en-US" altLang="ja-JP" dirty="0">
+                <a:latin typeface="メイリオ" panose="020B0604030504040204" pitchFamily="50" charset="-128"/>
+                <a:ea typeface="メイリオ" panose="020B0604030504040204" pitchFamily="50" charset="-128"/>
+              </a:rPr>
+              <a:t>3. </a:t>
+            </a:r>
+            <a:r>
+              <a:rPr lang="ja-JP" altLang="en-US" dirty="0">
+                <a:latin typeface="メイリオ" panose="020B0604030504040204" pitchFamily="50" charset="-128"/>
+                <a:ea typeface="メイリオ" panose="020B0604030504040204" pitchFamily="50" charset="-128"/>
+              </a:rPr>
+              <a:t>貸借管理アプリ</a:t>
+            </a:r>
+            <a:endParaRPr kumimoji="1" lang="ja-JP" altLang="en-US" dirty="0"/>
+          </a:p>
+        </p:txBody>
+      </p:sp>
+      <p:sp>
+        <p:nvSpPr>
+          <p:cNvPr id="3" name="コンテンツ プレースホルダー 2">
+            <a:extLst>
+              <a:ext uri="{FF2B5EF4-FFF2-40B4-BE49-F238E27FC236}">
+                <a16:creationId xmlns:a16="http://schemas.microsoft.com/office/drawing/2014/main" id="{F3478664-64C4-48FD-810F-283D1F2FF5D3}"/>
+              </a:ext>
+            </a:extLst>
+          </p:cNvPr>
+          <p:cNvSpPr>
+            <a:spLocks noGrp="1"/>
+          </p:cNvSpPr>
+          <p:nvPr>
+            <p:ph idx="1"/>
+          </p:nvPr>
+        </p:nvSpPr>
+        <p:spPr>
+          <a:xfrm>
+            <a:off x="838200" y="1825625"/>
+            <a:ext cx="3748088" cy="4351338"/>
+          </a:xfrm>
+        </p:spPr>
+        <p:txBody>
+          <a:bodyPr/>
+          <a:lstStyle/>
+          <a:p>
+            <a:pPr marL="0" indent="0">
+              <a:buFont typeface="Arial" panose="020B0604020202020204" pitchFamily="34" charset="0"/>
+              <a:buNone/>
+            </a:pPr>
+            <a:r>
+              <a:rPr lang="ja-JP" altLang="en-US" dirty="0">
+                <a:latin typeface="メイリオ" panose="020B0604030504040204" pitchFamily="50" charset="-128"/>
+                <a:ea typeface="メイリオ" panose="020B0604030504040204" pitchFamily="50" charset="-128"/>
+              </a:rPr>
+              <a:t>・詳細　</a:t>
+            </a:r>
+            <a:r>
+              <a:rPr lang="en-US" altLang="ja-JP" dirty="0">
+                <a:latin typeface="メイリオ" panose="020B0604030504040204" pitchFamily="50" charset="-128"/>
+                <a:ea typeface="メイリオ" panose="020B0604030504040204" pitchFamily="50" charset="-128"/>
+              </a:rPr>
+              <a:t>(ER</a:t>
+            </a:r>
+            <a:r>
+              <a:rPr lang="ja-JP" altLang="en-US" dirty="0">
+                <a:latin typeface="メイリオ" panose="020B0604030504040204" pitchFamily="50" charset="-128"/>
+                <a:ea typeface="メイリオ" panose="020B0604030504040204" pitchFamily="50" charset="-128"/>
+              </a:rPr>
+              <a:t>図</a:t>
+            </a:r>
+            <a:r>
+              <a:rPr lang="en-US" altLang="ja-JP" dirty="0">
+                <a:latin typeface="メイリオ" panose="020B0604030504040204" pitchFamily="50" charset="-128"/>
+                <a:ea typeface="メイリオ" panose="020B0604030504040204" pitchFamily="50" charset="-128"/>
+              </a:rPr>
+              <a:t>)</a:t>
+            </a:r>
+          </a:p>
+        </p:txBody>
+      </p:sp>
+      <p:sp>
+        <p:nvSpPr>
+          <p:cNvPr id="6" name="テキスト ボックス 5">
+            <a:extLst>
+              <a:ext uri="{FF2B5EF4-FFF2-40B4-BE49-F238E27FC236}">
+                <a16:creationId xmlns:a16="http://schemas.microsoft.com/office/drawing/2014/main" id="{7A9DC34F-19E1-4EBB-B84E-2933D3289D9F}"/>
+              </a:ext>
+            </a:extLst>
+          </p:cNvPr>
+          <p:cNvSpPr txBox="1"/>
+          <p:nvPr/>
+        </p:nvSpPr>
+        <p:spPr>
+          <a:xfrm>
+            <a:off x="5646420" y="2083535"/>
+            <a:ext cx="6038418" cy="4093428"/>
+          </a:xfrm>
+          <a:prstGeom prst="rect">
+            <a:avLst/>
+          </a:prstGeom>
+          <a:noFill/>
+        </p:spPr>
+        <p:txBody>
+          <a:bodyPr wrap="square" rtlCol="0">
+            <a:spAutoFit/>
+          </a:bodyPr>
+          <a:lstStyle/>
+          <a:p>
+            <a:r>
+              <a:rPr lang="en-US" altLang="ja-JP" sz="2400" dirty="0" err="1">
+                <a:latin typeface="メイリオ" panose="020B0604030504040204" pitchFamily="50" charset="-128"/>
+                <a:ea typeface="メイリオ" panose="020B0604030504040204" pitchFamily="50" charset="-128"/>
+              </a:rPr>
+              <a:t>loan_borrow</a:t>
+            </a:r>
+            <a:r>
+              <a:rPr lang="ja-JP" altLang="en-US" sz="2400" dirty="0">
+                <a:latin typeface="メイリオ" panose="020B0604030504040204" pitchFamily="50" charset="-128"/>
+                <a:ea typeface="メイリオ" panose="020B0604030504040204" pitchFamily="50" charset="-128"/>
+              </a:rPr>
+              <a:t>テーブル</a:t>
+            </a:r>
+            <a:endParaRPr lang="en-US" altLang="ja-JP" sz="2400" dirty="0">
+              <a:latin typeface="メイリオ" panose="020B0604030504040204" pitchFamily="50" charset="-128"/>
+              <a:ea typeface="メイリオ" panose="020B0604030504040204" pitchFamily="50" charset="-128"/>
+            </a:endParaRPr>
+          </a:p>
+          <a:p>
+            <a:endParaRPr lang="en-US" altLang="ja-JP" sz="1000" dirty="0">
+              <a:latin typeface="メイリオ" panose="020B0604030504040204" pitchFamily="50" charset="-128"/>
+              <a:ea typeface="メイリオ" panose="020B0604030504040204" pitchFamily="50" charset="-128"/>
+            </a:endParaRPr>
+          </a:p>
+          <a:p>
+            <a:r>
+              <a:rPr lang="en-US" altLang="ja-JP" sz="2400" dirty="0" err="1">
+                <a:latin typeface="メイリオ" panose="020B0604030504040204" pitchFamily="50" charset="-128"/>
+                <a:ea typeface="メイリオ" panose="020B0604030504040204" pitchFamily="50" charset="-128"/>
+              </a:rPr>
+              <a:t>a_id</a:t>
+            </a:r>
+            <a:r>
+              <a:rPr lang="en-US" altLang="ja-JP" sz="2400" dirty="0">
+                <a:latin typeface="メイリオ" panose="020B0604030504040204" pitchFamily="50" charset="-128"/>
+                <a:ea typeface="メイリオ" panose="020B0604030504040204" pitchFamily="50" charset="-128"/>
+              </a:rPr>
+              <a:t>:		</a:t>
+            </a:r>
+            <a:r>
+              <a:rPr lang="en-US" altLang="ja-JP" sz="2400" dirty="0" err="1">
+                <a:latin typeface="メイリオ" panose="020B0604030504040204" pitchFamily="50" charset="-128"/>
+                <a:ea typeface="メイリオ" panose="020B0604030504040204" pitchFamily="50" charset="-128"/>
+              </a:rPr>
+              <a:t>client_info</a:t>
+            </a:r>
+            <a:r>
+              <a:rPr lang="ja-JP" altLang="en-US" sz="2400" dirty="0">
+                <a:latin typeface="メイリオ" panose="020B0604030504040204" pitchFamily="50" charset="-128"/>
+                <a:ea typeface="メイリオ" panose="020B0604030504040204" pitchFamily="50" charset="-128"/>
+              </a:rPr>
+              <a:t>テーブルの</a:t>
+            </a:r>
+            <a:r>
+              <a:rPr lang="en-US" altLang="ja-JP" sz="2400" dirty="0">
+                <a:latin typeface="メイリオ" panose="020B0604030504040204" pitchFamily="50" charset="-128"/>
+                <a:ea typeface="メイリオ" panose="020B0604030504040204" pitchFamily="50" charset="-128"/>
+              </a:rPr>
+              <a:t>id</a:t>
+            </a:r>
+          </a:p>
+          <a:p>
+            <a:r>
+              <a:rPr kumimoji="1" lang="en-US" altLang="ja-JP" sz="2400" dirty="0">
+                <a:latin typeface="メイリオ" panose="020B0604030504040204" pitchFamily="50" charset="-128"/>
+                <a:ea typeface="メイリオ" panose="020B0604030504040204" pitchFamily="50" charset="-128"/>
+              </a:rPr>
+              <a:t>date:		</a:t>
+            </a:r>
+            <a:r>
+              <a:rPr lang="ja-JP" altLang="en-US" sz="2400" dirty="0">
+                <a:latin typeface="メイリオ" panose="020B0604030504040204" pitchFamily="50" charset="-128"/>
+                <a:ea typeface="メイリオ" panose="020B0604030504040204" pitchFamily="50" charset="-128"/>
+              </a:rPr>
+              <a:t>日付</a:t>
+            </a:r>
+            <a:endParaRPr kumimoji="1" lang="en-US" altLang="ja-JP" sz="2400" dirty="0">
+              <a:latin typeface="メイリオ" panose="020B0604030504040204" pitchFamily="50" charset="-128"/>
+              <a:ea typeface="メイリオ" panose="020B0604030504040204" pitchFamily="50" charset="-128"/>
+            </a:endParaRPr>
+          </a:p>
+          <a:p>
+            <a:r>
+              <a:rPr kumimoji="1" lang="en-US" altLang="ja-JP" sz="2400" dirty="0">
+                <a:latin typeface="メイリオ" panose="020B0604030504040204" pitchFamily="50" charset="-128"/>
+                <a:ea typeface="メイリオ" panose="020B0604030504040204" pitchFamily="50" charset="-128"/>
+              </a:rPr>
+              <a:t>amount:	</a:t>
+            </a:r>
+            <a:r>
+              <a:rPr kumimoji="1" lang="ja-JP" altLang="en-US" sz="2400" dirty="0">
+                <a:latin typeface="メイリオ" panose="020B0604030504040204" pitchFamily="50" charset="-128"/>
+                <a:ea typeface="メイリオ" panose="020B0604030504040204" pitchFamily="50" charset="-128"/>
+              </a:rPr>
+              <a:t>金額</a:t>
+            </a:r>
+            <a:endParaRPr kumimoji="1" lang="en-US" altLang="ja-JP" sz="2400" dirty="0">
+              <a:latin typeface="メイリオ" panose="020B0604030504040204" pitchFamily="50" charset="-128"/>
+              <a:ea typeface="メイリオ" panose="020B0604030504040204" pitchFamily="50" charset="-128"/>
+            </a:endParaRPr>
+          </a:p>
+          <a:p>
+            <a:endParaRPr lang="en-US" altLang="ja-JP" sz="2400" dirty="0">
+              <a:latin typeface="メイリオ" panose="020B0604030504040204" pitchFamily="50" charset="-128"/>
+              <a:ea typeface="メイリオ" panose="020B0604030504040204" pitchFamily="50" charset="-128"/>
+            </a:endParaRPr>
+          </a:p>
+          <a:p>
+            <a:r>
+              <a:rPr lang="en-US" altLang="ja-JP" sz="2400" dirty="0" err="1">
+                <a:latin typeface="メイリオ" panose="020B0604030504040204" pitchFamily="50" charset="-128"/>
+                <a:ea typeface="メイリオ" panose="020B0604030504040204" pitchFamily="50" charset="-128"/>
+              </a:rPr>
+              <a:t>c</a:t>
+            </a:r>
+            <a:r>
+              <a:rPr kumimoji="1" lang="en-US" altLang="ja-JP" sz="2400" dirty="0" err="1">
+                <a:latin typeface="メイリオ" panose="020B0604030504040204" pitchFamily="50" charset="-128"/>
+                <a:ea typeface="メイリオ" panose="020B0604030504040204" pitchFamily="50" charset="-128"/>
+              </a:rPr>
+              <a:t>lient_info</a:t>
+            </a:r>
+            <a:r>
+              <a:rPr kumimoji="1" lang="ja-JP" altLang="en-US" sz="2400" dirty="0">
+                <a:latin typeface="メイリオ" panose="020B0604030504040204" pitchFamily="50" charset="-128"/>
+                <a:ea typeface="メイリオ" panose="020B0604030504040204" pitchFamily="50" charset="-128"/>
+              </a:rPr>
+              <a:t>テーブル</a:t>
+            </a:r>
+            <a:endParaRPr kumimoji="1" lang="en-US" altLang="ja-JP" sz="2400" dirty="0">
+              <a:latin typeface="メイリオ" panose="020B0604030504040204" pitchFamily="50" charset="-128"/>
+              <a:ea typeface="メイリオ" panose="020B0604030504040204" pitchFamily="50" charset="-128"/>
+            </a:endParaRPr>
+          </a:p>
+          <a:p>
+            <a:endParaRPr kumimoji="1" lang="en-US" altLang="ja-JP" sz="1000" dirty="0">
+              <a:latin typeface="メイリオ" panose="020B0604030504040204" pitchFamily="50" charset="-128"/>
+              <a:ea typeface="メイリオ" panose="020B0604030504040204" pitchFamily="50" charset="-128"/>
+            </a:endParaRPr>
+          </a:p>
+          <a:p>
+            <a:r>
+              <a:rPr lang="en-US" altLang="ja-JP" sz="2400" dirty="0">
+                <a:latin typeface="メイリオ" panose="020B0604030504040204" pitchFamily="50" charset="-128"/>
+                <a:ea typeface="メイリオ" panose="020B0604030504040204" pitchFamily="50" charset="-128"/>
+              </a:rPr>
+              <a:t>name:		</a:t>
+            </a:r>
+            <a:r>
+              <a:rPr lang="ja-JP" altLang="en-US" sz="2400" dirty="0">
+                <a:latin typeface="メイリオ" panose="020B0604030504040204" pitchFamily="50" charset="-128"/>
+                <a:ea typeface="メイリオ" panose="020B0604030504040204" pitchFamily="50" charset="-128"/>
+              </a:rPr>
+              <a:t>氏名</a:t>
+            </a:r>
+            <a:endParaRPr lang="en-US" altLang="ja-JP" sz="2400" dirty="0">
+              <a:latin typeface="メイリオ" panose="020B0604030504040204" pitchFamily="50" charset="-128"/>
+              <a:ea typeface="メイリオ" panose="020B0604030504040204" pitchFamily="50" charset="-128"/>
+            </a:endParaRPr>
+          </a:p>
+          <a:p>
+            <a:r>
+              <a:rPr kumimoji="1" lang="en-US" altLang="ja-JP" sz="2400" dirty="0">
+                <a:latin typeface="メイリオ" panose="020B0604030504040204" pitchFamily="50" charset="-128"/>
+                <a:ea typeface="メイリオ" panose="020B0604030504040204" pitchFamily="50" charset="-128"/>
+              </a:rPr>
+              <a:t>interest:		</a:t>
+            </a:r>
+            <a:r>
+              <a:rPr lang="ja-JP" altLang="en-US" sz="2400" dirty="0">
+                <a:latin typeface="メイリオ" panose="020B0604030504040204" pitchFamily="50" charset="-128"/>
+                <a:ea typeface="メイリオ" panose="020B0604030504040204" pitchFamily="50" charset="-128"/>
+              </a:rPr>
+              <a:t>利息</a:t>
+            </a:r>
+            <a:endParaRPr lang="en-US" altLang="ja-JP" sz="2400" dirty="0">
+              <a:latin typeface="メイリオ" panose="020B0604030504040204" pitchFamily="50" charset="-128"/>
+              <a:ea typeface="メイリオ" panose="020B0604030504040204" pitchFamily="50" charset="-128"/>
+            </a:endParaRPr>
+          </a:p>
+          <a:p>
+            <a:r>
+              <a:rPr lang="en-US" altLang="ja-JP" sz="2400" dirty="0">
+                <a:latin typeface="メイリオ" panose="020B0604030504040204" pitchFamily="50" charset="-128"/>
+                <a:ea typeface="メイリオ" panose="020B0604030504040204" pitchFamily="50" charset="-128"/>
+              </a:rPr>
+              <a:t>p</a:t>
+            </a:r>
+            <a:r>
+              <a:rPr kumimoji="1" lang="en-US" altLang="ja-JP" sz="2400" dirty="0">
+                <a:latin typeface="メイリオ" panose="020B0604030504040204" pitchFamily="50" charset="-128"/>
+                <a:ea typeface="メイリオ" panose="020B0604030504040204" pitchFamily="50" charset="-128"/>
+              </a:rPr>
+              <a:t>rincipal:		</a:t>
+            </a:r>
+            <a:r>
+              <a:rPr kumimoji="1" lang="ja-JP" altLang="en-US" sz="2400" dirty="0">
+                <a:latin typeface="メイリオ" panose="020B0604030504040204" pitchFamily="50" charset="-128"/>
+                <a:ea typeface="メイリオ" panose="020B0604030504040204" pitchFamily="50" charset="-128"/>
+              </a:rPr>
+              <a:t>元本</a:t>
+            </a:r>
+            <a:endParaRPr kumimoji="1" lang="en-US" altLang="ja-JP" sz="2400" dirty="0">
+              <a:latin typeface="メイリオ" panose="020B0604030504040204" pitchFamily="50" charset="-128"/>
+              <a:ea typeface="メイリオ" panose="020B0604030504040204" pitchFamily="50" charset="-128"/>
+            </a:endParaRPr>
+          </a:p>
+          <a:p>
+            <a:r>
+              <a:rPr kumimoji="1" lang="en-US" altLang="ja-JP" sz="2400" dirty="0" err="1">
+                <a:latin typeface="メイリオ" panose="020B0604030504040204" pitchFamily="50" charset="-128"/>
+                <a:ea typeface="メイリオ" panose="020B0604030504040204" pitchFamily="50" charset="-128"/>
+              </a:rPr>
+              <a:t>total_amount</a:t>
+            </a:r>
+            <a:r>
+              <a:rPr kumimoji="1" lang="en-US" altLang="ja-JP" sz="2400" dirty="0">
+                <a:latin typeface="メイリオ" panose="020B0604030504040204" pitchFamily="50" charset="-128"/>
+                <a:ea typeface="メイリオ" panose="020B0604030504040204" pitchFamily="50" charset="-128"/>
+              </a:rPr>
+              <a:t>:	</a:t>
+            </a:r>
+            <a:r>
+              <a:rPr kumimoji="1" lang="ja-JP" altLang="en-US" sz="2400" dirty="0">
+                <a:latin typeface="メイリオ" panose="020B0604030504040204" pitchFamily="50" charset="-128"/>
+                <a:ea typeface="メイリオ" panose="020B0604030504040204" pitchFamily="50" charset="-128"/>
+              </a:rPr>
+              <a:t>総金額</a:t>
+            </a:r>
+          </a:p>
+        </p:txBody>
+      </p:sp>
+      <p:pic>
+        <p:nvPicPr>
+          <p:cNvPr id="5" name="図 4">
+            <a:extLst>
+              <a:ext uri="{FF2B5EF4-FFF2-40B4-BE49-F238E27FC236}">
+                <a16:creationId xmlns:a16="http://schemas.microsoft.com/office/drawing/2014/main" id="{0425441D-9F61-47F6-B406-F0F60EDB4CAF}"/>
+              </a:ext>
+            </a:extLst>
+          </p:cNvPr>
+          <p:cNvPicPr>
+            <a:picLocks noChangeAspect="1"/>
+          </p:cNvPicPr>
+          <p:nvPr/>
+        </p:nvPicPr>
+        <p:blipFill>
+          <a:blip r:embed="rId3">
+            <a:extLst>
+              <a:ext uri="{28A0092B-C50C-407E-A947-70E740481C1C}">
+                <a14:useLocalDpi xmlns:a14="http://schemas.microsoft.com/office/drawing/2010/main" val="0"/>
+              </a:ext>
+            </a:extLst>
+          </a:blip>
+          <a:stretch>
+            <a:fillRect/>
+          </a:stretch>
+        </p:blipFill>
+        <p:spPr>
+          <a:xfrm>
+            <a:off x="507163" y="2571591"/>
+            <a:ext cx="4910657" cy="2859405"/>
+          </a:xfrm>
+          <a:prstGeom prst="rect">
+            <a:avLst/>
+          </a:prstGeom>
+        </p:spPr>
+      </p:pic>
+    </p:spTree>
+    <p:extLst>
+      <p:ext uri="{BB962C8B-B14F-4D97-AF65-F5344CB8AC3E}">
+        <p14:creationId xmlns:p14="http://schemas.microsoft.com/office/powerpoint/2010/main" val="3043731902"/>
+      </p:ext>
+    </p:extLst>
+  </p:cSld>
+  <p:clrMapOvr>
+    <a:masterClrMapping/>
+  </p:clrMapOvr>
+</p:sld>
+</file>
+
+<file path=ppt/slides/slide17.xml><?xml version="1.0" encoding="utf-8"?>
+<p:sld xmlns:a="http://schemas.openxmlformats.org/drawingml/2006/main" xmlns:r="http://schemas.openxmlformats.org/officeDocument/2006/relationships" xmlns:p="http://schemas.openxmlformats.org/presentationml/2006/main">
+  <p:cSld>
+    <p:spTree>
+      <p:nvGrpSpPr>
+        <p:cNvPr id="1" name=""/>
+        <p:cNvGrpSpPr/>
+        <p:nvPr/>
+      </p:nvGrpSpPr>
+      <p:grpSpPr>
+        <a:xfrm>
+          <a:off x="0" y="0"/>
+          <a:ext cx="0" cy="0"/>
+          <a:chOff x="0" y="0"/>
+          <a:chExt cx="0" cy="0"/>
+        </a:xfrm>
+      </p:grpSpPr>
+      <p:sp>
+        <p:nvSpPr>
+          <p:cNvPr id="2" name="タイトル 1">
+            <a:extLst>
+              <a:ext uri="{FF2B5EF4-FFF2-40B4-BE49-F238E27FC236}">
+                <a16:creationId xmlns:a16="http://schemas.microsoft.com/office/drawing/2014/main" id="{BC8DDA26-6E81-40D6-B57E-F3BD24EE86D6}"/>
+              </a:ext>
+            </a:extLst>
+          </p:cNvPr>
+          <p:cNvSpPr>
+            <a:spLocks noGrp="1"/>
+          </p:cNvSpPr>
+          <p:nvPr>
+            <p:ph type="title"/>
+          </p:nvPr>
+        </p:nvSpPr>
+        <p:spPr/>
+        <p:txBody>
+          <a:bodyPr/>
+          <a:lstStyle/>
+          <a:p>
+            <a:r>
+              <a:rPr lang="en-US" altLang="ja-JP" dirty="0">
+                <a:latin typeface="メイリオ" panose="020B0604030504040204" pitchFamily="50" charset="-128"/>
+                <a:ea typeface="メイリオ" panose="020B0604030504040204" pitchFamily="50" charset="-128"/>
+              </a:rPr>
+              <a:t>3. </a:t>
+            </a:r>
+            <a:r>
+              <a:rPr lang="ja-JP" altLang="en-US" dirty="0">
+                <a:latin typeface="メイリオ" panose="020B0604030504040204" pitchFamily="50" charset="-128"/>
+                <a:ea typeface="メイリオ" panose="020B0604030504040204" pitchFamily="50" charset="-128"/>
+              </a:rPr>
+              <a:t>貸借管理アプリ</a:t>
+            </a:r>
+            <a:endParaRPr kumimoji="1" lang="ja-JP" altLang="en-US" dirty="0"/>
+          </a:p>
+        </p:txBody>
+      </p:sp>
+      <p:sp>
+        <p:nvSpPr>
+          <p:cNvPr id="4" name="コンテンツ プレースホルダー 3">
+            <a:extLst>
+              <a:ext uri="{FF2B5EF4-FFF2-40B4-BE49-F238E27FC236}">
+                <a16:creationId xmlns:a16="http://schemas.microsoft.com/office/drawing/2014/main" id="{46986F70-4713-4567-8A3C-1D693368CAF1}"/>
+              </a:ext>
+            </a:extLst>
+          </p:cNvPr>
+          <p:cNvSpPr>
+            <a:spLocks noGrp="1"/>
+          </p:cNvSpPr>
+          <p:nvPr>
+            <p:ph idx="1"/>
+          </p:nvPr>
+        </p:nvSpPr>
+        <p:spPr>
+          <a:xfrm>
+            <a:off x="838200" y="1825625"/>
+            <a:ext cx="5257800" cy="4351338"/>
+          </a:xfrm>
+        </p:spPr>
+        <p:txBody>
+          <a:bodyPr/>
+          <a:lstStyle/>
+          <a:p>
+            <a:pPr marL="0" indent="0">
+              <a:buNone/>
+            </a:pPr>
+            <a:r>
+              <a:rPr lang="ja-JP" altLang="en-US" dirty="0">
+                <a:latin typeface="メイリオ" panose="020B0604030504040204" pitchFamily="50" charset="-128"/>
+                <a:ea typeface="メイリオ" panose="020B0604030504040204" pitchFamily="50" charset="-128"/>
+              </a:rPr>
+              <a:t>・詳細　</a:t>
+            </a:r>
+            <a:r>
+              <a:rPr lang="en-US" altLang="ja-JP" dirty="0">
+                <a:latin typeface="メイリオ" panose="020B0604030504040204" pitchFamily="50" charset="-128"/>
+                <a:ea typeface="メイリオ" panose="020B0604030504040204" pitchFamily="50" charset="-128"/>
+              </a:rPr>
+              <a:t>(</a:t>
+            </a:r>
+            <a:r>
+              <a:rPr lang="ja-JP" altLang="en-US" dirty="0">
+                <a:latin typeface="メイリオ" panose="020B0604030504040204" pitchFamily="50" charset="-128"/>
+                <a:ea typeface="メイリオ" panose="020B0604030504040204" pitchFamily="50" charset="-128"/>
+              </a:rPr>
+              <a:t>ログイン</a:t>
+            </a:r>
+            <a:r>
+              <a:rPr lang="en-US" altLang="ja-JP" dirty="0">
+                <a:latin typeface="メイリオ" panose="020B0604030504040204" pitchFamily="50" charset="-128"/>
+                <a:ea typeface="メイリオ" panose="020B0604030504040204" pitchFamily="50" charset="-128"/>
+              </a:rPr>
+              <a:t>)</a:t>
+            </a:r>
+            <a:endParaRPr lang="ja-JP" altLang="en-US" dirty="0">
+              <a:latin typeface="メイリオ" panose="020B0604030504040204" pitchFamily="50" charset="-128"/>
+              <a:ea typeface="メイリオ" panose="020B0604030504040204" pitchFamily="50" charset="-128"/>
+            </a:endParaRPr>
+          </a:p>
+        </p:txBody>
+      </p:sp>
+      <p:pic>
+        <p:nvPicPr>
+          <p:cNvPr id="5" name="図 4">
+            <a:extLst>
+              <a:ext uri="{FF2B5EF4-FFF2-40B4-BE49-F238E27FC236}">
+                <a16:creationId xmlns:a16="http://schemas.microsoft.com/office/drawing/2014/main" id="{4306FDE4-362B-4B82-8366-0DF6919509EE}"/>
+              </a:ext>
+            </a:extLst>
+          </p:cNvPr>
+          <p:cNvPicPr>
+            <a:picLocks noChangeAspect="1"/>
+          </p:cNvPicPr>
+          <p:nvPr/>
+        </p:nvPicPr>
+        <p:blipFill>
+          <a:blip r:embed="rId3">
+            <a:extLst>
+              <a:ext uri="{28A0092B-C50C-407E-A947-70E740481C1C}">
+                <a14:useLocalDpi xmlns:a14="http://schemas.microsoft.com/office/drawing/2010/main" val="0"/>
+              </a:ext>
+            </a:extLst>
+          </a:blip>
+          <a:stretch>
+            <a:fillRect/>
+          </a:stretch>
+        </p:blipFill>
+        <p:spPr>
+          <a:xfrm>
+            <a:off x="838200" y="2789748"/>
+            <a:ext cx="3870960" cy="2262094"/>
+          </a:xfrm>
+          <a:prstGeom prst="rect">
+            <a:avLst/>
+          </a:prstGeom>
+        </p:spPr>
+      </p:pic>
+      <p:sp>
+        <p:nvSpPr>
+          <p:cNvPr id="6" name="テキスト ボックス 5">
+            <a:extLst>
+              <a:ext uri="{FF2B5EF4-FFF2-40B4-BE49-F238E27FC236}">
+                <a16:creationId xmlns:a16="http://schemas.microsoft.com/office/drawing/2014/main" id="{3CBD4462-27A2-4021-A4C0-714A83E599B1}"/>
+              </a:ext>
+            </a:extLst>
+          </p:cNvPr>
+          <p:cNvSpPr txBox="1"/>
+          <p:nvPr/>
+        </p:nvSpPr>
+        <p:spPr>
+          <a:xfrm>
+            <a:off x="6096000" y="2789748"/>
+            <a:ext cx="3962400" cy="2246769"/>
+          </a:xfrm>
+          <a:prstGeom prst="rect">
+            <a:avLst/>
+          </a:prstGeom>
+          <a:noFill/>
+        </p:spPr>
+        <p:txBody>
+          <a:bodyPr wrap="square" rtlCol="0">
+            <a:spAutoFit/>
+          </a:bodyPr>
+          <a:lstStyle/>
+          <a:p>
+            <a:r>
+              <a:rPr kumimoji="1" lang="ja-JP" altLang="en-US" sz="2800" dirty="0"/>
+              <a:t>他人に見られないようにログイン機能を搭載</a:t>
+            </a:r>
+            <a:endParaRPr kumimoji="1" lang="en-US" altLang="ja-JP" sz="2800" dirty="0"/>
+          </a:p>
+          <a:p>
+            <a:endParaRPr kumimoji="1" lang="en-US" altLang="ja-JP" sz="2800" dirty="0"/>
+          </a:p>
+          <a:p>
+            <a:r>
+              <a:rPr lang="en-US" altLang="ja-JP" sz="2800" dirty="0"/>
+              <a:t>OK</a:t>
+            </a:r>
+            <a:r>
+              <a:rPr lang="ja-JP" altLang="en-US" sz="2800" dirty="0"/>
+              <a:t>ボタンクリックで</a:t>
+            </a:r>
+            <a:endParaRPr lang="en-US" altLang="ja-JP" sz="2800" dirty="0"/>
+          </a:p>
+          <a:p>
+            <a:r>
+              <a:rPr kumimoji="1" lang="ja-JP" altLang="en-US" sz="2800" dirty="0"/>
+              <a:t>データ取得</a:t>
+            </a:r>
+          </a:p>
+        </p:txBody>
+      </p:sp>
+    </p:spTree>
+    <p:extLst>
+      <p:ext uri="{BB962C8B-B14F-4D97-AF65-F5344CB8AC3E}">
+        <p14:creationId xmlns:p14="http://schemas.microsoft.com/office/powerpoint/2010/main" val="460714599"/>
+      </p:ext>
+    </p:extLst>
+  </p:cSld>
+  <p:clrMapOvr>
+    <a:masterClrMapping/>
+  </p:clrMapOvr>
+</p:sld>
+</file>
+
+<file path=ppt/slides/slide18.xml><?xml version="1.0" encoding="utf-8"?>
+<p:sld xmlns:a="http://schemas.openxmlformats.org/drawingml/2006/main" xmlns:r="http://schemas.openxmlformats.org/officeDocument/2006/relationships" xmlns:p="http://schemas.openxmlformats.org/presentationml/2006/main">
+  <p:cSld>
+    <p:spTree>
+      <p:nvGrpSpPr>
+        <p:cNvPr id="1" name=""/>
+        <p:cNvGrpSpPr/>
+        <p:nvPr/>
+      </p:nvGrpSpPr>
+      <p:grpSpPr>
+        <a:xfrm>
+          <a:off x="0" y="0"/>
+          <a:ext cx="0" cy="0"/>
+          <a:chOff x="0" y="0"/>
+          <a:chExt cx="0" cy="0"/>
+        </a:xfrm>
+      </p:grpSpPr>
+      <p:sp>
+        <p:nvSpPr>
+          <p:cNvPr id="2" name="タイトル 1">
+            <a:extLst>
+              <a:ext uri="{FF2B5EF4-FFF2-40B4-BE49-F238E27FC236}">
+                <a16:creationId xmlns:a16="http://schemas.microsoft.com/office/drawing/2014/main" id="{BC8DDA26-6E81-40D6-B57E-F3BD24EE86D6}"/>
+              </a:ext>
+            </a:extLst>
+          </p:cNvPr>
+          <p:cNvSpPr>
+            <a:spLocks noGrp="1"/>
+          </p:cNvSpPr>
+          <p:nvPr>
+            <p:ph type="title"/>
+          </p:nvPr>
+        </p:nvSpPr>
+        <p:spPr/>
+        <p:txBody>
+          <a:bodyPr/>
+          <a:lstStyle/>
+          <a:p>
+            <a:r>
+              <a:rPr lang="en-US" altLang="ja-JP" dirty="0">
+                <a:latin typeface="メイリオ" panose="020B0604030504040204" pitchFamily="50" charset="-128"/>
+                <a:ea typeface="メイリオ" panose="020B0604030504040204" pitchFamily="50" charset="-128"/>
+              </a:rPr>
+              <a:t>3. </a:t>
+            </a:r>
+            <a:r>
+              <a:rPr lang="ja-JP" altLang="en-US" dirty="0">
+                <a:latin typeface="メイリオ" panose="020B0604030504040204" pitchFamily="50" charset="-128"/>
+                <a:ea typeface="メイリオ" panose="020B0604030504040204" pitchFamily="50" charset="-128"/>
+              </a:rPr>
+              <a:t>貸借管理アプリ</a:t>
+            </a:r>
+            <a:endParaRPr kumimoji="1" lang="ja-JP" altLang="en-US" dirty="0"/>
+          </a:p>
+        </p:txBody>
+      </p:sp>
+      <p:sp>
+        <p:nvSpPr>
+          <p:cNvPr id="4" name="コンテンツ プレースホルダー 3">
+            <a:extLst>
+              <a:ext uri="{FF2B5EF4-FFF2-40B4-BE49-F238E27FC236}">
+                <a16:creationId xmlns:a16="http://schemas.microsoft.com/office/drawing/2014/main" id="{46986F70-4713-4567-8A3C-1D693368CAF1}"/>
+              </a:ext>
+            </a:extLst>
+          </p:cNvPr>
+          <p:cNvSpPr>
+            <a:spLocks noGrp="1"/>
+          </p:cNvSpPr>
+          <p:nvPr>
+            <p:ph idx="1"/>
+          </p:nvPr>
+        </p:nvSpPr>
+        <p:spPr>
+          <a:xfrm>
+            <a:off x="838200" y="1825625"/>
             <a:ext cx="5257800" cy="4351338"/>
           </a:xfrm>
         </p:spPr>
@@ -5643,7 +10188,7 @@
           <p:nvPr/>
         </p:nvPicPr>
         <p:blipFill rotWithShape="1">
-          <a:blip r:embed="rId2">
+          <a:blip r:embed="rId3">
             <a:extLst>
               <a:ext uri="{28A0092B-C50C-407E-A947-70E740481C1C}">
                 <a14:useLocalDpi xmlns:a14="http://schemas.microsoft.com/office/drawing/2010/main" val="0"/>
@@ -5676,7 +10221,7 @@
 </p:sld>
 </file>
 
-<file path=ppt/slides/slide16.xml><?xml version="1.0" encoding="utf-8"?>
+<file path=ppt/slides/slide19.xml><?xml version="1.0" encoding="utf-8"?>
 <p:sld xmlns:a="http://schemas.openxmlformats.org/drawingml/2006/main" xmlns:r="http://schemas.openxmlformats.org/officeDocument/2006/relationships" xmlns:p="http://schemas.openxmlformats.org/presentationml/2006/main">
   <p:cSld>
     <p:spTree>
@@ -6073,7 +10618,7 @@
           <p:nvPr/>
         </p:nvPicPr>
         <p:blipFill>
-          <a:blip r:embed="rId2">
+          <a:blip r:embed="rId3">
             <a:extLst>
               <a:ext uri="{28A0092B-C50C-407E-A947-70E740481C1C}">
                 <a14:useLocalDpi xmlns:a14="http://schemas.microsoft.com/office/drawing/2010/main" val="0"/>
@@ -6107,7 +10652,158 @@
 </p:sld>
 </file>
 
-<file path=ppt/slides/slide17.xml><?xml version="1.0" encoding="utf-8"?>
+<file path=ppt/slides/slide2.xml><?xml version="1.0" encoding="utf-8"?>
+<p:sld xmlns:a="http://schemas.openxmlformats.org/drawingml/2006/main" xmlns:r="http://schemas.openxmlformats.org/officeDocument/2006/relationships" xmlns:p="http://schemas.openxmlformats.org/presentationml/2006/main">
+  <p:cSld>
+    <p:spTree>
+      <p:nvGrpSpPr>
+        <p:cNvPr id="1" name=""/>
+        <p:cNvGrpSpPr/>
+        <p:nvPr/>
+      </p:nvGrpSpPr>
+      <p:grpSpPr>
+        <a:xfrm>
+          <a:off x="0" y="0"/>
+          <a:ext cx="0" cy="0"/>
+          <a:chOff x="0" y="0"/>
+          <a:chExt cx="0" cy="0"/>
+        </a:xfrm>
+      </p:grpSpPr>
+      <p:sp>
+        <p:nvSpPr>
+          <p:cNvPr id="2" name="タイトル 1">
+            <a:extLst>
+              <a:ext uri="{FF2B5EF4-FFF2-40B4-BE49-F238E27FC236}">
+                <a16:creationId xmlns:a16="http://schemas.microsoft.com/office/drawing/2014/main" id="{4FC88D1A-BA5B-42A1-830F-EFFA1FE0738D}"/>
+              </a:ext>
+            </a:extLst>
+          </p:cNvPr>
+          <p:cNvSpPr>
+            <a:spLocks noGrp="1"/>
+          </p:cNvSpPr>
+          <p:nvPr>
+            <p:ph type="title"/>
+          </p:nvPr>
+        </p:nvSpPr>
+        <p:spPr/>
+        <p:txBody>
+          <a:bodyPr/>
+          <a:lstStyle/>
+          <a:p>
+            <a:r>
+              <a:rPr kumimoji="1" lang="ja-JP" altLang="en-US" b="1" dirty="0"/>
+              <a:t>目次</a:t>
+            </a:r>
+          </a:p>
+        </p:txBody>
+      </p:sp>
+      <p:sp>
+        <p:nvSpPr>
+          <p:cNvPr id="3" name="コンテンツ プレースホルダー 2">
+            <a:extLst>
+              <a:ext uri="{FF2B5EF4-FFF2-40B4-BE49-F238E27FC236}">
+                <a16:creationId xmlns:a16="http://schemas.microsoft.com/office/drawing/2014/main" id="{EF322BC2-824F-4607-8AC7-1A2190615985}"/>
+              </a:ext>
+            </a:extLst>
+          </p:cNvPr>
+          <p:cNvSpPr>
+            <a:spLocks noGrp="1"/>
+          </p:cNvSpPr>
+          <p:nvPr>
+            <p:ph idx="1"/>
+          </p:nvPr>
+        </p:nvSpPr>
+        <p:spPr/>
+        <p:txBody>
+          <a:bodyPr/>
+          <a:lstStyle/>
+          <a:p>
+            <a:pPr marL="514350" indent="-514350">
+              <a:buAutoNum type="arabicPeriod"/>
+            </a:pPr>
+            <a:r>
+              <a:rPr lang="ja-JP" altLang="en-US" dirty="0">
+                <a:latin typeface="メイリオ" panose="020B0604030504040204" pitchFamily="50" charset="-128"/>
+                <a:ea typeface="メイリオ" panose="020B0604030504040204" pitchFamily="50" charset="-128"/>
+              </a:rPr>
+              <a:t>タスク管理アプリ</a:t>
+            </a:r>
+            <a:endParaRPr lang="en-US" altLang="ja-JP" dirty="0">
+              <a:latin typeface="メイリオ" panose="020B0604030504040204" pitchFamily="50" charset="-128"/>
+              <a:ea typeface="メイリオ" panose="020B0604030504040204" pitchFamily="50" charset="-128"/>
+            </a:endParaRPr>
+          </a:p>
+          <a:p>
+            <a:pPr marL="514350" indent="-514350">
+              <a:buAutoNum type="arabicPeriod"/>
+            </a:pPr>
+            <a:r>
+              <a:rPr kumimoji="1" lang="en-US" altLang="ja-JP" dirty="0" err="1">
+                <a:latin typeface="メイリオ" panose="020B0604030504040204" pitchFamily="50" charset="-128"/>
+                <a:ea typeface="メイリオ" panose="020B0604030504040204" pitchFamily="50" charset="-128"/>
+              </a:rPr>
+              <a:t>ToDo</a:t>
+            </a:r>
+            <a:r>
+              <a:rPr kumimoji="1" lang="ja-JP" altLang="en-US" dirty="0">
+                <a:latin typeface="メイリオ" panose="020B0604030504040204" pitchFamily="50" charset="-128"/>
+                <a:ea typeface="メイリオ" panose="020B0604030504040204" pitchFamily="50" charset="-128"/>
+              </a:rPr>
+              <a:t>リストアプリ</a:t>
+            </a:r>
+            <a:endParaRPr kumimoji="1" lang="en-US" altLang="ja-JP" dirty="0">
+              <a:latin typeface="メイリオ" panose="020B0604030504040204" pitchFamily="50" charset="-128"/>
+              <a:ea typeface="メイリオ" panose="020B0604030504040204" pitchFamily="50" charset="-128"/>
+            </a:endParaRPr>
+          </a:p>
+          <a:p>
+            <a:pPr marL="514350" indent="-514350">
+              <a:buAutoNum type="arabicPeriod"/>
+            </a:pPr>
+            <a:r>
+              <a:rPr kumimoji="1" lang="ja-JP" altLang="en-US" dirty="0">
+                <a:latin typeface="メイリオ" panose="020B0604030504040204" pitchFamily="50" charset="-128"/>
+                <a:ea typeface="メイリオ" panose="020B0604030504040204" pitchFamily="50" charset="-128"/>
+              </a:rPr>
+              <a:t>貸借管理アプリ</a:t>
+            </a:r>
+            <a:endParaRPr kumimoji="1" lang="en-US" altLang="ja-JP" dirty="0">
+              <a:latin typeface="メイリオ" panose="020B0604030504040204" pitchFamily="50" charset="-128"/>
+              <a:ea typeface="メイリオ" panose="020B0604030504040204" pitchFamily="50" charset="-128"/>
+            </a:endParaRPr>
+          </a:p>
+          <a:p>
+            <a:pPr marL="514350" indent="-514350">
+              <a:buAutoNum type="arabicPeriod"/>
+            </a:pPr>
+            <a:r>
+              <a:rPr lang="ja-JP" altLang="en-US" dirty="0">
+                <a:latin typeface="メイリオ" panose="020B0604030504040204" pitchFamily="50" charset="-128"/>
+                <a:ea typeface="メイリオ" panose="020B0604030504040204" pitchFamily="50" charset="-128"/>
+              </a:rPr>
+              <a:t>まとめ</a:t>
+            </a:r>
+            <a:endParaRPr kumimoji="1" lang="ja-JP" altLang="en-US" dirty="0">
+              <a:latin typeface="メイリオ" panose="020B0604030504040204" pitchFamily="50" charset="-128"/>
+              <a:ea typeface="メイリオ" panose="020B0604030504040204" pitchFamily="50" charset="-128"/>
+            </a:endParaRPr>
+          </a:p>
+        </p:txBody>
+      </p:sp>
+    </p:spTree>
+    <p:extLst>
+      <p:ext uri="{BB962C8B-B14F-4D97-AF65-F5344CB8AC3E}">
+        <p14:creationId xmlns:p14="http://schemas.microsoft.com/office/powerpoint/2010/main" val="2572835943"/>
+      </p:ext>
+    </p:extLst>
+  </p:cSld>
+  <p:clrMapOvr>
+    <a:masterClrMapping/>
+  </p:clrMapOvr>
+</p:sld>
+</file>
+
+<file path=ppt/slides/slide20.xml><?xml version="1.0" encoding="utf-8"?>
 <p:sld xmlns:a="http://schemas.openxmlformats.org/drawingml/2006/main" xmlns:r="http://schemas.openxmlformats.org/officeDocument/2006/relationships" xmlns:p="http://schemas.openxmlformats.org/presentationml/2006/main">
   <p:cSld>
     <p:spTree>
@@ -6614,7 +11310,7 @@
           <p:nvPr/>
         </p:nvPicPr>
         <p:blipFill>
-          <a:blip r:embed="rId2">
+          <a:blip r:embed="rId3">
             <a:extLst>
               <a:ext uri="{28A0092B-C50C-407E-A947-70E740481C1C}">
                 <a14:useLocalDpi xmlns:a14="http://schemas.microsoft.com/office/drawing/2010/main" val="0"/>
@@ -6648,7 +11344,7 @@
 </p:sld>
 </file>
 
-<file path=ppt/slides/slide18.xml><?xml version="1.0" encoding="utf-8"?>
+<file path=ppt/slides/slide21.xml><?xml version="1.0" encoding="utf-8"?>
 <p:sld xmlns:a="http://schemas.openxmlformats.org/drawingml/2006/main" xmlns:r="http://schemas.openxmlformats.org/officeDocument/2006/relationships" xmlns:p="http://schemas.openxmlformats.org/presentationml/2006/main">
   <p:cSld>
     <p:spTree>
@@ -7158,7 +11854,7 @@
           <p:nvPr/>
         </p:nvPicPr>
         <p:blipFill>
-          <a:blip r:embed="rId2">
+          <a:blip r:embed="rId3">
             <a:extLst>
               <a:ext uri="{28A0092B-C50C-407E-A947-70E740481C1C}">
                 <a14:useLocalDpi xmlns:a14="http://schemas.microsoft.com/office/drawing/2010/main" val="0"/>
@@ -7192,7 +11888,7 @@
 </p:sld>
 </file>
 
-<file path=ppt/slides/slide19.xml><?xml version="1.0" encoding="utf-8"?>
+<file path=ppt/slides/slide22.xml><?xml version="1.0" encoding="utf-8"?>
 <p:sld xmlns:a="http://schemas.openxmlformats.org/drawingml/2006/main" xmlns:r="http://schemas.openxmlformats.org/officeDocument/2006/relationships" xmlns:p="http://schemas.openxmlformats.org/presentationml/2006/main">
   <p:cSld>
     <p:spTree>
@@ -7603,7 +12299,7 @@
           <p:nvPr/>
         </p:nvPicPr>
         <p:blipFill rotWithShape="1">
-          <a:blip r:embed="rId2">
+          <a:blip r:embed="rId3">
             <a:extLst>
               <a:ext uri="{28A0092B-C50C-407E-A947-70E740481C1C}">
                 <a14:useLocalDpi xmlns:a14="http://schemas.microsoft.com/office/drawing/2010/main" val="0"/>
@@ -7636,158 +12332,7 @@
 </p:sld>
 </file>
 
-<file path=ppt/slides/slide2.xml><?xml version="1.0" encoding="utf-8"?>
-<p:sld xmlns:a="http://schemas.openxmlformats.org/drawingml/2006/main" xmlns:r="http://schemas.openxmlformats.org/officeDocument/2006/relationships" xmlns:p="http://schemas.openxmlformats.org/presentationml/2006/main">
-  <p:cSld>
-    <p:spTree>
-      <p:nvGrpSpPr>
-        <p:cNvPr id="1" name=""/>
-        <p:cNvGrpSpPr/>
-        <p:nvPr/>
-      </p:nvGrpSpPr>
-      <p:grpSpPr>
-        <a:xfrm>
-          <a:off x="0" y="0"/>
-          <a:ext cx="0" cy="0"/>
-          <a:chOff x="0" y="0"/>
-          <a:chExt cx="0" cy="0"/>
-        </a:xfrm>
-      </p:grpSpPr>
-      <p:sp>
-        <p:nvSpPr>
-          <p:cNvPr id="2" name="タイトル 1">
-            <a:extLst>
-              <a:ext uri="{FF2B5EF4-FFF2-40B4-BE49-F238E27FC236}">
-                <a16:creationId xmlns:a16="http://schemas.microsoft.com/office/drawing/2014/main" id="{4FC88D1A-BA5B-42A1-830F-EFFA1FE0738D}"/>
-              </a:ext>
-            </a:extLst>
-          </p:cNvPr>
-          <p:cNvSpPr>
-            <a:spLocks noGrp="1"/>
-          </p:cNvSpPr>
-          <p:nvPr>
-            <p:ph type="title"/>
-          </p:nvPr>
-        </p:nvSpPr>
-        <p:spPr/>
-        <p:txBody>
-          <a:bodyPr/>
-          <a:lstStyle/>
-          <a:p>
-            <a:r>
-              <a:rPr kumimoji="1" lang="ja-JP" altLang="en-US" b="1" dirty="0"/>
-              <a:t>目次</a:t>
-            </a:r>
-          </a:p>
-        </p:txBody>
-      </p:sp>
-      <p:sp>
-        <p:nvSpPr>
-          <p:cNvPr id="3" name="コンテンツ プレースホルダー 2">
-            <a:extLst>
-              <a:ext uri="{FF2B5EF4-FFF2-40B4-BE49-F238E27FC236}">
-                <a16:creationId xmlns:a16="http://schemas.microsoft.com/office/drawing/2014/main" id="{EF322BC2-824F-4607-8AC7-1A2190615985}"/>
-              </a:ext>
-            </a:extLst>
-          </p:cNvPr>
-          <p:cNvSpPr>
-            <a:spLocks noGrp="1"/>
-          </p:cNvSpPr>
-          <p:nvPr>
-            <p:ph idx="1"/>
-          </p:nvPr>
-        </p:nvSpPr>
-        <p:spPr/>
-        <p:txBody>
-          <a:bodyPr/>
-          <a:lstStyle/>
-          <a:p>
-            <a:pPr marL="514350" indent="-514350">
-              <a:buAutoNum type="arabicPeriod"/>
-            </a:pPr>
-            <a:r>
-              <a:rPr lang="ja-JP" altLang="en-US" dirty="0">
-                <a:latin typeface="メイリオ" panose="020B0604030504040204" pitchFamily="50" charset="-128"/>
-                <a:ea typeface="メイリオ" panose="020B0604030504040204" pitchFamily="50" charset="-128"/>
-              </a:rPr>
-              <a:t>タスク管理アプリ</a:t>
-            </a:r>
-            <a:endParaRPr lang="en-US" altLang="ja-JP" dirty="0">
-              <a:latin typeface="メイリオ" panose="020B0604030504040204" pitchFamily="50" charset="-128"/>
-              <a:ea typeface="メイリオ" panose="020B0604030504040204" pitchFamily="50" charset="-128"/>
-            </a:endParaRPr>
-          </a:p>
-          <a:p>
-            <a:pPr marL="514350" indent="-514350">
-              <a:buAutoNum type="arabicPeriod"/>
-            </a:pPr>
-            <a:r>
-              <a:rPr kumimoji="1" lang="en-US" altLang="ja-JP" dirty="0" err="1">
-                <a:latin typeface="メイリオ" panose="020B0604030504040204" pitchFamily="50" charset="-128"/>
-                <a:ea typeface="メイリオ" panose="020B0604030504040204" pitchFamily="50" charset="-128"/>
-              </a:rPr>
-              <a:t>ToDo</a:t>
-            </a:r>
-            <a:r>
-              <a:rPr kumimoji="1" lang="ja-JP" altLang="en-US" dirty="0">
-                <a:latin typeface="メイリオ" panose="020B0604030504040204" pitchFamily="50" charset="-128"/>
-                <a:ea typeface="メイリオ" panose="020B0604030504040204" pitchFamily="50" charset="-128"/>
-              </a:rPr>
-              <a:t>リストアプリ</a:t>
-            </a:r>
-            <a:endParaRPr kumimoji="1" lang="en-US" altLang="ja-JP" dirty="0">
-              <a:latin typeface="メイリオ" panose="020B0604030504040204" pitchFamily="50" charset="-128"/>
-              <a:ea typeface="メイリオ" panose="020B0604030504040204" pitchFamily="50" charset="-128"/>
-            </a:endParaRPr>
-          </a:p>
-          <a:p>
-            <a:pPr marL="514350" indent="-514350">
-              <a:buAutoNum type="arabicPeriod"/>
-            </a:pPr>
-            <a:r>
-              <a:rPr kumimoji="1" lang="ja-JP" altLang="en-US" dirty="0">
-                <a:latin typeface="メイリオ" panose="020B0604030504040204" pitchFamily="50" charset="-128"/>
-                <a:ea typeface="メイリオ" panose="020B0604030504040204" pitchFamily="50" charset="-128"/>
-              </a:rPr>
-              <a:t>貸借管理アプリ</a:t>
-            </a:r>
-            <a:endParaRPr kumimoji="1" lang="en-US" altLang="ja-JP" dirty="0">
-              <a:latin typeface="メイリオ" panose="020B0604030504040204" pitchFamily="50" charset="-128"/>
-              <a:ea typeface="メイリオ" panose="020B0604030504040204" pitchFamily="50" charset="-128"/>
-            </a:endParaRPr>
-          </a:p>
-          <a:p>
-            <a:pPr marL="514350" indent="-514350">
-              <a:buAutoNum type="arabicPeriod"/>
-            </a:pPr>
-            <a:r>
-              <a:rPr lang="ja-JP" altLang="en-US" dirty="0">
-                <a:latin typeface="メイリオ" panose="020B0604030504040204" pitchFamily="50" charset="-128"/>
-                <a:ea typeface="メイリオ" panose="020B0604030504040204" pitchFamily="50" charset="-128"/>
-              </a:rPr>
-              <a:t>まとめ</a:t>
-            </a:r>
-            <a:endParaRPr kumimoji="1" lang="ja-JP" altLang="en-US" dirty="0">
-              <a:latin typeface="メイリオ" panose="020B0604030504040204" pitchFamily="50" charset="-128"/>
-              <a:ea typeface="メイリオ" panose="020B0604030504040204" pitchFamily="50" charset="-128"/>
-            </a:endParaRPr>
-          </a:p>
-        </p:txBody>
-      </p:sp>
-    </p:spTree>
-    <p:extLst>
-      <p:ext uri="{BB962C8B-B14F-4D97-AF65-F5344CB8AC3E}">
-        <p14:creationId xmlns:p14="http://schemas.microsoft.com/office/powerpoint/2010/main" val="2572835943"/>
-      </p:ext>
-    </p:extLst>
-  </p:cSld>
-  <p:clrMapOvr>
-    <a:masterClrMapping/>
-  </p:clrMapOvr>
-</p:sld>
-</file>
-
-<file path=ppt/slides/slide20.xml><?xml version="1.0" encoding="utf-8"?>
+<file path=ppt/slides/slide23.xml><?xml version="1.0" encoding="utf-8"?>
 <p:sld xmlns:a="http://schemas.openxmlformats.org/drawingml/2006/main" xmlns:r="http://schemas.openxmlformats.org/officeDocument/2006/relationships" xmlns:p="http://schemas.openxmlformats.org/presentationml/2006/main">
   <p:cSld>
     <p:spTree>
@@ -8002,7 +12547,9 @@
         </p:nvSpPr>
         <p:spPr/>
         <p:txBody>
-          <a:bodyPr/>
+          <a:bodyPr>
+            <a:normAutofit lnSpcReduction="10000"/>
+          </a:bodyPr>
           <a:lstStyle/>
           <a:p>
             <a:pPr marL="0" indent="0">
@@ -8036,7 +12583,7 @@
                 <a:latin typeface="メイリオ" panose="020B0604030504040204" pitchFamily="50" charset="-128"/>
                 <a:ea typeface="メイリオ" panose="020B0604030504040204" pitchFamily="50" charset="-128"/>
               </a:rPr>
-              <a:t>Java</a:t>
+              <a:t>Java: ver. 17.0.2</a:t>
             </a:r>
             <a:r>
               <a:rPr lang="ja-JP" altLang="en-US" dirty="0">
@@ -8050,7 +12597,7 @@
                 <a:latin typeface="メイリオ" panose="020B0604030504040204" pitchFamily="50" charset="-128"/>
                 <a:ea typeface="メイリオ" panose="020B0604030504040204" pitchFamily="50" charset="-128"/>
               </a:rPr>
-              <a:t>PostgreSQL</a:t>
+              <a:t>PostgreSQL: ver. 11.2</a:t>
             </a:r>
             <a:r>
               <a:rPr lang="ja-JP" altLang="en-US" dirty="0">
@@ -8059,12 +12606,21 @@
               </a:rPr>
               <a:t>、</a:t>
             </a:r>
+            <a:endParaRPr lang="en-US" altLang="ja-JP" dirty="0">
+              <a:latin typeface="メイリオ" panose="020B0604030504040204" pitchFamily="50" charset="-128"/>
+              <a:ea typeface="メイリオ" panose="020B0604030504040204" pitchFamily="50" charset="-128"/>
+            </a:endParaRPr>
+          </a:p>
+          <a:p>
+            <a:pPr marL="0" indent="0">
+              <a:buNone/>
+            </a:pPr>
             <a:r>
               <a:rPr lang="en-US" altLang="ja-JP" dirty="0">
                 <a:latin typeface="メイリオ" panose="020B0604030504040204" pitchFamily="50" charset="-128"/>
                 <a:ea typeface="メイリオ" panose="020B0604030504040204" pitchFamily="50" charset="-128"/>
               </a:rPr>
-              <a:t>HTML</a:t>
+              <a:t>	HTML5</a:t>
             </a:r>
             <a:r>
               <a:rPr lang="ja-JP" altLang="en-US" dirty="0">
@@ -8078,7 +12634,7 @@
                 <a:latin typeface="メイリオ" panose="020B0604030504040204" pitchFamily="50" charset="-128"/>
                 <a:ea typeface="メイリオ" panose="020B0604030504040204" pitchFamily="50" charset="-128"/>
               </a:rPr>
-              <a:t>CSS</a:t>
+              <a:t>CSS3</a:t>
             </a:r>
             <a:r>
               <a:rPr lang="ja-JP" altLang="en-US" dirty="0">
@@ -8568,30 +13124,6 @@
               <a:buNone/>
             </a:pPr>
             <a:r>
-              <a:rPr lang="en-US" altLang="ja-JP" dirty="0">
-                <a:latin typeface="メイリオ" panose="020B0604030504040204" pitchFamily="50" charset="-128"/>
-                <a:ea typeface="メイリオ" panose="020B0604030504040204" pitchFamily="50" charset="-128"/>
-              </a:rPr>
-              <a:t>	</a:t>
-            </a:r>
-            <a:r>
-              <a:rPr lang="ja-JP" altLang="en-US" dirty="0">
-                <a:latin typeface="メイリオ" panose="020B0604030504040204" pitchFamily="50" charset="-128"/>
-                <a:ea typeface="メイリオ" panose="020B0604030504040204" pitchFamily="50" charset="-128"/>
-              </a:rPr>
-              <a:t>タスク名及び期日が入力されていない場合はエラー</a:t>
-            </a:r>
-            <a:endParaRPr lang="en-US" altLang="ja-JP" dirty="0">
-              <a:latin typeface="メイリオ" panose="020B0604030504040204" pitchFamily="50" charset="-128"/>
-              <a:ea typeface="メイリオ" panose="020B0604030504040204" pitchFamily="50" charset="-128"/>
-            </a:endParaRPr>
-          </a:p>
-          <a:p>
-            <a:pPr marL="0" indent="0">
-              <a:buFont typeface="Arial" panose="020B0604020202020204" pitchFamily="34" charset="0"/>
-              <a:buNone/>
-            </a:pPr>
-            <a:r>
               <a:rPr lang="ja-JP" altLang="en-US" dirty="0">
                 <a:latin typeface="メイリオ" panose="020B0604030504040204" pitchFamily="50" charset="-128"/>
                 <a:ea typeface="メイリオ" panose="020B0604030504040204" pitchFamily="50" charset="-128"/>
@@ -8657,6 +13189,344 @@
           <p:cNvPr id="2" name="タイトル 1">
             <a:extLst>
               <a:ext uri="{FF2B5EF4-FFF2-40B4-BE49-F238E27FC236}">
+                <a16:creationId xmlns:a16="http://schemas.microsoft.com/office/drawing/2014/main" id="{E13D5B6F-0AD7-49A8-802F-F474397B35E9}"/>
+              </a:ext>
+            </a:extLst>
+          </p:cNvPr>
+          <p:cNvSpPr>
+            <a:spLocks noGrp="1"/>
+          </p:cNvSpPr>
+          <p:nvPr>
+            <p:ph type="title"/>
+          </p:nvPr>
+        </p:nvSpPr>
+        <p:spPr/>
+        <p:txBody>
+          <a:bodyPr/>
+          <a:lstStyle/>
+          <a:p>
+            <a:r>
+              <a:rPr kumimoji="1" lang="en-US" altLang="ja-JP" dirty="0">
+                <a:latin typeface="メイリオ" panose="020B0604030504040204" pitchFamily="50" charset="-128"/>
+                <a:ea typeface="メイリオ" panose="020B0604030504040204" pitchFamily="50" charset="-128"/>
+              </a:rPr>
+              <a:t>1. </a:t>
+            </a:r>
+            <a:r>
+              <a:rPr lang="ja-JP" altLang="en-US" dirty="0">
+                <a:latin typeface="メイリオ" panose="020B0604030504040204" pitchFamily="50" charset="-128"/>
+                <a:ea typeface="メイリオ" panose="020B0604030504040204" pitchFamily="50" charset="-128"/>
+              </a:rPr>
+              <a:t>タスク管理アプリ</a:t>
+            </a:r>
+            <a:endParaRPr kumimoji="1" lang="ja-JP" altLang="en-US" dirty="0"/>
+          </a:p>
+        </p:txBody>
+      </p:sp>
+      <p:sp>
+        <p:nvSpPr>
+          <p:cNvPr id="3" name="コンテンツ プレースホルダー 2">
+            <a:extLst>
+              <a:ext uri="{FF2B5EF4-FFF2-40B4-BE49-F238E27FC236}">
+                <a16:creationId xmlns:a16="http://schemas.microsoft.com/office/drawing/2014/main" id="{F3478664-64C4-48FD-810F-283D1F2FF5D3}"/>
+              </a:ext>
+            </a:extLst>
+          </p:cNvPr>
+          <p:cNvSpPr>
+            <a:spLocks noGrp="1"/>
+          </p:cNvSpPr>
+          <p:nvPr>
+            <p:ph idx="1"/>
+          </p:nvPr>
+        </p:nvSpPr>
+        <p:spPr>
+          <a:xfrm>
+            <a:off x="838200" y="1825625"/>
+            <a:ext cx="3748088" cy="4351338"/>
+          </a:xfrm>
+        </p:spPr>
+        <p:txBody>
+          <a:bodyPr/>
+          <a:lstStyle/>
+          <a:p>
+            <a:pPr marL="0" indent="0">
+              <a:buFont typeface="Arial" panose="020B0604020202020204" pitchFamily="34" charset="0"/>
+              <a:buNone/>
+            </a:pPr>
+            <a:r>
+              <a:rPr lang="ja-JP" altLang="en-US" dirty="0">
+                <a:latin typeface="メイリオ" panose="020B0604030504040204" pitchFamily="50" charset="-128"/>
+                <a:ea typeface="メイリオ" panose="020B0604030504040204" pitchFamily="50" charset="-128"/>
+              </a:rPr>
+              <a:t>・詳細　</a:t>
+            </a:r>
+            <a:r>
+              <a:rPr lang="en-US" altLang="ja-JP" dirty="0">
+                <a:latin typeface="メイリオ" panose="020B0604030504040204" pitchFamily="50" charset="-128"/>
+                <a:ea typeface="メイリオ" panose="020B0604030504040204" pitchFamily="50" charset="-128"/>
+              </a:rPr>
+              <a:t>(ER</a:t>
+            </a:r>
+            <a:r>
+              <a:rPr lang="ja-JP" altLang="en-US" dirty="0">
+                <a:latin typeface="メイリオ" panose="020B0604030504040204" pitchFamily="50" charset="-128"/>
+                <a:ea typeface="メイリオ" panose="020B0604030504040204" pitchFamily="50" charset="-128"/>
+              </a:rPr>
+              <a:t>図</a:t>
+            </a:r>
+            <a:r>
+              <a:rPr lang="en-US" altLang="ja-JP" dirty="0">
+                <a:latin typeface="メイリオ" panose="020B0604030504040204" pitchFamily="50" charset="-128"/>
+                <a:ea typeface="メイリオ" panose="020B0604030504040204" pitchFamily="50" charset="-128"/>
+              </a:rPr>
+              <a:t>)</a:t>
+            </a:r>
+          </a:p>
+        </p:txBody>
+      </p:sp>
+      <p:pic>
+        <p:nvPicPr>
+          <p:cNvPr id="5" name="図 4">
+            <a:extLst>
+              <a:ext uri="{FF2B5EF4-FFF2-40B4-BE49-F238E27FC236}">
+                <a16:creationId xmlns:a16="http://schemas.microsoft.com/office/drawing/2014/main" id="{B8364401-25CA-4FBF-8C86-7AD7C5378F2C}"/>
+              </a:ext>
+            </a:extLst>
+          </p:cNvPr>
+          <p:cNvPicPr>
+            <a:picLocks noChangeAspect="1"/>
+          </p:cNvPicPr>
+          <p:nvPr/>
+        </p:nvPicPr>
+        <p:blipFill>
+          <a:blip r:embed="rId3">
+            <a:extLst>
+              <a:ext uri="{28A0092B-C50C-407E-A947-70E740481C1C}">
+                <a14:useLocalDpi xmlns:a14="http://schemas.microsoft.com/office/drawing/2010/main" val="0"/>
+              </a:ext>
+            </a:extLst>
+          </a:blip>
+          <a:stretch>
+            <a:fillRect/>
+          </a:stretch>
+        </p:blipFill>
+        <p:spPr>
+          <a:xfrm>
+            <a:off x="838199" y="2481262"/>
+            <a:ext cx="3076575" cy="3760258"/>
+          </a:xfrm>
+          <a:prstGeom prst="rect">
+            <a:avLst/>
+          </a:prstGeom>
+        </p:spPr>
+      </p:pic>
+      <p:sp>
+        <p:nvSpPr>
+          <p:cNvPr id="6" name="テキスト ボックス 5">
+            <a:extLst>
+              <a:ext uri="{FF2B5EF4-FFF2-40B4-BE49-F238E27FC236}">
+                <a16:creationId xmlns:a16="http://schemas.microsoft.com/office/drawing/2014/main" id="{7A9DC34F-19E1-4EBB-B84E-2933D3289D9F}"/>
+              </a:ext>
+            </a:extLst>
+          </p:cNvPr>
+          <p:cNvSpPr txBox="1"/>
+          <p:nvPr/>
+        </p:nvSpPr>
+        <p:spPr>
+          <a:xfrm>
+            <a:off x="5172074" y="2481261"/>
+            <a:ext cx="5663566" cy="3108543"/>
+          </a:xfrm>
+          <a:prstGeom prst="rect">
+            <a:avLst/>
+          </a:prstGeom>
+          <a:noFill/>
+        </p:spPr>
+        <p:txBody>
+          <a:bodyPr wrap="square" rtlCol="0">
+            <a:spAutoFit/>
+          </a:bodyPr>
+          <a:lstStyle/>
+          <a:p>
+            <a:r>
+              <a:rPr kumimoji="1" lang="en-US" altLang="ja-JP" sz="2800" dirty="0">
+                <a:latin typeface="メイリオ" panose="020B0604030504040204" pitchFamily="50" charset="-128"/>
+                <a:ea typeface="メイリオ" panose="020B0604030504040204" pitchFamily="50" charset="-128"/>
+              </a:rPr>
+              <a:t>tasks</a:t>
+            </a:r>
+            <a:r>
+              <a:rPr kumimoji="1" lang="ja-JP" altLang="en-US" sz="2800" dirty="0">
+                <a:latin typeface="メイリオ" panose="020B0604030504040204" pitchFamily="50" charset="-128"/>
+                <a:ea typeface="メイリオ" panose="020B0604030504040204" pitchFamily="50" charset="-128"/>
+              </a:rPr>
+              <a:t>テーブル</a:t>
+            </a:r>
+            <a:endParaRPr kumimoji="1" lang="en-US" altLang="ja-JP" sz="2800" dirty="0">
+              <a:latin typeface="メイリオ" panose="020B0604030504040204" pitchFamily="50" charset="-128"/>
+              <a:ea typeface="メイリオ" panose="020B0604030504040204" pitchFamily="50" charset="-128"/>
+            </a:endParaRPr>
+          </a:p>
+          <a:p>
+            <a:endParaRPr kumimoji="1" lang="en-US" altLang="ja-JP" sz="2800" dirty="0">
+              <a:latin typeface="メイリオ" panose="020B0604030504040204" pitchFamily="50" charset="-128"/>
+              <a:ea typeface="メイリオ" panose="020B0604030504040204" pitchFamily="50" charset="-128"/>
+            </a:endParaRPr>
+          </a:p>
+          <a:p>
+            <a:r>
+              <a:rPr lang="en-US" altLang="ja-JP" sz="2800" dirty="0">
+                <a:latin typeface="メイリオ" panose="020B0604030504040204" pitchFamily="50" charset="-128"/>
+                <a:ea typeface="メイリオ" panose="020B0604030504040204" pitchFamily="50" charset="-128"/>
+              </a:rPr>
+              <a:t>id:			ID</a:t>
+            </a:r>
+          </a:p>
+          <a:p>
+            <a:r>
+              <a:rPr kumimoji="1" lang="en-US" altLang="ja-JP" sz="2800" dirty="0">
+                <a:latin typeface="メイリオ" panose="020B0604030504040204" pitchFamily="50" charset="-128"/>
+                <a:ea typeface="メイリオ" panose="020B0604030504040204" pitchFamily="50" charset="-128"/>
+              </a:rPr>
+              <a:t>description:	</a:t>
+            </a:r>
+            <a:r>
+              <a:rPr kumimoji="1" lang="ja-JP" altLang="en-US" sz="2800" dirty="0">
+                <a:latin typeface="メイリオ" panose="020B0604030504040204" pitchFamily="50" charset="-128"/>
+                <a:ea typeface="メイリオ" panose="020B0604030504040204" pitchFamily="50" charset="-128"/>
+              </a:rPr>
+              <a:t>タスク名</a:t>
+            </a:r>
+            <a:endParaRPr kumimoji="1" lang="en-US" altLang="ja-JP" sz="2800" dirty="0">
+              <a:latin typeface="メイリオ" panose="020B0604030504040204" pitchFamily="50" charset="-128"/>
+              <a:ea typeface="メイリオ" panose="020B0604030504040204" pitchFamily="50" charset="-128"/>
+            </a:endParaRPr>
+          </a:p>
+          <a:p>
+            <a:r>
+              <a:rPr lang="en-US" altLang="ja-JP" sz="2800" dirty="0" err="1">
+                <a:latin typeface="メイリオ" panose="020B0604030504040204" pitchFamily="50" charset="-128"/>
+                <a:ea typeface="メイリオ" panose="020B0604030504040204" pitchFamily="50" charset="-128"/>
+              </a:rPr>
+              <a:t>duedate</a:t>
+            </a:r>
+            <a:r>
+              <a:rPr lang="en-US" altLang="ja-JP" sz="2800" dirty="0">
+                <a:latin typeface="メイリオ" panose="020B0604030504040204" pitchFamily="50" charset="-128"/>
+                <a:ea typeface="メイリオ" panose="020B0604030504040204" pitchFamily="50" charset="-128"/>
+              </a:rPr>
+              <a:t>:		</a:t>
+            </a:r>
+            <a:r>
+              <a:rPr lang="ja-JP" altLang="en-US" sz="2800" dirty="0">
+                <a:latin typeface="メイリオ" panose="020B0604030504040204" pitchFamily="50" charset="-128"/>
+                <a:ea typeface="メイリオ" panose="020B0604030504040204" pitchFamily="50" charset="-128"/>
+              </a:rPr>
+              <a:t>期日</a:t>
+            </a:r>
+            <a:endParaRPr lang="en-US" altLang="ja-JP" sz="2800" dirty="0">
+              <a:latin typeface="メイリオ" panose="020B0604030504040204" pitchFamily="50" charset="-128"/>
+              <a:ea typeface="メイリオ" panose="020B0604030504040204" pitchFamily="50" charset="-128"/>
+            </a:endParaRPr>
+          </a:p>
+          <a:p>
+            <a:r>
+              <a:rPr kumimoji="1" lang="en-US" altLang="ja-JP" sz="2800" dirty="0">
+                <a:latin typeface="メイリオ" panose="020B0604030504040204" pitchFamily="50" charset="-128"/>
+                <a:ea typeface="メイリオ" panose="020B0604030504040204" pitchFamily="50" charset="-128"/>
+              </a:rPr>
+              <a:t>importance:</a:t>
+            </a:r>
+            <a:r>
+              <a:rPr lang="en-US" altLang="ja-JP" sz="2800" dirty="0">
+                <a:latin typeface="メイリオ" panose="020B0604030504040204" pitchFamily="50" charset="-128"/>
+                <a:ea typeface="メイリオ" panose="020B0604030504040204" pitchFamily="50" charset="-128"/>
+              </a:rPr>
+              <a:t>	</a:t>
+            </a:r>
+            <a:r>
+              <a:rPr kumimoji="1" lang="ja-JP" altLang="en-US" sz="2800" dirty="0">
+                <a:latin typeface="メイリオ" panose="020B0604030504040204" pitchFamily="50" charset="-128"/>
+                <a:ea typeface="メイリオ" panose="020B0604030504040204" pitchFamily="50" charset="-128"/>
+              </a:rPr>
+              <a:t>重要度</a:t>
+            </a:r>
+            <a:endParaRPr kumimoji="1" lang="en-US" altLang="ja-JP" sz="2800" dirty="0">
+              <a:latin typeface="メイリオ" panose="020B0604030504040204" pitchFamily="50" charset="-128"/>
+              <a:ea typeface="メイリオ" panose="020B0604030504040204" pitchFamily="50" charset="-128"/>
+            </a:endParaRPr>
+          </a:p>
+          <a:p>
+            <a:r>
+              <a:rPr lang="en-US" altLang="ja-JP" sz="2800" dirty="0">
+                <a:latin typeface="メイリオ" panose="020B0604030504040204" pitchFamily="50" charset="-128"/>
+                <a:ea typeface="メイリオ" panose="020B0604030504040204" pitchFamily="50" charset="-128"/>
+              </a:rPr>
+              <a:t>status:</a:t>
+            </a:r>
+            <a:r>
+              <a:rPr lang="ja-JP" altLang="en-US" sz="2800" dirty="0">
+                <a:latin typeface="メイリオ" panose="020B0604030504040204" pitchFamily="50" charset="-128"/>
+                <a:ea typeface="メイリオ" panose="020B0604030504040204" pitchFamily="50" charset="-128"/>
+              </a:rPr>
+              <a:t>　</a:t>
+            </a:r>
+            <a:r>
+              <a:rPr lang="en-US" altLang="ja-JP" sz="2800" dirty="0">
+                <a:latin typeface="メイリオ" panose="020B0604030504040204" pitchFamily="50" charset="-128"/>
+                <a:ea typeface="メイリオ" panose="020B0604030504040204" pitchFamily="50" charset="-128"/>
+              </a:rPr>
+              <a:t>		</a:t>
+            </a:r>
+            <a:r>
+              <a:rPr lang="ja-JP" altLang="en-US" sz="2800" dirty="0">
+                <a:latin typeface="メイリオ" panose="020B0604030504040204" pitchFamily="50" charset="-128"/>
+                <a:ea typeface="メイリオ" panose="020B0604030504040204" pitchFamily="50" charset="-128"/>
+              </a:rPr>
+              <a:t>ステータス</a:t>
+            </a:r>
+            <a:endParaRPr kumimoji="1" lang="ja-JP" altLang="en-US" sz="2800" dirty="0">
+              <a:latin typeface="メイリオ" panose="020B0604030504040204" pitchFamily="50" charset="-128"/>
+              <a:ea typeface="メイリオ" panose="020B0604030504040204" pitchFamily="50" charset="-128"/>
+            </a:endParaRPr>
+          </a:p>
+        </p:txBody>
+      </p:sp>
+    </p:spTree>
+    <p:extLst>
+      <p:ext uri="{BB962C8B-B14F-4D97-AF65-F5344CB8AC3E}">
+        <p14:creationId xmlns:p14="http://schemas.microsoft.com/office/powerpoint/2010/main" val="4263476830"/>
+      </p:ext>
+    </p:extLst>
+  </p:cSld>
+  <p:clrMapOvr>
+    <a:masterClrMapping/>
+  </p:clrMapOvr>
+</p:sld>
+</file>
+
+<file path=ppt/slides/slide6.xml><?xml version="1.0" encoding="utf-8"?>
+<p:sld xmlns:a="http://schemas.openxmlformats.org/drawingml/2006/main" xmlns:r="http://schemas.openxmlformats.org/officeDocument/2006/relationships" xmlns:p="http://schemas.openxmlformats.org/presentationml/2006/main">
+  <p:cSld>
+    <p:spTree>
+      <p:nvGrpSpPr>
+        <p:cNvPr id="1" name=""/>
+        <p:cNvGrpSpPr/>
+        <p:nvPr/>
+      </p:nvGrpSpPr>
+      <p:grpSpPr>
+        <a:xfrm>
+          <a:off x="0" y="0"/>
+          <a:ext cx="0" cy="0"/>
+          <a:chOff x="0" y="0"/>
+          <a:chExt cx="0" cy="0"/>
+        </a:xfrm>
+      </p:grpSpPr>
+      <p:sp>
+        <p:nvSpPr>
+          <p:cNvPr id="2" name="タイトル 1">
+            <a:extLst>
+              <a:ext uri="{FF2B5EF4-FFF2-40B4-BE49-F238E27FC236}">
                 <a16:creationId xmlns:a16="http://schemas.microsoft.com/office/drawing/2014/main" id="{08B02D03-8D96-4578-8EAE-90B1C76FC831}"/>
               </a:ext>
             </a:extLst>
@@ -8761,7 +13631,7 @@
           <p:nvPr/>
         </p:nvPicPr>
         <p:blipFill rotWithShape="1">
-          <a:blip r:embed="rId2">
+          <a:blip r:embed="rId3">
             <a:extLst>
               <a:ext uri="{28A0092B-C50C-407E-A947-70E740481C1C}">
                 <a14:useLocalDpi xmlns:a14="http://schemas.microsoft.com/office/drawing/2010/main" val="0"/>
@@ -9083,306 +13953,6 @@
 </p:sld>
 </file>
 
-<file path=ppt/slides/slide6.xml><?xml version="1.0" encoding="utf-8"?>
-<p:sld xmlns:a="http://schemas.openxmlformats.org/drawingml/2006/main" xmlns:r="http://schemas.openxmlformats.org/officeDocument/2006/relationships" xmlns:p="http://schemas.openxmlformats.org/presentationml/2006/main">
-  <p:cSld>
-    <p:spTree>
-      <p:nvGrpSpPr>
-        <p:cNvPr id="1" name=""/>
-        <p:cNvGrpSpPr/>
-        <p:nvPr/>
-      </p:nvGrpSpPr>
-      <p:grpSpPr>
-        <a:xfrm>
-          <a:off x="0" y="0"/>
-          <a:ext cx="0" cy="0"/>
-          <a:chOff x="0" y="0"/>
-          <a:chExt cx="0" cy="0"/>
-        </a:xfrm>
-      </p:grpSpPr>
-      <p:sp>
-        <p:nvSpPr>
-          <p:cNvPr id="2" name="タイトル 1">
-            <a:extLst>
-              <a:ext uri="{FF2B5EF4-FFF2-40B4-BE49-F238E27FC236}">
-                <a16:creationId xmlns:a16="http://schemas.microsoft.com/office/drawing/2014/main" id="{80F54E3B-6785-4F9A-B796-1C51A9AAD9C3}"/>
-              </a:ext>
-            </a:extLst>
-          </p:cNvPr>
-          <p:cNvSpPr>
-            <a:spLocks noGrp="1"/>
-          </p:cNvSpPr>
-          <p:nvPr>
-            <p:ph type="title"/>
-          </p:nvPr>
-        </p:nvSpPr>
-        <p:spPr/>
-        <p:txBody>
-          <a:bodyPr/>
-          <a:lstStyle/>
-          <a:p>
-            <a:r>
-              <a:rPr kumimoji="1" lang="en-US" altLang="ja-JP" dirty="0">
-                <a:latin typeface="メイリオ" panose="020B0604030504040204" pitchFamily="50" charset="-128"/>
-                <a:ea typeface="メイリオ" panose="020B0604030504040204" pitchFamily="50" charset="-128"/>
-              </a:rPr>
-              <a:t>1. </a:t>
-            </a:r>
-            <a:r>
-              <a:rPr lang="ja-JP" altLang="en-US" dirty="0">
-                <a:latin typeface="メイリオ" panose="020B0604030504040204" pitchFamily="50" charset="-128"/>
-                <a:ea typeface="メイリオ" panose="020B0604030504040204" pitchFamily="50" charset="-128"/>
-              </a:rPr>
-              <a:t>タスク管理アプリ</a:t>
-            </a:r>
-            <a:endParaRPr kumimoji="1" lang="ja-JP" altLang="en-US" dirty="0">
-              <a:latin typeface="メイリオ" panose="020B0604030504040204" pitchFamily="50" charset="-128"/>
-              <a:ea typeface="メイリオ" panose="020B0604030504040204" pitchFamily="50" charset="-128"/>
-            </a:endParaRPr>
-          </a:p>
-        </p:txBody>
-      </p:sp>
-      <p:sp>
-        <p:nvSpPr>
-          <p:cNvPr id="4" name="コンテンツ プレースホルダー 3">
-            <a:extLst>
-              <a:ext uri="{FF2B5EF4-FFF2-40B4-BE49-F238E27FC236}">
-                <a16:creationId xmlns:a16="http://schemas.microsoft.com/office/drawing/2014/main" id="{DE5D9116-F384-499F-AD2D-BA981AF6A8C8}"/>
-              </a:ext>
-            </a:extLst>
-          </p:cNvPr>
-          <p:cNvSpPr>
-            <a:spLocks noGrp="1"/>
-          </p:cNvSpPr>
-          <p:nvPr>
-            <p:ph idx="1"/>
-          </p:nvPr>
-        </p:nvSpPr>
-        <p:spPr/>
-        <p:txBody>
-          <a:bodyPr/>
-          <a:lstStyle/>
-          <a:p>
-            <a:r>
-              <a:rPr lang="ja-JP" altLang="en-US" dirty="0"/>
-              <a:t>詳細　</a:t>
-            </a:r>
-            <a:r>
-              <a:rPr lang="en-US" altLang="ja-JP" dirty="0"/>
-              <a:t>(</a:t>
-            </a:r>
-            <a:r>
-              <a:rPr lang="ja-JP" altLang="en-US" dirty="0"/>
-              <a:t>変更画面</a:t>
-            </a:r>
-            <a:r>
-              <a:rPr lang="en-US" altLang="ja-JP" dirty="0"/>
-              <a:t>)</a:t>
-            </a:r>
-            <a:endParaRPr lang="ja-JP" altLang="en-US" dirty="0"/>
-          </a:p>
-        </p:txBody>
-      </p:sp>
-      <p:pic>
-        <p:nvPicPr>
-          <p:cNvPr id="7" name="コンテンツ プレースホルダー 4">
-            <a:extLst>
-              <a:ext uri="{FF2B5EF4-FFF2-40B4-BE49-F238E27FC236}">
-                <a16:creationId xmlns:a16="http://schemas.microsoft.com/office/drawing/2014/main" id="{DADB81D5-7605-456E-BF65-896AAE8C6107}"/>
-              </a:ext>
-            </a:extLst>
-          </p:cNvPr>
-          <p:cNvPicPr>
-            <a:picLocks noGrp="1" noChangeAspect="1"/>
-          </p:cNvPicPr>
-          <p:nvPr/>
-        </p:nvPicPr>
-        <p:blipFill rotWithShape="1">
-          <a:blip r:embed="rId2">
-            <a:extLst>
-              <a:ext uri="{28A0092B-C50C-407E-A947-70E740481C1C}">
-                <a14:useLocalDpi xmlns:a14="http://schemas.microsoft.com/office/drawing/2010/main" val="0"/>
-              </a:ext>
-            </a:extLst>
-          </a:blip>
-          <a:srcRect t="11021"/>
-          <a:stretch/>
-        </p:blipFill>
-        <p:spPr>
-          <a:xfrm>
-            <a:off x="838200" y="2457451"/>
-            <a:ext cx="6805613" cy="3443983"/>
-          </a:xfrm>
-          <a:prstGeom prst="rect">
-            <a:avLst/>
-          </a:prstGeom>
-        </p:spPr>
-      </p:pic>
-      <p:sp>
-        <p:nvSpPr>
-          <p:cNvPr id="8" name="テキスト ボックス 7">
-            <a:extLst>
-              <a:ext uri="{FF2B5EF4-FFF2-40B4-BE49-F238E27FC236}">
-                <a16:creationId xmlns:a16="http://schemas.microsoft.com/office/drawing/2014/main" id="{0C8B9F5D-489A-49D8-AD8B-634328582AF6}"/>
-              </a:ext>
-            </a:extLst>
-          </p:cNvPr>
-          <p:cNvSpPr txBox="1"/>
-          <p:nvPr/>
-        </p:nvSpPr>
-        <p:spPr>
-          <a:xfrm>
-            <a:off x="7643813" y="2457451"/>
-            <a:ext cx="3891780" cy="2431435"/>
-          </a:xfrm>
-          <a:prstGeom prst="rect">
-            <a:avLst/>
-          </a:prstGeom>
-          <a:noFill/>
-        </p:spPr>
-        <p:txBody>
-          <a:bodyPr wrap="square" rtlCol="0">
-            <a:spAutoFit/>
-          </a:bodyPr>
-          <a:lstStyle/>
-          <a:p>
-            <a:r>
-              <a:rPr kumimoji="1" lang="ja-JP" altLang="en-US" sz="2800" dirty="0">
-                <a:latin typeface="メイリオ" panose="020B0604030504040204" pitchFamily="50" charset="-128"/>
-                <a:ea typeface="メイリオ" panose="020B0604030504040204" pitchFamily="50" charset="-128"/>
-              </a:rPr>
-              <a:t>タスクの変更</a:t>
-            </a:r>
-            <a:endParaRPr kumimoji="1" lang="en-US" altLang="ja-JP" sz="2800" dirty="0">
-              <a:latin typeface="メイリオ" panose="020B0604030504040204" pitchFamily="50" charset="-128"/>
-              <a:ea typeface="メイリオ" panose="020B0604030504040204" pitchFamily="50" charset="-128"/>
-            </a:endParaRPr>
-          </a:p>
-          <a:p>
-            <a:r>
-              <a:rPr lang="ja-JP" altLang="en-US" sz="2400" dirty="0">
-                <a:latin typeface="メイリオ" panose="020B0604030504040204" pitchFamily="50" charset="-128"/>
-                <a:ea typeface="メイリオ" panose="020B0604030504040204" pitchFamily="50" charset="-128"/>
-              </a:rPr>
-              <a:t>・全項目変更可能</a:t>
-            </a:r>
-            <a:endParaRPr lang="en-US" altLang="ja-JP" sz="2400" dirty="0">
-              <a:latin typeface="メイリオ" panose="020B0604030504040204" pitchFamily="50" charset="-128"/>
-              <a:ea typeface="メイリオ" panose="020B0604030504040204" pitchFamily="50" charset="-128"/>
-            </a:endParaRPr>
-          </a:p>
-          <a:p>
-            <a:r>
-              <a:rPr lang="en-US" altLang="ja-JP" sz="2400" dirty="0">
-                <a:latin typeface="メイリオ" panose="020B0604030504040204" pitchFamily="50" charset="-128"/>
-                <a:ea typeface="メイリオ" panose="020B0604030504040204" pitchFamily="50" charset="-128"/>
-              </a:rPr>
-              <a:t>	</a:t>
-            </a:r>
-            <a:r>
-              <a:rPr lang="ja-JP" altLang="en-US" sz="2400" dirty="0">
-                <a:solidFill>
-                  <a:srgbClr val="FF0000"/>
-                </a:solidFill>
-                <a:latin typeface="メイリオ" panose="020B0604030504040204" pitchFamily="50" charset="-128"/>
-                <a:ea typeface="メイリオ" panose="020B0604030504040204" pitchFamily="50" charset="-128"/>
-              </a:rPr>
-              <a:t>ただし</a:t>
-            </a:r>
-            <a:r>
-              <a:rPr lang="en-US" altLang="ja-JP" sz="2400" dirty="0">
-                <a:solidFill>
-                  <a:srgbClr val="FF0000"/>
-                </a:solidFill>
-                <a:latin typeface="メイリオ" panose="020B0604030504040204" pitchFamily="50" charset="-128"/>
-                <a:ea typeface="メイリオ" panose="020B0604030504040204" pitchFamily="50" charset="-128"/>
-              </a:rPr>
-              <a:t>1</a:t>
-            </a:r>
-            <a:r>
-              <a:rPr lang="ja-JP" altLang="en-US" sz="2400" dirty="0">
-                <a:solidFill>
-                  <a:srgbClr val="FF0000"/>
-                </a:solidFill>
-                <a:latin typeface="メイリオ" panose="020B0604030504040204" pitchFamily="50" charset="-128"/>
-                <a:ea typeface="メイリオ" panose="020B0604030504040204" pitchFamily="50" charset="-128"/>
-              </a:rPr>
-              <a:t>行ずつ</a:t>
-            </a:r>
-            <a:endParaRPr lang="en-US" altLang="ja-JP" sz="2400" dirty="0">
-              <a:solidFill>
-                <a:srgbClr val="FF0000"/>
-              </a:solidFill>
-              <a:latin typeface="メイリオ" panose="020B0604030504040204" pitchFamily="50" charset="-128"/>
-              <a:ea typeface="メイリオ" panose="020B0604030504040204" pitchFamily="50" charset="-128"/>
-            </a:endParaRPr>
-          </a:p>
-          <a:p>
-            <a:endParaRPr lang="en-US" altLang="ja-JP" sz="2400" dirty="0">
-              <a:solidFill>
-                <a:srgbClr val="FF0000"/>
-              </a:solidFill>
-              <a:latin typeface="メイリオ" panose="020B0604030504040204" pitchFamily="50" charset="-128"/>
-              <a:ea typeface="メイリオ" panose="020B0604030504040204" pitchFamily="50" charset="-128"/>
-            </a:endParaRPr>
-          </a:p>
-          <a:p>
-            <a:r>
-              <a:rPr lang="ja-JP" altLang="en-US" sz="2800" dirty="0">
-                <a:latin typeface="メイリオ" panose="020B0604030504040204" pitchFamily="50" charset="-128"/>
-                <a:ea typeface="メイリオ" panose="020B0604030504040204" pitchFamily="50" charset="-128"/>
-              </a:rPr>
-              <a:t>タスクの削除</a:t>
-            </a:r>
-            <a:endParaRPr lang="en-US" altLang="ja-JP" sz="2800" dirty="0">
-              <a:latin typeface="メイリオ" panose="020B0604030504040204" pitchFamily="50" charset="-128"/>
-              <a:ea typeface="メイリオ" panose="020B0604030504040204" pitchFamily="50" charset="-128"/>
-            </a:endParaRPr>
-          </a:p>
-          <a:p>
-            <a:r>
-              <a:rPr lang="en-US" altLang="ja-JP" sz="2400" dirty="0">
-                <a:solidFill>
-                  <a:srgbClr val="FF0000"/>
-                </a:solidFill>
-                <a:latin typeface="メイリオ" panose="020B0604030504040204" pitchFamily="50" charset="-128"/>
-                <a:ea typeface="メイリオ" panose="020B0604030504040204" pitchFamily="50" charset="-128"/>
-              </a:rPr>
-              <a:t>	</a:t>
-            </a:r>
-            <a:r>
-              <a:rPr lang="ja-JP" altLang="en-US" sz="2400" dirty="0">
-                <a:solidFill>
-                  <a:srgbClr val="FF0000"/>
-                </a:solidFill>
-                <a:latin typeface="メイリオ" panose="020B0604030504040204" pitchFamily="50" charset="-128"/>
-                <a:ea typeface="メイリオ" panose="020B0604030504040204" pitchFamily="50" charset="-128"/>
-              </a:rPr>
-              <a:t>削除確認画面なし</a:t>
-            </a:r>
-            <a:endParaRPr lang="en-US" altLang="ja-JP" sz="2400" dirty="0">
-              <a:solidFill>
-                <a:srgbClr val="FF0000"/>
-              </a:solidFill>
-              <a:latin typeface="メイリオ" panose="020B0604030504040204" pitchFamily="50" charset="-128"/>
-              <a:ea typeface="メイリオ" panose="020B0604030504040204" pitchFamily="50" charset="-128"/>
-            </a:endParaRPr>
-          </a:p>
-        </p:txBody>
-      </p:sp>
-    </p:spTree>
-    <p:extLst>
-      <p:ext uri="{BB962C8B-B14F-4D97-AF65-F5344CB8AC3E}">
-        <p14:creationId xmlns:p14="http://schemas.microsoft.com/office/powerpoint/2010/main" val="556035761"/>
-      </p:ext>
-    </p:extLst>
-  </p:cSld>
-  <p:clrMapOvr>
-    <a:masterClrMapping/>
-  </p:clrMapOvr>
-</p:sld>
-</file>
-
 <file path=ppt/slides/slide7.xml><?xml version="1.0" encoding="utf-8"?>
 <p:sld xmlns:a="http://schemas.openxmlformats.org/drawingml/2006/main" xmlns:r="http://schemas.openxmlformats.org/officeDocument/2006/relationships" xmlns:p="http://schemas.openxmlformats.org/presentationml/2006/main">
   <p:cSld>
@@ -9405,7 +13975,7 @@
           <p:cNvPr id="2" name="タイトル 1">
             <a:extLst>
               <a:ext uri="{FF2B5EF4-FFF2-40B4-BE49-F238E27FC236}">
-                <a16:creationId xmlns:a16="http://schemas.microsoft.com/office/drawing/2014/main" id="{1A32EFAC-AB57-4F1E-9CDB-4B6F4F34F011}"/>
+                <a16:creationId xmlns:a16="http://schemas.microsoft.com/office/drawing/2014/main" id="{80F54E3B-6785-4F9A-B796-1C51A9AAD9C3}"/>
               </a:ext>
             </a:extLst>
           </p:cNvPr>
@@ -9422,25 +13992,18 @@
           <a:lstStyle/>
           <a:p>
             <a:r>
-              <a:rPr lang="en-US" altLang="ja-JP" dirty="0">
-                <a:latin typeface="メイリオ" panose="020B0604030504040204" pitchFamily="50" charset="-128"/>
-                <a:ea typeface="メイリオ" panose="020B0604030504040204" pitchFamily="50" charset="-128"/>
-              </a:rPr>
-              <a:t>2. </a:t>
-            </a:r>
-            <a:r>
-              <a:rPr lang="en-US" altLang="ja-JP" dirty="0" err="1">
-                <a:latin typeface="メイリオ" panose="020B0604030504040204" pitchFamily="50" charset="-128"/>
-                <a:ea typeface="メイリオ" panose="020B0604030504040204" pitchFamily="50" charset="-128"/>
-              </a:rPr>
-              <a:t>ToDo</a:t>
+              <a:rPr kumimoji="1" lang="en-US" altLang="ja-JP" dirty="0">
+                <a:latin typeface="メイリオ" panose="020B0604030504040204" pitchFamily="50" charset="-128"/>
+                <a:ea typeface="メイリオ" panose="020B0604030504040204" pitchFamily="50" charset="-128"/>
+              </a:rPr>
+              <a:t>1. </a:t>
             </a:r>
             <a:r>
               <a:rPr lang="ja-JP" altLang="en-US" dirty="0">
                 <a:latin typeface="メイリオ" panose="020B0604030504040204" pitchFamily="50" charset="-128"/>
                 <a:ea typeface="メイリオ" panose="020B0604030504040204" pitchFamily="50" charset="-128"/>
               </a:rPr>
-              <a:t>リストアプリ</a:t>
+              <a:t>タスク管理アプリ</a:t>
             </a:r>
             <a:endParaRPr kumimoji="1" lang="ja-JP" altLang="en-US" dirty="0">
               <a:latin typeface="メイリオ" panose="020B0604030504040204" pitchFamily="50" charset="-128"/>
@@ -9454,7 +14017,7 @@
           <p:cNvPr id="4" name="コンテンツ プレースホルダー 3">
             <a:extLst>
               <a:ext uri="{FF2B5EF4-FFF2-40B4-BE49-F238E27FC236}">
-                <a16:creationId xmlns:a16="http://schemas.microsoft.com/office/drawing/2014/main" id="{D01C0CF0-050F-47BE-AA89-A70F30DABA10}"/>
+                <a16:creationId xmlns:a16="http://schemas.microsoft.com/office/drawing/2014/main" id="{DE5D9116-F384-499F-AD2D-BA981AF6A8C8}"/>
               </a:ext>
             </a:extLst>
           </p:cNvPr>
@@ -9470,144 +14033,207 @@
           <a:bodyPr/>
           <a:lstStyle/>
           <a:p>
-            <a:pPr marL="0" indent="0">
-              <a:buNone/>
-            </a:pPr>
-            <a:r>
-              <a:rPr lang="ja-JP" altLang="en-US" dirty="0">
-                <a:latin typeface="メイリオ" panose="020B0604030504040204" pitchFamily="50" charset="-128"/>
-                <a:ea typeface="メイリオ" panose="020B0604030504040204" pitchFamily="50" charset="-128"/>
-              </a:rPr>
-              <a:t>・使用言語</a:t>
-            </a:r>
-            <a:endParaRPr lang="en-US" altLang="ja-JP" dirty="0">
+            <a:r>
+              <a:rPr lang="ja-JP" altLang="en-US" dirty="0"/>
+              <a:t>詳細　</a:t>
+            </a:r>
+            <a:r>
+              <a:rPr lang="en-US" altLang="ja-JP" dirty="0"/>
+              <a:t>(</a:t>
+            </a:r>
+            <a:r>
+              <a:rPr lang="ja-JP" altLang="en-US" dirty="0"/>
+              <a:t>変更画面</a:t>
+            </a:r>
+            <a:r>
+              <a:rPr lang="en-US" altLang="ja-JP" dirty="0"/>
+              <a:t>)</a:t>
+            </a:r>
+            <a:endParaRPr lang="ja-JP" altLang="en-US" dirty="0"/>
+          </a:p>
+        </p:txBody>
+      </p:sp>
+      <p:pic>
+        <p:nvPicPr>
+          <p:cNvPr id="7" name="コンテンツ プレースホルダー 4">
+            <a:extLst>
+              <a:ext uri="{FF2B5EF4-FFF2-40B4-BE49-F238E27FC236}">
+                <a16:creationId xmlns:a16="http://schemas.microsoft.com/office/drawing/2014/main" id="{DADB81D5-7605-456E-BF65-896AAE8C6107}"/>
+              </a:ext>
+            </a:extLst>
+          </p:cNvPr>
+          <p:cNvPicPr>
+            <a:picLocks noGrp="1" noChangeAspect="1"/>
+          </p:cNvPicPr>
+          <p:nvPr/>
+        </p:nvPicPr>
+        <p:blipFill rotWithShape="1">
+          <a:blip r:embed="rId3">
+            <a:extLst>
+              <a:ext uri="{28A0092B-C50C-407E-A947-70E740481C1C}">
+                <a14:useLocalDpi xmlns:a14="http://schemas.microsoft.com/office/drawing/2010/main" val="0"/>
+              </a:ext>
+            </a:extLst>
+          </a:blip>
+          <a:srcRect t="11021"/>
+          <a:stretch/>
+        </p:blipFill>
+        <p:spPr>
+          <a:xfrm>
+            <a:off x="838200" y="2457451"/>
+            <a:ext cx="6805613" cy="3443983"/>
+          </a:xfrm>
+          <a:prstGeom prst="rect">
+            <a:avLst/>
+          </a:prstGeom>
+        </p:spPr>
+      </p:pic>
+      <p:sp>
+        <p:nvSpPr>
+          <p:cNvPr id="8" name="テキスト ボックス 7">
+            <a:extLst>
+              <a:ext uri="{FF2B5EF4-FFF2-40B4-BE49-F238E27FC236}">
+                <a16:creationId xmlns:a16="http://schemas.microsoft.com/office/drawing/2014/main" id="{0C8B9F5D-489A-49D8-AD8B-634328582AF6}"/>
+              </a:ext>
+            </a:extLst>
+          </p:cNvPr>
+          <p:cNvSpPr txBox="1"/>
+          <p:nvPr/>
+        </p:nvSpPr>
+        <p:spPr>
+          <a:xfrm>
+            <a:off x="7643813" y="2457451"/>
+            <a:ext cx="3891780" cy="2431435"/>
+          </a:xfrm>
+          <a:prstGeom prst="rect">
+            <a:avLst/>
+          </a:prstGeom>
+          <a:noFill/>
+        </p:spPr>
+        <p:txBody>
+          <a:bodyPr wrap="square" rtlCol="0">
+            <a:spAutoFit/>
+          </a:bodyPr>
+          <a:lstStyle/>
+          <a:p>
+            <a:r>
+              <a:rPr kumimoji="1" lang="ja-JP" altLang="en-US" sz="2800" dirty="0">
+                <a:latin typeface="メイリオ" panose="020B0604030504040204" pitchFamily="50" charset="-128"/>
+                <a:ea typeface="メイリオ" panose="020B0604030504040204" pitchFamily="50" charset="-128"/>
+              </a:rPr>
+              <a:t>タスクの変更</a:t>
+            </a:r>
+            <a:endParaRPr kumimoji="1" lang="en-US" altLang="ja-JP" sz="2800" dirty="0">
               <a:latin typeface="メイリオ" panose="020B0604030504040204" pitchFamily="50" charset="-128"/>
               <a:ea typeface="メイリオ" panose="020B0604030504040204" pitchFamily="50" charset="-128"/>
             </a:endParaRPr>
           </a:p>
           <a:p>
-            <a:pPr marL="0" indent="0">
-              <a:buNone/>
-            </a:pPr>
-            <a:r>
-              <a:rPr lang="ja-JP" altLang="en-US" dirty="0">
-                <a:latin typeface="メイリオ" panose="020B0604030504040204" pitchFamily="50" charset="-128"/>
-                <a:ea typeface="メイリオ" panose="020B0604030504040204" pitchFamily="50" charset="-128"/>
-              </a:rPr>
-              <a:t>　・</a:t>
-            </a:r>
-            <a:r>
-              <a:rPr lang="en-US" altLang="ja-JP" dirty="0">
-                <a:latin typeface="メイリオ" panose="020B0604030504040204" pitchFamily="50" charset="-128"/>
-                <a:ea typeface="メイリオ" panose="020B0604030504040204" pitchFamily="50" charset="-128"/>
-              </a:rPr>
-              <a:t>Python</a:t>
-            </a:r>
-            <a:r>
-              <a:rPr lang="ja-JP" altLang="en-US" dirty="0">
-                <a:latin typeface="メイリオ" panose="020B0604030504040204" pitchFamily="50" charset="-128"/>
-                <a:ea typeface="メイリオ" panose="020B0604030504040204" pitchFamily="50" charset="-128"/>
-              </a:rPr>
-              <a:t>、</a:t>
-            </a:r>
-            <a:r>
-              <a:rPr lang="en-US" altLang="ja-JP" dirty="0">
-                <a:latin typeface="メイリオ" panose="020B0604030504040204" pitchFamily="50" charset="-128"/>
-                <a:ea typeface="メイリオ" panose="020B0604030504040204" pitchFamily="50" charset="-128"/>
-              </a:rPr>
-              <a:t>SQLite</a:t>
-            </a:r>
-          </a:p>
-          <a:p>
-            <a:pPr marL="0" indent="0">
-              <a:buNone/>
-            </a:pPr>
-            <a:r>
-              <a:rPr lang="ja-JP" altLang="en-US" dirty="0">
-                <a:latin typeface="メイリオ" panose="020B0604030504040204" pitchFamily="50" charset="-128"/>
-                <a:ea typeface="メイリオ" panose="020B0604030504040204" pitchFamily="50" charset="-128"/>
-              </a:rPr>
-              <a:t>・制作の目的</a:t>
-            </a:r>
-            <a:endParaRPr lang="en-US" altLang="ja-JP" dirty="0">
+            <a:r>
+              <a:rPr lang="ja-JP" altLang="en-US" sz="2400" dirty="0">
+                <a:latin typeface="メイリオ" panose="020B0604030504040204" pitchFamily="50" charset="-128"/>
+                <a:ea typeface="メイリオ" panose="020B0604030504040204" pitchFamily="50" charset="-128"/>
+              </a:rPr>
+              <a:t>・全項目変更可能</a:t>
+            </a:r>
+            <a:endParaRPr lang="en-US" altLang="ja-JP" sz="2400" dirty="0">
               <a:latin typeface="メイリオ" panose="020B0604030504040204" pitchFamily="50" charset="-128"/>
               <a:ea typeface="メイリオ" panose="020B0604030504040204" pitchFamily="50" charset="-128"/>
             </a:endParaRPr>
           </a:p>
           <a:p>
-            <a:pPr marL="0" indent="0">
-              <a:buNone/>
-            </a:pPr>
-            <a:r>
-              <a:rPr lang="ja-JP" altLang="en-US" dirty="0">
-                <a:latin typeface="メイリオ" panose="020B0604030504040204" pitchFamily="50" charset="-128"/>
-                <a:ea typeface="メイリオ" panose="020B0604030504040204" pitchFamily="50" charset="-128"/>
-              </a:rPr>
-              <a:t>　・背景</a:t>
-            </a:r>
-            <a:endParaRPr lang="en-US" altLang="ja-JP" dirty="0">
+            <a:r>
+              <a:rPr lang="en-US" altLang="ja-JP" sz="2400" dirty="0">
+                <a:latin typeface="メイリオ" panose="020B0604030504040204" pitchFamily="50" charset="-128"/>
+                <a:ea typeface="メイリオ" panose="020B0604030504040204" pitchFamily="50" charset="-128"/>
+              </a:rPr>
+              <a:t>	</a:t>
+            </a:r>
+            <a:r>
+              <a:rPr lang="ja-JP" altLang="en-US" sz="2400" dirty="0">
+                <a:solidFill>
+                  <a:srgbClr val="FF0000"/>
+                </a:solidFill>
+                <a:latin typeface="メイリオ" panose="020B0604030504040204" pitchFamily="50" charset="-128"/>
+                <a:ea typeface="メイリオ" panose="020B0604030504040204" pitchFamily="50" charset="-128"/>
+              </a:rPr>
+              <a:t>ただし</a:t>
+            </a:r>
+            <a:r>
+              <a:rPr lang="en-US" altLang="ja-JP" sz="2400" dirty="0">
+                <a:solidFill>
+                  <a:srgbClr val="FF0000"/>
+                </a:solidFill>
+                <a:latin typeface="メイリオ" panose="020B0604030504040204" pitchFamily="50" charset="-128"/>
+                <a:ea typeface="メイリオ" panose="020B0604030504040204" pitchFamily="50" charset="-128"/>
+              </a:rPr>
+              <a:t>1</a:t>
+            </a:r>
+            <a:r>
+              <a:rPr lang="ja-JP" altLang="en-US" sz="2400" dirty="0">
+                <a:solidFill>
+                  <a:srgbClr val="FF0000"/>
+                </a:solidFill>
+                <a:latin typeface="メイリオ" panose="020B0604030504040204" pitchFamily="50" charset="-128"/>
+                <a:ea typeface="メイリオ" panose="020B0604030504040204" pitchFamily="50" charset="-128"/>
+              </a:rPr>
+              <a:t>行ずつ</a:t>
+            </a:r>
+            <a:endParaRPr lang="en-US" altLang="ja-JP" sz="2400" dirty="0">
+              <a:solidFill>
+                <a:srgbClr val="FF0000"/>
+              </a:solidFill>
               <a:latin typeface="メイリオ" panose="020B0604030504040204" pitchFamily="50" charset="-128"/>
               <a:ea typeface="メイリオ" panose="020B0604030504040204" pitchFamily="50" charset="-128"/>
             </a:endParaRPr>
           </a:p>
           <a:p>
-            <a:pPr marL="0" indent="0">
-              <a:buNone/>
-            </a:pPr>
-            <a:r>
-              <a:rPr lang="en-US" altLang="ja-JP" dirty="0">
-                <a:latin typeface="メイリオ" panose="020B0604030504040204" pitchFamily="50" charset="-128"/>
-                <a:ea typeface="メイリオ" panose="020B0604030504040204" pitchFamily="50" charset="-128"/>
-              </a:rPr>
-              <a:t>	</a:t>
-            </a:r>
-            <a:r>
-              <a:rPr lang="ja-JP" altLang="en-US" dirty="0">
-                <a:latin typeface="メイリオ" panose="020B0604030504040204" pitchFamily="50" charset="-128"/>
-                <a:ea typeface="メイリオ" panose="020B0604030504040204" pitchFamily="50" charset="-128"/>
-              </a:rPr>
-              <a:t>・しなければならないことを忘れる</a:t>
-            </a:r>
-            <a:endParaRPr lang="en-US" altLang="ja-JP" dirty="0">
+            <a:endParaRPr lang="en-US" altLang="ja-JP" sz="2400" dirty="0">
+              <a:solidFill>
+                <a:srgbClr val="FF0000"/>
+              </a:solidFill>
               <a:latin typeface="メイリオ" panose="020B0604030504040204" pitchFamily="50" charset="-128"/>
               <a:ea typeface="メイリオ" panose="020B0604030504040204" pitchFamily="50" charset="-128"/>
             </a:endParaRPr>
           </a:p>
           <a:p>
-            <a:pPr marL="0" indent="0">
-              <a:buNone/>
-            </a:pPr>
-            <a:r>
-              <a:rPr lang="ja-JP" altLang="en-US" dirty="0">
-                <a:latin typeface="メイリオ" panose="020B0604030504040204" pitchFamily="50" charset="-128"/>
-                <a:ea typeface="メイリオ" panose="020B0604030504040204" pitchFamily="50" charset="-128"/>
-              </a:rPr>
-              <a:t>　・目的</a:t>
-            </a:r>
-            <a:endParaRPr lang="en-US" altLang="ja-JP" dirty="0">
+            <a:r>
+              <a:rPr lang="ja-JP" altLang="en-US" sz="2800" dirty="0">
+                <a:latin typeface="メイリオ" panose="020B0604030504040204" pitchFamily="50" charset="-128"/>
+                <a:ea typeface="メイリオ" panose="020B0604030504040204" pitchFamily="50" charset="-128"/>
+              </a:rPr>
+              <a:t>タスクの削除</a:t>
+            </a:r>
+            <a:endParaRPr lang="en-US" altLang="ja-JP" sz="2800" dirty="0">
               <a:latin typeface="メイリオ" panose="020B0604030504040204" pitchFamily="50" charset="-128"/>
               <a:ea typeface="メイリオ" panose="020B0604030504040204" pitchFamily="50" charset="-128"/>
             </a:endParaRPr>
           </a:p>
           <a:p>
-            <a:pPr marL="0" indent="0">
-              <a:buNone/>
-            </a:pPr>
-            <a:r>
-              <a:rPr lang="en-US" altLang="ja-JP" dirty="0">
+            <a:r>
+              <a:rPr lang="en-US" altLang="ja-JP" sz="2400" dirty="0">
+                <a:solidFill>
+                  <a:srgbClr val="FF0000"/>
+                </a:solidFill>
                 <a:latin typeface="メイリオ" panose="020B0604030504040204" pitchFamily="50" charset="-128"/>
                 <a:ea typeface="メイリオ" panose="020B0604030504040204" pitchFamily="50" charset="-128"/>
               </a:rPr>
               <a:t>	</a:t>
             </a:r>
             <a:r>
-              <a:rPr lang="ja-JP" altLang="en-US" dirty="0">
-                <a:latin typeface="メイリオ" panose="020B0604030504040204" pitchFamily="50" charset="-128"/>
-                <a:ea typeface="メイリオ" panose="020B0604030504040204" pitchFamily="50" charset="-128"/>
-              </a:rPr>
-              <a:t>・やるべきことを整理するリストを作成</a:t>
-            </a:r>
-            <a:endParaRPr lang="en-US" altLang="ja-JP" dirty="0">
+              <a:rPr lang="ja-JP" altLang="en-US" sz="2400" dirty="0">
+                <a:solidFill>
+                  <a:srgbClr val="FF0000"/>
+                </a:solidFill>
+                <a:latin typeface="メイリオ" panose="020B0604030504040204" pitchFamily="50" charset="-128"/>
+                <a:ea typeface="メイリオ" panose="020B0604030504040204" pitchFamily="50" charset="-128"/>
+              </a:rPr>
+              <a:t>削除確認画面なし</a:t>
+            </a:r>
+            <a:endParaRPr lang="en-US" altLang="ja-JP" sz="2400" dirty="0">
+              <a:solidFill>
+                <a:srgbClr val="FF0000"/>
+              </a:solidFill>
               <a:latin typeface="メイリオ" panose="020B0604030504040204" pitchFamily="50" charset="-128"/>
               <a:ea typeface="メイリオ" panose="020B0604030504040204" pitchFamily="50" charset="-128"/>
             </a:endParaRPr>
@@ -9617,7 +14243,7 @@
     </p:spTree>
     <p:extLst>
       <p:ext uri="{BB962C8B-B14F-4D97-AF65-F5344CB8AC3E}">
-        <p14:creationId xmlns:p14="http://schemas.microsoft.com/office/powerpoint/2010/main" val="1404189339"/>
+        <p14:creationId xmlns:p14="http://schemas.microsoft.com/office/powerpoint/2010/main" val="556035761"/>
       </p:ext>
     </p:extLst>
   </p:cSld>
@@ -9649,7 +14275,7 @@
           <p:cNvPr id="2" name="タイトル 1">
             <a:extLst>
               <a:ext uri="{FF2B5EF4-FFF2-40B4-BE49-F238E27FC236}">
-                <a16:creationId xmlns:a16="http://schemas.microsoft.com/office/drawing/2014/main" id="{F250BB4C-CBBD-44AF-BC8D-8E9E1F87500E}"/>
+                <a16:creationId xmlns:a16="http://schemas.microsoft.com/office/drawing/2014/main" id="{1A32EFAC-AB57-4F1E-9CDB-4B6F4F34F011}"/>
               </a:ext>
             </a:extLst>
           </p:cNvPr>
@@ -9695,10 +14321,10 @@
       </p:sp>
       <p:sp>
         <p:nvSpPr>
-          <p:cNvPr id="3" name="コンテンツ プレースホルダー 2">
-            <a:extLst>
-              <a:ext uri="{FF2B5EF4-FFF2-40B4-BE49-F238E27FC236}">
-                <a16:creationId xmlns:a16="http://schemas.microsoft.com/office/drawing/2014/main" id="{61537903-AEC5-4B0B-99B3-F9E210514876}"/>
+          <p:cNvPr id="4" name="コンテンツ プレースホルダー 3">
+            <a:extLst>
+              <a:ext uri="{FF2B5EF4-FFF2-40B4-BE49-F238E27FC236}">
+                <a16:creationId xmlns:a16="http://schemas.microsoft.com/office/drawing/2014/main" id="{D01C0CF0-050F-47BE-AA89-A70F30DABA10}"/>
               </a:ext>
             </a:extLst>
           </p:cNvPr>
@@ -9711,13 +14337,10 @@
         </p:nvSpPr>
         <p:spPr/>
         <p:txBody>
-          <a:bodyPr>
-            <a:normAutofit/>
-          </a:bodyPr>
+          <a:bodyPr/>
           <a:lstStyle/>
           <a:p>
             <a:pPr marL="0" indent="0">
-              <a:buFont typeface="Arial" panose="020B0604020202020204" pitchFamily="34" charset="0"/>
               <a:buNone/>
             </a:pPr>
             <a:r>
@@ -9725,7 +14348,7 @@
                 <a:latin typeface="メイリオ" panose="020B0604030504040204" pitchFamily="50" charset="-128"/>
                 <a:ea typeface="メイリオ" panose="020B0604030504040204" pitchFamily="50" charset="-128"/>
               </a:rPr>
-              <a:t>・機能</a:t>
+              <a:t>・使用言語</a:t>
             </a:r>
             <a:endParaRPr lang="en-US" altLang="ja-JP" dirty="0">
               <a:latin typeface="メイリオ" panose="020B0604030504040204" pitchFamily="50" charset="-128"/>
@@ -9734,7 +14357,6 @@
           </a:p>
           <a:p>
             <a:pPr marL="0" indent="0">
-              <a:buFont typeface="Arial" panose="020B0604020202020204" pitchFamily="34" charset="0"/>
               <a:buNone/>
             </a:pPr>
             <a:r>
@@ -9742,7 +14364,40 @@
                 <a:latin typeface="メイリオ" panose="020B0604030504040204" pitchFamily="50" charset="-128"/>
                 <a:ea typeface="メイリオ" panose="020B0604030504040204" pitchFamily="50" charset="-128"/>
               </a:rPr>
-              <a:t>　・新規追加</a:t>
+              <a:t>　・</a:t>
+            </a:r>
+            <a:r>
+              <a:rPr lang="en-US" altLang="ja-JP" dirty="0">
+                <a:latin typeface="メイリオ" panose="020B0604030504040204" pitchFamily="50" charset="-128"/>
+                <a:ea typeface="メイリオ" panose="020B0604030504040204" pitchFamily="50" charset="-128"/>
+              </a:rPr>
+              <a:t>Python: ver. 3.11.4</a:t>
+            </a:r>
+            <a:r>
+              <a:rPr lang="ja-JP" altLang="en-US" dirty="0">
+                <a:latin typeface="メイリオ" panose="020B0604030504040204" pitchFamily="50" charset="-128"/>
+                <a:ea typeface="メイリオ" panose="020B0604030504040204" pitchFamily="50" charset="-128"/>
+              </a:rPr>
+              <a:t>、</a:t>
+            </a:r>
+            <a:r>
+              <a:rPr lang="en-US" altLang="ja-JP" dirty="0">
+                <a:latin typeface="メイリオ" panose="020B0604030504040204" pitchFamily="50" charset="-128"/>
+                <a:ea typeface="メイリオ" panose="020B0604030504040204" pitchFamily="50" charset="-128"/>
+              </a:rPr>
+              <a:t>SQLite: ver. 3.41.2</a:t>
+            </a:r>
+          </a:p>
+          <a:p>
+            <a:pPr marL="0" indent="0">
+              <a:buNone/>
+            </a:pPr>
+            <a:r>
+              <a:rPr lang="ja-JP" altLang="en-US" dirty="0">
+                <a:latin typeface="メイリオ" panose="020B0604030504040204" pitchFamily="50" charset="-128"/>
+                <a:ea typeface="メイリオ" panose="020B0604030504040204" pitchFamily="50" charset="-128"/>
+              </a:rPr>
+              <a:t>・制作の目的</a:t>
             </a:r>
             <a:endParaRPr lang="en-US" altLang="ja-JP" dirty="0">
               <a:latin typeface="メイリオ" panose="020B0604030504040204" pitchFamily="50" charset="-128"/>
@@ -9751,7 +14406,6 @@
           </a:p>
           <a:p>
             <a:pPr marL="0" indent="0">
-              <a:buFont typeface="Arial" panose="020B0604020202020204" pitchFamily="34" charset="0"/>
               <a:buNone/>
             </a:pPr>
             <a:r>
@@ -9759,7 +14413,7 @@
                 <a:latin typeface="メイリオ" panose="020B0604030504040204" pitchFamily="50" charset="-128"/>
                 <a:ea typeface="メイリオ" panose="020B0604030504040204" pitchFamily="50" charset="-128"/>
               </a:rPr>
-              <a:t>　・リストの表示</a:t>
+              <a:t>　・背景</a:t>
             </a:r>
             <a:endParaRPr lang="en-US" altLang="ja-JP" dirty="0">
               <a:latin typeface="メイリオ" panose="020B0604030504040204" pitchFamily="50" charset="-128"/>
@@ -9768,15 +14422,21 @@
           </a:p>
           <a:p>
             <a:pPr marL="0" indent="0">
-              <a:buFont typeface="Arial" panose="020B0604020202020204" pitchFamily="34" charset="0"/>
               <a:buNone/>
             </a:pPr>
             <a:r>
+              <a:rPr lang="en-US" altLang="ja-JP" dirty="0">
+                <a:latin typeface="メイリオ" panose="020B0604030504040204" pitchFamily="50" charset="-128"/>
+                <a:ea typeface="メイリオ" panose="020B0604030504040204" pitchFamily="50" charset="-128"/>
+              </a:rPr>
+              <a:t>	</a:t>
+            </a:r>
+            <a:r>
               <a:rPr lang="ja-JP" altLang="en-US" dirty="0">
                 <a:latin typeface="メイリオ" panose="020B0604030504040204" pitchFamily="50" charset="-128"/>
                 <a:ea typeface="メイリオ" panose="020B0604030504040204" pitchFamily="50" charset="-128"/>
               </a:rPr>
-              <a:t>　・更新</a:t>
+              <a:t>・しなければならないことを忘れる</a:t>
             </a:r>
             <a:endParaRPr lang="en-US" altLang="ja-JP" dirty="0">
               <a:latin typeface="メイリオ" panose="020B0604030504040204" pitchFamily="50" charset="-128"/>
@@ -9785,7 +14445,6 @@
           </a:p>
           <a:p>
             <a:pPr marL="0" indent="0">
-              <a:buFont typeface="Arial" panose="020B0604020202020204" pitchFamily="34" charset="0"/>
               <a:buNone/>
             </a:pPr>
             <a:r>
@@ -9793,7 +14452,7 @@
                 <a:latin typeface="メイリオ" panose="020B0604030504040204" pitchFamily="50" charset="-128"/>
                 <a:ea typeface="メイリオ" panose="020B0604030504040204" pitchFamily="50" charset="-128"/>
               </a:rPr>
-              <a:t>　・削除</a:t>
+              <a:t>　・目的</a:t>
             </a:r>
             <a:endParaRPr lang="en-US" altLang="ja-JP" dirty="0">
               <a:latin typeface="メイリオ" panose="020B0604030504040204" pitchFamily="50" charset="-128"/>
@@ -9801,6 +14460,23 @@
             </a:endParaRPr>
           </a:p>
           <a:p>
+            <a:pPr marL="0" indent="0">
+              <a:buNone/>
+            </a:pPr>
+            <a:r>
+              <a:rPr lang="en-US" altLang="ja-JP" dirty="0">
+                <a:latin typeface="メイリオ" panose="020B0604030504040204" pitchFamily="50" charset="-128"/>
+                <a:ea typeface="メイリオ" panose="020B0604030504040204" pitchFamily="50" charset="-128"/>
+              </a:rPr>
+              <a:t>	</a:t>
+            </a:r>
+            <a:r>
+              <a:rPr lang="ja-JP" altLang="en-US" dirty="0">
+                <a:latin typeface="メイリオ" panose="020B0604030504040204" pitchFamily="50" charset="-128"/>
+                <a:ea typeface="メイリオ" panose="020B0604030504040204" pitchFamily="50" charset="-128"/>
+              </a:rPr>
+              <a:t>・やるべきことを整理するリストを作成</a:t>
+            </a:r>
             <a:endParaRPr lang="en-US" altLang="ja-JP" dirty="0">
               <a:latin typeface="メイリオ" panose="020B0604030504040204" pitchFamily="50" charset="-128"/>
               <a:ea typeface="メイリオ" panose="020B0604030504040204" pitchFamily="50" charset="-128"/>
@@ -9811,7 +14487,7 @@
     </p:spTree>
     <p:extLst>
       <p:ext uri="{BB962C8B-B14F-4D97-AF65-F5344CB8AC3E}">
-        <p14:creationId xmlns:p14="http://schemas.microsoft.com/office/powerpoint/2010/main" val="3955549143"/>
+        <p14:creationId xmlns:p14="http://schemas.microsoft.com/office/powerpoint/2010/main" val="1404189339"/>
       </p:ext>
     </p:extLst>
   </p:cSld>
@@ -9843,7 +14519,7 @@
           <p:cNvPr id="2" name="タイトル 1">
             <a:extLst>
               <a:ext uri="{FF2B5EF4-FFF2-40B4-BE49-F238E27FC236}">
-                <a16:creationId xmlns:a16="http://schemas.microsoft.com/office/drawing/2014/main" id="{1191C142-1368-4B5A-907A-C83F30230C2C}"/>
+                <a16:creationId xmlns:a16="http://schemas.microsoft.com/office/drawing/2014/main" id="{F250BB4C-CBBD-44AF-BC8D-8E9E1F87500E}"/>
               </a:ext>
             </a:extLst>
           </p:cNvPr>
@@ -9880,7 +14556,10 @@
               </a:rPr>
               <a:t>リストアプリ</a:t>
             </a:r>
-            <a:endParaRPr kumimoji="1" lang="ja-JP" altLang="en-US" dirty="0"/>
+            <a:endParaRPr kumimoji="1" lang="ja-JP" altLang="en-US" dirty="0">
+              <a:latin typeface="メイリオ" panose="020B0604030504040204" pitchFamily="50" charset="-128"/>
+              <a:ea typeface="メイリオ" panose="020B0604030504040204" pitchFamily="50" charset="-128"/>
+            </a:endParaRPr>
           </a:p>
         </p:txBody>
       </p:sp>
@@ -9889,7 +14568,7 @@
           <p:cNvPr id="3" name="コンテンツ プレースホルダー 2">
             <a:extLst>
               <a:ext uri="{FF2B5EF4-FFF2-40B4-BE49-F238E27FC236}">
-                <a16:creationId xmlns:a16="http://schemas.microsoft.com/office/drawing/2014/main" id="{C36DBE64-62E3-4CD2-ACFB-FAF81B15B14E}"/>
+                <a16:creationId xmlns:a16="http://schemas.microsoft.com/office/drawing/2014/main" id="{61537903-AEC5-4B0B-99B3-F9E210514876}"/>
               </a:ext>
             </a:extLst>
           </p:cNvPr>
@@ -9900,156 +14579,109 @@
             <p:ph idx="1"/>
           </p:nvPr>
         </p:nvSpPr>
-        <p:spPr>
-          <a:xfrm>
-            <a:off x="838200" y="1825625"/>
-            <a:ext cx="4488180" cy="4351338"/>
-          </a:xfrm>
-        </p:spPr>
-        <p:txBody>
-          <a:bodyPr/>
-          <a:lstStyle/>
-          <a:p>
-            <a:r>
-              <a:rPr kumimoji="1" lang="ja-JP" altLang="en-US" dirty="0"/>
-              <a:t>詳細　</a:t>
-            </a:r>
-            <a:r>
-              <a:rPr kumimoji="1" lang="en-US" altLang="ja-JP" dirty="0"/>
-              <a:t>(</a:t>
-            </a:r>
-            <a:r>
-              <a:rPr kumimoji="1" lang="ja-JP" altLang="en-US" dirty="0"/>
-              <a:t>入力部分</a:t>
-            </a:r>
-            <a:r>
-              <a:rPr kumimoji="1" lang="en-US" altLang="ja-JP" dirty="0"/>
-              <a:t>)</a:t>
-            </a:r>
-            <a:endParaRPr kumimoji="1" lang="ja-JP" altLang="en-US" dirty="0"/>
-          </a:p>
-        </p:txBody>
-      </p:sp>
-      <p:pic>
-        <p:nvPicPr>
-          <p:cNvPr id="5" name="図 4">
-            <a:extLst>
-              <a:ext uri="{FF2B5EF4-FFF2-40B4-BE49-F238E27FC236}">
-                <a16:creationId xmlns:a16="http://schemas.microsoft.com/office/drawing/2014/main" id="{C5496F74-761D-4461-8F59-B13E3C4CE9A8}"/>
-              </a:ext>
-            </a:extLst>
-          </p:cNvPr>
-          <p:cNvPicPr>
-            <a:picLocks noChangeAspect="1"/>
-          </p:cNvPicPr>
-          <p:nvPr/>
-        </p:nvPicPr>
-        <p:blipFill>
-          <a:blip r:embed="rId2">
-            <a:extLst>
-              <a:ext uri="{28A0092B-C50C-407E-A947-70E740481C1C}">
-                <a14:useLocalDpi xmlns:a14="http://schemas.microsoft.com/office/drawing/2010/main" val="0"/>
-              </a:ext>
-            </a:extLst>
-          </a:blip>
-          <a:stretch>
-            <a:fillRect/>
-          </a:stretch>
-        </p:blipFill>
-        <p:spPr>
-          <a:xfrm>
-            <a:off x="838200" y="2526850"/>
-            <a:ext cx="4144104" cy="3325310"/>
-          </a:xfrm>
-          <a:prstGeom prst="rect">
-            <a:avLst/>
-          </a:prstGeom>
-        </p:spPr>
-      </p:pic>
-      <p:sp>
-        <p:nvSpPr>
-          <p:cNvPr id="6" name="テキスト ボックス 5">
-            <a:extLst>
-              <a:ext uri="{FF2B5EF4-FFF2-40B4-BE49-F238E27FC236}">
-                <a16:creationId xmlns:a16="http://schemas.microsoft.com/office/drawing/2014/main" id="{856304B7-67A3-4F9C-BF22-CD71BCE7FFD9}"/>
-              </a:ext>
-            </a:extLst>
-          </p:cNvPr>
-          <p:cNvSpPr txBox="1"/>
-          <p:nvPr/>
-        </p:nvSpPr>
-        <p:spPr>
-          <a:xfrm>
-            <a:off x="5486400" y="2526850"/>
-            <a:ext cx="5867400" cy="2246769"/>
-          </a:xfrm>
-          <a:prstGeom prst="rect">
-            <a:avLst/>
-          </a:prstGeom>
-          <a:noFill/>
-        </p:spPr>
-        <p:txBody>
-          <a:bodyPr wrap="square" rtlCol="0">
-            <a:spAutoFit/>
+        <p:spPr/>
+        <p:txBody>
+          <a:bodyPr>
+            <a:normAutofit/>
           </a:bodyPr>
           <a:lstStyle/>
           <a:p>
-            <a:r>
-              <a:rPr kumimoji="1" lang="ja-JP" altLang="en-US" sz="2800" dirty="0"/>
-              <a:t>入力内容</a:t>
-            </a:r>
-            <a:endParaRPr kumimoji="1" lang="en-US" altLang="ja-JP" sz="2800" dirty="0"/>
-          </a:p>
-          <a:p>
-            <a:r>
-              <a:rPr lang="ja-JP" altLang="en-US" sz="2800" dirty="0"/>
-              <a:t>・タスク名</a:t>
-            </a:r>
-            <a:endParaRPr lang="en-US" altLang="ja-JP" sz="2800" dirty="0"/>
-          </a:p>
-          <a:p>
-            <a:r>
-              <a:rPr kumimoji="1" lang="ja-JP" altLang="en-US" sz="2800" dirty="0"/>
-              <a:t>・年月日</a:t>
-            </a:r>
-            <a:endParaRPr kumimoji="1" lang="en-US" altLang="ja-JP" sz="2800" dirty="0"/>
-          </a:p>
-          <a:p>
-            <a:r>
-              <a:rPr lang="ja-JP" altLang="en-US" sz="2800" dirty="0"/>
-              <a:t>・開始時間 </a:t>
-            </a:r>
-            <a:r>
-              <a:rPr lang="ja-JP" altLang="en-US" sz="2800" dirty="0">
-                <a:solidFill>
-                  <a:srgbClr val="FF0000"/>
-                </a:solidFill>
-              </a:rPr>
-              <a:t>省略可</a:t>
-            </a:r>
-            <a:endParaRPr lang="en-US" altLang="ja-JP" sz="2800" dirty="0"/>
-          </a:p>
-          <a:p>
-            <a:r>
-              <a:rPr kumimoji="1" lang="ja-JP" altLang="en-US" sz="2800" dirty="0"/>
-              <a:t>・終了時間 </a:t>
-            </a:r>
-            <a:r>
-              <a:rPr lang="ja-JP" altLang="en-US" sz="2800" dirty="0">
-                <a:solidFill>
-                  <a:srgbClr val="FF0000"/>
-                </a:solidFill>
-              </a:rPr>
-              <a:t>省略可</a:t>
-            </a:r>
-            <a:endParaRPr kumimoji="1" lang="ja-JP" altLang="en-US" sz="2800" dirty="0"/>
+            <a:pPr marL="0" indent="0">
+              <a:buFont typeface="Arial" panose="020B0604020202020204" pitchFamily="34" charset="0"/>
+              <a:buNone/>
+            </a:pPr>
+            <a:r>
+              <a:rPr lang="ja-JP" altLang="en-US" dirty="0">
+                <a:latin typeface="メイリオ" panose="020B0604030504040204" pitchFamily="50" charset="-128"/>
+                <a:ea typeface="メイリオ" panose="020B0604030504040204" pitchFamily="50" charset="-128"/>
+              </a:rPr>
+              <a:t>・機能</a:t>
+            </a:r>
+            <a:endParaRPr lang="en-US" altLang="ja-JP" dirty="0">
+              <a:latin typeface="メイリオ" panose="020B0604030504040204" pitchFamily="50" charset="-128"/>
+              <a:ea typeface="メイリオ" panose="020B0604030504040204" pitchFamily="50" charset="-128"/>
+            </a:endParaRPr>
+          </a:p>
+          <a:p>
+            <a:pPr marL="0" indent="0">
+              <a:buFont typeface="Arial" panose="020B0604020202020204" pitchFamily="34" charset="0"/>
+              <a:buNone/>
+            </a:pPr>
+            <a:r>
+              <a:rPr lang="ja-JP" altLang="en-US" dirty="0">
+                <a:latin typeface="メイリオ" panose="020B0604030504040204" pitchFamily="50" charset="-128"/>
+                <a:ea typeface="メイリオ" panose="020B0604030504040204" pitchFamily="50" charset="-128"/>
+              </a:rPr>
+              <a:t>　・新規追加</a:t>
+            </a:r>
+            <a:endParaRPr lang="en-US" altLang="ja-JP" dirty="0">
+              <a:latin typeface="メイリオ" panose="020B0604030504040204" pitchFamily="50" charset="-128"/>
+              <a:ea typeface="メイリオ" panose="020B0604030504040204" pitchFamily="50" charset="-128"/>
+            </a:endParaRPr>
+          </a:p>
+          <a:p>
+            <a:pPr marL="0" indent="0">
+              <a:buFont typeface="Arial" panose="020B0604020202020204" pitchFamily="34" charset="0"/>
+              <a:buNone/>
+            </a:pPr>
+            <a:r>
+              <a:rPr lang="ja-JP" altLang="en-US" dirty="0">
+                <a:latin typeface="メイリオ" panose="020B0604030504040204" pitchFamily="50" charset="-128"/>
+                <a:ea typeface="メイリオ" panose="020B0604030504040204" pitchFamily="50" charset="-128"/>
+              </a:rPr>
+              <a:t>　・リストの表示</a:t>
+            </a:r>
+            <a:endParaRPr lang="en-US" altLang="ja-JP" dirty="0">
+              <a:latin typeface="メイリオ" panose="020B0604030504040204" pitchFamily="50" charset="-128"/>
+              <a:ea typeface="メイリオ" panose="020B0604030504040204" pitchFamily="50" charset="-128"/>
+            </a:endParaRPr>
+          </a:p>
+          <a:p>
+            <a:pPr marL="0" indent="0">
+              <a:buFont typeface="Arial" panose="020B0604020202020204" pitchFamily="34" charset="0"/>
+              <a:buNone/>
+            </a:pPr>
+            <a:r>
+              <a:rPr lang="ja-JP" altLang="en-US" dirty="0">
+                <a:latin typeface="メイリオ" panose="020B0604030504040204" pitchFamily="50" charset="-128"/>
+                <a:ea typeface="メイリオ" panose="020B0604030504040204" pitchFamily="50" charset="-128"/>
+              </a:rPr>
+              <a:t>　・更新</a:t>
+            </a:r>
+            <a:endParaRPr lang="en-US" altLang="ja-JP" dirty="0">
+              <a:latin typeface="メイリオ" panose="020B0604030504040204" pitchFamily="50" charset="-128"/>
+              <a:ea typeface="メイリオ" panose="020B0604030504040204" pitchFamily="50" charset="-128"/>
+            </a:endParaRPr>
+          </a:p>
+          <a:p>
+            <a:pPr marL="0" indent="0">
+              <a:buFont typeface="Arial" panose="020B0604020202020204" pitchFamily="34" charset="0"/>
+              <a:buNone/>
+            </a:pPr>
+            <a:r>
+              <a:rPr lang="ja-JP" altLang="en-US" dirty="0">
+                <a:latin typeface="メイリオ" panose="020B0604030504040204" pitchFamily="50" charset="-128"/>
+                <a:ea typeface="メイリオ" panose="020B0604030504040204" pitchFamily="50" charset="-128"/>
+              </a:rPr>
+              <a:t>　・削除</a:t>
+            </a:r>
+            <a:endParaRPr lang="en-US" altLang="ja-JP" dirty="0">
+              <a:latin typeface="メイリオ" panose="020B0604030504040204" pitchFamily="50" charset="-128"/>
+              <a:ea typeface="メイリオ" panose="020B0604030504040204" pitchFamily="50" charset="-128"/>
+            </a:endParaRPr>
+          </a:p>
+          <a:p>
+            <a:endParaRPr lang="en-US" altLang="ja-JP" dirty="0">
+              <a:latin typeface="メイリオ" panose="020B0604030504040204" pitchFamily="50" charset="-128"/>
+              <a:ea typeface="メイリオ" panose="020B0604030504040204" pitchFamily="50" charset="-128"/>
+            </a:endParaRPr>
           </a:p>
         </p:txBody>
       </p:sp>
     </p:spTree>
     <p:extLst>
       <p:ext uri="{BB962C8B-B14F-4D97-AF65-F5344CB8AC3E}">
-        <p14:creationId xmlns:p14="http://schemas.microsoft.com/office/powerpoint/2010/main" val="649408556"/>
+        <p14:creationId xmlns:p14="http://schemas.microsoft.com/office/powerpoint/2010/main" val="3955549143"/>
       </p:ext>
     </p:extLst>
   </p:cSld>
@@ -10647,4 +15279,299 @@
     </a:ext>
   </a:extLst>
 </a:theme>
+</file>
+
+<file path=ppt/theme/theme3.xml><?xml version="1.0" encoding="utf-8"?>
+<a:theme xmlns:a="http://schemas.openxmlformats.org/drawingml/2006/main" name="Office テーマ">
+  <a:themeElements>
+    <a:clrScheme name="Office">
+      <a:dk1>
+        <a:sysClr val="windowText" lastClr="000000"/>
+      </a:dk1>
+      <a:lt1>
+        <a:sysClr val="window" lastClr="FFFFFF"/>
+      </a:lt1>
+      <a:dk2>
+        <a:srgbClr val="44546A"/>
+      </a:dk2>
+      <a:lt2>
+        <a:srgbClr val="E7E6E6"/>
+      </a:lt2>
+      <a:accent1>
+        <a:srgbClr val="4472C4"/>
+      </a:accent1>
+      <a:accent2>
+        <a:srgbClr val="ED7D31"/>
+      </a:accent2>
+      <a:accent3>
+        <a:srgbClr val="A5A5A5"/>
+      </a:accent3>
+      <a:accent4>
+        <a:srgbClr val="FFC000"/>
+      </a:accent4>
+      <a:accent5>
+        <a:srgbClr val="5B9BD5"/>
+      </a:accent5>
+      <a:accent6>
+        <a:srgbClr val="70AD47"/>
+      </a:accent6>
+      <a:hlink>
+        <a:srgbClr val="0563C1"/>
+      </a:hlink>
+      <a:folHlink>
+        <a:srgbClr val="954F72"/>
+      </a:folHlink>
+    </a:clrScheme>
+    <a:fontScheme name="Office">
+      <a:majorFont>
+        <a:latin typeface="游ゴシック Light" panose="020F0302020204030204"/>
+        <a:ea typeface=""/>
+        <a:cs typeface=""/>
+        <a:font script="Jpan" typeface="游ゴシック Light"/>
+        <a:font script="Hang" typeface="맑은 고딕"/>
+        <a:font script="Hans" typeface="等线 Light"/>
+        <a:font script="Hant" typeface="新細明體"/>
+        <a:font script="Arab" typeface="Times New Roman"/>
+        <a:font script="Hebr" typeface="Times New Roman"/>
+        <a:font script="Thai" typeface="Angsana New"/>
+        <a:font script="Ethi" typeface="Nyala"/>
+        <a:font script="Beng" typeface="Vrinda"/>
+        <a:font script="Gujr" typeface="Shruti"/>
+        <a:font script="Khmr" typeface="MoolBoran"/>
+        <a:font script="Knda" typeface="Tunga"/>
+        <a:font script="Guru" typeface="Raavi"/>
+        <a:font script="Cans" typeface="Euphemia"/>
+        <a:font script="Cher" typeface="Plantagenet Cherokee"/>
+        <a:font script="Yiii" typeface="Microsoft Yi Baiti"/>
+        <a:font script="Tibt" typeface="Microsoft Himalaya"/>
+        <a:font script="Thaa" typeface="MV Boli"/>
+        <a:font script="Deva" typeface="Mangal"/>
+        <a:font script="Telu" typeface="Gautami"/>
+        <a:font script="Taml" typeface="Latha"/>
+        <a:font script="Syrc" typeface="Estrangelo Edessa"/>
+        <a:font script="Orya" typeface="Kalinga"/>
+        <a:font script="Mlym" typeface="Kartika"/>
+        <a:font script="Laoo" typeface="DokChampa"/>
+        <a:font script="Sinh" typeface="Iskoola Pota"/>
+        <a:font script="Mong" typeface="Mongolian Baiti"/>
+        <a:font script="Viet" typeface="Times New Roman"/>
+        <a:font script="Uigh" typeface="Microsoft Uighur"/>
+        <a:font script="Geor" typeface="Sylfaen"/>
+        <a:font script="Armn" typeface="Arial"/>
+        <a:font script="Bugi" typeface="Leelawadee UI"/>
+        <a:font script="Bopo" typeface="Microsoft JhengHei"/>
+        <a:font script="Java" typeface="Javanese Text"/>
+        <a:font script="Lisu" typeface="Segoe UI"/>
+        <a:font script="Mymr" typeface="Myanmar Text"/>
+        <a:font script="Nkoo" typeface="Ebrima"/>
+        <a:font script="Olck" typeface="Nirmala UI"/>
+        <a:font script="Osma" typeface="Ebrima"/>
+        <a:font script="Phag" typeface="Phagspa"/>
+        <a:font script="Syrn" typeface="Estrangelo Edessa"/>
+        <a:font script="Syrj" typeface="Estrangelo Edessa"/>
+        <a:font script="Syre" typeface="Estrangelo Edessa"/>
+        <a:font script="Sora" typeface="Nirmala UI"/>
+        <a:font script="Tale" typeface="Microsoft Tai Le"/>
+        <a:font script="Talu" typeface="Microsoft New Tai Lue"/>
+        <a:font script="Tfng" typeface="Ebrima"/>
+      </a:majorFont>
+      <a:minorFont>
+        <a:latin typeface="游ゴシック" panose="020F0502020204030204"/>
+        <a:ea typeface=""/>
+        <a:cs typeface=""/>
+        <a:font script="Jpan" typeface="游ゴシック"/>
+        <a:font script="Hang" typeface="맑은 고딕"/>
+        <a:font script="Hans" typeface="等线"/>
+        <a:font script="Hant" typeface="新細明體"/>
+        <a:font script="Arab" typeface="Arial"/>
+        <a:font script="Hebr" typeface="Arial"/>
+        <a:font script="Thai" typeface="Cordia New"/>
+        <a:font script="Ethi" typeface="Nyala"/>
+        <a:font script="Beng" typeface="Vrinda"/>
+        <a:font script="Gujr" typeface="Shruti"/>
+        <a:font script="Khmr" typeface="DaunPenh"/>
+        <a:font script="Knda" typeface="Tunga"/>
+        <a:font script="Guru" typeface="Raavi"/>
+        <a:font script="Cans" typeface="Euphemia"/>
+        <a:font script="Cher" typeface="Plantagenet Cherokee"/>
+        <a:font script="Yiii" typeface="Microsoft Yi Baiti"/>
+        <a:font script="Tibt" typeface="Microsoft Himalaya"/>
+        <a:font script="Thaa" typeface="MV Boli"/>
+        <a:font script="Deva" typeface="Mangal"/>
+        <a:font script="Telu" typeface="Gautami"/>
+        <a:font script="Taml" typeface="Latha"/>
+        <a:font script="Syrc" typeface="Estrangelo Edessa"/>
+        <a:font script="Orya" typeface="Kalinga"/>
+        <a:font script="Mlym" typeface="Kartika"/>
+        <a:font script="Laoo" typeface="DokChampa"/>
+        <a:font script="Sinh" typeface="Iskoola Pota"/>
+        <a:font script="Mong" typeface="Mongolian Baiti"/>
+        <a:font script="Viet" typeface="Arial"/>
+        <a:font script="Uigh" typeface="Microsoft Uighur"/>
+        <a:font script="Geor" typeface="Sylfaen"/>
+        <a:font script="Armn" typeface="Arial"/>
+        <a:font script="Bugi" typeface="Leelawadee UI"/>
+        <a:font script="Bopo" typeface="Microsoft JhengHei"/>
+        <a:font script="Java" typeface="Javanese Text"/>
+        <a:font script="Lisu" typeface="Segoe UI"/>
+        <a:font script="Mymr" typeface="Myanmar Text"/>
+        <a:font script="Nkoo" typeface="Ebrima"/>
+        <a:font script="Olck" typeface="Nirmala UI"/>
+        <a:font script="Osma" typeface="Ebrima"/>
+        <a:font script="Phag" typeface="Phagspa"/>
+        <a:font script="Syrn" typeface="Estrangelo Edessa"/>
+        <a:font script="Syrj" typeface="Estrangelo Edessa"/>
+        <a:font script="Syre" typeface="Estrangelo Edessa"/>
+        <a:font script="Sora" typeface="Nirmala UI"/>
+        <a:font script="Tale" typeface="Microsoft Tai Le"/>
+        <a:font script="Talu" typeface="Microsoft New Tai Lue"/>
+        <a:font script="Tfng" typeface="Ebrima"/>
+      </a:minorFont>
+    </a:fontScheme>
+    <a:fmtScheme name="Office">
+      <a:fillStyleLst>
+        <a:solidFill>
+          <a:schemeClr val="phClr"/>
+        </a:solidFill>
+        <a:gradFill rotWithShape="1">
+          <a:gsLst>
+            <a:gs pos="0">
+              <a:schemeClr val="phClr">
+                <a:lumMod val="110000"/>
+                <a:satMod val="105000"/>
+                <a:tint val="67000"/>
+              </a:schemeClr>
+            </a:gs>
+            <a:gs pos="50000">
+              <a:schemeClr val="phClr">
+                <a:lumMod val="105000"/>
+                <a:satMod val="103000"/>
+                <a:tint val="73000"/>
+              </a:schemeClr>
+            </a:gs>
+            <a:gs pos="100000">
+              <a:schemeClr val="phClr">
+                <a:lumMod val="105000"/>
+                <a:satMod val="109000"/>
+                <a:tint val="81000"/>
+              </a:schemeClr>
+            </a:gs>
+          </a:gsLst>
+          <a:lin ang="5400000" scaled="0"/>
+        </a:gradFill>
+        <a:gradFill rotWithShape="1">
+          <a:gsLst>
+            <a:gs pos="0">
+              <a:schemeClr val="phClr">
+                <a:satMod val="103000"/>
+                <a:lumMod val="102000"/>
+                <a:tint val="94000"/>
+              </a:schemeClr>
+            </a:gs>
+            <a:gs pos="50000">
+              <a:schemeClr val="phClr">
+                <a:satMod val="110000"/>
+                <a:lumMod val="100000"/>
+                <a:shade val="100000"/>
+              </a:schemeClr>
+            </a:gs>
+            <a:gs pos="100000">
+              <a:schemeClr val="phClr">
+                <a:lumMod val="99000"/>
+                <a:satMod val="120000"/>
+                <a:shade val="78000"/>
+              </a:schemeClr>
+            </a:gs>
+          </a:gsLst>
+          <a:lin ang="5400000" scaled="0"/>
+        </a:gradFill>
+      </a:fillStyleLst>
+      <a:lnStyleLst>
+        <a:ln w="6350" cap="flat" cmpd="sng" algn="ctr">
+          <a:solidFill>
+            <a:schemeClr val="phClr"/>
+          </a:solidFill>
+          <a:prstDash val="solid"/>
+          <a:miter lim="800000"/>
+        </a:ln>
+        <a:ln w="12700" cap="flat" cmpd="sng" algn="ctr">
+          <a:solidFill>
+            <a:schemeClr val="phClr"/>
+          </a:solidFill>
+          <a:prstDash val="solid"/>
+          <a:miter lim="800000"/>
+        </a:ln>
+        <a:ln w="19050" cap="flat" cmpd="sng" algn="ctr">
+          <a:solidFill>
+            <a:schemeClr val="phClr"/>
+          </a:solidFill>
+          <a:prstDash val="solid"/>
+          <a:miter lim="800000"/>
+        </a:ln>
+      </a:lnStyleLst>
+      <a:effectStyleLst>
+        <a:effectStyle>
+          <a:effectLst/>
+        </a:effectStyle>
+        <a:effectStyle>
+          <a:effectLst/>
+        </a:effectStyle>
+        <a:effectStyle>
+          <a:effectLst>
+            <a:outerShdw blurRad="57150" dist="19050" dir="5400000" algn="ctr" rotWithShape="0">
+              <a:srgbClr val="000000">
+                <a:alpha val="63000"/>
+              </a:srgbClr>
+            </a:outerShdw>
+          </a:effectLst>
+        </a:effectStyle>
+      </a:effectStyleLst>
+      <a:bgFillStyleLst>
+        <a:solidFill>
+          <a:schemeClr val="phClr"/>
+        </a:solidFill>
+        <a:solidFill>
+          <a:schemeClr val="phClr">
+            <a:tint val="95000"/>
+            <a:satMod val="170000"/>
+          </a:schemeClr>
+        </a:solidFill>
+        <a:gradFill rotWithShape="1">
+          <a:gsLst>
+            <a:gs pos="0">
+              <a:schemeClr val="phClr">
+                <a:tint val="93000"/>
+                <a:satMod val="150000"/>
+                <a:shade val="98000"/>
+                <a:lumMod val="102000"/>
+              </a:schemeClr>
+            </a:gs>
+            <a:gs pos="50000">
+              <a:schemeClr val="phClr">
+                <a:tint val="98000"/>
+                <a:satMod val="130000"/>
+                <a:shade val="90000"/>
+                <a:lumMod val="103000"/>
+              </a:schemeClr>
+            </a:gs>
+            <a:gs pos="100000">
+              <a:schemeClr val="phClr">
+                <a:shade val="63000"/>
+                <a:satMod val="120000"/>
+              </a:schemeClr>
+            </a:gs>
+          </a:gsLst>
+          <a:lin ang="5400000" scaled="0"/>
+        </a:gradFill>
+      </a:bgFillStyleLst>
+    </a:fmtScheme>
+  </a:themeElements>
+  <a:objectDefaults/>
+  <a:extraClrSchemeLst/>
+  <a:extLst>
+    <a:ext uri="{05A4C25C-085E-4340-85A3-A5531E510DB2}">
+      <thm15:themeFamily xmlns:thm15="http://schemas.microsoft.com/office/thememl/2012/main" name="Office Theme" id="{62F939B6-93AF-4DB8-9C6B-D6C7DFDC589F}" vid="{4A3C46E8-61CC-4603-A589-7422A47A8E4A}"/>
+    </a:ext>
+  </a:extLst>
+</a:theme>
 </file>